--- a/doc/永續發展 - 淨灘.pptx
+++ b/doc/永續發展 - 淨灘.pptx
@@ -6,6 +6,11 @@
   </p:sldMasterIdLst>
   <p:sldIdLst>
     <p:sldId id="256" r:id="rId2"/>
+    <p:sldId id="257" r:id="rId3"/>
+    <p:sldId id="258" r:id="rId4"/>
+    <p:sldId id="259" r:id="rId5"/>
+    <p:sldId id="261" r:id="rId6"/>
+    <p:sldId id="260" r:id="rId7"/>
   </p:sldIdLst>
   <p:sldSz cx="12192000" cy="6858000"/>
   <p:notesSz cx="6858000" cy="9144000"/>
@@ -104,6 +109,11 @@
       </a:defRPr>
     </a:lvl9pPr>
   </p:defaultTextStyle>
+  <p:extLst>
+    <p:ext uri="{EFAFB233-063F-42B5-8137-9DF3F51BA10A}">
+      <p15:sldGuideLst xmlns:p15="http://schemas.microsoft.com/office/powerpoint/2012/main"/>
+    </p:ext>
+  </p:extLst>
 </p:presentation>
 </file>
 
@@ -5627,6 +5637,560 @@
 </p:sld>
 </file>
 
+<file path=ppt/slides/slide2.xml><?xml version="1.0" encoding="utf-8"?>
+<p:sld xmlns:a="http://schemas.openxmlformats.org/drawingml/2006/main" xmlns:r="http://schemas.openxmlformats.org/officeDocument/2006/relationships" xmlns:p="http://schemas.openxmlformats.org/presentationml/2006/main">
+  <p:cSld>
+    <p:spTree>
+      <p:nvGrpSpPr>
+        <p:cNvPr id="1" name=""/>
+        <p:cNvGrpSpPr/>
+        <p:nvPr/>
+      </p:nvGrpSpPr>
+      <p:grpSpPr>
+        <a:xfrm>
+          <a:off x="0" y="0"/>
+          <a:ext cx="0" cy="0"/>
+          <a:chOff x="0" y="0"/>
+          <a:chExt cx="0" cy="0"/>
+        </a:xfrm>
+      </p:grpSpPr>
+      <p:sp>
+        <p:nvSpPr>
+          <p:cNvPr id="2" name="標題 1">
+            <a:extLst>
+              <a:ext uri="{FF2B5EF4-FFF2-40B4-BE49-F238E27FC236}">
+                <a16:creationId xmlns:a16="http://schemas.microsoft.com/office/drawing/2014/main" id="{93769179-CC27-42AA-B3FA-22C4285134EF}"/>
+              </a:ext>
+            </a:extLst>
+          </p:cNvPr>
+          <p:cNvSpPr>
+            <a:spLocks noGrp="1"/>
+          </p:cNvSpPr>
+          <p:nvPr>
+            <p:ph type="title"/>
+          </p:nvPr>
+        </p:nvSpPr>
+        <p:spPr>
+          <a:xfrm>
+            <a:off x="4891569" y="186620"/>
+            <a:ext cx="2408862" cy="1049174"/>
+          </a:xfrm>
+        </p:spPr>
+        <p:txBody>
+          <a:bodyPr/>
+          <a:lstStyle/>
+          <a:p>
+            <a:r>
+              <a:rPr lang="zh-TW" altLang="en-US" dirty="0"/>
+              <a:t>動機：</a:t>
+            </a:r>
+          </a:p>
+        </p:txBody>
+      </p:sp>
+      <p:sp>
+        <p:nvSpPr>
+          <p:cNvPr id="4" name="文字方塊 3">
+            <a:extLst>
+              <a:ext uri="{FF2B5EF4-FFF2-40B4-BE49-F238E27FC236}">
+                <a16:creationId xmlns:a16="http://schemas.microsoft.com/office/drawing/2014/main" id="{4439F68A-EB4A-4729-AB5C-A3A7E090BD07}"/>
+              </a:ext>
+            </a:extLst>
+          </p:cNvPr>
+          <p:cNvSpPr txBox="1"/>
+          <p:nvPr/>
+        </p:nvSpPr>
+        <p:spPr>
+          <a:xfrm>
+            <a:off x="1293779" y="2325292"/>
+            <a:ext cx="9980135" cy="1477328"/>
+          </a:xfrm>
+          <a:prstGeom prst="rect">
+            <a:avLst/>
+          </a:prstGeom>
+          <a:noFill/>
+        </p:spPr>
+        <p:txBody>
+          <a:bodyPr wrap="square" rtlCol="0">
+            <a:spAutoFit/>
+          </a:bodyPr>
+          <a:lstStyle/>
+          <a:p>
+            <a:r>
+              <a:rPr lang="zh-TW" altLang="en-US" dirty="0"/>
+              <a:t>面對美麗的海灘，如果只是清理只能算是做一半，</a:t>
+            </a:r>
+            <a:endParaRPr lang="en-US" altLang="zh-TW" dirty="0"/>
+          </a:p>
+          <a:p>
+            <a:endParaRPr lang="en-US" altLang="zh-TW" dirty="0"/>
+          </a:p>
+          <a:p>
+            <a:r>
+              <a:rPr lang="zh-TW" altLang="en-US" dirty="0"/>
+              <a:t>所以我們希望能夠製作出一套機制來讓大家做環保之外也能意識到永續的重要性，</a:t>
+            </a:r>
+            <a:endParaRPr lang="en-US" altLang="zh-TW" dirty="0"/>
+          </a:p>
+          <a:p>
+            <a:endParaRPr lang="en-US" altLang="zh-TW" dirty="0"/>
+          </a:p>
+          <a:p>
+            <a:r>
+              <a:rPr lang="zh-TW" altLang="en-US" dirty="0"/>
+              <a:t>以達到不隨地丟垃圾，也能隨時做環保的機制，更加推廣經濟流動。</a:t>
+            </a:r>
+          </a:p>
+        </p:txBody>
+      </p:sp>
+    </p:spTree>
+    <p:extLst>
+      <p:ext uri="{BB962C8B-B14F-4D97-AF65-F5344CB8AC3E}">
+        <p14:creationId xmlns:p14="http://schemas.microsoft.com/office/powerpoint/2010/main" val="1866882767"/>
+      </p:ext>
+    </p:extLst>
+  </p:cSld>
+  <p:clrMapOvr>
+    <a:masterClrMapping/>
+  </p:clrMapOvr>
+</p:sld>
+</file>
+
+<file path=ppt/slides/slide3.xml><?xml version="1.0" encoding="utf-8"?>
+<p:sld xmlns:a="http://schemas.openxmlformats.org/drawingml/2006/main" xmlns:r="http://schemas.openxmlformats.org/officeDocument/2006/relationships" xmlns:p="http://schemas.openxmlformats.org/presentationml/2006/main">
+  <p:cSld>
+    <p:spTree>
+      <p:nvGrpSpPr>
+        <p:cNvPr id="1" name=""/>
+        <p:cNvGrpSpPr/>
+        <p:nvPr/>
+      </p:nvGrpSpPr>
+      <p:grpSpPr>
+        <a:xfrm>
+          <a:off x="0" y="0"/>
+          <a:ext cx="0" cy="0"/>
+          <a:chOff x="0" y="0"/>
+          <a:chExt cx="0" cy="0"/>
+        </a:xfrm>
+      </p:grpSpPr>
+      <p:sp>
+        <p:nvSpPr>
+          <p:cNvPr id="2" name="標題 1">
+            <a:extLst>
+              <a:ext uri="{FF2B5EF4-FFF2-40B4-BE49-F238E27FC236}">
+                <a16:creationId xmlns:a16="http://schemas.microsoft.com/office/drawing/2014/main" id="{5461AFF9-5C20-46CA-8B21-2B6716253C76}"/>
+              </a:ext>
+            </a:extLst>
+          </p:cNvPr>
+          <p:cNvSpPr>
+            <a:spLocks noGrp="1"/>
+          </p:cNvSpPr>
+          <p:nvPr>
+            <p:ph type="title"/>
+          </p:nvPr>
+        </p:nvSpPr>
+        <p:spPr>
+          <a:xfrm>
+            <a:off x="4822760" y="233264"/>
+            <a:ext cx="2415851" cy="1077166"/>
+          </a:xfrm>
+        </p:spPr>
+        <p:txBody>
+          <a:bodyPr/>
+          <a:lstStyle/>
+          <a:p>
+            <a:r>
+              <a:rPr lang="zh-TW" altLang="en-US" dirty="0"/>
+              <a:t>想法：</a:t>
+            </a:r>
+          </a:p>
+        </p:txBody>
+      </p:sp>
+      <p:sp>
+        <p:nvSpPr>
+          <p:cNvPr id="4" name="文字方塊 3">
+            <a:extLst>
+              <a:ext uri="{FF2B5EF4-FFF2-40B4-BE49-F238E27FC236}">
+                <a16:creationId xmlns:a16="http://schemas.microsoft.com/office/drawing/2014/main" id="{BD08EDE8-0F7D-42CA-9926-02FF24A3D791}"/>
+              </a:ext>
+            </a:extLst>
+          </p:cNvPr>
+          <p:cNvSpPr txBox="1"/>
+          <p:nvPr/>
+        </p:nvSpPr>
+        <p:spPr>
+          <a:xfrm>
+            <a:off x="1857983" y="1819073"/>
+            <a:ext cx="8956298" cy="2585323"/>
+          </a:xfrm>
+          <a:prstGeom prst="rect">
+            <a:avLst/>
+          </a:prstGeom>
+          <a:noFill/>
+        </p:spPr>
+        <p:txBody>
+          <a:bodyPr wrap="none" rtlCol="0">
+            <a:spAutoFit/>
+          </a:bodyPr>
+          <a:lstStyle/>
+          <a:p>
+            <a:r>
+              <a:rPr lang="zh-TW" altLang="en-US" dirty="0"/>
+              <a:t>我們思考的方式是以，能夠運動又能夠賺取點數和減少垃圾為方向，</a:t>
+            </a:r>
+            <a:endParaRPr lang="en-US" altLang="zh-TW" dirty="0"/>
+          </a:p>
+          <a:p>
+            <a:endParaRPr lang="en-US" altLang="zh-TW" dirty="0"/>
+          </a:p>
+          <a:p>
+            <a:r>
+              <a:rPr lang="zh-TW" altLang="en-US" dirty="0"/>
+              <a:t>回想起如</a:t>
+            </a:r>
+            <a:r>
+              <a:rPr lang="en-US" altLang="zh-TW" dirty="0"/>
+              <a:t>“</a:t>
+            </a:r>
+            <a:r>
+              <a:rPr lang="zh-CN" altLang="en-US" dirty="0"/>
+              <a:t>寶可夢</a:t>
+            </a:r>
+            <a:r>
+              <a:rPr lang="en-US" altLang="zh-CN" dirty="0"/>
+              <a:t>”</a:t>
+            </a:r>
+            <a:r>
+              <a:rPr lang="zh-CN" altLang="en-US" dirty="0"/>
+              <a:t>這類的遊戲，</a:t>
+            </a:r>
+            <a:endParaRPr lang="en-US" altLang="zh-CN" dirty="0"/>
+          </a:p>
+          <a:p>
+            <a:endParaRPr lang="en-US" altLang="zh-TW" dirty="0"/>
+          </a:p>
+          <a:p>
+            <a:r>
+              <a:rPr lang="zh-CN" altLang="en-US" dirty="0"/>
+              <a:t>如果大眾重遊戲的樂趣中來撿垃圾做環保為目的，還能夠換取優惠已達到促進消費力。</a:t>
+            </a:r>
+            <a:endParaRPr lang="en-US" altLang="zh-CN" dirty="0"/>
+          </a:p>
+          <a:p>
+            <a:endParaRPr lang="en-US" altLang="zh-TW" dirty="0"/>
+          </a:p>
+          <a:p>
+            <a:r>
+              <a:rPr lang="zh-CN" altLang="en-US" dirty="0"/>
+              <a:t>而大眾也會不亂丟垃圾，以回收垃圾跟撿垃圾的方式賺取點數或遊戲的成就之類的。</a:t>
+            </a:r>
+            <a:endParaRPr lang="en-US" altLang="zh-CN" dirty="0"/>
+          </a:p>
+          <a:p>
+            <a:endParaRPr lang="en-US" altLang="zh-CN" dirty="0"/>
+          </a:p>
+          <a:p>
+            <a:r>
+              <a:rPr lang="zh-CN" altLang="en-US" dirty="0"/>
+              <a:t>以排名、積分、成就方式來給予成就感。</a:t>
+            </a:r>
+            <a:endParaRPr lang="en-US" altLang="zh-CN" dirty="0"/>
+          </a:p>
+        </p:txBody>
+      </p:sp>
+    </p:spTree>
+    <p:extLst>
+      <p:ext uri="{BB962C8B-B14F-4D97-AF65-F5344CB8AC3E}">
+        <p14:creationId xmlns:p14="http://schemas.microsoft.com/office/powerpoint/2010/main" val="2320353188"/>
+      </p:ext>
+    </p:extLst>
+  </p:cSld>
+  <p:clrMapOvr>
+    <a:masterClrMapping/>
+  </p:clrMapOvr>
+</p:sld>
+</file>
+
+<file path=ppt/slides/slide4.xml><?xml version="1.0" encoding="utf-8"?>
+<p:sld xmlns:a="http://schemas.openxmlformats.org/drawingml/2006/main" xmlns:r="http://schemas.openxmlformats.org/officeDocument/2006/relationships" xmlns:p="http://schemas.openxmlformats.org/presentationml/2006/main">
+  <p:cSld>
+    <p:spTree>
+      <p:nvGrpSpPr>
+        <p:cNvPr id="1" name=""/>
+        <p:cNvGrpSpPr/>
+        <p:nvPr/>
+      </p:nvGrpSpPr>
+      <p:grpSpPr>
+        <a:xfrm>
+          <a:off x="0" y="0"/>
+          <a:ext cx="0" cy="0"/>
+          <a:chOff x="0" y="0"/>
+          <a:chExt cx="0" cy="0"/>
+        </a:xfrm>
+      </p:grpSpPr>
+      <p:sp>
+        <p:nvSpPr>
+          <p:cNvPr id="2" name="標題 1">
+            <a:extLst>
+              <a:ext uri="{FF2B5EF4-FFF2-40B4-BE49-F238E27FC236}">
+                <a16:creationId xmlns:a16="http://schemas.microsoft.com/office/drawing/2014/main" id="{5672BF90-7484-4D1E-AFC1-B5C7864EA2E5}"/>
+              </a:ext>
+            </a:extLst>
+          </p:cNvPr>
+          <p:cNvSpPr>
+            <a:spLocks noGrp="1"/>
+          </p:cNvSpPr>
+          <p:nvPr>
+            <p:ph type="title"/>
+          </p:nvPr>
+        </p:nvSpPr>
+        <p:spPr/>
+        <p:txBody>
+          <a:bodyPr/>
+          <a:lstStyle/>
+          <a:p>
+            <a:r>
+              <a:rPr lang="zh-TW" altLang="en-US" dirty="0"/>
+              <a:t>實作</a:t>
+            </a:r>
+            <a:r>
+              <a:rPr lang="en-US" altLang="zh-TW" dirty="0"/>
+              <a:t>(</a:t>
+            </a:r>
+            <a:r>
+              <a:rPr lang="zh-CN" altLang="en-US" dirty="0"/>
+              <a:t>硬體</a:t>
+            </a:r>
+            <a:r>
+              <a:rPr lang="en-US" altLang="zh-TW" dirty="0"/>
+              <a:t>)</a:t>
+            </a:r>
+            <a:r>
+              <a:rPr lang="zh-TW" altLang="en-US" dirty="0"/>
+              <a:t>：</a:t>
+            </a:r>
+          </a:p>
+        </p:txBody>
+      </p:sp>
+      <p:sp>
+        <p:nvSpPr>
+          <p:cNvPr id="3" name="內容版面配置區 2">
+            <a:extLst>
+              <a:ext uri="{FF2B5EF4-FFF2-40B4-BE49-F238E27FC236}">
+                <a16:creationId xmlns:a16="http://schemas.microsoft.com/office/drawing/2014/main" id="{CA513484-4225-4F1F-AB6C-B117C94DFBD3}"/>
+              </a:ext>
+            </a:extLst>
+          </p:cNvPr>
+          <p:cNvSpPr>
+            <a:spLocks noGrp="1"/>
+          </p:cNvSpPr>
+          <p:nvPr>
+            <p:ph idx="1"/>
+          </p:nvPr>
+        </p:nvSpPr>
+        <p:spPr/>
+        <p:txBody>
+          <a:bodyPr/>
+          <a:lstStyle/>
+          <a:p>
+            <a:endParaRPr lang="zh-TW" altLang="en-US"/>
+          </a:p>
+        </p:txBody>
+      </p:sp>
+    </p:spTree>
+    <p:extLst>
+      <p:ext uri="{BB962C8B-B14F-4D97-AF65-F5344CB8AC3E}">
+        <p14:creationId xmlns:p14="http://schemas.microsoft.com/office/powerpoint/2010/main" val="1698240755"/>
+      </p:ext>
+    </p:extLst>
+  </p:cSld>
+  <p:clrMapOvr>
+    <a:masterClrMapping/>
+  </p:clrMapOvr>
+</p:sld>
+</file>
+
+<file path=ppt/slides/slide5.xml><?xml version="1.0" encoding="utf-8"?>
+<p:sld xmlns:a="http://schemas.openxmlformats.org/drawingml/2006/main" xmlns:r="http://schemas.openxmlformats.org/officeDocument/2006/relationships" xmlns:p="http://schemas.openxmlformats.org/presentationml/2006/main">
+  <p:cSld>
+    <p:spTree>
+      <p:nvGrpSpPr>
+        <p:cNvPr id="1" name=""/>
+        <p:cNvGrpSpPr/>
+        <p:nvPr/>
+      </p:nvGrpSpPr>
+      <p:grpSpPr>
+        <a:xfrm>
+          <a:off x="0" y="0"/>
+          <a:ext cx="0" cy="0"/>
+          <a:chOff x="0" y="0"/>
+          <a:chExt cx="0" cy="0"/>
+        </a:xfrm>
+      </p:grpSpPr>
+      <p:sp>
+        <p:nvSpPr>
+          <p:cNvPr id="2" name="標題 1">
+            <a:extLst>
+              <a:ext uri="{FF2B5EF4-FFF2-40B4-BE49-F238E27FC236}">
+                <a16:creationId xmlns:a16="http://schemas.microsoft.com/office/drawing/2014/main" id="{BF6284AD-0379-4797-9AB8-F457A2FBD822}"/>
+              </a:ext>
+            </a:extLst>
+          </p:cNvPr>
+          <p:cNvSpPr>
+            <a:spLocks noGrp="1"/>
+          </p:cNvSpPr>
+          <p:nvPr>
+            <p:ph type="title"/>
+          </p:nvPr>
+        </p:nvSpPr>
+        <p:spPr/>
+        <p:txBody>
+          <a:bodyPr/>
+          <a:lstStyle/>
+          <a:p>
+            <a:r>
+              <a:rPr lang="zh-TW" altLang="en-US" dirty="0"/>
+              <a:t>實作</a:t>
+            </a:r>
+            <a:r>
+              <a:rPr lang="en-US" altLang="zh-TW" dirty="0"/>
+              <a:t>(</a:t>
+            </a:r>
+            <a:r>
+              <a:rPr lang="zh-CN" altLang="en-US" dirty="0"/>
+              <a:t>軟體</a:t>
+            </a:r>
+            <a:r>
+              <a:rPr lang="en-US" altLang="zh-TW" dirty="0"/>
+              <a:t>)</a:t>
+            </a:r>
+            <a:r>
+              <a:rPr lang="zh-TW" altLang="en-US" dirty="0"/>
+              <a:t>：</a:t>
+            </a:r>
+          </a:p>
+        </p:txBody>
+      </p:sp>
+      <p:sp>
+        <p:nvSpPr>
+          <p:cNvPr id="3" name="內容版面配置區 2">
+            <a:extLst>
+              <a:ext uri="{FF2B5EF4-FFF2-40B4-BE49-F238E27FC236}">
+                <a16:creationId xmlns:a16="http://schemas.microsoft.com/office/drawing/2014/main" id="{0B72595E-3D5D-4A90-AD56-F00A19EED66F}"/>
+              </a:ext>
+            </a:extLst>
+          </p:cNvPr>
+          <p:cNvSpPr>
+            <a:spLocks noGrp="1"/>
+          </p:cNvSpPr>
+          <p:nvPr>
+            <p:ph idx="1"/>
+          </p:nvPr>
+        </p:nvSpPr>
+        <p:spPr/>
+        <p:txBody>
+          <a:bodyPr/>
+          <a:lstStyle/>
+          <a:p>
+            <a:endParaRPr lang="zh-TW" altLang="en-US"/>
+          </a:p>
+        </p:txBody>
+      </p:sp>
+    </p:spTree>
+    <p:extLst>
+      <p:ext uri="{BB962C8B-B14F-4D97-AF65-F5344CB8AC3E}">
+        <p14:creationId xmlns:p14="http://schemas.microsoft.com/office/powerpoint/2010/main" val="1196812538"/>
+      </p:ext>
+    </p:extLst>
+  </p:cSld>
+  <p:clrMapOvr>
+    <a:masterClrMapping/>
+  </p:clrMapOvr>
+</p:sld>
+</file>
+
+<file path=ppt/slides/slide6.xml><?xml version="1.0" encoding="utf-8"?>
+<p:sld xmlns:a="http://schemas.openxmlformats.org/drawingml/2006/main" xmlns:r="http://schemas.openxmlformats.org/officeDocument/2006/relationships" xmlns:p="http://schemas.openxmlformats.org/presentationml/2006/main">
+  <p:cSld>
+    <p:spTree>
+      <p:nvGrpSpPr>
+        <p:cNvPr id="1" name=""/>
+        <p:cNvGrpSpPr/>
+        <p:nvPr/>
+      </p:nvGrpSpPr>
+      <p:grpSpPr>
+        <a:xfrm>
+          <a:off x="0" y="0"/>
+          <a:ext cx="0" cy="0"/>
+          <a:chOff x="0" y="0"/>
+          <a:chExt cx="0" cy="0"/>
+        </a:xfrm>
+      </p:grpSpPr>
+      <p:sp>
+        <p:nvSpPr>
+          <p:cNvPr id="2" name="標題 1">
+            <a:extLst>
+              <a:ext uri="{FF2B5EF4-FFF2-40B4-BE49-F238E27FC236}">
+                <a16:creationId xmlns:a16="http://schemas.microsoft.com/office/drawing/2014/main" id="{AD758B33-8FFE-49B0-A6E7-5A36BBBC7254}"/>
+              </a:ext>
+            </a:extLst>
+          </p:cNvPr>
+          <p:cNvSpPr>
+            <a:spLocks noGrp="1"/>
+          </p:cNvSpPr>
+          <p:nvPr>
+            <p:ph type="title"/>
+          </p:nvPr>
+        </p:nvSpPr>
+        <p:spPr/>
+        <p:txBody>
+          <a:bodyPr/>
+          <a:lstStyle/>
+          <a:p>
+            <a:r>
+              <a:rPr lang="zh-TW" altLang="en-US" dirty="0"/>
+              <a:t>結論：</a:t>
+            </a:r>
+          </a:p>
+        </p:txBody>
+      </p:sp>
+      <p:sp>
+        <p:nvSpPr>
+          <p:cNvPr id="3" name="內容版面配置區 2">
+            <a:extLst>
+              <a:ext uri="{FF2B5EF4-FFF2-40B4-BE49-F238E27FC236}">
+                <a16:creationId xmlns:a16="http://schemas.microsoft.com/office/drawing/2014/main" id="{E2FC3CB2-F95D-4989-BB95-E31983FA7C23}"/>
+              </a:ext>
+            </a:extLst>
+          </p:cNvPr>
+          <p:cNvSpPr>
+            <a:spLocks noGrp="1"/>
+          </p:cNvSpPr>
+          <p:nvPr>
+            <p:ph idx="1"/>
+          </p:nvPr>
+        </p:nvSpPr>
+        <p:spPr/>
+        <p:txBody>
+          <a:bodyPr/>
+          <a:lstStyle/>
+          <a:p>
+            <a:endParaRPr lang="zh-TW" altLang="en-US"/>
+          </a:p>
+        </p:txBody>
+      </p:sp>
+    </p:spTree>
+    <p:extLst>
+      <p:ext uri="{BB962C8B-B14F-4D97-AF65-F5344CB8AC3E}">
+        <p14:creationId xmlns:p14="http://schemas.microsoft.com/office/powerpoint/2010/main" val="3677177943"/>
+      </p:ext>
+    </p:extLst>
+  </p:cSld>
+  <p:clrMapOvr>
+    <a:masterClrMapping/>
+  </p:clrMapOvr>
+</p:sld>
+</file>
+
 <file path=ppt/theme/theme1.xml><?xml version="1.0" encoding="utf-8"?>
 <a:theme xmlns:a="http://schemas.openxmlformats.org/drawingml/2006/main" name="切割線">
   <a:themeElements>

--- a/doc/永續發展 - 淨灘.pptx
+++ b/doc/永續發展 - 淨灘.pptx
@@ -5378,7 +5378,7 @@
           <p:cNvPr id="5" name="圖片 4">
             <a:extLst>
               <a:ext uri="{FF2B5EF4-FFF2-40B4-BE49-F238E27FC236}">
-                <a16:creationId xmlns:a16="http://schemas.microsoft.com/office/drawing/2014/main" id="{8003CC06-462E-434C-9758-B4CF61882509}"/>
+                <a16:creationId xmlns:a16="http://schemas.microsoft.com/office/drawing/2014/main" xmlns="" id="{8003CC06-462E-434C-9758-B4CF61882509}"/>
               </a:ext>
             </a:extLst>
           </p:cNvPr>
@@ -5415,7 +5415,7 @@
           <p:cNvPr id="2" name="標題 1">
             <a:extLst>
               <a:ext uri="{FF2B5EF4-FFF2-40B4-BE49-F238E27FC236}">
-                <a16:creationId xmlns:a16="http://schemas.microsoft.com/office/drawing/2014/main" id="{9B7F8B52-C41D-4EFC-8550-9BF33F5D7845}"/>
+                <a16:creationId xmlns:a16="http://schemas.microsoft.com/office/drawing/2014/main" xmlns="" id="{9B7F8B52-C41D-4EFC-8550-9BF33F5D7845}"/>
               </a:ext>
             </a:extLst>
           </p:cNvPr>
@@ -5487,7 +5487,7 @@
           <p:cNvPr id="3" name="副標題 2">
             <a:extLst>
               <a:ext uri="{FF2B5EF4-FFF2-40B4-BE49-F238E27FC236}">
-                <a16:creationId xmlns:a16="http://schemas.microsoft.com/office/drawing/2014/main" id="{CEC7EADB-DD78-464E-8485-A7AE9FB77153}"/>
+                <a16:creationId xmlns:a16="http://schemas.microsoft.com/office/drawing/2014/main" xmlns="" id="{CEC7EADB-DD78-464E-8485-A7AE9FB77153}"/>
               </a:ext>
             </a:extLst>
           </p:cNvPr>
@@ -5659,7 +5659,7 @@
           <p:cNvPr id="2" name="標題 1">
             <a:extLst>
               <a:ext uri="{FF2B5EF4-FFF2-40B4-BE49-F238E27FC236}">
-                <a16:creationId xmlns:a16="http://schemas.microsoft.com/office/drawing/2014/main" id="{93769179-CC27-42AA-B3FA-22C4285134EF}"/>
+                <a16:creationId xmlns:a16="http://schemas.microsoft.com/office/drawing/2014/main" xmlns="" id="{93769179-CC27-42AA-B3FA-22C4285134EF}"/>
               </a:ext>
             </a:extLst>
           </p:cNvPr>
@@ -5692,7 +5692,7 @@
           <p:cNvPr id="4" name="文字方塊 3">
             <a:extLst>
               <a:ext uri="{FF2B5EF4-FFF2-40B4-BE49-F238E27FC236}">
-                <a16:creationId xmlns:a16="http://schemas.microsoft.com/office/drawing/2014/main" id="{4439F68A-EB4A-4729-AB5C-A3A7E090BD07}"/>
+                <a16:creationId xmlns:a16="http://schemas.microsoft.com/office/drawing/2014/main" xmlns="" id="{4439F68A-EB4A-4729-AB5C-A3A7E090BD07}"/>
               </a:ext>
             </a:extLst>
           </p:cNvPr>
@@ -5777,7 +5777,7 @@
           <p:cNvPr id="2" name="標題 1">
             <a:extLst>
               <a:ext uri="{FF2B5EF4-FFF2-40B4-BE49-F238E27FC236}">
-                <a16:creationId xmlns:a16="http://schemas.microsoft.com/office/drawing/2014/main" id="{5461AFF9-5C20-46CA-8B21-2B6716253C76}"/>
+                <a16:creationId xmlns:a16="http://schemas.microsoft.com/office/drawing/2014/main" xmlns="" id="{5461AFF9-5C20-46CA-8B21-2B6716253C76}"/>
               </a:ext>
             </a:extLst>
           </p:cNvPr>
@@ -5810,7 +5810,7 @@
           <p:cNvPr id="4" name="文字方塊 3">
             <a:extLst>
               <a:ext uri="{FF2B5EF4-FFF2-40B4-BE49-F238E27FC236}">
-                <a16:creationId xmlns:a16="http://schemas.microsoft.com/office/drawing/2014/main" id="{BD08EDE8-0F7D-42CA-9926-02FF24A3D791}"/>
+                <a16:creationId xmlns:a16="http://schemas.microsoft.com/office/drawing/2014/main" xmlns="" id="{BD08EDE8-0F7D-42CA-9926-02FF24A3D791}"/>
               </a:ext>
             </a:extLst>
           </p:cNvPr>
@@ -5932,7 +5932,7 @@
           <p:cNvPr id="2" name="標題 1">
             <a:extLst>
               <a:ext uri="{FF2B5EF4-FFF2-40B4-BE49-F238E27FC236}">
-                <a16:creationId xmlns:a16="http://schemas.microsoft.com/office/drawing/2014/main" id="{5672BF90-7484-4D1E-AFC1-B5C7864EA2E5}"/>
+                <a16:creationId xmlns:a16="http://schemas.microsoft.com/office/drawing/2014/main" xmlns="" id="{5672BF90-7484-4D1E-AFC1-B5C7864EA2E5}"/>
               </a:ext>
             </a:extLst>
           </p:cNvPr>
@@ -5976,7 +5976,7 @@
           <p:cNvPr id="3" name="內容版面配置區 2">
             <a:extLst>
               <a:ext uri="{FF2B5EF4-FFF2-40B4-BE49-F238E27FC236}">
-                <a16:creationId xmlns:a16="http://schemas.microsoft.com/office/drawing/2014/main" id="{CA513484-4225-4F1F-AB6C-B117C94DFBD3}"/>
+                <a16:creationId xmlns:a16="http://schemas.microsoft.com/office/drawing/2014/main" xmlns="" id="{CA513484-4225-4F1F-AB6C-B117C94DFBD3}"/>
               </a:ext>
             </a:extLst>
           </p:cNvPr>
@@ -5987,12 +5987,99 @@
             <p:ph idx="1"/>
           </p:nvPr>
         </p:nvSpPr>
-        <p:spPr/>
-        <p:txBody>
-          <a:bodyPr/>
-          <a:lstStyle/>
-          <a:p>
-            <a:endParaRPr lang="zh-TW" altLang="en-US"/>
+        <p:spPr>
+          <a:xfrm>
+            <a:off x="1828800" y="685800"/>
+            <a:ext cx="8534400" cy="3615267"/>
+          </a:xfrm>
+        </p:spPr>
+        <p:txBody>
+          <a:bodyPr anchor="ctr"/>
+          <a:lstStyle/>
+          <a:p>
+            <a:r>
+              <a:rPr lang="zh-TW" altLang="en-US" dirty="0" smtClean="0">
+                <a:solidFill>
+                  <a:schemeClr val="tx1"/>
+                </a:solidFill>
+              </a:rPr>
+              <a:t>透過簡單的激光裝置與光敏電阻做出一個裝置，能夠能把</a:t>
+            </a:r>
+            <a:r>
+              <a:rPr lang="zh-TW" altLang="en-US" dirty="0">
+                <a:solidFill>
+                  <a:schemeClr val="tx1"/>
+                </a:solidFill>
+              </a:rPr>
+              <a:t>訊號</a:t>
+            </a:r>
+            <a:r>
+              <a:rPr lang="zh-TW" altLang="en-US" dirty="0" smtClean="0">
+                <a:solidFill>
+                  <a:schemeClr val="tx1"/>
+                </a:solidFill>
+              </a:rPr>
+              <a:t>讀出並經過適當地計算和演算計算出投入</a:t>
+            </a:r>
+            <a:r>
+              <a:rPr lang="zh-TW" altLang="en-US" dirty="0">
+                <a:solidFill>
+                  <a:schemeClr val="tx1"/>
+                </a:solidFill>
+              </a:rPr>
+              <a:t>垃圾桶的件</a:t>
+            </a:r>
+            <a:r>
+              <a:rPr lang="zh-TW" altLang="en-US" dirty="0" smtClean="0">
+                <a:solidFill>
+                  <a:schemeClr val="tx1"/>
+                </a:solidFill>
+              </a:rPr>
+              <a:t>數，之後把信號轉換</a:t>
+            </a:r>
+            <a:r>
+              <a:rPr lang="zh-TW" altLang="en-US" dirty="0">
+                <a:solidFill>
+                  <a:schemeClr val="tx1"/>
+                </a:solidFill>
+              </a:rPr>
+              <a:t>成樹莓派可以</a:t>
+            </a:r>
+            <a:r>
+              <a:rPr lang="zh-TW" altLang="en-US" dirty="0" smtClean="0">
+                <a:solidFill>
+                  <a:schemeClr val="tx1"/>
+                </a:solidFill>
+              </a:rPr>
+              <a:t>讀取的信號並傳送。</a:t>
+            </a:r>
+            <a:endParaRPr lang="en-US" altLang="zh-TW" dirty="0" smtClean="0">
+              <a:solidFill>
+                <a:schemeClr val="tx1"/>
+              </a:solidFill>
+            </a:endParaRPr>
+          </a:p>
+          <a:p>
+            <a:endParaRPr lang="en-US" altLang="zh-TW" dirty="0">
+              <a:solidFill>
+                <a:schemeClr val="tx1"/>
+              </a:solidFill>
+            </a:endParaRPr>
+          </a:p>
+          <a:p>
+            <a:r>
+              <a:rPr lang="en-US" altLang="zh-TW" dirty="0" smtClean="0">
+                <a:solidFill>
+                  <a:schemeClr val="tx1"/>
+                </a:solidFill>
+              </a:rPr>
+              <a:t>123</a:t>
+            </a:r>
+            <a:endParaRPr lang="zh-TW" altLang="en-US" dirty="0">
+              <a:solidFill>
+                <a:schemeClr val="tx1"/>
+              </a:solidFill>
+            </a:endParaRPr>
           </a:p>
         </p:txBody>
       </p:sp>
@@ -6031,7 +6118,7 @@
           <p:cNvPr id="2" name="標題 1">
             <a:extLst>
               <a:ext uri="{FF2B5EF4-FFF2-40B4-BE49-F238E27FC236}">
-                <a16:creationId xmlns:a16="http://schemas.microsoft.com/office/drawing/2014/main" id="{BF6284AD-0379-4797-9AB8-F457A2FBD822}"/>
+                <a16:creationId xmlns:a16="http://schemas.microsoft.com/office/drawing/2014/main" xmlns="" id="{BF6284AD-0379-4797-9AB8-F457A2FBD822}"/>
               </a:ext>
             </a:extLst>
           </p:cNvPr>
@@ -6075,7 +6162,7 @@
           <p:cNvPr id="3" name="內容版面配置區 2">
             <a:extLst>
               <a:ext uri="{FF2B5EF4-FFF2-40B4-BE49-F238E27FC236}">
-                <a16:creationId xmlns:a16="http://schemas.microsoft.com/office/drawing/2014/main" id="{0B72595E-3D5D-4A90-AD56-F00A19EED66F}"/>
+                <a16:creationId xmlns:a16="http://schemas.microsoft.com/office/drawing/2014/main" xmlns="" id="{0B72595E-3D5D-4A90-AD56-F00A19EED66F}"/>
               </a:ext>
             </a:extLst>
           </p:cNvPr>
@@ -6130,7 +6217,7 @@
           <p:cNvPr id="2" name="標題 1">
             <a:extLst>
               <a:ext uri="{FF2B5EF4-FFF2-40B4-BE49-F238E27FC236}">
-                <a16:creationId xmlns:a16="http://schemas.microsoft.com/office/drawing/2014/main" id="{AD758B33-8FFE-49B0-A6E7-5A36BBBC7254}"/>
+                <a16:creationId xmlns:a16="http://schemas.microsoft.com/office/drawing/2014/main" xmlns="" id="{AD758B33-8FFE-49B0-A6E7-5A36BBBC7254}"/>
               </a:ext>
             </a:extLst>
           </p:cNvPr>
@@ -6158,7 +6245,7 @@
           <p:cNvPr id="3" name="內容版面配置區 2">
             <a:extLst>
               <a:ext uri="{FF2B5EF4-FFF2-40B4-BE49-F238E27FC236}">
-                <a16:creationId xmlns:a16="http://schemas.microsoft.com/office/drawing/2014/main" id="{E2FC3CB2-F95D-4989-BB95-E31983FA7C23}"/>
+                <a16:creationId xmlns:a16="http://schemas.microsoft.com/office/drawing/2014/main" xmlns="" id="{E2FC3CB2-F95D-4989-BB95-E31983FA7C23}"/>
               </a:ext>
             </a:extLst>
           </p:cNvPr>

--- a/doc/永續發展 - 淨灘.pptx
+++ b/doc/永續發展 - 淨灘.pptx
@@ -5378,7 +5378,7 @@
           <p:cNvPr id="5" name="圖片 4">
             <a:extLst>
               <a:ext uri="{FF2B5EF4-FFF2-40B4-BE49-F238E27FC236}">
-                <a16:creationId xmlns:a16="http://schemas.microsoft.com/office/drawing/2014/main" xmlns="" id="{8003CC06-462E-434C-9758-B4CF61882509}"/>
+                <a16:creationId xmlns:a16="http://schemas.microsoft.com/office/drawing/2014/main" id="{8003CC06-462E-434C-9758-B4CF61882509}"/>
               </a:ext>
             </a:extLst>
           </p:cNvPr>
@@ -5415,7 +5415,7 @@
           <p:cNvPr id="2" name="標題 1">
             <a:extLst>
               <a:ext uri="{FF2B5EF4-FFF2-40B4-BE49-F238E27FC236}">
-                <a16:creationId xmlns:a16="http://schemas.microsoft.com/office/drawing/2014/main" xmlns="" id="{9B7F8B52-C41D-4EFC-8550-9BF33F5D7845}"/>
+                <a16:creationId xmlns:a16="http://schemas.microsoft.com/office/drawing/2014/main" id="{9B7F8B52-C41D-4EFC-8550-9BF33F5D7845}"/>
               </a:ext>
             </a:extLst>
           </p:cNvPr>
@@ -5487,7 +5487,7 @@
           <p:cNvPr id="3" name="副標題 2">
             <a:extLst>
               <a:ext uri="{FF2B5EF4-FFF2-40B4-BE49-F238E27FC236}">
-                <a16:creationId xmlns:a16="http://schemas.microsoft.com/office/drawing/2014/main" xmlns="" id="{CEC7EADB-DD78-464E-8485-A7AE9FB77153}"/>
+                <a16:creationId xmlns:a16="http://schemas.microsoft.com/office/drawing/2014/main" id="{CEC7EADB-DD78-464E-8485-A7AE9FB77153}"/>
               </a:ext>
             </a:extLst>
           </p:cNvPr>
@@ -5659,7 +5659,7 @@
           <p:cNvPr id="2" name="標題 1">
             <a:extLst>
               <a:ext uri="{FF2B5EF4-FFF2-40B4-BE49-F238E27FC236}">
-                <a16:creationId xmlns:a16="http://schemas.microsoft.com/office/drawing/2014/main" xmlns="" id="{93769179-CC27-42AA-B3FA-22C4285134EF}"/>
+                <a16:creationId xmlns:a16="http://schemas.microsoft.com/office/drawing/2014/main" id="{93769179-CC27-42AA-B3FA-22C4285134EF}"/>
               </a:ext>
             </a:extLst>
           </p:cNvPr>
@@ -5672,8 +5672,8 @@
         </p:nvSpPr>
         <p:spPr>
           <a:xfrm>
-            <a:off x="4891569" y="186620"/>
-            <a:ext cx="2408862" cy="1049174"/>
+            <a:off x="5084792" y="121297"/>
+            <a:ext cx="2022415" cy="1259633"/>
           </a:xfrm>
         </p:spPr>
         <p:txBody>
@@ -5692,7 +5692,7 @@
           <p:cNvPr id="4" name="文字方塊 3">
             <a:extLst>
               <a:ext uri="{FF2B5EF4-FFF2-40B4-BE49-F238E27FC236}">
-                <a16:creationId xmlns:a16="http://schemas.microsoft.com/office/drawing/2014/main" xmlns="" id="{4439F68A-EB4A-4729-AB5C-A3A7E090BD07}"/>
+                <a16:creationId xmlns:a16="http://schemas.microsoft.com/office/drawing/2014/main" id="{4439F68A-EB4A-4729-AB5C-A3A7E090BD07}"/>
               </a:ext>
             </a:extLst>
           </p:cNvPr>
@@ -5777,7 +5777,7 @@
           <p:cNvPr id="2" name="標題 1">
             <a:extLst>
               <a:ext uri="{FF2B5EF4-FFF2-40B4-BE49-F238E27FC236}">
-                <a16:creationId xmlns:a16="http://schemas.microsoft.com/office/drawing/2014/main" xmlns="" id="{5461AFF9-5C20-46CA-8B21-2B6716253C76}"/>
+                <a16:creationId xmlns:a16="http://schemas.microsoft.com/office/drawing/2014/main" id="{5461AFF9-5C20-46CA-8B21-2B6716253C76}"/>
               </a:ext>
             </a:extLst>
           </p:cNvPr>
@@ -5790,8 +5790,8 @@
         </p:nvSpPr>
         <p:spPr>
           <a:xfrm>
-            <a:off x="4822760" y="233264"/>
-            <a:ext cx="2415851" cy="1077166"/>
+            <a:off x="5223005" y="233264"/>
+            <a:ext cx="1745990" cy="1077166"/>
           </a:xfrm>
         </p:spPr>
         <p:txBody>
@@ -5810,7 +5810,7 @@
           <p:cNvPr id="4" name="文字方塊 3">
             <a:extLst>
               <a:ext uri="{FF2B5EF4-FFF2-40B4-BE49-F238E27FC236}">
-                <a16:creationId xmlns:a16="http://schemas.microsoft.com/office/drawing/2014/main" xmlns="" id="{BD08EDE8-0F7D-42CA-9926-02FF24A3D791}"/>
+                <a16:creationId xmlns:a16="http://schemas.microsoft.com/office/drawing/2014/main" id="{BD08EDE8-0F7D-42CA-9926-02FF24A3D791}"/>
               </a:ext>
             </a:extLst>
           </p:cNvPr>
@@ -5932,7 +5932,7 @@
           <p:cNvPr id="2" name="標題 1">
             <a:extLst>
               <a:ext uri="{FF2B5EF4-FFF2-40B4-BE49-F238E27FC236}">
-                <a16:creationId xmlns:a16="http://schemas.microsoft.com/office/drawing/2014/main" xmlns="" id="{5672BF90-7484-4D1E-AFC1-B5C7864EA2E5}"/>
+                <a16:creationId xmlns:a16="http://schemas.microsoft.com/office/drawing/2014/main" id="{5672BF90-7484-4D1E-AFC1-B5C7864EA2E5}"/>
               </a:ext>
             </a:extLst>
           </p:cNvPr>
@@ -5943,7 +5943,12 @@
             <p:ph type="title"/>
           </p:nvPr>
         </p:nvSpPr>
-        <p:spPr/>
+        <p:spPr>
+          <a:xfrm>
+            <a:off x="4772592" y="0"/>
+            <a:ext cx="2646816" cy="1507067"/>
+          </a:xfrm>
+        </p:spPr>
         <p:txBody>
           <a:bodyPr/>
           <a:lstStyle/>
@@ -5976,7 +5981,7 @@
           <p:cNvPr id="3" name="內容版面配置區 2">
             <a:extLst>
               <a:ext uri="{FF2B5EF4-FFF2-40B4-BE49-F238E27FC236}">
-                <a16:creationId xmlns:a16="http://schemas.microsoft.com/office/drawing/2014/main" xmlns="" id="{CA513484-4225-4F1F-AB6C-B117C94DFBD3}"/>
+                <a16:creationId xmlns:a16="http://schemas.microsoft.com/office/drawing/2014/main" id="{CA513484-4225-4F1F-AB6C-B117C94DFBD3}"/>
               </a:ext>
             </a:extLst>
           </p:cNvPr>
@@ -5989,7 +5994,7 @@
         </p:nvSpPr>
         <p:spPr>
           <a:xfrm>
-            <a:off x="1828800" y="685800"/>
+            <a:off x="1828800" y="2038738"/>
             <a:ext cx="8534400" cy="3615267"/>
           </a:xfrm>
         </p:spPr>
@@ -5998,68 +6003,13 @@
           <a:lstStyle/>
           <a:p>
             <a:r>
-              <a:rPr lang="zh-TW" altLang="en-US" dirty="0" smtClean="0">
+              <a:rPr lang="zh-TW" altLang="en-US" dirty="0">
                 <a:solidFill>
                   <a:schemeClr val="tx1"/>
                 </a:solidFill>
               </a:rPr>
-              <a:t>透過簡單的激光裝置與光敏電阻做出一個裝置，能夠能把</a:t>
-            </a:r>
-            <a:r>
-              <a:rPr lang="zh-TW" altLang="en-US" dirty="0">
-                <a:solidFill>
-                  <a:schemeClr val="tx1"/>
-                </a:solidFill>
-              </a:rPr>
-              <a:t>訊號</a:t>
-            </a:r>
-            <a:r>
-              <a:rPr lang="zh-TW" altLang="en-US" dirty="0" smtClean="0">
-                <a:solidFill>
-                  <a:schemeClr val="tx1"/>
-                </a:solidFill>
-              </a:rPr>
-              <a:t>讀出並經過適當地計算和演算計算出投入</a:t>
-            </a:r>
-            <a:r>
-              <a:rPr lang="zh-TW" altLang="en-US" dirty="0">
-                <a:solidFill>
-                  <a:schemeClr val="tx1"/>
-                </a:solidFill>
-              </a:rPr>
-              <a:t>垃圾桶的件</a:t>
-            </a:r>
-            <a:r>
-              <a:rPr lang="zh-TW" altLang="en-US" dirty="0" smtClean="0">
-                <a:solidFill>
-                  <a:schemeClr val="tx1"/>
-                </a:solidFill>
-              </a:rPr>
-              <a:t>數，之後把信號轉換</a:t>
-            </a:r>
-            <a:r>
-              <a:rPr lang="zh-TW" altLang="en-US" dirty="0">
-                <a:solidFill>
-                  <a:schemeClr val="tx1"/>
-                </a:solidFill>
-              </a:rPr>
-              <a:t>成樹莓派可以</a:t>
-            </a:r>
-            <a:r>
-              <a:rPr lang="zh-TW" altLang="en-US" dirty="0" smtClean="0">
-                <a:solidFill>
-                  <a:schemeClr val="tx1"/>
-                </a:solidFill>
-              </a:rPr>
-              <a:t>讀取的信號並傳送。</a:t>
-            </a:r>
-            <a:endParaRPr lang="en-US" altLang="zh-TW" dirty="0" smtClean="0">
-              <a:solidFill>
-                <a:schemeClr val="tx1"/>
-              </a:solidFill>
-            </a:endParaRPr>
-          </a:p>
-          <a:p>
+              <a:t>透過簡單的激光裝置與光敏電阻做出一個裝置，能夠能把訊號讀出並經過適當地計算和演算計算出投入垃圾桶的件數，之後把信號轉換成樹莓派可以讀取的信號並傳送。</a:t>
+            </a:r>
             <a:endParaRPr lang="en-US" altLang="zh-TW" dirty="0">
               <a:solidFill>
                 <a:schemeClr val="tx1"/>
@@ -6067,13 +6017,52 @@
             </a:endParaRPr>
           </a:p>
           <a:p>
-            <a:r>
-              <a:rPr lang="en-US" altLang="zh-TW" dirty="0" smtClean="0">
+            <a:endParaRPr lang="en-US" altLang="zh-TW" dirty="0">
+              <a:solidFill>
+                <a:schemeClr val="tx1"/>
+              </a:solidFill>
+            </a:endParaRPr>
+          </a:p>
+          <a:p>
+            <a:r>
+              <a:rPr lang="zh-TW" altLang="en-US" dirty="0">
                 <a:solidFill>
                   <a:schemeClr val="tx1"/>
                 </a:solidFill>
               </a:rPr>
-              <a:t>123</a:t>
+              <a:t>樹莓派接收到訊號後，將信號處理之後用</a:t>
+            </a:r>
+            <a:r>
+              <a:rPr lang="en-US" altLang="zh-TW" dirty="0">
+                <a:solidFill>
+                  <a:schemeClr val="tx1"/>
+                </a:solidFill>
+              </a:rPr>
+              <a:t>Socket</a:t>
+            </a:r>
+            <a:r>
+              <a:rPr lang="zh-CN" altLang="en-US" dirty="0">
+                <a:solidFill>
+                  <a:schemeClr val="tx1"/>
+                </a:solidFill>
+              </a:rPr>
+              <a:t>的網路協定傳送給</a:t>
+            </a:r>
+            <a:r>
+              <a:rPr lang="en-US" altLang="zh-CN" dirty="0">
+                <a:solidFill>
+                  <a:schemeClr val="tx1"/>
+                </a:solidFill>
+              </a:rPr>
+              <a:t>Server</a:t>
+            </a:r>
+            <a:r>
+              <a:rPr lang="zh-CN" altLang="en-US" dirty="0">
+                <a:solidFill>
+                  <a:schemeClr val="tx1"/>
+                </a:solidFill>
+              </a:rPr>
+              <a:t>端並統計數量。</a:t>
             </a:r>
             <a:endParaRPr lang="zh-TW" altLang="en-US" dirty="0">
               <a:solidFill>
@@ -6118,7 +6107,7 @@
           <p:cNvPr id="2" name="標題 1">
             <a:extLst>
               <a:ext uri="{FF2B5EF4-FFF2-40B4-BE49-F238E27FC236}">
-                <a16:creationId xmlns:a16="http://schemas.microsoft.com/office/drawing/2014/main" xmlns="" id="{BF6284AD-0379-4797-9AB8-F457A2FBD822}"/>
+                <a16:creationId xmlns:a16="http://schemas.microsoft.com/office/drawing/2014/main" id="{BF6284AD-0379-4797-9AB8-F457A2FBD822}"/>
               </a:ext>
             </a:extLst>
           </p:cNvPr>
@@ -6162,7 +6151,7 @@
           <p:cNvPr id="3" name="內容版面配置區 2">
             <a:extLst>
               <a:ext uri="{FF2B5EF4-FFF2-40B4-BE49-F238E27FC236}">
-                <a16:creationId xmlns:a16="http://schemas.microsoft.com/office/drawing/2014/main" xmlns="" id="{0B72595E-3D5D-4A90-AD56-F00A19EED66F}"/>
+                <a16:creationId xmlns:a16="http://schemas.microsoft.com/office/drawing/2014/main" id="{0B72595E-3D5D-4A90-AD56-F00A19EED66F}"/>
               </a:ext>
             </a:extLst>
           </p:cNvPr>
@@ -6217,7 +6206,7 @@
           <p:cNvPr id="2" name="標題 1">
             <a:extLst>
               <a:ext uri="{FF2B5EF4-FFF2-40B4-BE49-F238E27FC236}">
-                <a16:creationId xmlns:a16="http://schemas.microsoft.com/office/drawing/2014/main" xmlns="" id="{AD758B33-8FFE-49B0-A6E7-5A36BBBC7254}"/>
+                <a16:creationId xmlns:a16="http://schemas.microsoft.com/office/drawing/2014/main" id="{AD758B33-8FFE-49B0-A6E7-5A36BBBC7254}"/>
               </a:ext>
             </a:extLst>
           </p:cNvPr>
@@ -6228,7 +6217,12 @@
             <p:ph type="title"/>
           </p:nvPr>
         </p:nvSpPr>
-        <p:spPr/>
+        <p:spPr>
+          <a:xfrm>
+            <a:off x="5407859" y="158621"/>
+            <a:ext cx="1376282" cy="1507067"/>
+          </a:xfrm>
+        </p:spPr>
         <p:txBody>
           <a:bodyPr/>
           <a:lstStyle/>
@@ -6245,7 +6239,7 @@
           <p:cNvPr id="3" name="內容版面配置區 2">
             <a:extLst>
               <a:ext uri="{FF2B5EF4-FFF2-40B4-BE49-F238E27FC236}">
-                <a16:creationId xmlns:a16="http://schemas.microsoft.com/office/drawing/2014/main" xmlns="" id="{E2FC3CB2-F95D-4989-BB95-E31983FA7C23}"/>
+                <a16:creationId xmlns:a16="http://schemas.microsoft.com/office/drawing/2014/main" id="{E2FC3CB2-F95D-4989-BB95-E31983FA7C23}"/>
               </a:ext>
             </a:extLst>
           </p:cNvPr>
@@ -6256,12 +6250,17 @@
             <p:ph idx="1"/>
           </p:nvPr>
         </p:nvSpPr>
-        <p:spPr/>
+        <p:spPr>
+          <a:xfrm>
+            <a:off x="1828800" y="2365310"/>
+            <a:ext cx="8534400" cy="3615267"/>
+          </a:xfrm>
+        </p:spPr>
         <p:txBody>
           <a:bodyPr/>
           <a:lstStyle/>
           <a:p>
-            <a:endParaRPr lang="zh-TW" altLang="en-US"/>
+            <a:endParaRPr lang="zh-TW" altLang="en-US" dirty="0"/>
           </a:p>
         </p:txBody>
       </p:sp>

--- a/doc/永續發展 - 淨灘.pptx
+++ b/doc/永續發展 - 淨灘.pptx
@@ -7,10 +7,11 @@
   <p:sldIdLst>
     <p:sldId id="256" r:id="rId2"/>
     <p:sldId id="257" r:id="rId3"/>
-    <p:sldId id="258" r:id="rId4"/>
-    <p:sldId id="259" r:id="rId5"/>
-    <p:sldId id="261" r:id="rId6"/>
-    <p:sldId id="260" r:id="rId7"/>
+    <p:sldId id="264" r:id="rId4"/>
+    <p:sldId id="265" r:id="rId5"/>
+    <p:sldId id="268" r:id="rId6"/>
+    <p:sldId id="259" r:id="rId7"/>
+    <p:sldId id="269" r:id="rId8"/>
   </p:sldIdLst>
   <p:sldSz cx="12192000" cy="6858000"/>
   <p:notesSz cx="6858000" cy="9144000"/>
@@ -5378,7 +5379,7 @@
           <p:cNvPr id="5" name="圖片 4">
             <a:extLst>
               <a:ext uri="{FF2B5EF4-FFF2-40B4-BE49-F238E27FC236}">
-                <a16:creationId xmlns:a16="http://schemas.microsoft.com/office/drawing/2014/main" id="{8003CC06-462E-434C-9758-B4CF61882509}"/>
+                <a16:creationId xmlns="" xmlns:a16="http://schemas.microsoft.com/office/drawing/2014/main" id="{8003CC06-462E-434C-9758-B4CF61882509}"/>
               </a:ext>
             </a:extLst>
           </p:cNvPr>
@@ -5415,7 +5416,7 @@
           <p:cNvPr id="2" name="標題 1">
             <a:extLst>
               <a:ext uri="{FF2B5EF4-FFF2-40B4-BE49-F238E27FC236}">
-                <a16:creationId xmlns:a16="http://schemas.microsoft.com/office/drawing/2014/main" id="{9B7F8B52-C41D-4EFC-8550-9BF33F5D7845}"/>
+                <a16:creationId xmlns="" xmlns:a16="http://schemas.microsoft.com/office/drawing/2014/main" id="{9B7F8B52-C41D-4EFC-8550-9BF33F5D7845}"/>
               </a:ext>
             </a:extLst>
           </p:cNvPr>
@@ -5487,7 +5488,7 @@
           <p:cNvPr id="3" name="副標題 2">
             <a:extLst>
               <a:ext uri="{FF2B5EF4-FFF2-40B4-BE49-F238E27FC236}">
-                <a16:creationId xmlns:a16="http://schemas.microsoft.com/office/drawing/2014/main" id="{CEC7EADB-DD78-464E-8485-A7AE9FB77153}"/>
+                <a16:creationId xmlns="" xmlns:a16="http://schemas.microsoft.com/office/drawing/2014/main" id="{CEC7EADB-DD78-464E-8485-A7AE9FB77153}"/>
               </a:ext>
             </a:extLst>
           </p:cNvPr>
@@ -5659,7 +5660,7 @@
           <p:cNvPr id="2" name="標題 1">
             <a:extLst>
               <a:ext uri="{FF2B5EF4-FFF2-40B4-BE49-F238E27FC236}">
-                <a16:creationId xmlns:a16="http://schemas.microsoft.com/office/drawing/2014/main" id="{93769179-CC27-42AA-B3FA-22C4285134EF}"/>
+                <a16:creationId xmlns="" xmlns:a16="http://schemas.microsoft.com/office/drawing/2014/main" id="{93769179-CC27-42AA-B3FA-22C4285134EF}"/>
               </a:ext>
             </a:extLst>
           </p:cNvPr>
@@ -5672,8 +5673,8 @@
         </p:nvSpPr>
         <p:spPr>
           <a:xfrm>
-            <a:off x="5084792" y="121297"/>
-            <a:ext cx="2022415" cy="1259633"/>
+            <a:off x="5448156" y="121297"/>
+            <a:ext cx="1295688" cy="1259633"/>
           </a:xfrm>
         </p:spPr>
         <p:txBody>
@@ -5692,7 +5693,7 @@
           <p:cNvPr id="4" name="文字方塊 3">
             <a:extLst>
               <a:ext uri="{FF2B5EF4-FFF2-40B4-BE49-F238E27FC236}">
-                <a16:creationId xmlns:a16="http://schemas.microsoft.com/office/drawing/2014/main" id="{4439F68A-EB4A-4729-AB5C-A3A7E090BD07}"/>
+                <a16:creationId xmlns="" xmlns:a16="http://schemas.microsoft.com/office/drawing/2014/main" id="{4439F68A-EB4A-4729-AB5C-A3A7E090BD07}"/>
               </a:ext>
             </a:extLst>
           </p:cNvPr>
@@ -5777,7 +5778,7 @@
           <p:cNvPr id="2" name="標題 1">
             <a:extLst>
               <a:ext uri="{FF2B5EF4-FFF2-40B4-BE49-F238E27FC236}">
-                <a16:creationId xmlns:a16="http://schemas.microsoft.com/office/drawing/2014/main" id="{5461AFF9-5C20-46CA-8B21-2B6716253C76}"/>
+                <a16:creationId xmlns="" xmlns:a16="http://schemas.microsoft.com/office/drawing/2014/main" id="{93769179-CC27-42AA-B3FA-22C4285134EF}"/>
               </a:ext>
             </a:extLst>
           </p:cNvPr>
@@ -5790,8 +5791,8 @@
         </p:nvSpPr>
         <p:spPr>
           <a:xfrm>
-            <a:off x="5223005" y="233264"/>
-            <a:ext cx="1745990" cy="1077166"/>
+            <a:off x="5448156" y="121297"/>
+            <a:ext cx="1295688" cy="1259633"/>
           </a:xfrm>
         </p:spPr>
         <p:txBody>
@@ -5802,6 +5803,7 @@
               <a:rPr lang="zh-TW" altLang="en-US" dirty="0"/>
               <a:t>想法：</a:t>
             </a:r>
+            <a:endParaRPr lang="zh-TW" altLang="en-US" dirty="0"/>
           </a:p>
         </p:txBody>
       </p:sp>
@@ -5810,7 +5812,7 @@
           <p:cNvPr id="4" name="文字方塊 3">
             <a:extLst>
               <a:ext uri="{FF2B5EF4-FFF2-40B4-BE49-F238E27FC236}">
-                <a16:creationId xmlns:a16="http://schemas.microsoft.com/office/drawing/2014/main" id="{BD08EDE8-0F7D-42CA-9926-02FF24A3D791}"/>
+                <a16:creationId xmlns="" xmlns:a16="http://schemas.microsoft.com/office/drawing/2014/main" id="{4439F68A-EB4A-4729-AB5C-A3A7E090BD07}"/>
               </a:ext>
             </a:extLst>
           </p:cNvPr>
@@ -5819,8 +5821,8 @@
         </p:nvSpPr>
         <p:spPr>
           <a:xfrm>
-            <a:off x="1857983" y="1819073"/>
-            <a:ext cx="8956298" cy="2585323"/>
+            <a:off x="1293779" y="2325292"/>
+            <a:ext cx="9980135" cy="2585323"/>
           </a:xfrm>
           <a:prstGeom prst="rect">
             <a:avLst/>
@@ -5828,7 +5830,7 @@
           <a:noFill/>
         </p:spPr>
         <p:txBody>
-          <a:bodyPr wrap="none" rtlCol="0">
+          <a:bodyPr wrap="square" rtlCol="0">
             <a:spAutoFit/>
           </a:bodyPr>
           <a:lstStyle/>
@@ -5900,7 +5902,7 @@
     </p:spTree>
     <p:extLst>
       <p:ext uri="{BB962C8B-B14F-4D97-AF65-F5344CB8AC3E}">
-        <p14:creationId xmlns:p14="http://schemas.microsoft.com/office/powerpoint/2010/main" val="2320353188"/>
+        <p14:creationId xmlns:p14="http://schemas.microsoft.com/office/powerpoint/2010/main" val="3216198618"/>
       </p:ext>
     </p:extLst>
   </p:cSld>
@@ -5932,7 +5934,7 @@
           <p:cNvPr id="2" name="標題 1">
             <a:extLst>
               <a:ext uri="{FF2B5EF4-FFF2-40B4-BE49-F238E27FC236}">
-                <a16:creationId xmlns:a16="http://schemas.microsoft.com/office/drawing/2014/main" id="{5672BF90-7484-4D1E-AFC1-B5C7864EA2E5}"/>
+                <a16:creationId xmlns="" xmlns:a16="http://schemas.microsoft.com/office/drawing/2014/main" id="{93769179-CC27-42AA-B3FA-22C4285134EF}"/>
               </a:ext>
             </a:extLst>
           </p:cNvPr>
@@ -5945,8 +5947,8 @@
         </p:nvSpPr>
         <p:spPr>
           <a:xfrm>
-            <a:off x="4772592" y="0"/>
-            <a:ext cx="2646816" cy="1507067"/>
+            <a:off x="5448156" y="121297"/>
+            <a:ext cx="1295688" cy="1259633"/>
           </a:xfrm>
         </p:spPr>
         <p:txBody>
@@ -5955,127 +5957,1118 @@
           <a:p>
             <a:r>
               <a:rPr lang="zh-TW" altLang="en-US" dirty="0"/>
-              <a:t>實作</a:t>
-            </a:r>
-            <a:r>
-              <a:rPr lang="en-US" altLang="zh-TW" dirty="0"/>
-              <a:t>(</a:t>
-            </a:r>
-            <a:r>
-              <a:rPr lang="zh-CN" altLang="en-US" dirty="0"/>
-              <a:t>硬體</a:t>
-            </a:r>
-            <a:r>
-              <a:rPr lang="en-US" altLang="zh-TW" dirty="0"/>
-              <a:t>)</a:t>
-            </a:r>
-            <a:r>
-              <a:rPr lang="zh-TW" altLang="en-US" dirty="0"/>
-              <a:t>：</a:t>
-            </a:r>
-          </a:p>
-        </p:txBody>
-      </p:sp>
-      <p:sp>
-        <p:nvSpPr>
-          <p:cNvPr id="3" name="內容版面配置區 2">
-            <a:extLst>
-              <a:ext uri="{FF2B5EF4-FFF2-40B4-BE49-F238E27FC236}">
-                <a16:creationId xmlns:a16="http://schemas.microsoft.com/office/drawing/2014/main" id="{CA513484-4225-4F1F-AB6C-B117C94DFBD3}"/>
-              </a:ext>
-            </a:extLst>
-          </p:cNvPr>
-          <p:cNvSpPr>
-            <a:spLocks noGrp="1"/>
-          </p:cNvSpPr>
-          <p:nvPr>
-            <p:ph idx="1"/>
-          </p:nvPr>
-        </p:nvSpPr>
-        <p:spPr>
+              <a:t>實作：</a:t>
+            </a:r>
+            <a:endParaRPr lang="zh-TW" altLang="en-US" dirty="0"/>
+          </a:p>
+        </p:txBody>
+      </p:sp>
+      <p:grpSp>
+        <p:nvGrpSpPr>
+          <p:cNvPr id="5" name="群組 4"/>
+          <p:cNvGrpSpPr/>
+          <p:nvPr/>
+        </p:nvGrpSpPr>
+        <p:grpSpPr>
           <a:xfrm>
-            <a:off x="1828800" y="2038738"/>
-            <a:ext cx="8534400" cy="3615267"/>
+            <a:off x="2171192" y="1327494"/>
+            <a:ext cx="7567539" cy="4704760"/>
+            <a:chOff x="2171192" y="1327494"/>
+            <a:chExt cx="7567539" cy="4704760"/>
           </a:xfrm>
-        </p:spPr>
-        <p:txBody>
-          <a:bodyPr anchor="ctr"/>
-          <a:lstStyle/>
-          <a:p>
-            <a:r>
-              <a:rPr lang="zh-TW" altLang="en-US" dirty="0">
-                <a:solidFill>
-                  <a:schemeClr val="tx1"/>
-                </a:solidFill>
-              </a:rPr>
-              <a:t>透過簡單的激光裝置與光敏電阻做出一個裝置，能夠能把訊號讀出並經過適當地計算和演算計算出投入垃圾桶的件數，之後把信號轉換成樹莓派可以讀取的信號並傳送。</a:t>
-            </a:r>
-            <a:endParaRPr lang="en-US" altLang="zh-TW" dirty="0">
+        </p:grpSpPr>
+        <p:sp>
+          <p:nvSpPr>
+            <p:cNvPr id="6" name="矩形 5"/>
+            <p:cNvSpPr/>
+            <p:nvPr/>
+          </p:nvSpPr>
+          <p:spPr>
+            <a:xfrm>
+              <a:off x="5056440" y="3314319"/>
+              <a:ext cx="1837944" cy="914400"/>
+            </a:xfrm>
+            <a:prstGeom prst="rect">
+              <a:avLst/>
+            </a:prstGeom>
+          </p:spPr>
+          <p:style>
+            <a:lnRef idx="2">
+              <a:schemeClr val="accent1">
+                <a:shade val="50000"/>
+              </a:schemeClr>
+            </a:lnRef>
+            <a:fillRef idx="1">
+              <a:schemeClr val="accent1"/>
+            </a:fillRef>
+            <a:effectRef idx="0">
+              <a:schemeClr val="accent1"/>
+            </a:effectRef>
+            <a:fontRef idx="minor">
+              <a:schemeClr val="lt1"/>
+            </a:fontRef>
+          </p:style>
+          <p:txBody>
+            <a:bodyPr rtlCol="0" anchor="ctr"/>
+            <a:lstStyle/>
+            <a:p>
+              <a:pPr algn="ctr"/>
+              <a:r>
+                <a:rPr lang="zh-TW" altLang="en-US" dirty="0" smtClean="0"/>
+                <a:t>樹莓派</a:t>
+              </a:r>
+              <a:endParaRPr lang="zh-TW" altLang="en-US" dirty="0"/>
+            </a:p>
+          </p:txBody>
+        </p:sp>
+        <p:sp>
+          <p:nvSpPr>
+            <p:cNvPr id="7" name="矩形 6"/>
+            <p:cNvSpPr/>
+            <p:nvPr/>
+          </p:nvSpPr>
+          <p:spPr>
+            <a:xfrm>
+              <a:off x="5057886" y="1450910"/>
+              <a:ext cx="1837944" cy="914400"/>
+            </a:xfrm>
+            <a:prstGeom prst="rect">
+              <a:avLst/>
+            </a:prstGeom>
+          </p:spPr>
+          <p:style>
+            <a:lnRef idx="2">
+              <a:schemeClr val="accent1">
+                <a:shade val="50000"/>
+              </a:schemeClr>
+            </a:lnRef>
+            <a:fillRef idx="1">
+              <a:schemeClr val="accent1"/>
+            </a:fillRef>
+            <a:effectRef idx="0">
+              <a:schemeClr val="accent1"/>
+            </a:effectRef>
+            <a:fontRef idx="minor">
+              <a:schemeClr val="lt1"/>
+            </a:fontRef>
+          </p:style>
+          <p:txBody>
+            <a:bodyPr rtlCol="0" anchor="ctr"/>
+            <a:lstStyle/>
+            <a:p>
+              <a:pPr algn="ctr"/>
+              <a:r>
+                <a:rPr lang="en-US" altLang="zh-TW" dirty="0" smtClean="0"/>
+                <a:t>ARDUINO</a:t>
+              </a:r>
+              <a:endParaRPr lang="zh-TW" altLang="en-US" dirty="0"/>
+            </a:p>
+          </p:txBody>
+        </p:sp>
+        <p:sp>
+          <p:nvSpPr>
+            <p:cNvPr id="8" name="矩形 7"/>
+            <p:cNvSpPr/>
+            <p:nvPr/>
+          </p:nvSpPr>
+          <p:spPr>
+            <a:xfrm>
+              <a:off x="5061802" y="5117854"/>
+              <a:ext cx="1837944" cy="914400"/>
+            </a:xfrm>
+            <a:prstGeom prst="rect">
+              <a:avLst/>
+            </a:prstGeom>
+          </p:spPr>
+          <p:style>
+            <a:lnRef idx="2">
+              <a:schemeClr val="accent1">
+                <a:shade val="50000"/>
+              </a:schemeClr>
+            </a:lnRef>
+            <a:fillRef idx="1">
+              <a:schemeClr val="accent1"/>
+            </a:fillRef>
+            <a:effectRef idx="0">
+              <a:schemeClr val="accent1"/>
+            </a:effectRef>
+            <a:fontRef idx="minor">
+              <a:schemeClr val="lt1"/>
+            </a:fontRef>
+          </p:style>
+          <p:txBody>
+            <a:bodyPr rtlCol="0" anchor="ctr"/>
+            <a:lstStyle/>
+            <a:p>
+              <a:pPr algn="ctr"/>
+              <a:r>
+                <a:rPr lang="zh-TW" altLang="en-US" dirty="0" smtClean="0"/>
+                <a:t>個人</a:t>
+              </a:r>
+              <a:r>
+                <a:rPr lang="zh-TW" altLang="en-US" dirty="0"/>
+                <a:t>電腦</a:t>
+              </a:r>
+            </a:p>
+          </p:txBody>
+        </p:sp>
+        <p:grpSp>
+          <p:nvGrpSpPr>
+            <p:cNvPr id="9" name="群組 8"/>
+            <p:cNvGrpSpPr/>
+            <p:nvPr/>
+          </p:nvGrpSpPr>
+          <p:grpSpPr>
+            <a:xfrm>
+              <a:off x="5026570" y="2566870"/>
+              <a:ext cx="1912366" cy="587049"/>
+              <a:chOff x="7262688" y="2756732"/>
+              <a:chExt cx="1912366" cy="587049"/>
+            </a:xfrm>
+          </p:grpSpPr>
+          <p:cxnSp>
+            <p:nvCxnSpPr>
+              <p:cNvPr id="36" name="直線單箭頭接點 35"/>
+              <p:cNvCxnSpPr/>
+              <p:nvPr/>
+            </p:nvCxnSpPr>
+            <p:spPr>
+              <a:xfrm flipH="1">
+                <a:off x="8293338" y="2756732"/>
+                <a:ext cx="1" cy="587049"/>
+              </a:xfrm>
+              <a:prstGeom prst="straightConnector1">
+                <a:avLst/>
+              </a:prstGeom>
+              <a:ln w="101600">
+                <a:solidFill>
+                  <a:srgbClr val="FF7F00"/>
+                </a:solidFill>
+                <a:tailEnd type="triangle"/>
+              </a:ln>
+            </p:spPr>
+            <p:style>
+              <a:lnRef idx="1">
+                <a:schemeClr val="accent1"/>
+              </a:lnRef>
+              <a:fillRef idx="0">
+                <a:schemeClr val="accent1"/>
+              </a:fillRef>
+              <a:effectRef idx="0">
+                <a:schemeClr val="accent1"/>
+              </a:effectRef>
+              <a:fontRef idx="minor">
+                <a:schemeClr val="tx1"/>
+              </a:fontRef>
+            </p:style>
+          </p:cxnSp>
+          <p:sp>
+            <p:nvSpPr>
+              <p:cNvPr id="37" name="文字方塊 36"/>
+              <p:cNvSpPr txBox="1"/>
+              <p:nvPr/>
+            </p:nvSpPr>
+            <p:spPr>
+              <a:xfrm>
+                <a:off x="7262688" y="2799361"/>
+                <a:ext cx="877163" cy="369332"/>
+              </a:xfrm>
+              <a:prstGeom prst="rect">
+                <a:avLst/>
+              </a:prstGeom>
+              <a:noFill/>
+            </p:spPr>
+            <p:txBody>
+              <a:bodyPr wrap="square" rtlCol="0">
+                <a:spAutoFit/>
+              </a:bodyPr>
+              <a:lstStyle/>
+              <a:p>
+                <a:r>
+                  <a:rPr lang="zh-TW" altLang="en-US" dirty="0" smtClean="0"/>
+                  <a:t>單芯</a:t>
+                </a:r>
+                <a:r>
+                  <a:rPr lang="zh-TW" altLang="en-US" dirty="0"/>
+                  <a:t>線</a:t>
+                </a:r>
+              </a:p>
+            </p:txBody>
+          </p:sp>
+          <p:sp>
+            <p:nvSpPr>
+              <p:cNvPr id="38" name="文字方塊 37"/>
+              <p:cNvSpPr txBox="1"/>
+              <p:nvPr/>
+            </p:nvSpPr>
+            <p:spPr>
+              <a:xfrm>
+                <a:off x="8442960" y="2799361"/>
+                <a:ext cx="732094" cy="369332"/>
+              </a:xfrm>
+              <a:prstGeom prst="rect">
+                <a:avLst/>
+              </a:prstGeom>
+              <a:noFill/>
+            </p:spPr>
+            <p:txBody>
+              <a:bodyPr wrap="square" rtlCol="0">
+                <a:spAutoFit/>
+              </a:bodyPr>
+              <a:lstStyle/>
+              <a:p>
+                <a:r>
+                  <a:rPr lang="en-US" altLang="zh-TW" dirty="0" smtClean="0"/>
+                  <a:t>data</a:t>
+                </a:r>
+                <a:endParaRPr lang="zh-TW" altLang="en-US" dirty="0"/>
+              </a:p>
+            </p:txBody>
+          </p:sp>
+        </p:grpSp>
+        <p:grpSp>
+          <p:nvGrpSpPr>
+            <p:cNvPr id="10" name="群組 9"/>
+            <p:cNvGrpSpPr/>
+            <p:nvPr/>
+          </p:nvGrpSpPr>
+          <p:grpSpPr>
+            <a:xfrm>
+              <a:off x="5105647" y="4416815"/>
+              <a:ext cx="1991430" cy="587049"/>
+              <a:chOff x="7374366" y="2756732"/>
+              <a:chExt cx="1991430" cy="587049"/>
+            </a:xfrm>
+          </p:grpSpPr>
+          <p:cxnSp>
+            <p:nvCxnSpPr>
+              <p:cNvPr id="33" name="直線單箭頭接點 32"/>
+              <p:cNvCxnSpPr/>
+              <p:nvPr/>
+            </p:nvCxnSpPr>
+            <p:spPr>
+              <a:xfrm flipH="1">
+                <a:off x="8293338" y="2756732"/>
+                <a:ext cx="1" cy="587049"/>
+              </a:xfrm>
+              <a:prstGeom prst="straightConnector1">
+                <a:avLst/>
+              </a:prstGeom>
+              <a:ln w="101600">
+                <a:solidFill>
+                  <a:srgbClr val="FF7F00"/>
+                </a:solidFill>
+                <a:tailEnd type="triangle"/>
+              </a:ln>
+            </p:spPr>
+            <p:style>
+              <a:lnRef idx="1">
+                <a:schemeClr val="accent1"/>
+              </a:lnRef>
+              <a:fillRef idx="0">
+                <a:schemeClr val="accent1"/>
+              </a:fillRef>
+              <a:effectRef idx="0">
+                <a:schemeClr val="accent1"/>
+              </a:effectRef>
+              <a:fontRef idx="minor">
+                <a:schemeClr val="tx1"/>
+              </a:fontRef>
+            </p:style>
+          </p:cxnSp>
+          <p:sp>
+            <p:nvSpPr>
+              <p:cNvPr id="34" name="文字方塊 33"/>
+              <p:cNvSpPr txBox="1"/>
+              <p:nvPr/>
+            </p:nvSpPr>
+            <p:spPr>
+              <a:xfrm>
+                <a:off x="7374366" y="2799361"/>
+                <a:ext cx="776411" cy="369332"/>
+              </a:xfrm>
+              <a:prstGeom prst="rect">
+                <a:avLst/>
+              </a:prstGeom>
+              <a:noFill/>
+            </p:spPr>
+            <p:txBody>
+              <a:bodyPr wrap="square" rtlCol="0">
+                <a:spAutoFit/>
+              </a:bodyPr>
+              <a:lstStyle/>
+              <a:p>
+                <a:r>
+                  <a:rPr lang="en-US" altLang="zh-TW" dirty="0" smtClean="0"/>
+                  <a:t>route</a:t>
+                </a:r>
+                <a:endParaRPr lang="zh-TW" altLang="en-US" dirty="0"/>
+              </a:p>
+            </p:txBody>
+          </p:sp>
+          <p:sp>
+            <p:nvSpPr>
+              <p:cNvPr id="35" name="文字方塊 34"/>
+              <p:cNvSpPr txBox="1"/>
+              <p:nvPr/>
+            </p:nvSpPr>
+            <p:spPr>
+              <a:xfrm>
+                <a:off x="8442959" y="2799361"/>
+                <a:ext cx="922837" cy="369332"/>
+              </a:xfrm>
+              <a:prstGeom prst="rect">
+                <a:avLst/>
+              </a:prstGeom>
+              <a:noFill/>
+            </p:spPr>
+            <p:txBody>
+              <a:bodyPr wrap="square" rtlCol="0">
+                <a:spAutoFit/>
+              </a:bodyPr>
+              <a:lstStyle/>
+              <a:p>
+                <a:r>
+                  <a:rPr lang="en-US" altLang="zh-TW" dirty="0" smtClean="0"/>
+                  <a:t>socket</a:t>
+                </a:r>
+                <a:endParaRPr lang="zh-TW" altLang="en-US" dirty="0"/>
+              </a:p>
+            </p:txBody>
+          </p:sp>
+        </p:grpSp>
+        <p:grpSp>
+          <p:nvGrpSpPr>
+            <p:cNvPr id="11" name="群組 10"/>
+            <p:cNvGrpSpPr/>
+            <p:nvPr/>
+          </p:nvGrpSpPr>
+          <p:grpSpPr>
+            <a:xfrm rot="16200000">
+              <a:off x="4009696" y="1408912"/>
+              <a:ext cx="1112263" cy="949427"/>
+              <a:chOff x="7717206" y="2625571"/>
+              <a:chExt cx="1112263" cy="949427"/>
+            </a:xfrm>
+          </p:grpSpPr>
+          <p:cxnSp>
+            <p:nvCxnSpPr>
+              <p:cNvPr id="30" name="直線單箭頭接點 29"/>
+              <p:cNvCxnSpPr/>
+              <p:nvPr/>
+            </p:nvCxnSpPr>
+            <p:spPr>
+              <a:xfrm flipH="1">
+                <a:off x="8293338" y="2756732"/>
+                <a:ext cx="1" cy="587049"/>
+              </a:xfrm>
+              <a:prstGeom prst="straightConnector1">
+                <a:avLst/>
+              </a:prstGeom>
+              <a:ln w="101600">
+                <a:solidFill>
+                  <a:srgbClr val="FF7F00"/>
+                </a:solidFill>
+                <a:tailEnd type="triangle"/>
+              </a:ln>
+            </p:spPr>
+            <p:style>
+              <a:lnRef idx="1">
+                <a:schemeClr val="accent1"/>
+              </a:lnRef>
+              <a:fillRef idx="0">
+                <a:schemeClr val="accent1"/>
+              </a:fillRef>
+              <a:effectRef idx="0">
+                <a:schemeClr val="accent1"/>
+              </a:effectRef>
+              <a:fontRef idx="minor">
+                <a:schemeClr val="tx1"/>
+              </a:fontRef>
+            </p:style>
+          </p:cxnSp>
+          <p:sp>
+            <p:nvSpPr>
+              <p:cNvPr id="31" name="文字方塊 30"/>
+              <p:cNvSpPr txBox="1"/>
+              <p:nvPr/>
+            </p:nvSpPr>
+            <p:spPr>
+              <a:xfrm>
+                <a:off x="7717206" y="2698293"/>
+                <a:ext cx="461665" cy="803984"/>
+              </a:xfrm>
+              <a:prstGeom prst="rect">
+                <a:avLst/>
+              </a:prstGeom>
+              <a:noFill/>
+            </p:spPr>
+            <p:txBody>
+              <a:bodyPr vert="eaVert" wrap="square" rtlCol="0">
+                <a:spAutoFit/>
+              </a:bodyPr>
+              <a:lstStyle/>
+              <a:p>
+                <a:r>
+                  <a:rPr lang="zh-TW" altLang="en-US" dirty="0" smtClean="0"/>
+                  <a:t>單芯</a:t>
+                </a:r>
+                <a:r>
+                  <a:rPr lang="zh-TW" altLang="en-US" dirty="0"/>
+                  <a:t>線</a:t>
+                </a:r>
+              </a:p>
+            </p:txBody>
+          </p:sp>
+          <p:sp>
+            <p:nvSpPr>
+              <p:cNvPr id="32" name="文字方塊 31"/>
+              <p:cNvSpPr txBox="1"/>
+              <p:nvPr/>
+            </p:nvSpPr>
+            <p:spPr>
+              <a:xfrm>
+                <a:off x="8367804" y="2625571"/>
+                <a:ext cx="461665" cy="949427"/>
+              </a:xfrm>
+              <a:prstGeom prst="rect">
+                <a:avLst/>
+              </a:prstGeom>
+              <a:noFill/>
+            </p:spPr>
+            <p:txBody>
+              <a:bodyPr vert="eaVert" wrap="square" rtlCol="0">
+                <a:spAutoFit/>
+              </a:bodyPr>
+              <a:lstStyle/>
+              <a:p>
+                <a:r>
+                  <a:rPr lang="en-US" altLang="zh-TW" dirty="0" smtClean="0"/>
+                  <a:t>analog</a:t>
+                </a:r>
+                <a:endParaRPr lang="zh-TW" altLang="en-US" dirty="0"/>
+              </a:p>
+            </p:txBody>
+          </p:sp>
+        </p:grpSp>
+        <p:sp>
+          <p:nvSpPr>
+            <p:cNvPr id="12" name="矩形 11"/>
+            <p:cNvSpPr/>
+            <p:nvPr/>
+          </p:nvSpPr>
+          <p:spPr>
+            <a:xfrm>
+              <a:off x="2176453" y="1450910"/>
+              <a:ext cx="1837944" cy="914400"/>
+            </a:xfrm>
+            <a:prstGeom prst="rect">
+              <a:avLst/>
+            </a:prstGeom>
+          </p:spPr>
+          <p:style>
+            <a:lnRef idx="2">
+              <a:schemeClr val="accent1">
+                <a:shade val="50000"/>
+              </a:schemeClr>
+            </a:lnRef>
+            <a:fillRef idx="1">
+              <a:schemeClr val="accent1"/>
+            </a:fillRef>
+            <a:effectRef idx="0">
+              <a:schemeClr val="accent1"/>
+            </a:effectRef>
+            <a:fontRef idx="minor">
+              <a:schemeClr val="lt1"/>
+            </a:fontRef>
+          </p:style>
+          <p:txBody>
+            <a:bodyPr rtlCol="0" anchor="ctr"/>
+            <a:lstStyle/>
+            <a:p>
+              <a:pPr algn="ctr"/>
+              <a:r>
+                <a:rPr lang="zh-TW" altLang="en-US" dirty="0" smtClean="0"/>
+                <a:t>激光裝置</a:t>
+              </a:r>
+              <a:endParaRPr lang="en-US" altLang="zh-TW" dirty="0" smtClean="0"/>
+            </a:p>
+            <a:p>
+              <a:pPr algn="ctr"/>
+              <a:r>
+                <a:rPr lang="zh-TW" altLang="en-US" dirty="0" smtClean="0"/>
+                <a:t>光敏</a:t>
+              </a:r>
+              <a:r>
+                <a:rPr lang="zh-TW" altLang="en-US" dirty="0"/>
+                <a:t>電阻</a:t>
+              </a:r>
+            </a:p>
+          </p:txBody>
+        </p:sp>
+        <p:grpSp>
+          <p:nvGrpSpPr>
+            <p:cNvPr id="13" name="群組 12"/>
+            <p:cNvGrpSpPr/>
+            <p:nvPr/>
+          </p:nvGrpSpPr>
+          <p:grpSpPr>
+            <a:xfrm rot="16200000">
+              <a:off x="3986708" y="3348379"/>
+              <a:ext cx="1112264" cy="803984"/>
+              <a:chOff x="7717206" y="2698293"/>
+              <a:chExt cx="1112264" cy="803984"/>
+            </a:xfrm>
+          </p:grpSpPr>
+          <p:cxnSp>
+            <p:nvCxnSpPr>
+              <p:cNvPr id="27" name="直線單箭頭接點 26"/>
+              <p:cNvCxnSpPr/>
+              <p:nvPr/>
+            </p:nvCxnSpPr>
+            <p:spPr>
+              <a:xfrm flipH="1">
+                <a:off x="8293338" y="2756732"/>
+                <a:ext cx="1" cy="587049"/>
+              </a:xfrm>
+              <a:prstGeom prst="straightConnector1">
+                <a:avLst/>
+              </a:prstGeom>
+              <a:ln w="101600">
+                <a:solidFill>
+                  <a:srgbClr val="FF7F00"/>
+                </a:solidFill>
+                <a:tailEnd type="triangle"/>
+              </a:ln>
+            </p:spPr>
+            <p:style>
+              <a:lnRef idx="1">
+                <a:schemeClr val="accent1"/>
+              </a:lnRef>
+              <a:fillRef idx="0">
+                <a:schemeClr val="accent1"/>
+              </a:fillRef>
+              <a:effectRef idx="0">
+                <a:schemeClr val="accent1"/>
+              </a:effectRef>
+              <a:fontRef idx="minor">
+                <a:schemeClr val="tx1"/>
+              </a:fontRef>
+            </p:style>
+          </p:cxnSp>
+          <p:sp>
+            <p:nvSpPr>
+              <p:cNvPr id="28" name="文字方塊 27"/>
+              <p:cNvSpPr txBox="1"/>
+              <p:nvPr/>
+            </p:nvSpPr>
+            <p:spPr>
+              <a:xfrm>
+                <a:off x="7717206" y="2698293"/>
+                <a:ext cx="461665" cy="803984"/>
+              </a:xfrm>
+              <a:prstGeom prst="rect">
+                <a:avLst/>
+              </a:prstGeom>
+              <a:noFill/>
+            </p:spPr>
+            <p:txBody>
+              <a:bodyPr vert="eaVert" wrap="square" rtlCol="0">
+                <a:spAutoFit/>
+              </a:bodyPr>
+              <a:lstStyle/>
+              <a:p>
+                <a:r>
+                  <a:rPr lang="zh-TW" altLang="en-US" dirty="0" smtClean="0"/>
+                  <a:t>單芯</a:t>
+                </a:r>
+                <a:r>
+                  <a:rPr lang="zh-TW" altLang="en-US" dirty="0"/>
+                  <a:t>線</a:t>
+                </a:r>
+              </a:p>
+            </p:txBody>
+          </p:sp>
+          <p:sp>
+            <p:nvSpPr>
+              <p:cNvPr id="29" name="文字方塊 28"/>
+              <p:cNvSpPr txBox="1"/>
+              <p:nvPr/>
+            </p:nvSpPr>
+            <p:spPr>
+              <a:xfrm>
+                <a:off x="8367805" y="2710632"/>
+                <a:ext cx="461665" cy="779302"/>
+              </a:xfrm>
+              <a:prstGeom prst="rect">
+                <a:avLst/>
+              </a:prstGeom>
+              <a:noFill/>
+            </p:spPr>
+            <p:txBody>
+              <a:bodyPr vert="eaVert" wrap="square" rtlCol="0">
+                <a:spAutoFit/>
+              </a:bodyPr>
+              <a:lstStyle/>
+              <a:p>
+                <a:r>
+                  <a:rPr lang="en-US" altLang="zh-TW" dirty="0" smtClean="0"/>
+                  <a:t>digital</a:t>
+                </a:r>
+                <a:endParaRPr lang="zh-TW" altLang="en-US" dirty="0"/>
+              </a:p>
+            </p:txBody>
+          </p:sp>
+        </p:grpSp>
+        <p:sp>
+          <p:nvSpPr>
+            <p:cNvPr id="14" name="矩形 13"/>
+            <p:cNvSpPr/>
+            <p:nvPr/>
+          </p:nvSpPr>
+          <p:spPr>
+            <a:xfrm>
+              <a:off x="2171192" y="3314319"/>
+              <a:ext cx="1837944" cy="914400"/>
+            </a:xfrm>
+            <a:prstGeom prst="rect">
+              <a:avLst/>
+            </a:prstGeom>
+          </p:spPr>
+          <p:style>
+            <a:lnRef idx="2">
+              <a:schemeClr val="accent1">
+                <a:shade val="50000"/>
+              </a:schemeClr>
+            </a:lnRef>
+            <a:fillRef idx="1">
+              <a:schemeClr val="accent1"/>
+            </a:fillRef>
+            <a:effectRef idx="0">
+              <a:schemeClr val="accent1"/>
+            </a:effectRef>
+            <a:fontRef idx="minor">
+              <a:schemeClr val="lt1"/>
+            </a:fontRef>
+          </p:style>
+          <p:txBody>
+            <a:bodyPr rtlCol="0" anchor="ctr"/>
+            <a:lstStyle/>
+            <a:p>
+              <a:pPr algn="ctr"/>
+              <a:r>
+                <a:rPr lang="zh-TW" altLang="en-US" dirty="0" smtClean="0"/>
+                <a:t>按鈕裝</a:t>
+              </a:r>
+              <a:r>
+                <a:rPr lang="zh-TW" altLang="en-US" dirty="0"/>
+                <a:t>置</a:t>
+              </a:r>
+            </a:p>
+          </p:txBody>
+        </p:sp>
+        <p:sp>
+          <p:nvSpPr>
+            <p:cNvPr id="15" name="矩形 14"/>
+            <p:cNvSpPr/>
+            <p:nvPr/>
+          </p:nvSpPr>
+          <p:spPr>
+            <a:xfrm>
+              <a:off x="7895425" y="1450910"/>
+              <a:ext cx="1837944" cy="914400"/>
+            </a:xfrm>
+            <a:prstGeom prst="rect">
+              <a:avLst/>
+            </a:prstGeom>
+          </p:spPr>
+          <p:style>
+            <a:lnRef idx="2">
+              <a:schemeClr val="accent1">
+                <a:shade val="50000"/>
+              </a:schemeClr>
+            </a:lnRef>
+            <a:fillRef idx="1">
+              <a:schemeClr val="accent1"/>
+            </a:fillRef>
+            <a:effectRef idx="0">
+              <a:schemeClr val="accent1"/>
+            </a:effectRef>
+            <a:fontRef idx="minor">
+              <a:schemeClr val="lt1"/>
+            </a:fontRef>
+          </p:style>
+          <p:txBody>
+            <a:bodyPr rtlCol="0" anchor="ctr"/>
+            <a:lstStyle/>
+            <a:p>
+              <a:pPr algn="ctr"/>
+              <a:r>
+                <a:rPr lang="zh-TW" altLang="en-US" dirty="0"/>
+                <a:t>蜂鳴器</a:t>
+              </a:r>
+            </a:p>
+          </p:txBody>
+        </p:sp>
+        <p:grpSp>
+          <p:nvGrpSpPr>
+            <p:cNvPr id="16" name="群組 15"/>
+            <p:cNvGrpSpPr/>
+            <p:nvPr/>
+          </p:nvGrpSpPr>
+          <p:grpSpPr>
+            <a:xfrm>
+              <a:off x="6984686" y="1329796"/>
+              <a:ext cx="821554" cy="1111426"/>
+              <a:chOff x="7097128" y="1192464"/>
+              <a:chExt cx="821554" cy="1111426"/>
+            </a:xfrm>
+          </p:grpSpPr>
+          <p:cxnSp>
+            <p:nvCxnSpPr>
+              <p:cNvPr id="24" name="直線單箭頭接點 23"/>
+              <p:cNvCxnSpPr/>
+              <p:nvPr/>
+            </p:nvCxnSpPr>
+            <p:spPr>
+              <a:xfrm rot="16200000" flipH="1">
+                <a:off x="7504407" y="1453239"/>
+                <a:ext cx="1" cy="587049"/>
+              </a:xfrm>
+              <a:prstGeom prst="straightConnector1">
+                <a:avLst/>
+              </a:prstGeom>
+              <a:ln w="101600">
+                <a:solidFill>
+                  <a:srgbClr val="FF7F00"/>
+                </a:solidFill>
+                <a:tailEnd type="triangle"/>
+              </a:ln>
+            </p:spPr>
+            <p:style>
+              <a:lnRef idx="1">
+                <a:schemeClr val="accent1"/>
+              </a:lnRef>
+              <a:fillRef idx="0">
+                <a:schemeClr val="accent1"/>
+              </a:fillRef>
+              <a:effectRef idx="0">
+                <a:schemeClr val="accent1"/>
+              </a:effectRef>
+              <a:fontRef idx="minor">
+                <a:schemeClr val="tx1"/>
+              </a:fontRef>
+            </p:style>
+          </p:cxnSp>
+          <p:sp>
+            <p:nvSpPr>
+              <p:cNvPr id="25" name="文字方塊 24"/>
+              <p:cNvSpPr txBox="1"/>
+              <p:nvPr/>
+            </p:nvSpPr>
+            <p:spPr>
+              <a:xfrm rot="16200000">
+                <a:off x="7268287" y="1671066"/>
+                <a:ext cx="461665" cy="803984"/>
+              </a:xfrm>
+              <a:prstGeom prst="rect">
+                <a:avLst/>
+              </a:prstGeom>
+              <a:noFill/>
+            </p:spPr>
+            <p:txBody>
+              <a:bodyPr vert="eaVert" wrap="square" rtlCol="0">
+                <a:spAutoFit/>
+              </a:bodyPr>
+              <a:lstStyle/>
+              <a:p>
+                <a:r>
+                  <a:rPr lang="zh-TW" altLang="en-US" dirty="0" smtClean="0"/>
+                  <a:t>單芯</a:t>
+                </a:r>
+                <a:r>
+                  <a:rPr lang="zh-TW" altLang="en-US" dirty="0"/>
+                  <a:t>線</a:t>
+                </a:r>
+              </a:p>
+            </p:txBody>
+          </p:sp>
+          <p:sp>
+            <p:nvSpPr>
+              <p:cNvPr id="26" name="文字方塊 25"/>
+              <p:cNvSpPr txBox="1"/>
+              <p:nvPr/>
+            </p:nvSpPr>
+            <p:spPr>
+              <a:xfrm rot="16200000">
+                <a:off x="7277155" y="1012602"/>
+                <a:ext cx="461665" cy="821389"/>
+              </a:xfrm>
+              <a:prstGeom prst="rect">
+                <a:avLst/>
+              </a:prstGeom>
+              <a:noFill/>
+            </p:spPr>
+            <p:txBody>
+              <a:bodyPr vert="eaVert" wrap="square" rtlCol="0">
+                <a:spAutoFit/>
+              </a:bodyPr>
+              <a:lstStyle/>
+              <a:p>
+                <a:r>
+                  <a:rPr lang="en-US" altLang="zh-TW" dirty="0" smtClean="0"/>
+                  <a:t>digital</a:t>
+                </a:r>
+              </a:p>
+            </p:txBody>
+          </p:sp>
+        </p:grpSp>
+        <p:sp>
+          <p:nvSpPr>
+            <p:cNvPr id="17" name="矩形 16"/>
+            <p:cNvSpPr/>
+            <p:nvPr/>
+          </p:nvSpPr>
+          <p:spPr>
+            <a:xfrm>
+              <a:off x="7893979" y="3320369"/>
+              <a:ext cx="1837944" cy="914400"/>
+            </a:xfrm>
+            <a:prstGeom prst="rect">
+              <a:avLst/>
+            </a:prstGeom>
+          </p:spPr>
+          <p:style>
+            <a:lnRef idx="2">
+              <a:schemeClr val="accent1">
+                <a:shade val="50000"/>
+              </a:schemeClr>
+            </a:lnRef>
+            <a:fillRef idx="1">
+              <a:schemeClr val="accent1"/>
+            </a:fillRef>
+            <a:effectRef idx="0">
+              <a:schemeClr val="accent1"/>
+            </a:effectRef>
+            <a:fontRef idx="minor">
+              <a:schemeClr val="lt1"/>
+            </a:fontRef>
+          </p:style>
+          <p:txBody>
+            <a:bodyPr rtlCol="0" anchor="ctr"/>
+            <a:lstStyle/>
+            <a:p>
+              <a:pPr algn="ctr"/>
+              <a:r>
+                <a:rPr lang="en-US" altLang="zh-TW" dirty="0" smtClean="0"/>
+                <a:t>RGB</a:t>
+              </a:r>
+              <a:r>
+                <a:rPr lang="zh-TW" altLang="en-US" dirty="0" smtClean="0"/>
+                <a:t>裝置</a:t>
+              </a:r>
+              <a:endParaRPr lang="zh-TW" altLang="en-US" dirty="0"/>
+            </a:p>
+          </p:txBody>
+        </p:sp>
+        <p:grpSp>
+          <p:nvGrpSpPr>
+            <p:cNvPr id="18" name="群組 17"/>
+            <p:cNvGrpSpPr/>
+            <p:nvPr/>
+          </p:nvGrpSpPr>
+          <p:grpSpPr>
+            <a:xfrm>
+              <a:off x="6983322" y="3139574"/>
+              <a:ext cx="821554" cy="1111426"/>
+              <a:chOff x="7097128" y="1192464"/>
+              <a:chExt cx="821554" cy="1111426"/>
+            </a:xfrm>
+          </p:grpSpPr>
+          <p:cxnSp>
+            <p:nvCxnSpPr>
+              <p:cNvPr id="21" name="直線單箭頭接點 20"/>
+              <p:cNvCxnSpPr/>
+              <p:nvPr/>
+            </p:nvCxnSpPr>
+            <p:spPr>
+              <a:xfrm rot="16200000" flipH="1">
+                <a:off x="7504407" y="1453239"/>
+                <a:ext cx="1" cy="587049"/>
+              </a:xfrm>
+              <a:prstGeom prst="straightConnector1">
+                <a:avLst/>
+              </a:prstGeom>
+              <a:ln w="101600">
+                <a:solidFill>
+                  <a:srgbClr val="FF7F00"/>
+                </a:solidFill>
+                <a:tailEnd type="triangle"/>
+              </a:ln>
+            </p:spPr>
+            <p:style>
+              <a:lnRef idx="1">
+                <a:schemeClr val="accent1"/>
+              </a:lnRef>
+              <a:fillRef idx="0">
+                <a:schemeClr val="accent1"/>
+              </a:fillRef>
+              <a:effectRef idx="0">
+                <a:schemeClr val="accent1"/>
+              </a:effectRef>
+              <a:fontRef idx="minor">
+                <a:schemeClr val="tx1"/>
+              </a:fontRef>
+            </p:style>
+          </p:cxnSp>
+          <p:sp>
+            <p:nvSpPr>
+              <p:cNvPr id="22" name="文字方塊 21"/>
+              <p:cNvSpPr txBox="1"/>
+              <p:nvPr/>
+            </p:nvSpPr>
+            <p:spPr>
+              <a:xfrm rot="16200000">
+                <a:off x="7268287" y="1671066"/>
+                <a:ext cx="461665" cy="803984"/>
+              </a:xfrm>
+              <a:prstGeom prst="rect">
+                <a:avLst/>
+              </a:prstGeom>
+              <a:noFill/>
+            </p:spPr>
+            <p:txBody>
+              <a:bodyPr vert="eaVert" wrap="square" rtlCol="0">
+                <a:spAutoFit/>
+              </a:bodyPr>
+              <a:lstStyle/>
+              <a:p>
+                <a:r>
+                  <a:rPr lang="zh-TW" altLang="en-US" dirty="0" smtClean="0"/>
+                  <a:t>單芯</a:t>
+                </a:r>
+                <a:r>
+                  <a:rPr lang="zh-TW" altLang="en-US" dirty="0"/>
+                  <a:t>線</a:t>
+                </a:r>
+              </a:p>
+            </p:txBody>
+          </p:sp>
+          <p:sp>
+            <p:nvSpPr>
+              <p:cNvPr id="23" name="文字方塊 22"/>
+              <p:cNvSpPr txBox="1"/>
+              <p:nvPr/>
+            </p:nvSpPr>
+            <p:spPr>
+              <a:xfrm rot="16200000">
+                <a:off x="7277155" y="1012602"/>
+                <a:ext cx="461665" cy="821389"/>
+              </a:xfrm>
+              <a:prstGeom prst="rect">
+                <a:avLst/>
+              </a:prstGeom>
+              <a:noFill/>
+            </p:spPr>
+            <p:txBody>
+              <a:bodyPr vert="eaVert" wrap="square" rtlCol="0">
+                <a:spAutoFit/>
+              </a:bodyPr>
+              <a:lstStyle/>
+              <a:p>
+                <a:r>
+                  <a:rPr lang="en-US" altLang="zh-TW" dirty="0" smtClean="0"/>
+                  <a:t>digital</a:t>
+                </a:r>
+              </a:p>
+            </p:txBody>
+          </p:sp>
+        </p:grpSp>
+        <p:sp>
+          <p:nvSpPr>
+            <p:cNvPr id="19" name="矩形 18"/>
+            <p:cNvSpPr/>
+            <p:nvPr/>
+          </p:nvSpPr>
+          <p:spPr>
+            <a:xfrm>
+              <a:off x="7900787" y="5113039"/>
+              <a:ext cx="1837944" cy="914400"/>
+            </a:xfrm>
+            <a:prstGeom prst="rect">
+              <a:avLst/>
+            </a:prstGeom>
+          </p:spPr>
+          <p:style>
+            <a:lnRef idx="2">
+              <a:schemeClr val="accent1">
+                <a:shade val="50000"/>
+              </a:schemeClr>
+            </a:lnRef>
+            <a:fillRef idx="1">
+              <a:schemeClr val="accent1"/>
+            </a:fillRef>
+            <a:effectRef idx="0">
+              <a:schemeClr val="accent1"/>
+            </a:effectRef>
+            <a:fontRef idx="minor">
+              <a:schemeClr val="lt1"/>
+            </a:fontRef>
+          </p:style>
+          <p:txBody>
+            <a:bodyPr rtlCol="0" anchor="ctr"/>
+            <a:lstStyle/>
+            <a:p>
+              <a:pPr algn="ctr"/>
+              <a:r>
+                <a:rPr lang="en-US" altLang="zh-TW" dirty="0" smtClean="0"/>
+                <a:t>database</a:t>
+              </a:r>
+              <a:endParaRPr lang="zh-TW" altLang="en-US" dirty="0"/>
+            </a:p>
+          </p:txBody>
+        </p:sp>
+        <p:cxnSp>
+          <p:nvCxnSpPr>
+            <p:cNvPr id="20" name="直線單箭頭接點 19"/>
+            <p:cNvCxnSpPr/>
+            <p:nvPr/>
+          </p:nvCxnSpPr>
+          <p:spPr>
+            <a:xfrm rot="16200000" flipH="1">
+              <a:off x="7500507" y="5260591"/>
+              <a:ext cx="1" cy="587049"/>
+            </a:xfrm>
+            <a:prstGeom prst="straightConnector1">
+              <a:avLst/>
+            </a:prstGeom>
+            <a:ln w="101600">
               <a:solidFill>
-                <a:schemeClr val="tx1"/>
+                <a:srgbClr val="FF7F00"/>
               </a:solidFill>
-            </a:endParaRPr>
-          </a:p>
-          <a:p>
-            <a:endParaRPr lang="en-US" altLang="zh-TW" dirty="0">
-              <a:solidFill>
-                <a:schemeClr val="tx1"/>
-              </a:solidFill>
-            </a:endParaRPr>
-          </a:p>
-          <a:p>
-            <a:r>
-              <a:rPr lang="zh-TW" altLang="en-US" dirty="0">
-                <a:solidFill>
-                  <a:schemeClr val="tx1"/>
-                </a:solidFill>
-              </a:rPr>
-              <a:t>樹莓派接收到訊號後，將信號處理之後用</a:t>
-            </a:r>
-            <a:r>
-              <a:rPr lang="en-US" altLang="zh-TW" dirty="0">
-                <a:solidFill>
-                  <a:schemeClr val="tx1"/>
-                </a:solidFill>
-              </a:rPr>
-              <a:t>Socket</a:t>
-            </a:r>
-            <a:r>
-              <a:rPr lang="zh-CN" altLang="en-US" dirty="0">
-                <a:solidFill>
-                  <a:schemeClr val="tx1"/>
-                </a:solidFill>
-              </a:rPr>
-              <a:t>的網路協定傳送給</a:t>
-            </a:r>
-            <a:r>
-              <a:rPr lang="en-US" altLang="zh-CN" dirty="0">
-                <a:solidFill>
-                  <a:schemeClr val="tx1"/>
-                </a:solidFill>
-              </a:rPr>
-              <a:t>Server</a:t>
-            </a:r>
-            <a:r>
-              <a:rPr lang="zh-CN" altLang="en-US" dirty="0">
-                <a:solidFill>
-                  <a:schemeClr val="tx1"/>
-                </a:solidFill>
-              </a:rPr>
-              <a:t>端並統計數量。</a:t>
-            </a:r>
-            <a:endParaRPr lang="zh-TW" altLang="en-US" dirty="0">
-              <a:solidFill>
-                <a:schemeClr val="tx1"/>
-              </a:solidFill>
-            </a:endParaRPr>
-          </a:p>
-        </p:txBody>
-      </p:sp>
+              <a:tailEnd type="triangle"/>
+            </a:ln>
+          </p:spPr>
+          <p:style>
+            <a:lnRef idx="1">
+              <a:schemeClr val="accent1"/>
+            </a:lnRef>
+            <a:fillRef idx="0">
+              <a:schemeClr val="accent1"/>
+            </a:fillRef>
+            <a:effectRef idx="0">
+              <a:schemeClr val="accent1"/>
+            </a:effectRef>
+            <a:fontRef idx="minor">
+              <a:schemeClr val="tx1"/>
+            </a:fontRef>
+          </p:style>
+        </p:cxnSp>
+      </p:grpSp>
     </p:spTree>
     <p:extLst>
       <p:ext uri="{BB962C8B-B14F-4D97-AF65-F5344CB8AC3E}">
-        <p14:creationId xmlns:p14="http://schemas.microsoft.com/office/powerpoint/2010/main" val="1698240755"/>
+        <p14:creationId xmlns:p14="http://schemas.microsoft.com/office/powerpoint/2010/main" val="2731934383"/>
       </p:ext>
     </p:extLst>
   </p:cSld>
@@ -6107,7 +7100,7 @@
           <p:cNvPr id="2" name="標題 1">
             <a:extLst>
               <a:ext uri="{FF2B5EF4-FFF2-40B4-BE49-F238E27FC236}">
-                <a16:creationId xmlns:a16="http://schemas.microsoft.com/office/drawing/2014/main" id="{BF6284AD-0379-4797-9AB8-F457A2FBD822}"/>
+                <a16:creationId xmlns="" xmlns:a16="http://schemas.microsoft.com/office/drawing/2014/main" id="{93769179-CC27-42AA-B3FA-22C4285134EF}"/>
               </a:ext>
             </a:extLst>
           </p:cNvPr>
@@ -6118,63 +7111,90 @@
             <p:ph type="title"/>
           </p:nvPr>
         </p:nvSpPr>
-        <p:spPr/>
+        <p:spPr>
+          <a:xfrm>
+            <a:off x="5448156" y="121297"/>
+            <a:ext cx="1295688" cy="1259633"/>
+          </a:xfrm>
+        </p:spPr>
         <p:txBody>
           <a:bodyPr/>
           <a:lstStyle/>
           <a:p>
             <a:r>
               <a:rPr lang="zh-TW" altLang="en-US" dirty="0"/>
-              <a:t>實作</a:t>
-            </a:r>
-            <a:r>
-              <a:rPr lang="en-US" altLang="zh-TW" dirty="0"/>
-              <a:t>(</a:t>
-            </a:r>
-            <a:r>
-              <a:rPr lang="zh-CN" altLang="en-US" dirty="0"/>
-              <a:t>軟體</a:t>
-            </a:r>
-            <a:r>
-              <a:rPr lang="en-US" altLang="zh-TW" dirty="0"/>
-              <a:t>)</a:t>
-            </a:r>
-            <a:r>
-              <a:rPr lang="zh-TW" altLang="en-US" dirty="0"/>
-              <a:t>：</a:t>
-            </a:r>
-          </a:p>
-        </p:txBody>
-      </p:sp>
-      <p:sp>
-        <p:nvSpPr>
-          <p:cNvPr id="3" name="內容版面配置區 2">
+              <a:t>實作：</a:t>
+            </a:r>
+            <a:endParaRPr lang="zh-TW" altLang="en-US" dirty="0"/>
+          </a:p>
+        </p:txBody>
+      </p:sp>
+      <p:sp>
+        <p:nvSpPr>
+          <p:cNvPr id="4" name="文字方塊 3">
             <a:extLst>
               <a:ext uri="{FF2B5EF4-FFF2-40B4-BE49-F238E27FC236}">
-                <a16:creationId xmlns:a16="http://schemas.microsoft.com/office/drawing/2014/main" id="{0B72595E-3D5D-4A90-AD56-F00A19EED66F}"/>
+                <a16:creationId xmlns="" xmlns:a16="http://schemas.microsoft.com/office/drawing/2014/main" id="{4439F68A-EB4A-4729-AB5C-A3A7E090BD07}"/>
               </a:ext>
             </a:extLst>
           </p:cNvPr>
-          <p:cNvSpPr>
-            <a:spLocks noGrp="1"/>
-          </p:cNvSpPr>
-          <p:nvPr>
-            <p:ph idx="1"/>
-          </p:nvPr>
-        </p:nvSpPr>
-        <p:spPr/>
-        <p:txBody>
-          <a:bodyPr/>
-          <a:lstStyle/>
-          <a:p>
-            <a:endParaRPr lang="zh-TW" altLang="en-US"/>
+          <p:cNvSpPr txBox="1"/>
+          <p:nvPr/>
+        </p:nvSpPr>
+        <p:spPr>
+          <a:xfrm>
+            <a:off x="1293779" y="2325292"/>
+            <a:ext cx="9980135" cy="1200329"/>
+          </a:xfrm>
+          <a:prstGeom prst="rect">
+            <a:avLst/>
+          </a:prstGeom>
+          <a:noFill/>
+        </p:spPr>
+        <p:txBody>
+          <a:bodyPr wrap="square" rtlCol="0">
+            <a:spAutoFit/>
+          </a:bodyPr>
+          <a:lstStyle/>
+          <a:p>
+            <a:r>
+              <a:rPr lang="zh-TW" altLang="en-US" dirty="0"/>
+              <a:t>透過簡單的激光裝置與光敏電阻做出一個裝置，能夠能把訊號讀出並經過適當地計算和演算計算出投入垃圾桶的件數，之後把信號轉換成樹莓派可以讀取的信號並傳送。</a:t>
+            </a:r>
+            <a:endParaRPr lang="en-US" altLang="zh-TW" dirty="0"/>
+          </a:p>
+          <a:p>
+            <a:endParaRPr lang="en-US" altLang="zh-TW" dirty="0"/>
+          </a:p>
+          <a:p>
+            <a:r>
+              <a:rPr lang="zh-TW" altLang="en-US" dirty="0"/>
+              <a:t>樹莓派接收到訊號後，將信號處理之後用</a:t>
+            </a:r>
+            <a:r>
+              <a:rPr lang="en-US" altLang="zh-TW" dirty="0"/>
+              <a:t>Socket</a:t>
+            </a:r>
+            <a:r>
+              <a:rPr lang="zh-CN" altLang="en-US" dirty="0"/>
+              <a:t>的網路協定傳送給</a:t>
+            </a:r>
+            <a:r>
+              <a:rPr lang="en-US" altLang="zh-CN" dirty="0"/>
+              <a:t>Server</a:t>
+            </a:r>
+            <a:r>
+              <a:rPr lang="zh-CN" altLang="en-US" dirty="0"/>
+              <a:t>端並統計數量。</a:t>
+            </a:r>
+            <a:endParaRPr lang="zh-TW" altLang="en-US" dirty="0"/>
           </a:p>
         </p:txBody>
       </p:sp>
     </p:spTree>
     <p:extLst>
       <p:ext uri="{BB962C8B-B14F-4D97-AF65-F5344CB8AC3E}">
-        <p14:creationId xmlns:p14="http://schemas.microsoft.com/office/powerpoint/2010/main" val="1196812538"/>
+        <p14:creationId xmlns:p14="http://schemas.microsoft.com/office/powerpoint/2010/main" val="1799048206"/>
       </p:ext>
     </p:extLst>
   </p:cSld>
@@ -6206,7 +7226,7 @@
           <p:cNvPr id="2" name="標題 1">
             <a:extLst>
               <a:ext uri="{FF2B5EF4-FFF2-40B4-BE49-F238E27FC236}">
-                <a16:creationId xmlns:a16="http://schemas.microsoft.com/office/drawing/2014/main" id="{AD758B33-8FFE-49B0-A6E7-5A36BBBC7254}"/>
+                <a16:creationId xmlns="" xmlns:a16="http://schemas.microsoft.com/office/drawing/2014/main" id="{5672BF90-7484-4D1E-AFC1-B5C7864EA2E5}"/>
               </a:ext>
             </a:extLst>
           </p:cNvPr>
@@ -6219,8 +7239,8 @@
         </p:nvSpPr>
         <p:spPr>
           <a:xfrm>
-            <a:off x="5407859" y="158621"/>
-            <a:ext cx="1376282" cy="1507067"/>
+            <a:off x="5465428" y="0"/>
+            <a:ext cx="1261144" cy="1507067"/>
           </a:xfrm>
         </p:spPr>
         <p:txBody>
@@ -6229,8 +7249,13 @@
           <a:p>
             <a:r>
               <a:rPr lang="zh-TW" altLang="en-US" dirty="0"/>
-              <a:t>結論：</a:t>
-            </a:r>
+              <a:t>實</a:t>
+            </a:r>
+            <a:r>
+              <a:rPr lang="zh-TW" altLang="en-US" dirty="0" smtClean="0"/>
+              <a:t>作：</a:t>
+            </a:r>
+            <a:endParaRPr lang="zh-TW" altLang="en-US" dirty="0"/>
           </a:p>
         </p:txBody>
       </p:sp>
@@ -6239,7 +7264,7 @@
           <p:cNvPr id="3" name="內容版面配置區 2">
             <a:extLst>
               <a:ext uri="{FF2B5EF4-FFF2-40B4-BE49-F238E27FC236}">
-                <a16:creationId xmlns:a16="http://schemas.microsoft.com/office/drawing/2014/main" id="{E2FC3CB2-F95D-4989-BB95-E31983FA7C23}"/>
+                <a16:creationId xmlns="" xmlns:a16="http://schemas.microsoft.com/office/drawing/2014/main" id="{CA513484-4225-4F1F-AB6C-B117C94DFBD3}"/>
               </a:ext>
             </a:extLst>
           </p:cNvPr>
@@ -6252,22 +7277,194 @@
         </p:nvSpPr>
         <p:spPr>
           <a:xfrm>
-            <a:off x="1828800" y="2365310"/>
+            <a:off x="1828800" y="2038738"/>
             <a:ext cx="8534400" cy="3615267"/>
           </a:xfrm>
         </p:spPr>
         <p:txBody>
-          <a:bodyPr/>
-          <a:lstStyle/>
-          <a:p>
-            <a:endParaRPr lang="zh-TW" altLang="en-US" dirty="0"/>
+          <a:bodyPr anchor="ctr"/>
+          <a:lstStyle/>
+          <a:p>
+            <a:r>
+              <a:rPr lang="zh-TW" altLang="en-US" dirty="0">
+                <a:solidFill>
+                  <a:schemeClr val="tx1"/>
+                </a:solidFill>
+              </a:rPr>
+              <a:t>透過簡單的激光裝置與光敏電阻做出一個裝置，能夠能把訊號讀出並經過適當地計算和演算計算出投入垃圾桶的件數，之後把信號轉換成樹莓派可以讀取的信號並傳送。</a:t>
+            </a:r>
+            <a:endParaRPr lang="en-US" altLang="zh-TW" dirty="0">
+              <a:solidFill>
+                <a:schemeClr val="tx1"/>
+              </a:solidFill>
+            </a:endParaRPr>
+          </a:p>
+          <a:p>
+            <a:endParaRPr lang="en-US" altLang="zh-TW" dirty="0">
+              <a:solidFill>
+                <a:schemeClr val="tx1"/>
+              </a:solidFill>
+            </a:endParaRPr>
+          </a:p>
+          <a:p>
+            <a:r>
+              <a:rPr lang="zh-TW" altLang="en-US" dirty="0">
+                <a:solidFill>
+                  <a:schemeClr val="tx1"/>
+                </a:solidFill>
+              </a:rPr>
+              <a:t>樹莓派接收到訊號後，將信號處理之後用</a:t>
+            </a:r>
+            <a:r>
+              <a:rPr lang="en-US" altLang="zh-TW" dirty="0">
+                <a:solidFill>
+                  <a:schemeClr val="tx1"/>
+                </a:solidFill>
+              </a:rPr>
+              <a:t>Socket</a:t>
+            </a:r>
+            <a:r>
+              <a:rPr lang="zh-CN" altLang="en-US" dirty="0">
+                <a:solidFill>
+                  <a:schemeClr val="tx1"/>
+                </a:solidFill>
+              </a:rPr>
+              <a:t>的網路協定傳送給</a:t>
+            </a:r>
+            <a:r>
+              <a:rPr lang="en-US" altLang="zh-CN" dirty="0">
+                <a:solidFill>
+                  <a:schemeClr val="tx1"/>
+                </a:solidFill>
+              </a:rPr>
+              <a:t>Server</a:t>
+            </a:r>
+            <a:r>
+              <a:rPr lang="zh-CN" altLang="en-US" dirty="0">
+                <a:solidFill>
+                  <a:schemeClr val="tx1"/>
+                </a:solidFill>
+              </a:rPr>
+              <a:t>端並統計數量。</a:t>
+            </a:r>
+            <a:endParaRPr lang="zh-TW" altLang="en-US" dirty="0">
+              <a:solidFill>
+                <a:schemeClr val="tx1"/>
+              </a:solidFill>
+            </a:endParaRPr>
           </a:p>
         </p:txBody>
       </p:sp>
     </p:spTree>
     <p:extLst>
       <p:ext uri="{BB962C8B-B14F-4D97-AF65-F5344CB8AC3E}">
-        <p14:creationId xmlns:p14="http://schemas.microsoft.com/office/powerpoint/2010/main" val="3677177943"/>
+        <p14:creationId xmlns:p14="http://schemas.microsoft.com/office/powerpoint/2010/main" val="1698240755"/>
+      </p:ext>
+    </p:extLst>
+  </p:cSld>
+  <p:clrMapOvr>
+    <a:masterClrMapping/>
+  </p:clrMapOvr>
+</p:sld>
+</file>
+
+<file path=ppt/slides/slide7.xml><?xml version="1.0" encoding="utf-8"?>
+<p:sld xmlns:a="http://schemas.openxmlformats.org/drawingml/2006/main" xmlns:r="http://schemas.openxmlformats.org/officeDocument/2006/relationships" xmlns:p="http://schemas.openxmlformats.org/presentationml/2006/main">
+  <p:cSld>
+    <p:spTree>
+      <p:nvGrpSpPr>
+        <p:cNvPr id="1" name=""/>
+        <p:cNvGrpSpPr/>
+        <p:nvPr/>
+      </p:nvGrpSpPr>
+      <p:grpSpPr>
+        <a:xfrm>
+          <a:off x="0" y="0"/>
+          <a:ext cx="0" cy="0"/>
+          <a:chOff x="0" y="0"/>
+          <a:chExt cx="0" cy="0"/>
+        </a:xfrm>
+      </p:grpSpPr>
+      <p:sp>
+        <p:nvSpPr>
+          <p:cNvPr id="2" name="標題 1">
+            <a:extLst>
+              <a:ext uri="{FF2B5EF4-FFF2-40B4-BE49-F238E27FC236}">
+                <a16:creationId xmlns="" xmlns:a16="http://schemas.microsoft.com/office/drawing/2014/main" id="{5672BF90-7484-4D1E-AFC1-B5C7864EA2E5}"/>
+              </a:ext>
+            </a:extLst>
+          </p:cNvPr>
+          <p:cNvSpPr>
+            <a:spLocks noGrp="1"/>
+          </p:cNvSpPr>
+          <p:nvPr>
+            <p:ph type="title"/>
+          </p:nvPr>
+        </p:nvSpPr>
+        <p:spPr>
+          <a:xfrm>
+            <a:off x="5465428" y="0"/>
+            <a:ext cx="1261144" cy="1507067"/>
+          </a:xfrm>
+        </p:spPr>
+        <p:txBody>
+          <a:bodyPr/>
+          <a:lstStyle/>
+          <a:p>
+            <a:r>
+              <a:rPr lang="zh-TW" altLang="en-US" dirty="0"/>
+              <a:t>結論：</a:t>
+            </a:r>
+            <a:endParaRPr lang="zh-TW" altLang="en-US" dirty="0"/>
+          </a:p>
+        </p:txBody>
+      </p:sp>
+      <p:sp>
+        <p:nvSpPr>
+          <p:cNvPr id="3" name="內容版面配置區 2">
+            <a:extLst>
+              <a:ext uri="{FF2B5EF4-FFF2-40B4-BE49-F238E27FC236}">
+                <a16:creationId xmlns="" xmlns:a16="http://schemas.microsoft.com/office/drawing/2014/main" id="{CA513484-4225-4F1F-AB6C-B117C94DFBD3}"/>
+              </a:ext>
+            </a:extLst>
+          </p:cNvPr>
+          <p:cNvSpPr>
+            <a:spLocks noGrp="1"/>
+          </p:cNvSpPr>
+          <p:nvPr>
+            <p:ph idx="1"/>
+          </p:nvPr>
+        </p:nvSpPr>
+        <p:spPr>
+          <a:xfrm>
+            <a:off x="1828800" y="2038738"/>
+            <a:ext cx="8534400" cy="3615267"/>
+          </a:xfrm>
+        </p:spPr>
+        <p:txBody>
+          <a:bodyPr anchor="ctr"/>
+          <a:lstStyle/>
+          <a:p>
+            <a:r>
+              <a:rPr lang="en-US" altLang="zh-TW" dirty="0" smtClean="0">
+                <a:solidFill>
+                  <a:schemeClr val="tx1"/>
+                </a:solidFill>
+              </a:rPr>
+              <a:t>123</a:t>
+            </a:r>
+            <a:endParaRPr lang="zh-TW" altLang="en-US" dirty="0">
+              <a:solidFill>
+                <a:schemeClr val="tx1"/>
+              </a:solidFill>
+            </a:endParaRPr>
+          </a:p>
+        </p:txBody>
+      </p:sp>
+    </p:spTree>
+    <p:extLst>
+      <p:ext uri="{BB962C8B-B14F-4D97-AF65-F5344CB8AC3E}">
+        <p14:creationId xmlns:p14="http://schemas.microsoft.com/office/powerpoint/2010/main" val="1553684025"/>
       </p:ext>
     </p:extLst>
   </p:cSld>

--- a/doc/永續發展 - 淨灘.pptx
+++ b/doc/永續發展 - 淨灘.pptx
@@ -6,12 +6,11 @@
   </p:sldMasterIdLst>
   <p:sldIdLst>
     <p:sldId id="256" r:id="rId2"/>
-    <p:sldId id="257" r:id="rId3"/>
-    <p:sldId id="264" r:id="rId4"/>
+    <p:sldId id="271" r:id="rId3"/>
+    <p:sldId id="270" r:id="rId4"/>
     <p:sldId id="265" r:id="rId5"/>
-    <p:sldId id="268" r:id="rId6"/>
-    <p:sldId id="259" r:id="rId7"/>
-    <p:sldId id="269" r:id="rId8"/>
+    <p:sldId id="259" r:id="rId6"/>
+    <p:sldId id="269" r:id="rId7"/>
   </p:sldIdLst>
   <p:sldSz cx="12192000" cy="6858000"/>
   <p:notesSz cx="6858000" cy="9144000"/>
@@ -5379,7 +5378,7 @@
           <p:cNvPr id="5" name="圖片 4">
             <a:extLst>
               <a:ext uri="{FF2B5EF4-FFF2-40B4-BE49-F238E27FC236}">
-                <a16:creationId xmlns="" xmlns:a16="http://schemas.microsoft.com/office/drawing/2014/main" id="{8003CC06-462E-434C-9758-B4CF61882509}"/>
+                <a16:creationId xmlns:a16="http://schemas.microsoft.com/office/drawing/2014/main" xmlns="" id="{8003CC06-462E-434C-9758-B4CF61882509}"/>
               </a:ext>
             </a:extLst>
           </p:cNvPr>
@@ -5416,7 +5415,7 @@
           <p:cNvPr id="2" name="標題 1">
             <a:extLst>
               <a:ext uri="{FF2B5EF4-FFF2-40B4-BE49-F238E27FC236}">
-                <a16:creationId xmlns="" xmlns:a16="http://schemas.microsoft.com/office/drawing/2014/main" id="{9B7F8B52-C41D-4EFC-8550-9BF33F5D7845}"/>
+                <a16:creationId xmlns:a16="http://schemas.microsoft.com/office/drawing/2014/main" xmlns="" id="{9B7F8B52-C41D-4EFC-8550-9BF33F5D7845}"/>
               </a:ext>
             </a:extLst>
           </p:cNvPr>
@@ -5447,6 +5446,8 @@
                     <a:lumOff val="15000"/>
                   </a:schemeClr>
                 </a:solidFill>
+                <a:latin typeface="微軟正黑體" panose="020B0604030504040204" pitchFamily="34" charset="-120"/>
+                <a:ea typeface="微軟正黑體" panose="020B0604030504040204" pitchFamily="34" charset="-120"/>
               </a:rPr>
               <a:t>用續發展 </a:t>
             </a:r>
@@ -5458,6 +5459,8 @@
                     <a:lumOff val="15000"/>
                   </a:schemeClr>
                 </a:solidFill>
+                <a:latin typeface="微軟正黑體" panose="020B0604030504040204" pitchFamily="34" charset="-120"/>
+                <a:ea typeface="微軟正黑體" panose="020B0604030504040204" pitchFamily="34" charset="-120"/>
               </a:rPr>
               <a:t>- </a:t>
             </a:r>
@@ -5469,6 +5472,8 @@
                     <a:lumOff val="15000"/>
                   </a:schemeClr>
                 </a:solidFill>
+                <a:latin typeface="微軟正黑體" panose="020B0604030504040204" pitchFamily="34" charset="-120"/>
+                <a:ea typeface="微軟正黑體" panose="020B0604030504040204" pitchFamily="34" charset="-120"/>
               </a:rPr>
               <a:t>淨灘</a:t>
             </a:r>
@@ -5479,6 +5484,8 @@
                   <a:lumOff val="15000"/>
                 </a:schemeClr>
               </a:solidFill>
+              <a:latin typeface="微軟正黑體" panose="020B0604030504040204" pitchFamily="34" charset="-120"/>
+              <a:ea typeface="微軟正黑體" panose="020B0604030504040204" pitchFamily="34" charset="-120"/>
             </a:endParaRPr>
           </a:p>
         </p:txBody>
@@ -5488,7 +5495,7 @@
           <p:cNvPr id="3" name="副標題 2">
             <a:extLst>
               <a:ext uri="{FF2B5EF4-FFF2-40B4-BE49-F238E27FC236}">
-                <a16:creationId xmlns="" xmlns:a16="http://schemas.microsoft.com/office/drawing/2014/main" id="{CEC7EADB-DD78-464E-8485-A7AE9FB77153}"/>
+                <a16:creationId xmlns:a16="http://schemas.microsoft.com/office/drawing/2014/main" xmlns="" id="{CEC7EADB-DD78-464E-8485-A7AE9FB77153}"/>
               </a:ext>
             </a:extLst>
           </p:cNvPr>
@@ -5501,126 +5508,147 @@
         </p:nvSpPr>
         <p:spPr>
           <a:xfrm>
-            <a:off x="4702630" y="2892491"/>
-            <a:ext cx="2593046" cy="2556586"/>
+            <a:off x="4574831" y="3669731"/>
+            <a:ext cx="3042338" cy="1798381"/>
           </a:xfrm>
         </p:spPr>
         <p:txBody>
           <a:bodyPr>
-            <a:normAutofit fontScale="77500" lnSpcReduction="20000"/>
+            <a:normAutofit fontScale="47500" lnSpcReduction="20000"/>
           </a:bodyPr>
           <a:lstStyle/>
           <a:p>
             <a:r>
-              <a:rPr lang="zh-CN" altLang="en-US" sz="3500" b="1" dirty="0">
+              <a:rPr lang="zh-CN" altLang="en-US" sz="3500" b="1" spc="2000" dirty="0" smtClean="0">
                 <a:solidFill>
                   <a:schemeClr val="bg2">
                     <a:lumMod val="50000"/>
                   </a:schemeClr>
                 </a:solidFill>
-                <a:latin typeface="標楷體" panose="03000509000000000000" pitchFamily="65" charset="-120"/>
-                <a:ea typeface="標楷體" panose="03000509000000000000" pitchFamily="65" charset="-120"/>
+                <a:latin typeface="微軟正黑體" panose="020B0604030504040204" pitchFamily="34" charset="-120"/>
+                <a:ea typeface="微軟正黑體" panose="020B0604030504040204" pitchFamily="34" charset="-120"/>
               </a:rPr>
-              <a:t>組長：</a:t>
-            </a:r>
-            <a:r>
-              <a:rPr lang="zh-TW" altLang="en-US" sz="3500" b="1" dirty="0">
+              <a:t>組長</a:t>
+            </a:r>
+            <a:r>
+              <a:rPr lang="zh-TW" altLang="en-US" sz="3500" b="1" spc="2000" dirty="0">
                 <a:solidFill>
                   <a:schemeClr val="bg2">
                     <a:lumMod val="50000"/>
                   </a:schemeClr>
                 </a:solidFill>
-                <a:latin typeface="標楷體" panose="03000509000000000000" pitchFamily="65" charset="-120"/>
-                <a:ea typeface="標楷體" panose="03000509000000000000" pitchFamily="65" charset="-120"/>
+                <a:latin typeface="微軟正黑體" panose="020B0604030504040204" pitchFamily="34" charset="-120"/>
+                <a:ea typeface="微軟正黑體" panose="020B0604030504040204" pitchFamily="34" charset="-120"/>
+              </a:rPr>
+              <a:t>：</a:t>
+            </a:r>
+            <a:r>
+              <a:rPr lang="zh-TW" altLang="en-US" sz="3500" b="1" spc="2000" dirty="0" smtClean="0">
+                <a:solidFill>
+                  <a:schemeClr val="bg2">
+                    <a:lumMod val="50000"/>
+                  </a:schemeClr>
+                </a:solidFill>
+                <a:latin typeface="微軟正黑體" panose="020B0604030504040204" pitchFamily="34" charset="-120"/>
+                <a:ea typeface="微軟正黑體" panose="020B0604030504040204" pitchFamily="34" charset="-120"/>
               </a:rPr>
               <a:t>郭宗翰</a:t>
             </a:r>
-            <a:endParaRPr lang="en-US" altLang="zh-TW" sz="3500" b="1" dirty="0">
+            <a:endParaRPr lang="en-US" altLang="zh-TW" sz="3500" b="1" spc="2000" dirty="0">
               <a:solidFill>
                 <a:schemeClr val="bg2">
                   <a:lumMod val="50000"/>
                 </a:schemeClr>
               </a:solidFill>
-              <a:latin typeface="標楷體" panose="03000509000000000000" pitchFamily="65" charset="-120"/>
-              <a:ea typeface="標楷體" panose="03000509000000000000" pitchFamily="65" charset="-120"/>
+              <a:latin typeface="微軟正黑體" panose="020B0604030504040204" pitchFamily="34" charset="-120"/>
+              <a:ea typeface="微軟正黑體" panose="020B0604030504040204" pitchFamily="34" charset="-120"/>
             </a:endParaRPr>
           </a:p>
           <a:p>
-            <a:endParaRPr lang="en-US" altLang="zh-TW" sz="3500" b="1" dirty="0">
+            <a:endParaRPr lang="en-US" altLang="zh-TW" sz="3500" b="1" spc="2000" dirty="0">
               <a:solidFill>
                 <a:schemeClr val="bg2">
                   <a:lumMod val="50000"/>
                 </a:schemeClr>
               </a:solidFill>
-              <a:latin typeface="標楷體" panose="03000509000000000000" pitchFamily="65" charset="-120"/>
-              <a:ea typeface="標楷體" panose="03000509000000000000" pitchFamily="65" charset="-120"/>
+              <a:latin typeface="微軟正黑體" panose="020B0604030504040204" pitchFamily="34" charset="-120"/>
+              <a:ea typeface="微軟正黑體" panose="020B0604030504040204" pitchFamily="34" charset="-120"/>
             </a:endParaRPr>
           </a:p>
           <a:p>
             <a:r>
-              <a:rPr lang="zh-TW" altLang="en-US" sz="3500" b="1" dirty="0">
+              <a:rPr lang="zh-TW" altLang="en-US" sz="3500" b="1" spc="2000" dirty="0">
                 <a:solidFill>
                   <a:schemeClr val="bg2">
                     <a:lumMod val="50000"/>
                   </a:schemeClr>
                 </a:solidFill>
-                <a:latin typeface="標楷體" panose="03000509000000000000" pitchFamily="65" charset="-120"/>
-                <a:ea typeface="標楷體" panose="03000509000000000000" pitchFamily="65" charset="-120"/>
+                <a:latin typeface="微軟正黑體" panose="020B0604030504040204" pitchFamily="34" charset="-120"/>
+                <a:ea typeface="微軟正黑體" panose="020B0604030504040204" pitchFamily="34" charset="-120"/>
               </a:rPr>
               <a:t>組員：李汶道</a:t>
             </a:r>
-            <a:endParaRPr lang="en-US" altLang="zh-TW" sz="3500" b="1" dirty="0">
+            <a:endParaRPr lang="en-US" altLang="zh-TW" sz="3500" b="1" spc="2000" dirty="0">
               <a:solidFill>
                 <a:schemeClr val="bg2">
                   <a:lumMod val="50000"/>
                 </a:schemeClr>
               </a:solidFill>
-              <a:latin typeface="標楷體" panose="03000509000000000000" pitchFamily="65" charset="-120"/>
-              <a:ea typeface="標楷體" panose="03000509000000000000" pitchFamily="65" charset="-120"/>
+              <a:latin typeface="微軟正黑體" panose="020B0604030504040204" pitchFamily="34" charset="-120"/>
+              <a:ea typeface="微軟正黑體" panose="020B0604030504040204" pitchFamily="34" charset="-120"/>
             </a:endParaRPr>
           </a:p>
           <a:p>
-            <a:endParaRPr lang="en-US" altLang="zh-TW" sz="3500" b="1" dirty="0">
+            <a:endParaRPr lang="en-US" altLang="zh-TW" sz="3500" b="1" spc="2000" dirty="0">
               <a:solidFill>
                 <a:schemeClr val="bg2">
                   <a:lumMod val="50000"/>
                 </a:schemeClr>
               </a:solidFill>
-              <a:latin typeface="標楷體" panose="03000509000000000000" pitchFamily="65" charset="-120"/>
-              <a:ea typeface="標楷體" panose="03000509000000000000" pitchFamily="65" charset="-120"/>
+              <a:latin typeface="微軟正黑體" panose="020B0604030504040204" pitchFamily="34" charset="-120"/>
+              <a:ea typeface="微軟正黑體" panose="020B0604030504040204" pitchFamily="34" charset="-120"/>
             </a:endParaRPr>
           </a:p>
           <a:p>
             <a:r>
-              <a:rPr lang="zh-CN" altLang="en-US" sz="3500" b="1" dirty="0">
+              <a:rPr lang="zh-CN" altLang="en-US" sz="3500" b="1" spc="2000" dirty="0">
                 <a:solidFill>
                   <a:schemeClr val="bg2">
                     <a:lumMod val="50000"/>
                   </a:schemeClr>
                 </a:solidFill>
-                <a:latin typeface="標楷體" panose="03000509000000000000" pitchFamily="65" charset="-120"/>
-                <a:ea typeface="標楷體" panose="03000509000000000000" pitchFamily="65" charset="-120"/>
+                <a:latin typeface="微軟正黑體" panose="020B0604030504040204" pitchFamily="34" charset="-120"/>
+                <a:ea typeface="微軟正黑體" panose="020B0604030504040204" pitchFamily="34" charset="-120"/>
               </a:rPr>
               <a:t>組員：</a:t>
             </a:r>
             <a:r>
-              <a:rPr lang="zh-TW" altLang="en-US" sz="3500" b="1" dirty="0">
+              <a:rPr lang="zh-TW" altLang="en-US" sz="3500" b="1" spc="2000" dirty="0" smtClean="0">
                 <a:solidFill>
                   <a:schemeClr val="bg2">
                     <a:lumMod val="50000"/>
                   </a:schemeClr>
                 </a:solidFill>
-                <a:latin typeface="標楷體" panose="03000509000000000000" pitchFamily="65" charset="-120"/>
-                <a:ea typeface="標楷體" panose="03000509000000000000" pitchFamily="65" charset="-120"/>
+                <a:latin typeface="微軟正黑體" panose="020B0604030504040204" pitchFamily="34" charset="-120"/>
+                <a:ea typeface="微軟正黑體" panose="020B0604030504040204" pitchFamily="34" charset="-120"/>
               </a:rPr>
-              <a:t>邱立倫</a:t>
-            </a:r>
+              <a:t>邱立綸</a:t>
+            </a:r>
+            <a:endParaRPr lang="zh-TW" altLang="en-US" sz="3500" b="1" spc="2000" dirty="0">
+              <a:solidFill>
+                <a:schemeClr val="bg2">
+                  <a:lumMod val="50000"/>
+                </a:schemeClr>
+              </a:solidFill>
+              <a:latin typeface="微軟正黑體" panose="020B0604030504040204" pitchFamily="34" charset="-120"/>
+              <a:ea typeface="微軟正黑體" panose="020B0604030504040204" pitchFamily="34" charset="-120"/>
+            </a:endParaRPr>
           </a:p>
           <a:p>
             <a:pPr algn="l"/>
-            <a:endParaRPr lang="en-US" altLang="zh-TW" dirty="0">
-              <a:latin typeface="標楷體" panose="03000509000000000000" pitchFamily="65" charset="-120"/>
-              <a:ea typeface="標楷體" panose="03000509000000000000" pitchFamily="65" charset="-120"/>
+            <a:endParaRPr lang="en-US" altLang="zh-TW" spc="2000" dirty="0">
+              <a:latin typeface="微軟正黑體" panose="020B0604030504040204" pitchFamily="34" charset="-120"/>
+              <a:ea typeface="微軟正黑體" panose="020B0604030504040204" pitchFamily="34" charset="-120"/>
             </a:endParaRPr>
           </a:p>
         </p:txBody>
@@ -5660,7 +5688,7 @@
           <p:cNvPr id="2" name="標題 1">
             <a:extLst>
               <a:ext uri="{FF2B5EF4-FFF2-40B4-BE49-F238E27FC236}">
-                <a16:creationId xmlns="" xmlns:a16="http://schemas.microsoft.com/office/drawing/2014/main" id="{93769179-CC27-42AA-B3FA-22C4285134EF}"/>
+                <a16:creationId xmlns:a16="http://schemas.microsoft.com/office/drawing/2014/main" xmlns="" id="{5672BF90-7484-4D1E-AFC1-B5C7864EA2E5}"/>
               </a:ext>
             </a:extLst>
           </p:cNvPr>
@@ -5673,72 +5701,147 @@
         </p:nvSpPr>
         <p:spPr>
           <a:xfrm>
-            <a:off x="5448156" y="121297"/>
-            <a:ext cx="1295688" cy="1259633"/>
+            <a:off x="5285831" y="0"/>
+            <a:ext cx="1620338" cy="1507067"/>
           </a:xfrm>
         </p:spPr>
         <p:txBody>
-          <a:bodyPr/>
+          <a:bodyPr>
+            <a:noAutofit/>
+          </a:bodyPr>
           <a:lstStyle/>
           <a:p>
-            <a:r>
-              <a:rPr lang="zh-TW" altLang="en-US" dirty="0"/>
-              <a:t>動機：</a:t>
-            </a:r>
-          </a:p>
-        </p:txBody>
-      </p:sp>
-      <p:sp>
-        <p:nvSpPr>
-          <p:cNvPr id="4" name="文字方塊 3">
+            <a:pPr algn="ctr"/>
+            <a:r>
+              <a:rPr lang="zh-TW" altLang="en-US" sz="5000" dirty="0"/>
+              <a:t>動機</a:t>
+            </a:r>
+            <a:endParaRPr lang="zh-TW" altLang="en-US" sz="5000" dirty="0"/>
+          </a:p>
+        </p:txBody>
+      </p:sp>
+      <p:sp>
+        <p:nvSpPr>
+          <p:cNvPr id="3" name="內容版面配置區 2">
             <a:extLst>
               <a:ext uri="{FF2B5EF4-FFF2-40B4-BE49-F238E27FC236}">
-                <a16:creationId xmlns="" xmlns:a16="http://schemas.microsoft.com/office/drawing/2014/main" id="{4439F68A-EB4A-4729-AB5C-A3A7E090BD07}"/>
+                <a16:creationId xmlns:a16="http://schemas.microsoft.com/office/drawing/2014/main" xmlns="" id="{CA513484-4225-4F1F-AB6C-B117C94DFBD3}"/>
               </a:ext>
             </a:extLst>
           </p:cNvPr>
-          <p:cNvSpPr txBox="1"/>
-          <p:nvPr/>
+          <p:cNvSpPr>
+            <a:spLocks noGrp="1"/>
+          </p:cNvSpPr>
+          <p:nvPr>
+            <p:ph idx="1"/>
+          </p:nvPr>
         </p:nvSpPr>
         <p:spPr>
           <a:xfrm>
-            <a:off x="1293779" y="2325292"/>
-            <a:ext cx="9980135" cy="1477328"/>
+            <a:off x="1828800" y="2038738"/>
+            <a:ext cx="8534400" cy="3615267"/>
           </a:xfrm>
-          <a:prstGeom prst="rect">
-            <a:avLst/>
-          </a:prstGeom>
-          <a:noFill/>
         </p:spPr>
         <p:txBody>
-          <a:bodyPr wrap="square" rtlCol="0">
-            <a:spAutoFit/>
+          <a:bodyPr anchor="ctr">
+            <a:normAutofit/>
           </a:bodyPr>
           <a:lstStyle/>
           <a:p>
             <a:r>
-              <a:rPr lang="zh-TW" altLang="en-US" dirty="0"/>
-              <a:t>面對美麗的海灘，如果只是清理只能算是做一半，</a:t>
-            </a:r>
-            <a:endParaRPr lang="en-US" altLang="zh-TW" dirty="0"/>
-          </a:p>
-          <a:p>
-            <a:endParaRPr lang="en-US" altLang="zh-TW" dirty="0"/>
-          </a:p>
-          <a:p>
-            <a:r>
-              <a:rPr lang="zh-TW" altLang="en-US" dirty="0"/>
-              <a:t>所以我們希望能夠製作出一套機制來讓大家做環保之外也能意識到永續的重要性，</a:t>
-            </a:r>
-            <a:endParaRPr lang="en-US" altLang="zh-TW" dirty="0"/>
-          </a:p>
-          <a:p>
-            <a:endParaRPr lang="en-US" altLang="zh-TW" dirty="0"/>
-          </a:p>
-          <a:p>
-            <a:r>
-              <a:rPr lang="zh-TW" altLang="en-US" dirty="0"/>
-              <a:t>以達到不隨地丟垃圾，也能隨時做環保的機制，更加推廣經濟流動。</a:t>
+              <a:rPr lang="zh-TW" altLang="en-US" sz="2400" dirty="0">
+                <a:solidFill>
+                  <a:schemeClr val="tx1"/>
+                </a:solidFill>
+                <a:latin typeface="微軟正黑體" panose="020B0604030504040204" pitchFamily="34" charset="-120"/>
+              </a:rPr>
+              <a:t>面對美麗的海灘，如果只是清理只能算是做</a:t>
+            </a:r>
+            <a:r>
+              <a:rPr lang="zh-TW" altLang="en-US" sz="2400" dirty="0" smtClean="0">
+                <a:solidFill>
+                  <a:schemeClr val="tx1"/>
+                </a:solidFill>
+                <a:latin typeface="微軟正黑體" panose="020B0604030504040204" pitchFamily="34" charset="-120"/>
+              </a:rPr>
+              <a:t>一半。</a:t>
+            </a:r>
+            <a:endParaRPr lang="en-US" altLang="zh-TW" sz="2400" dirty="0" smtClean="0">
+              <a:solidFill>
+                <a:schemeClr val="tx1"/>
+              </a:solidFill>
+              <a:latin typeface="微軟正黑體" panose="020B0604030504040204" pitchFamily="34" charset="-120"/>
+            </a:endParaRPr>
+          </a:p>
+          <a:p>
+            <a:endParaRPr lang="en-US" altLang="zh-TW" sz="2400" dirty="0" smtClean="0">
+              <a:solidFill>
+                <a:schemeClr val="tx1"/>
+              </a:solidFill>
+              <a:latin typeface="微軟正黑體" panose="020B0604030504040204" pitchFamily="34" charset="-120"/>
+            </a:endParaRPr>
+          </a:p>
+          <a:p>
+            <a:r>
+              <a:rPr lang="zh-TW" altLang="en-US" sz="2400" dirty="0" smtClean="0">
+                <a:solidFill>
+                  <a:schemeClr val="tx1"/>
+                </a:solidFill>
+                <a:latin typeface="微軟正黑體" panose="020B0604030504040204" pitchFamily="34" charset="-120"/>
+              </a:rPr>
+              <a:t>所以</a:t>
+            </a:r>
+            <a:r>
+              <a:rPr lang="zh-TW" altLang="en-US" sz="2400" dirty="0">
+                <a:solidFill>
+                  <a:schemeClr val="tx1"/>
+                </a:solidFill>
+                <a:latin typeface="微軟正黑體" panose="020B0604030504040204" pitchFamily="34" charset="-120"/>
+              </a:rPr>
+              <a:t>我們希望能夠製作出一套機制來讓大家做環保之外也能意識到永續的</a:t>
+            </a:r>
+            <a:r>
+              <a:rPr lang="zh-TW" altLang="en-US" sz="2400" dirty="0" smtClean="0">
+                <a:solidFill>
+                  <a:schemeClr val="tx1"/>
+                </a:solidFill>
+                <a:latin typeface="微軟正黑體" panose="020B0604030504040204" pitchFamily="34" charset="-120"/>
+              </a:rPr>
+              <a:t>重要性。</a:t>
+            </a:r>
+            <a:endParaRPr lang="en-US" altLang="zh-TW" sz="2400" dirty="0" smtClean="0">
+              <a:solidFill>
+                <a:schemeClr val="tx1"/>
+              </a:solidFill>
+              <a:latin typeface="微軟正黑體" panose="020B0604030504040204" pitchFamily="34" charset="-120"/>
+            </a:endParaRPr>
+          </a:p>
+          <a:p>
+            <a:endParaRPr lang="en-US" altLang="zh-TW" sz="2400" dirty="0" smtClean="0">
+              <a:solidFill>
+                <a:schemeClr val="tx1"/>
+              </a:solidFill>
+              <a:latin typeface="微軟正黑體" panose="020B0604030504040204" pitchFamily="34" charset="-120"/>
+            </a:endParaRPr>
+          </a:p>
+          <a:p>
+            <a:r>
+              <a:rPr lang="zh-TW" altLang="en-US" sz="2400" dirty="0" smtClean="0">
+                <a:solidFill>
+                  <a:schemeClr val="tx1"/>
+                </a:solidFill>
+                <a:latin typeface="微軟正黑體" panose="020B0604030504040204" pitchFamily="34" charset="-120"/>
+              </a:rPr>
+              <a:t>達到</a:t>
+            </a:r>
+            <a:r>
+              <a:rPr lang="zh-TW" altLang="en-US" sz="2400" dirty="0">
+                <a:solidFill>
+                  <a:schemeClr val="tx1"/>
+                </a:solidFill>
+                <a:latin typeface="微軟正黑體" panose="020B0604030504040204" pitchFamily="34" charset="-120"/>
+              </a:rPr>
+              <a:t>不隨地丟垃圾，也能隨時做環保的機制，更加推廣經濟流動。</a:t>
             </a:r>
           </a:p>
         </p:txBody>
@@ -5746,7 +5849,7 @@
     </p:spTree>
     <p:extLst>
       <p:ext uri="{BB962C8B-B14F-4D97-AF65-F5344CB8AC3E}">
-        <p14:creationId xmlns:p14="http://schemas.microsoft.com/office/powerpoint/2010/main" val="1866882767"/>
+        <p14:creationId xmlns:p14="http://schemas.microsoft.com/office/powerpoint/2010/main" val="2086338559"/>
       </p:ext>
     </p:extLst>
   </p:cSld>
@@ -5778,7 +5881,7 @@
           <p:cNvPr id="2" name="標題 1">
             <a:extLst>
               <a:ext uri="{FF2B5EF4-FFF2-40B4-BE49-F238E27FC236}">
-                <a16:creationId xmlns="" xmlns:a16="http://schemas.microsoft.com/office/drawing/2014/main" id="{93769179-CC27-42AA-B3FA-22C4285134EF}"/>
+                <a16:creationId xmlns:a16="http://schemas.microsoft.com/office/drawing/2014/main" xmlns="" id="{5672BF90-7484-4D1E-AFC1-B5C7864EA2E5}"/>
               </a:ext>
             </a:extLst>
           </p:cNvPr>
@@ -5791,118 +5894,261 @@
         </p:nvSpPr>
         <p:spPr>
           <a:xfrm>
-            <a:off x="5448156" y="121297"/>
-            <a:ext cx="1295688" cy="1259633"/>
+            <a:off x="5285831" y="0"/>
+            <a:ext cx="1620338" cy="1507067"/>
           </a:xfrm>
         </p:spPr>
         <p:txBody>
-          <a:bodyPr/>
+          <a:bodyPr>
+            <a:noAutofit/>
+          </a:bodyPr>
           <a:lstStyle/>
           <a:p>
-            <a:r>
-              <a:rPr lang="zh-TW" altLang="en-US" dirty="0"/>
-              <a:t>想法：</a:t>
-            </a:r>
-            <a:endParaRPr lang="zh-TW" altLang="en-US" dirty="0"/>
-          </a:p>
-        </p:txBody>
-      </p:sp>
-      <p:sp>
-        <p:nvSpPr>
-          <p:cNvPr id="4" name="文字方塊 3">
+            <a:pPr algn="ctr"/>
+            <a:r>
+              <a:rPr lang="zh-TW" altLang="en-US" sz="5000" dirty="0"/>
+              <a:t>想法</a:t>
+            </a:r>
+            <a:endParaRPr lang="zh-TW" altLang="en-US" sz="5000" dirty="0"/>
+          </a:p>
+        </p:txBody>
+      </p:sp>
+      <p:sp>
+        <p:nvSpPr>
+          <p:cNvPr id="3" name="內容版面配置區 2">
             <a:extLst>
               <a:ext uri="{FF2B5EF4-FFF2-40B4-BE49-F238E27FC236}">
-                <a16:creationId xmlns="" xmlns:a16="http://schemas.microsoft.com/office/drawing/2014/main" id="{4439F68A-EB4A-4729-AB5C-A3A7E090BD07}"/>
+                <a16:creationId xmlns:a16="http://schemas.microsoft.com/office/drawing/2014/main" xmlns="" id="{CA513484-4225-4F1F-AB6C-B117C94DFBD3}"/>
               </a:ext>
             </a:extLst>
           </p:cNvPr>
-          <p:cNvSpPr txBox="1"/>
-          <p:nvPr/>
+          <p:cNvSpPr>
+            <a:spLocks noGrp="1"/>
+          </p:cNvSpPr>
+          <p:nvPr>
+            <p:ph idx="1"/>
+          </p:nvPr>
         </p:nvSpPr>
         <p:spPr>
           <a:xfrm>
-            <a:off x="1293779" y="2325292"/>
-            <a:ext cx="9980135" cy="2585323"/>
+            <a:off x="1828800" y="1507066"/>
+            <a:ext cx="8534400" cy="4903893"/>
           </a:xfrm>
-          <a:prstGeom prst="rect">
-            <a:avLst/>
-          </a:prstGeom>
-          <a:noFill/>
         </p:spPr>
         <p:txBody>
-          <a:bodyPr wrap="square" rtlCol="0">
-            <a:spAutoFit/>
+          <a:bodyPr anchor="ctr">
+            <a:normAutofit/>
           </a:bodyPr>
           <a:lstStyle/>
           <a:p>
             <a:r>
-              <a:rPr lang="zh-TW" altLang="en-US" dirty="0"/>
-              <a:t>我們思考的方式是以，能夠運動又能夠賺取點數和減少垃圾為方向，</a:t>
-            </a:r>
-            <a:endParaRPr lang="en-US" altLang="zh-TW" dirty="0"/>
-          </a:p>
-          <a:p>
-            <a:endParaRPr lang="en-US" altLang="zh-TW" dirty="0"/>
-          </a:p>
-          <a:p>
-            <a:r>
-              <a:rPr lang="zh-TW" altLang="en-US" dirty="0"/>
-              <a:t>回想起如</a:t>
-            </a:r>
-            <a:r>
-              <a:rPr lang="en-US" altLang="zh-TW" dirty="0"/>
+              <a:rPr lang="zh-TW" altLang="en-US" sz="2400" dirty="0">
+                <a:solidFill>
+                  <a:schemeClr val="tx1"/>
+                </a:solidFill>
+                <a:latin typeface="微軟正黑體" panose="020B0604030504040204" pitchFamily="34" charset="-120"/>
+                <a:ea typeface="微軟正黑體" panose="020B0604030504040204" pitchFamily="34" charset="-120"/>
+              </a:rPr>
+              <a:t>我們思考的方式是以，能夠運動又能夠賺取點數和減少垃圾為方向</a:t>
+            </a:r>
+            <a:r>
+              <a:rPr lang="zh-TW" altLang="en-US" sz="2400" dirty="0" smtClean="0">
+                <a:solidFill>
+                  <a:schemeClr val="tx1"/>
+                </a:solidFill>
+                <a:latin typeface="微軟正黑體" panose="020B0604030504040204" pitchFamily="34" charset="-120"/>
+                <a:ea typeface="微軟正黑體" panose="020B0604030504040204" pitchFamily="34" charset="-120"/>
+              </a:rPr>
+              <a:t>，回想</a:t>
+            </a:r>
+            <a:r>
+              <a:rPr lang="zh-TW" altLang="en-US" sz="2400" dirty="0">
+                <a:solidFill>
+                  <a:schemeClr val="tx1"/>
+                </a:solidFill>
+                <a:latin typeface="微軟正黑體" panose="020B0604030504040204" pitchFamily="34" charset="-120"/>
+                <a:ea typeface="微軟正黑體" panose="020B0604030504040204" pitchFamily="34" charset="-120"/>
+              </a:rPr>
+              <a:t>起如</a:t>
+            </a:r>
+            <a:r>
+              <a:rPr lang="en-US" altLang="zh-TW" sz="2400" dirty="0">
+                <a:solidFill>
+                  <a:schemeClr val="tx1"/>
+                </a:solidFill>
+                <a:latin typeface="微軟正黑體" panose="020B0604030504040204" pitchFamily="34" charset="-120"/>
+                <a:ea typeface="微軟正黑體" panose="020B0604030504040204" pitchFamily="34" charset="-120"/>
+              </a:rPr>
               <a:t>“</a:t>
             </a:r>
             <a:r>
-              <a:rPr lang="zh-CN" altLang="en-US" dirty="0"/>
+              <a:rPr lang="zh-CN" altLang="en-US" sz="2400" dirty="0">
+                <a:solidFill>
+                  <a:schemeClr val="tx1"/>
+                </a:solidFill>
+                <a:latin typeface="微軟正黑體" panose="020B0604030504040204" pitchFamily="34" charset="-120"/>
+                <a:ea typeface="微軟正黑體" panose="020B0604030504040204" pitchFamily="34" charset="-120"/>
+              </a:rPr>
               <a:t>寶可夢</a:t>
             </a:r>
             <a:r>
-              <a:rPr lang="en-US" altLang="zh-CN" dirty="0"/>
+              <a:rPr lang="en-US" altLang="zh-CN" sz="2400" dirty="0">
+                <a:solidFill>
+                  <a:schemeClr val="tx1"/>
+                </a:solidFill>
+                <a:latin typeface="微軟正黑體" panose="020B0604030504040204" pitchFamily="34" charset="-120"/>
+                <a:ea typeface="微軟正黑體" panose="020B0604030504040204" pitchFamily="34" charset="-120"/>
+              </a:rPr>
               <a:t>”</a:t>
             </a:r>
             <a:r>
-              <a:rPr lang="zh-CN" altLang="en-US" dirty="0"/>
-              <a:t>這類的遊戲，</a:t>
-            </a:r>
-            <a:endParaRPr lang="en-US" altLang="zh-CN" dirty="0"/>
-          </a:p>
-          <a:p>
-            <a:endParaRPr lang="en-US" altLang="zh-TW" dirty="0"/>
-          </a:p>
-          <a:p>
-            <a:r>
-              <a:rPr lang="zh-CN" altLang="en-US" dirty="0"/>
-              <a:t>如果大眾重遊戲的樂趣中來撿垃圾做環保為目的，還能夠換取優惠已達到促進消費力。</a:t>
-            </a:r>
-            <a:endParaRPr lang="en-US" altLang="zh-CN" dirty="0"/>
-          </a:p>
-          <a:p>
-            <a:endParaRPr lang="en-US" altLang="zh-TW" dirty="0"/>
-          </a:p>
-          <a:p>
-            <a:r>
-              <a:rPr lang="zh-CN" altLang="en-US" dirty="0"/>
-              <a:t>而大眾也會不亂丟垃圾，以回收垃圾跟撿垃圾的方式賺取點數或遊戲的成就之類的。</a:t>
-            </a:r>
-            <a:endParaRPr lang="en-US" altLang="zh-CN" dirty="0"/>
-          </a:p>
-          <a:p>
-            <a:endParaRPr lang="en-US" altLang="zh-CN" dirty="0"/>
-          </a:p>
-          <a:p>
-            <a:r>
-              <a:rPr lang="zh-CN" altLang="en-US" dirty="0"/>
+              <a:rPr lang="zh-CN" altLang="en-US" sz="2400" dirty="0">
+                <a:solidFill>
+                  <a:schemeClr val="tx1"/>
+                </a:solidFill>
+                <a:latin typeface="微軟正黑體" panose="020B0604030504040204" pitchFamily="34" charset="-120"/>
+                <a:ea typeface="微軟正黑體" panose="020B0604030504040204" pitchFamily="34" charset="-120"/>
+              </a:rPr>
+              <a:t>這類的</a:t>
+            </a:r>
+            <a:r>
+              <a:rPr lang="zh-CN" altLang="en-US" sz="2400" dirty="0" smtClean="0">
+                <a:solidFill>
+                  <a:schemeClr val="tx1"/>
+                </a:solidFill>
+                <a:latin typeface="微軟正黑體" panose="020B0604030504040204" pitchFamily="34" charset="-120"/>
+                <a:ea typeface="微軟正黑體" panose="020B0604030504040204" pitchFamily="34" charset="-120"/>
+              </a:rPr>
+              <a:t>遊戲</a:t>
+            </a:r>
+            <a:r>
+              <a:rPr lang="zh-TW" altLang="en-US" sz="2400" dirty="0" smtClean="0">
+                <a:solidFill>
+                  <a:schemeClr val="tx1"/>
+                </a:solidFill>
+                <a:latin typeface="微軟正黑體" panose="020B0604030504040204" pitchFamily="34" charset="-120"/>
+                <a:ea typeface="微軟正黑體" panose="020B0604030504040204" pitchFamily="34" charset="-120"/>
+              </a:rPr>
+              <a:t>。</a:t>
+            </a:r>
+            <a:endParaRPr lang="en-US" altLang="zh-TW" sz="2400" dirty="0" smtClean="0">
+              <a:solidFill>
+                <a:schemeClr val="tx1"/>
+              </a:solidFill>
+              <a:latin typeface="微軟正黑體" panose="020B0604030504040204" pitchFamily="34" charset="-120"/>
+              <a:ea typeface="微軟正黑體" panose="020B0604030504040204" pitchFamily="34" charset="-120"/>
+            </a:endParaRPr>
+          </a:p>
+          <a:p>
+            <a:endParaRPr lang="en-US" altLang="zh-TW" sz="2400" dirty="0">
+              <a:solidFill>
+                <a:schemeClr val="tx1"/>
+              </a:solidFill>
+              <a:latin typeface="微軟正黑體" panose="020B0604030504040204" pitchFamily="34" charset="-120"/>
+              <a:ea typeface="微軟正黑體" panose="020B0604030504040204" pitchFamily="34" charset="-120"/>
+            </a:endParaRPr>
+          </a:p>
+          <a:p>
+            <a:r>
+              <a:rPr lang="zh-CN" altLang="en-US" sz="2400" dirty="0">
+                <a:solidFill>
+                  <a:schemeClr val="tx1"/>
+                </a:solidFill>
+                <a:latin typeface="微軟正黑體" panose="020B0604030504040204" pitchFamily="34" charset="-120"/>
+                <a:ea typeface="微軟正黑體" panose="020B0604030504040204" pitchFamily="34" charset="-120"/>
+              </a:rPr>
+              <a:t>如果大眾重遊戲的樂趣中來撿垃圾做環保為目的，還能夠換取優惠已達到促進消費力</a:t>
+            </a:r>
+            <a:r>
+              <a:rPr lang="zh-CN" altLang="en-US" sz="2400" dirty="0" smtClean="0">
+                <a:solidFill>
+                  <a:schemeClr val="tx1"/>
+                </a:solidFill>
+                <a:latin typeface="微軟正黑體" panose="020B0604030504040204" pitchFamily="34" charset="-120"/>
+                <a:ea typeface="微軟正黑體" panose="020B0604030504040204" pitchFamily="34" charset="-120"/>
+              </a:rPr>
+              <a:t>。</a:t>
+            </a:r>
+            <a:endParaRPr lang="en-US" altLang="zh-CN" sz="2400" dirty="0" smtClean="0">
+              <a:solidFill>
+                <a:schemeClr val="tx1"/>
+              </a:solidFill>
+              <a:latin typeface="微軟正黑體" panose="020B0604030504040204" pitchFamily="34" charset="-120"/>
+              <a:ea typeface="微軟正黑體" panose="020B0604030504040204" pitchFamily="34" charset="-120"/>
+            </a:endParaRPr>
+          </a:p>
+          <a:p>
+            <a:endParaRPr lang="en-US" altLang="zh-TW" sz="2400" dirty="0">
+              <a:solidFill>
+                <a:schemeClr val="tx1"/>
+              </a:solidFill>
+              <a:latin typeface="微軟正黑體" panose="020B0604030504040204" pitchFamily="34" charset="-120"/>
+              <a:ea typeface="微軟正黑體" panose="020B0604030504040204" pitchFamily="34" charset="-120"/>
+            </a:endParaRPr>
+          </a:p>
+          <a:p>
+            <a:r>
+              <a:rPr lang="zh-CN" altLang="en-US" sz="2400" dirty="0">
+                <a:solidFill>
+                  <a:schemeClr val="tx1"/>
+                </a:solidFill>
+                <a:latin typeface="微軟正黑體" panose="020B0604030504040204" pitchFamily="34" charset="-120"/>
+                <a:ea typeface="微軟正黑體" panose="020B0604030504040204" pitchFamily="34" charset="-120"/>
+              </a:rPr>
+              <a:t>而大眾也會不亂丟垃圾，以回收垃圾跟撿垃圾的方式賺取點數或遊戲的成就之類</a:t>
+            </a:r>
+            <a:r>
+              <a:rPr lang="zh-CN" altLang="en-US" sz="2400" dirty="0" smtClean="0">
+                <a:solidFill>
+                  <a:schemeClr val="tx1"/>
+                </a:solidFill>
+                <a:latin typeface="微軟正黑體" panose="020B0604030504040204" pitchFamily="34" charset="-120"/>
+                <a:ea typeface="微軟正黑體" panose="020B0604030504040204" pitchFamily="34" charset="-120"/>
+              </a:rPr>
+              <a:t>的。</a:t>
+            </a:r>
+            <a:endParaRPr lang="en-US" altLang="zh-CN" sz="2400" dirty="0" smtClean="0">
+              <a:solidFill>
+                <a:schemeClr val="tx1"/>
+              </a:solidFill>
+              <a:latin typeface="微軟正黑體" panose="020B0604030504040204" pitchFamily="34" charset="-120"/>
+              <a:ea typeface="微軟正黑體" panose="020B0604030504040204" pitchFamily="34" charset="-120"/>
+            </a:endParaRPr>
+          </a:p>
+          <a:p>
+            <a:endParaRPr lang="en-US" altLang="zh-CN" sz="2400" dirty="0">
+              <a:solidFill>
+                <a:schemeClr val="tx1"/>
+              </a:solidFill>
+              <a:latin typeface="微軟正黑體" panose="020B0604030504040204" pitchFamily="34" charset="-120"/>
+              <a:ea typeface="微軟正黑體" panose="020B0604030504040204" pitchFamily="34" charset="-120"/>
+            </a:endParaRPr>
+          </a:p>
+          <a:p>
+            <a:r>
+              <a:rPr lang="zh-CN" altLang="en-US" sz="2400" dirty="0">
+                <a:solidFill>
+                  <a:schemeClr val="tx1"/>
+                </a:solidFill>
+                <a:latin typeface="微軟正黑體" panose="020B0604030504040204" pitchFamily="34" charset="-120"/>
+                <a:ea typeface="微軟正黑體" panose="020B0604030504040204" pitchFamily="34" charset="-120"/>
+              </a:rPr>
               <a:t>以排名、積分、成就方式來給予成就感。</a:t>
             </a:r>
-            <a:endParaRPr lang="en-US" altLang="zh-CN" dirty="0"/>
+            <a:endParaRPr lang="en-US" altLang="zh-CN" sz="2400" dirty="0">
+              <a:solidFill>
+                <a:schemeClr val="tx1"/>
+              </a:solidFill>
+              <a:latin typeface="微軟正黑體" panose="020B0604030504040204" pitchFamily="34" charset="-120"/>
+              <a:ea typeface="微軟正黑體" panose="020B0604030504040204" pitchFamily="34" charset="-120"/>
+            </a:endParaRPr>
           </a:p>
         </p:txBody>
       </p:sp>
     </p:spTree>
     <p:extLst>
       <p:ext uri="{BB962C8B-B14F-4D97-AF65-F5344CB8AC3E}">
-        <p14:creationId xmlns:p14="http://schemas.microsoft.com/office/powerpoint/2010/main" val="3216198618"/>
+        <p14:creationId xmlns:p14="http://schemas.microsoft.com/office/powerpoint/2010/main" val="22694496"/>
       </p:ext>
     </p:extLst>
   </p:cSld>
@@ -5934,7 +6180,7 @@
           <p:cNvPr id="2" name="標題 1">
             <a:extLst>
               <a:ext uri="{FF2B5EF4-FFF2-40B4-BE49-F238E27FC236}">
-                <a16:creationId xmlns="" xmlns:a16="http://schemas.microsoft.com/office/drawing/2014/main" id="{93769179-CC27-42AA-B3FA-22C4285134EF}"/>
+                <a16:creationId xmlns:a16="http://schemas.microsoft.com/office/drawing/2014/main" xmlns="" id="{93769179-CC27-42AA-B3FA-22C4285134EF}"/>
               </a:ext>
             </a:extLst>
           </p:cNvPr>
@@ -5947,19 +6193,26 @@
         </p:nvSpPr>
         <p:spPr>
           <a:xfrm>
-            <a:off x="5448156" y="121297"/>
-            <a:ext cx="1295688" cy="1259633"/>
+            <a:off x="5320725" y="121297"/>
+            <a:ext cx="1550551" cy="1259633"/>
           </a:xfrm>
         </p:spPr>
         <p:txBody>
-          <a:bodyPr/>
+          <a:bodyPr>
+            <a:noAutofit/>
+          </a:bodyPr>
           <a:lstStyle/>
           <a:p>
-            <a:r>
-              <a:rPr lang="zh-TW" altLang="en-US" dirty="0"/>
-              <a:t>實作：</a:t>
-            </a:r>
-            <a:endParaRPr lang="zh-TW" altLang="en-US" dirty="0"/>
+            <a:pPr algn="ctr"/>
+            <a:r>
+              <a:rPr lang="zh-TW" altLang="en-US" sz="5000" dirty="0"/>
+              <a:t>實</a:t>
+            </a:r>
+            <a:r>
+              <a:rPr lang="zh-TW" altLang="en-US" sz="5000" dirty="0" smtClean="0"/>
+              <a:t>作</a:t>
+            </a:r>
+            <a:endParaRPr lang="zh-TW" altLang="en-US" sz="5000" dirty="0"/>
           </a:p>
         </p:txBody>
       </p:sp>
@@ -5971,7 +6224,7 @@
         </p:nvGrpSpPr>
         <p:grpSpPr>
           <a:xfrm>
-            <a:off x="2171192" y="1327494"/>
+            <a:off x="2312231" y="1446366"/>
             <a:ext cx="7567539" cy="4704760"/>
             <a:chOff x="2171192" y="1327494"/>
             <a:chExt cx="7567539" cy="4704760"/>
@@ -7100,7 +7353,7 @@
           <p:cNvPr id="2" name="標題 1">
             <a:extLst>
               <a:ext uri="{FF2B5EF4-FFF2-40B4-BE49-F238E27FC236}">
-                <a16:creationId xmlns="" xmlns:a16="http://schemas.microsoft.com/office/drawing/2014/main" id="{93769179-CC27-42AA-B3FA-22C4285134EF}"/>
+                <a16:creationId xmlns:a16="http://schemas.microsoft.com/office/drawing/2014/main" xmlns="" id="{5672BF90-7484-4D1E-AFC1-B5C7864EA2E5}"/>
               </a:ext>
             </a:extLst>
           </p:cNvPr>
@@ -7113,88 +7366,380 @@
         </p:nvSpPr>
         <p:spPr>
           <a:xfrm>
-            <a:off x="5448156" y="121297"/>
-            <a:ext cx="1295688" cy="1259633"/>
+            <a:off x="5285831" y="0"/>
+            <a:ext cx="1620338" cy="1507067"/>
           </a:xfrm>
         </p:spPr>
         <p:txBody>
-          <a:bodyPr/>
+          <a:bodyPr>
+            <a:noAutofit/>
+          </a:bodyPr>
           <a:lstStyle/>
           <a:p>
-            <a:r>
-              <a:rPr lang="zh-TW" altLang="en-US" dirty="0"/>
-              <a:t>實作：</a:t>
-            </a:r>
-            <a:endParaRPr lang="zh-TW" altLang="en-US" dirty="0"/>
-          </a:p>
-        </p:txBody>
-      </p:sp>
-      <p:sp>
-        <p:nvSpPr>
-          <p:cNvPr id="4" name="文字方塊 3">
+            <a:pPr algn="ctr"/>
+            <a:r>
+              <a:rPr lang="zh-TW" altLang="en-US" sz="5000" dirty="0"/>
+              <a:t>實</a:t>
+            </a:r>
+            <a:r>
+              <a:rPr lang="zh-TW" altLang="en-US" sz="5000" dirty="0" smtClean="0"/>
+              <a:t>作</a:t>
+            </a:r>
+            <a:endParaRPr lang="zh-TW" altLang="en-US" sz="5000" dirty="0"/>
+          </a:p>
+        </p:txBody>
+      </p:sp>
+      <p:sp>
+        <p:nvSpPr>
+          <p:cNvPr id="3" name="內容版面配置區 2">
             <a:extLst>
               <a:ext uri="{FF2B5EF4-FFF2-40B4-BE49-F238E27FC236}">
-                <a16:creationId xmlns="" xmlns:a16="http://schemas.microsoft.com/office/drawing/2014/main" id="{4439F68A-EB4A-4729-AB5C-A3A7E090BD07}"/>
+                <a16:creationId xmlns:a16="http://schemas.microsoft.com/office/drawing/2014/main" xmlns="" id="{CA513484-4225-4F1F-AB6C-B117C94DFBD3}"/>
               </a:ext>
             </a:extLst>
           </p:cNvPr>
-          <p:cNvSpPr txBox="1"/>
-          <p:nvPr/>
+          <p:cNvSpPr>
+            <a:spLocks noGrp="1"/>
+          </p:cNvSpPr>
+          <p:nvPr>
+            <p:ph idx="1"/>
+          </p:nvPr>
         </p:nvSpPr>
         <p:spPr>
           <a:xfrm>
-            <a:off x="1293779" y="2325292"/>
-            <a:ext cx="9980135" cy="1200329"/>
+            <a:off x="1828800" y="2038738"/>
+            <a:ext cx="8534400" cy="3615267"/>
           </a:xfrm>
-          <a:prstGeom prst="rect">
-            <a:avLst/>
-          </a:prstGeom>
-          <a:noFill/>
         </p:spPr>
         <p:txBody>
-          <a:bodyPr wrap="square" rtlCol="0">
-            <a:spAutoFit/>
+          <a:bodyPr anchor="ctr">
+            <a:normAutofit/>
           </a:bodyPr>
           <a:lstStyle/>
           <a:p>
-            <a:r>
-              <a:rPr lang="zh-TW" altLang="en-US" dirty="0"/>
-              <a:t>透過簡單的激光裝置與光敏電阻做出一個裝置，能夠能把訊號讀出並經過適當地計算和演算計算出投入垃圾桶的件數，之後把信號轉換成樹莓派可以讀取的信號並傳送。</a:t>
-            </a:r>
-            <a:endParaRPr lang="en-US" altLang="zh-TW" dirty="0"/>
-          </a:p>
-          <a:p>
-            <a:endParaRPr lang="en-US" altLang="zh-TW" dirty="0"/>
-          </a:p>
-          <a:p>
-            <a:r>
-              <a:rPr lang="zh-TW" altLang="en-US" dirty="0"/>
+            <a:pPr>
+              <a:spcAft>
+                <a:spcPts val="0"/>
+              </a:spcAft>
+            </a:pPr>
+            <a:r>
+              <a:rPr lang="zh-TW" altLang="en-US" sz="2400" dirty="0" smtClean="0">
+                <a:solidFill>
+                  <a:schemeClr val="tx1"/>
+                </a:solidFill>
+                <a:latin typeface="微軟正黑體" panose="020B0604030504040204" pitchFamily="34" charset="-120"/>
+                <a:ea typeface="微軟正黑體" panose="020B0604030504040204" pitchFamily="34" charset="-120"/>
+              </a:rPr>
+              <a:t>透過激</a:t>
+            </a:r>
+            <a:r>
+              <a:rPr lang="zh-TW" altLang="en-US" sz="2400" dirty="0">
+                <a:solidFill>
+                  <a:schemeClr val="tx1"/>
+                </a:solidFill>
+                <a:latin typeface="微軟正黑體" panose="020B0604030504040204" pitchFamily="34" charset="-120"/>
+                <a:ea typeface="微軟正黑體" panose="020B0604030504040204" pitchFamily="34" charset="-120"/>
+              </a:rPr>
+              <a:t>光</a:t>
+            </a:r>
+            <a:r>
+              <a:rPr lang="zh-TW" altLang="en-US" sz="2400" dirty="0" smtClean="0">
+                <a:solidFill>
+                  <a:schemeClr val="tx1"/>
+                </a:solidFill>
+                <a:latin typeface="微軟正黑體" panose="020B0604030504040204" pitchFamily="34" charset="-120"/>
+                <a:ea typeface="微軟正黑體" panose="020B0604030504040204" pitchFamily="34" charset="-120"/>
+              </a:rPr>
+              <a:t>裝置和光</a:t>
+            </a:r>
+            <a:r>
+              <a:rPr lang="zh-TW" altLang="en-US" sz="2400" dirty="0">
+                <a:solidFill>
+                  <a:schemeClr val="tx1"/>
+                </a:solidFill>
+                <a:latin typeface="微軟正黑體" panose="020B0604030504040204" pitchFamily="34" charset="-120"/>
+                <a:ea typeface="微軟正黑體" panose="020B0604030504040204" pitchFamily="34" charset="-120"/>
+              </a:rPr>
+              <a:t>敏電阻做出一個裝置，能夠能把</a:t>
+            </a:r>
+            <a:r>
+              <a:rPr lang="zh-TW" altLang="en-US" sz="2400" dirty="0" smtClean="0">
+                <a:solidFill>
+                  <a:schemeClr val="tx1"/>
+                </a:solidFill>
+                <a:latin typeface="微軟正黑體" panose="020B0604030504040204" pitchFamily="34" charset="-120"/>
+                <a:ea typeface="微軟正黑體" panose="020B0604030504040204" pitchFamily="34" charset="-120"/>
+              </a:rPr>
+              <a:t>訊號讀出</a:t>
+            </a:r>
+            <a:endParaRPr lang="en-US" altLang="zh-TW" sz="2400" dirty="0" smtClean="0">
+              <a:solidFill>
+                <a:schemeClr val="tx1"/>
+              </a:solidFill>
+              <a:latin typeface="微軟正黑體" panose="020B0604030504040204" pitchFamily="34" charset="-120"/>
+              <a:ea typeface="微軟正黑體" panose="020B0604030504040204" pitchFamily="34" charset="-120"/>
+            </a:endParaRPr>
+          </a:p>
+          <a:p>
+            <a:pPr marL="0" indent="0">
+              <a:spcAft>
+                <a:spcPts val="0"/>
+              </a:spcAft>
+              <a:buNone/>
+            </a:pPr>
+            <a:r>
+              <a:rPr lang="zh-TW" altLang="en-US" sz="2400" dirty="0" smtClean="0">
+                <a:solidFill>
+                  <a:schemeClr val="tx1"/>
+                </a:solidFill>
+                <a:latin typeface="微軟正黑體" panose="020B0604030504040204" pitchFamily="34" charset="-120"/>
+                <a:ea typeface="微軟正黑體" panose="020B0604030504040204" pitchFamily="34" charset="-120"/>
+              </a:rPr>
+              <a:t>    並</a:t>
+            </a:r>
+            <a:r>
+              <a:rPr lang="zh-TW" altLang="en-US" sz="2400" dirty="0">
+                <a:solidFill>
+                  <a:schemeClr val="tx1"/>
+                </a:solidFill>
+                <a:latin typeface="微軟正黑體" panose="020B0604030504040204" pitchFamily="34" charset="-120"/>
+                <a:ea typeface="微軟正黑體" panose="020B0604030504040204" pitchFamily="34" charset="-120"/>
+              </a:rPr>
+              <a:t>經過適當</a:t>
+            </a:r>
+            <a:r>
+              <a:rPr lang="zh-TW" altLang="en-US" sz="2400" dirty="0">
+                <a:solidFill>
+                  <a:schemeClr val="tx1"/>
+                </a:solidFill>
+                <a:latin typeface="微軟正黑體" panose="020B0604030504040204" pitchFamily="34" charset="-120"/>
+              </a:rPr>
+              <a:t>地演算法演算出</a:t>
+            </a:r>
+            <a:r>
+              <a:rPr lang="zh-TW" altLang="en-US" sz="2400" dirty="0">
+                <a:solidFill>
+                  <a:schemeClr val="tx1"/>
+                </a:solidFill>
+                <a:latin typeface="微軟正黑體" panose="020B0604030504040204" pitchFamily="34" charset="-120"/>
+                <a:ea typeface="微軟正黑體" panose="020B0604030504040204" pitchFamily="34" charset="-120"/>
+              </a:rPr>
+              <a:t>投入垃圾桶的件數</a:t>
+            </a:r>
+            <a:r>
+              <a:rPr lang="zh-TW" altLang="en-US" sz="2400" dirty="0" smtClean="0">
+                <a:solidFill>
+                  <a:schemeClr val="tx1"/>
+                </a:solidFill>
+                <a:latin typeface="微軟正黑體" panose="020B0604030504040204" pitchFamily="34" charset="-120"/>
+                <a:ea typeface="微軟正黑體" panose="020B0604030504040204" pitchFamily="34" charset="-120"/>
+              </a:rPr>
+              <a:t>，之後把信號</a:t>
+            </a:r>
+            <a:endParaRPr lang="en-US" altLang="zh-TW" sz="2400" dirty="0" smtClean="0">
+              <a:solidFill>
+                <a:schemeClr val="tx1"/>
+              </a:solidFill>
+              <a:latin typeface="微軟正黑體" panose="020B0604030504040204" pitchFamily="34" charset="-120"/>
+              <a:ea typeface="微軟正黑體" panose="020B0604030504040204" pitchFamily="34" charset="-120"/>
+            </a:endParaRPr>
+          </a:p>
+          <a:p>
+            <a:pPr marL="0" indent="0">
+              <a:spcAft>
+                <a:spcPts val="0"/>
+              </a:spcAft>
+              <a:buNone/>
+            </a:pPr>
+            <a:r>
+              <a:rPr lang="zh-TW" altLang="en-US" sz="2400" dirty="0">
+                <a:solidFill>
+                  <a:schemeClr val="tx1"/>
+                </a:solidFill>
+                <a:latin typeface="微軟正黑體" panose="020B0604030504040204" pitchFamily="34" charset="-120"/>
+                <a:ea typeface="微軟正黑體" panose="020B0604030504040204" pitchFamily="34" charset="-120"/>
+              </a:rPr>
+              <a:t> </a:t>
+            </a:r>
+            <a:r>
+              <a:rPr lang="zh-TW" altLang="en-US" sz="2400" dirty="0" smtClean="0">
+                <a:solidFill>
+                  <a:schemeClr val="tx1"/>
+                </a:solidFill>
+                <a:latin typeface="微軟正黑體" panose="020B0604030504040204" pitchFamily="34" charset="-120"/>
+                <a:ea typeface="微軟正黑體" panose="020B0604030504040204" pitchFamily="34" charset="-120"/>
+              </a:rPr>
+              <a:t>   </a:t>
+            </a:r>
+            <a:r>
+              <a:rPr lang="zh-TW" altLang="en-US" sz="2400" dirty="0" smtClean="0">
+                <a:solidFill>
+                  <a:schemeClr val="tx1"/>
+                </a:solidFill>
+                <a:latin typeface="微軟正黑體" panose="020B0604030504040204" pitchFamily="34" charset="-120"/>
+                <a:ea typeface="微軟正黑體" panose="020B0604030504040204" pitchFamily="34" charset="-120"/>
+              </a:rPr>
+              <a:t>轉換</a:t>
+            </a:r>
+            <a:r>
+              <a:rPr lang="zh-TW" altLang="en-US" sz="2400" dirty="0">
+                <a:solidFill>
+                  <a:schemeClr val="tx1"/>
+                </a:solidFill>
+                <a:latin typeface="微軟正黑體" panose="020B0604030504040204" pitchFamily="34" charset="-120"/>
+                <a:ea typeface="微軟正黑體" panose="020B0604030504040204" pitchFamily="34" charset="-120"/>
+              </a:rPr>
+              <a:t>成樹莓派可以讀取的信號並傳送。</a:t>
+            </a:r>
+            <a:endParaRPr lang="en-US" altLang="zh-TW" sz="2400" dirty="0">
+              <a:solidFill>
+                <a:schemeClr val="tx1"/>
+              </a:solidFill>
+              <a:latin typeface="微軟正黑體" panose="020B0604030504040204" pitchFamily="34" charset="-120"/>
+              <a:ea typeface="微軟正黑體" panose="020B0604030504040204" pitchFamily="34" charset="-120"/>
+            </a:endParaRPr>
+          </a:p>
+          <a:p>
+            <a:endParaRPr lang="en-US" altLang="zh-TW" sz="2400" dirty="0">
+              <a:solidFill>
+                <a:schemeClr val="tx1"/>
+              </a:solidFill>
+              <a:latin typeface="微軟正黑體" panose="020B0604030504040204" pitchFamily="34" charset="-120"/>
+              <a:ea typeface="微軟正黑體" panose="020B0604030504040204" pitchFamily="34" charset="-120"/>
+            </a:endParaRPr>
+          </a:p>
+          <a:p>
+            <a:pPr>
+              <a:spcAft>
+                <a:spcPts val="0"/>
+              </a:spcAft>
+            </a:pPr>
+            <a:r>
+              <a:rPr lang="zh-TW" altLang="en-US" sz="2400" dirty="0">
+                <a:solidFill>
+                  <a:schemeClr val="tx1"/>
+                </a:solidFill>
+                <a:latin typeface="微軟正黑體" panose="020B0604030504040204" pitchFamily="34" charset="-120"/>
+                <a:ea typeface="微軟正黑體" panose="020B0604030504040204" pitchFamily="34" charset="-120"/>
+              </a:rPr>
               <a:t>樹莓派接收到訊號後，將信號處理之後用</a:t>
             </a:r>
             <a:r>
-              <a:rPr lang="en-US" altLang="zh-TW" dirty="0"/>
+              <a:rPr lang="en-US" altLang="zh-TW" sz="2400" dirty="0">
+                <a:solidFill>
+                  <a:schemeClr val="tx1"/>
+                </a:solidFill>
+                <a:latin typeface="微軟正黑體" panose="020B0604030504040204" pitchFamily="34" charset="-120"/>
+                <a:ea typeface="微軟正黑體" panose="020B0604030504040204" pitchFamily="34" charset="-120"/>
+              </a:rPr>
               <a:t>Socket</a:t>
             </a:r>
             <a:r>
-              <a:rPr lang="zh-CN" altLang="en-US" dirty="0"/>
-              <a:t>的網路協定傳送給</a:t>
-            </a:r>
-            <a:r>
-              <a:rPr lang="en-US" altLang="zh-CN" dirty="0"/>
+              <a:rPr lang="zh-CN" altLang="en-US" sz="2400" dirty="0">
+                <a:solidFill>
+                  <a:schemeClr val="tx1"/>
+                </a:solidFill>
+                <a:latin typeface="微軟正黑體" panose="020B0604030504040204" pitchFamily="34" charset="-120"/>
+                <a:ea typeface="微軟正黑體" panose="020B0604030504040204" pitchFamily="34" charset="-120"/>
+              </a:rPr>
+              <a:t>的網路</a:t>
+            </a:r>
+            <a:r>
+              <a:rPr lang="zh-CN" altLang="en-US" sz="2400" dirty="0" smtClean="0">
+                <a:solidFill>
+                  <a:schemeClr val="tx1"/>
+                </a:solidFill>
+                <a:latin typeface="微軟正黑體" panose="020B0604030504040204" pitchFamily="34" charset="-120"/>
+                <a:ea typeface="微軟正黑體" panose="020B0604030504040204" pitchFamily="34" charset="-120"/>
+              </a:rPr>
+              <a:t>協定</a:t>
+            </a:r>
+            <a:endParaRPr lang="en-US" altLang="zh-CN" sz="2400" dirty="0" smtClean="0">
+              <a:solidFill>
+                <a:schemeClr val="tx1"/>
+              </a:solidFill>
+              <a:latin typeface="微軟正黑體" panose="020B0604030504040204" pitchFamily="34" charset="-120"/>
+              <a:ea typeface="微軟正黑體" panose="020B0604030504040204" pitchFamily="34" charset="-120"/>
+            </a:endParaRPr>
+          </a:p>
+          <a:p>
+            <a:pPr marL="0" indent="0">
+              <a:buNone/>
+            </a:pPr>
+            <a:r>
+              <a:rPr lang="zh-TW" altLang="en-US" sz="2400" dirty="0">
+                <a:solidFill>
+                  <a:schemeClr val="tx1"/>
+                </a:solidFill>
+                <a:latin typeface="微軟正黑體" panose="020B0604030504040204" pitchFamily="34" charset="-120"/>
+                <a:ea typeface="微軟正黑體" panose="020B0604030504040204" pitchFamily="34" charset="-120"/>
+              </a:rPr>
+              <a:t> </a:t>
+            </a:r>
+            <a:r>
+              <a:rPr lang="zh-TW" altLang="en-US" sz="2400" dirty="0" smtClean="0">
+                <a:solidFill>
+                  <a:schemeClr val="tx1"/>
+                </a:solidFill>
+                <a:latin typeface="微軟正黑體" panose="020B0604030504040204" pitchFamily="34" charset="-120"/>
+                <a:ea typeface="微軟正黑體" panose="020B0604030504040204" pitchFamily="34" charset="-120"/>
+              </a:rPr>
+              <a:t>   </a:t>
+            </a:r>
+            <a:r>
+              <a:rPr lang="zh-CN" altLang="en-US" sz="2400" dirty="0" smtClean="0">
+                <a:solidFill>
+                  <a:schemeClr val="tx1"/>
+                </a:solidFill>
+                <a:latin typeface="微軟正黑體" panose="020B0604030504040204" pitchFamily="34" charset="-120"/>
+                <a:ea typeface="微軟正黑體" panose="020B0604030504040204" pitchFamily="34" charset="-120"/>
+              </a:rPr>
+              <a:t>傳送</a:t>
+            </a:r>
+            <a:r>
+              <a:rPr lang="zh-CN" altLang="en-US" sz="2400" dirty="0">
+                <a:solidFill>
+                  <a:schemeClr val="tx1"/>
+                </a:solidFill>
+                <a:latin typeface="微軟正黑體" panose="020B0604030504040204" pitchFamily="34" charset="-120"/>
+                <a:ea typeface="微軟正黑體" panose="020B0604030504040204" pitchFamily="34" charset="-120"/>
+              </a:rPr>
+              <a:t>給</a:t>
+            </a:r>
+            <a:r>
+              <a:rPr lang="en-US" altLang="zh-CN" sz="2400" dirty="0">
+                <a:solidFill>
+                  <a:schemeClr val="tx1"/>
+                </a:solidFill>
+                <a:latin typeface="微軟正黑體" panose="020B0604030504040204" pitchFamily="34" charset="-120"/>
+                <a:ea typeface="微軟正黑體" panose="020B0604030504040204" pitchFamily="34" charset="-120"/>
+              </a:rPr>
               <a:t>Server</a:t>
             </a:r>
             <a:r>
-              <a:rPr lang="zh-CN" altLang="en-US" dirty="0"/>
+              <a:rPr lang="zh-CN" altLang="en-US" sz="2400" dirty="0">
+                <a:solidFill>
+                  <a:schemeClr val="tx1"/>
+                </a:solidFill>
+                <a:latin typeface="微軟正黑體" panose="020B0604030504040204" pitchFamily="34" charset="-120"/>
+                <a:ea typeface="微軟正黑體" panose="020B0604030504040204" pitchFamily="34" charset="-120"/>
+              </a:rPr>
               <a:t>端並統計數量。</a:t>
             </a:r>
-            <a:endParaRPr lang="zh-TW" altLang="en-US" dirty="0"/>
+            <a:endParaRPr lang="zh-TW" altLang="en-US" sz="2400" dirty="0">
+              <a:solidFill>
+                <a:schemeClr val="tx1"/>
+              </a:solidFill>
+              <a:latin typeface="微軟正黑體" panose="020B0604030504040204" pitchFamily="34" charset="-120"/>
+              <a:ea typeface="微軟正黑體" panose="020B0604030504040204" pitchFamily="34" charset="-120"/>
+            </a:endParaRPr>
           </a:p>
         </p:txBody>
       </p:sp>
     </p:spTree>
     <p:extLst>
       <p:ext uri="{BB962C8B-B14F-4D97-AF65-F5344CB8AC3E}">
-        <p14:creationId xmlns:p14="http://schemas.microsoft.com/office/powerpoint/2010/main" val="1799048206"/>
+        <p14:creationId xmlns:p14="http://schemas.microsoft.com/office/powerpoint/2010/main" val="1698240755"/>
       </p:ext>
     </p:extLst>
   </p:cSld>
@@ -7226,7 +7771,7 @@
           <p:cNvPr id="2" name="標題 1">
             <a:extLst>
               <a:ext uri="{FF2B5EF4-FFF2-40B4-BE49-F238E27FC236}">
-                <a16:creationId xmlns="" xmlns:a16="http://schemas.microsoft.com/office/drawing/2014/main" id="{5672BF90-7484-4D1E-AFC1-B5C7864EA2E5}"/>
+                <a16:creationId xmlns:a16="http://schemas.microsoft.com/office/drawing/2014/main" xmlns="" id="{5672BF90-7484-4D1E-AFC1-B5C7864EA2E5}"/>
               </a:ext>
             </a:extLst>
           </p:cNvPr>
@@ -7239,23 +7784,22 @@
         </p:nvSpPr>
         <p:spPr>
           <a:xfrm>
-            <a:off x="5465428" y="0"/>
-            <a:ext cx="1261144" cy="1507067"/>
+            <a:off x="5368889" y="0"/>
+            <a:ext cx="1454222" cy="1507067"/>
           </a:xfrm>
         </p:spPr>
         <p:txBody>
-          <a:bodyPr/>
+          <a:bodyPr>
+            <a:noAutofit/>
+          </a:bodyPr>
           <a:lstStyle/>
           <a:p>
-            <a:r>
-              <a:rPr lang="zh-TW" altLang="en-US" dirty="0"/>
-              <a:t>實</a:t>
-            </a:r>
-            <a:r>
-              <a:rPr lang="zh-TW" altLang="en-US" dirty="0" smtClean="0"/>
-              <a:t>作：</a:t>
-            </a:r>
-            <a:endParaRPr lang="zh-TW" altLang="en-US" dirty="0"/>
+            <a:pPr algn="ctr"/>
+            <a:r>
+              <a:rPr lang="zh-TW" altLang="en-US" sz="5000" dirty="0" smtClean="0"/>
+              <a:t>結論</a:t>
+            </a:r>
+            <a:endParaRPr lang="zh-TW" altLang="en-US" sz="5000" dirty="0"/>
           </a:p>
         </p:txBody>
       </p:sp>
@@ -7264,7 +7808,7 @@
           <p:cNvPr id="3" name="內容版面配置區 2">
             <a:extLst>
               <a:ext uri="{FF2B5EF4-FFF2-40B4-BE49-F238E27FC236}">
-                <a16:creationId xmlns="" xmlns:a16="http://schemas.microsoft.com/office/drawing/2014/main" id="{CA513484-4225-4F1F-AB6C-B117C94DFBD3}"/>
+                <a16:creationId xmlns:a16="http://schemas.microsoft.com/office/drawing/2014/main" xmlns="" id="{CA513484-4225-4F1F-AB6C-B117C94DFBD3}"/>
               </a:ext>
             </a:extLst>
           </p:cNvPr>
@@ -7282,181 +7826,27 @@
           </a:xfrm>
         </p:spPr>
         <p:txBody>
-          <a:bodyPr anchor="ctr"/>
+          <a:bodyPr anchor="ctr">
+            <a:normAutofit/>
+          </a:bodyPr>
           <a:lstStyle/>
           <a:p>
             <a:r>
-              <a:rPr lang="zh-TW" altLang="en-US" dirty="0">
+              <a:rPr lang="en-US" altLang="zh-TW" sz="2400" dirty="0" smtClean="0">
                 <a:solidFill>
                   <a:schemeClr val="tx1"/>
                 </a:solidFill>
+                <a:latin typeface="微軟正黑體" panose="020B0604030504040204" pitchFamily="34" charset="-120"/>
+                <a:ea typeface="微軟正黑體" panose="020B0604030504040204" pitchFamily="34" charset="-120"/>
               </a:rPr>
-              <a:t>透過簡單的激光裝置與光敏電阻做出一個裝置，能夠能把訊號讀出並經過適當地計算和演算計算出投入垃圾桶的件數，之後把信號轉換成樹莓派可以讀取的信號並傳送。</a:t>
-            </a:r>
-            <a:endParaRPr lang="en-US" altLang="zh-TW" dirty="0">
+              <a:t>123</a:t>
+            </a:r>
+            <a:endParaRPr lang="zh-TW" altLang="en-US" sz="2400" dirty="0">
               <a:solidFill>
                 <a:schemeClr val="tx1"/>
               </a:solidFill>
-            </a:endParaRPr>
-          </a:p>
-          <a:p>
-            <a:endParaRPr lang="en-US" altLang="zh-TW" dirty="0">
-              <a:solidFill>
-                <a:schemeClr val="tx1"/>
-              </a:solidFill>
-            </a:endParaRPr>
-          </a:p>
-          <a:p>
-            <a:r>
-              <a:rPr lang="zh-TW" altLang="en-US" dirty="0">
-                <a:solidFill>
-                  <a:schemeClr val="tx1"/>
-                </a:solidFill>
-              </a:rPr>
-              <a:t>樹莓派接收到訊號後，將信號處理之後用</a:t>
-            </a:r>
-            <a:r>
-              <a:rPr lang="en-US" altLang="zh-TW" dirty="0">
-                <a:solidFill>
-                  <a:schemeClr val="tx1"/>
-                </a:solidFill>
-              </a:rPr>
-              <a:t>Socket</a:t>
-            </a:r>
-            <a:r>
-              <a:rPr lang="zh-CN" altLang="en-US" dirty="0">
-                <a:solidFill>
-                  <a:schemeClr val="tx1"/>
-                </a:solidFill>
-              </a:rPr>
-              <a:t>的網路協定傳送給</a:t>
-            </a:r>
-            <a:r>
-              <a:rPr lang="en-US" altLang="zh-CN" dirty="0">
-                <a:solidFill>
-                  <a:schemeClr val="tx1"/>
-                </a:solidFill>
-              </a:rPr>
-              <a:t>Server</a:t>
-            </a:r>
-            <a:r>
-              <a:rPr lang="zh-CN" altLang="en-US" dirty="0">
-                <a:solidFill>
-                  <a:schemeClr val="tx1"/>
-                </a:solidFill>
-              </a:rPr>
-              <a:t>端並統計數量。</a:t>
-            </a:r>
-            <a:endParaRPr lang="zh-TW" altLang="en-US" dirty="0">
-              <a:solidFill>
-                <a:schemeClr val="tx1"/>
-              </a:solidFill>
-            </a:endParaRPr>
-          </a:p>
-        </p:txBody>
-      </p:sp>
-    </p:spTree>
-    <p:extLst>
-      <p:ext uri="{BB962C8B-B14F-4D97-AF65-F5344CB8AC3E}">
-        <p14:creationId xmlns:p14="http://schemas.microsoft.com/office/powerpoint/2010/main" val="1698240755"/>
-      </p:ext>
-    </p:extLst>
-  </p:cSld>
-  <p:clrMapOvr>
-    <a:masterClrMapping/>
-  </p:clrMapOvr>
-</p:sld>
-</file>
-
-<file path=ppt/slides/slide7.xml><?xml version="1.0" encoding="utf-8"?>
-<p:sld xmlns:a="http://schemas.openxmlformats.org/drawingml/2006/main" xmlns:r="http://schemas.openxmlformats.org/officeDocument/2006/relationships" xmlns:p="http://schemas.openxmlformats.org/presentationml/2006/main">
-  <p:cSld>
-    <p:spTree>
-      <p:nvGrpSpPr>
-        <p:cNvPr id="1" name=""/>
-        <p:cNvGrpSpPr/>
-        <p:nvPr/>
-      </p:nvGrpSpPr>
-      <p:grpSpPr>
-        <a:xfrm>
-          <a:off x="0" y="0"/>
-          <a:ext cx="0" cy="0"/>
-          <a:chOff x="0" y="0"/>
-          <a:chExt cx="0" cy="0"/>
-        </a:xfrm>
-      </p:grpSpPr>
-      <p:sp>
-        <p:nvSpPr>
-          <p:cNvPr id="2" name="標題 1">
-            <a:extLst>
-              <a:ext uri="{FF2B5EF4-FFF2-40B4-BE49-F238E27FC236}">
-                <a16:creationId xmlns="" xmlns:a16="http://schemas.microsoft.com/office/drawing/2014/main" id="{5672BF90-7484-4D1E-AFC1-B5C7864EA2E5}"/>
-              </a:ext>
-            </a:extLst>
-          </p:cNvPr>
-          <p:cNvSpPr>
-            <a:spLocks noGrp="1"/>
-          </p:cNvSpPr>
-          <p:nvPr>
-            <p:ph type="title"/>
-          </p:nvPr>
-        </p:nvSpPr>
-        <p:spPr>
-          <a:xfrm>
-            <a:off x="5465428" y="0"/>
-            <a:ext cx="1261144" cy="1507067"/>
-          </a:xfrm>
-        </p:spPr>
-        <p:txBody>
-          <a:bodyPr/>
-          <a:lstStyle/>
-          <a:p>
-            <a:r>
-              <a:rPr lang="zh-TW" altLang="en-US" dirty="0"/>
-              <a:t>結論：</a:t>
-            </a:r>
-            <a:endParaRPr lang="zh-TW" altLang="en-US" dirty="0"/>
-          </a:p>
-        </p:txBody>
-      </p:sp>
-      <p:sp>
-        <p:nvSpPr>
-          <p:cNvPr id="3" name="內容版面配置區 2">
-            <a:extLst>
-              <a:ext uri="{FF2B5EF4-FFF2-40B4-BE49-F238E27FC236}">
-                <a16:creationId xmlns="" xmlns:a16="http://schemas.microsoft.com/office/drawing/2014/main" id="{CA513484-4225-4F1F-AB6C-B117C94DFBD3}"/>
-              </a:ext>
-            </a:extLst>
-          </p:cNvPr>
-          <p:cNvSpPr>
-            <a:spLocks noGrp="1"/>
-          </p:cNvSpPr>
-          <p:nvPr>
-            <p:ph idx="1"/>
-          </p:nvPr>
-        </p:nvSpPr>
-        <p:spPr>
-          <a:xfrm>
-            <a:off x="1828800" y="2038738"/>
-            <a:ext cx="8534400" cy="3615267"/>
-          </a:xfrm>
-        </p:spPr>
-        <p:txBody>
-          <a:bodyPr anchor="ctr"/>
-          <a:lstStyle/>
-          <a:p>
-            <a:r>
-              <a:rPr lang="en-US" altLang="zh-TW" dirty="0" smtClean="0">
-                <a:solidFill>
-                  <a:schemeClr val="tx1"/>
-                </a:solidFill>
-              </a:rPr>
-              <a:t>123</a:t>
-            </a:r>
-            <a:endParaRPr lang="zh-TW" altLang="en-US" dirty="0">
-              <a:solidFill>
-                <a:schemeClr val="tx1"/>
-              </a:solidFill>
+              <a:latin typeface="微軟正黑體" panose="020B0604030504040204" pitchFamily="34" charset="-120"/>
+              <a:ea typeface="微軟正黑體" panose="020B0604030504040204" pitchFamily="34" charset="-120"/>
             </a:endParaRPr>
           </a:p>
         </p:txBody>

--- a/doc/永續發展 - 淨灘.pptx
+++ b/doc/永續發展 - 淨灘.pptx
@@ -5716,7 +5716,6 @@
               <a:rPr lang="zh-TW" altLang="en-US" sz="5000" dirty="0"/>
               <a:t>動機</a:t>
             </a:r>
-            <a:endParaRPr lang="zh-TW" altLang="en-US" sz="5000" dirty="0"/>
           </a:p>
         </p:txBody>
       </p:sp>
@@ -5755,7 +5754,25 @@
                 </a:solidFill>
                 <a:latin typeface="微軟正黑體" panose="020B0604030504040204" pitchFamily="34" charset="-120"/>
               </a:rPr>
-              <a:t>面對美麗的海灘，如果只是清理只能算是做</a:t>
+              <a:t>面對美麗的海灘</a:t>
+            </a:r>
+            <a:r>
+              <a:rPr lang="zh-TW" altLang="en-US" sz="2400" dirty="0" smtClean="0">
+                <a:solidFill>
+                  <a:schemeClr val="tx1"/>
+                </a:solidFill>
+                <a:latin typeface="微軟正黑體" panose="020B0604030504040204" pitchFamily="34" charset="-120"/>
+              </a:rPr>
+              <a:t>，如果</a:t>
+            </a:r>
+            <a:r>
+              <a:rPr lang="zh-TW" altLang="en-US" sz="2400" dirty="0">
+                <a:solidFill>
+                  <a:schemeClr val="tx1"/>
+                </a:solidFill>
+                <a:latin typeface="微軟正黑體" panose="020B0604030504040204" pitchFamily="34" charset="-120"/>
+              </a:rPr>
+              <a:t>只是清理只能算是做</a:t>
             </a:r>
             <a:r>
               <a:rPr lang="zh-TW" altLang="en-US" sz="2400" dirty="0" smtClean="0">
@@ -5789,7 +5806,7 @@
                 </a:solidFill>
                 <a:latin typeface="微軟正黑體" panose="020B0604030504040204" pitchFamily="34" charset="-120"/>
               </a:rPr>
-              <a:t>所以</a:t>
+              <a:t>因此我們</a:t>
             </a:r>
             <a:r>
               <a:rPr lang="zh-TW" altLang="en-US" sz="2400" dirty="0">
@@ -5798,7 +5815,7 @@
                 </a:solidFill>
                 <a:latin typeface="微軟正黑體" panose="020B0604030504040204" pitchFamily="34" charset="-120"/>
               </a:rPr>
-              <a:t>我們希望能夠製作出一套機制來讓大家做環保之外也能意識到永續的</a:t>
+              <a:t>希望能夠製作出一套機制來讓大家做環保之外也能意識到永續的</a:t>
             </a:r>
             <a:r>
               <a:rPr lang="zh-TW" altLang="en-US" sz="2400" dirty="0" smtClean="0">
@@ -5909,7 +5926,6 @@
               <a:rPr lang="zh-TW" altLang="en-US" sz="5000" dirty="0"/>
               <a:t>想法</a:t>
             </a:r>
-            <a:endParaRPr lang="zh-TW" altLang="en-US" sz="5000" dirty="0"/>
           </a:p>
         </p:txBody>
       </p:sp>
@@ -7569,17 +7585,7 @@
                 <a:latin typeface="微軟正黑體" panose="020B0604030504040204" pitchFamily="34" charset="-120"/>
                 <a:ea typeface="微軟正黑體" panose="020B0604030504040204" pitchFamily="34" charset="-120"/>
               </a:rPr>
-              <a:t>   </a:t>
-            </a:r>
-            <a:r>
-              <a:rPr lang="zh-TW" altLang="en-US" sz="2400" dirty="0" smtClean="0">
-                <a:solidFill>
-                  <a:schemeClr val="tx1"/>
-                </a:solidFill>
-                <a:latin typeface="微軟正黑體" panose="020B0604030504040204" pitchFamily="34" charset="-120"/>
-                <a:ea typeface="微軟正黑體" panose="020B0604030504040204" pitchFamily="34" charset="-120"/>
-              </a:rPr>
-              <a:t>轉換</a:t>
+              <a:t>   轉換</a:t>
             </a:r>
             <a:r>
               <a:rPr lang="zh-TW" altLang="en-US" sz="2400" dirty="0">
@@ -7832,16 +7838,54 @@
           <a:lstStyle/>
           <a:p>
             <a:r>
-              <a:rPr lang="en-US" altLang="zh-TW" sz="2400" dirty="0" smtClean="0">
+              <a:rPr lang="zh-TW" altLang="en-US" sz="2400" dirty="0" smtClean="0">
                 <a:solidFill>
                   <a:schemeClr val="tx1"/>
                 </a:solidFill>
                 <a:latin typeface="微軟正黑體" panose="020B0604030504040204" pitchFamily="34" charset="-120"/>
                 <a:ea typeface="微軟正黑體" panose="020B0604030504040204" pitchFamily="34" charset="-120"/>
               </a:rPr>
-              <a:t>123</a:t>
-            </a:r>
-            <a:endParaRPr lang="zh-TW" altLang="en-US" sz="2400" dirty="0">
+              <a:t>透過這次機會我們嘗試去解決海灘髒亂的問題，現階段雖然不能解決所有的問題，但是我們提出一個和一般不一樣的方法透過這種機制來獎勵做好事的</a:t>
+            </a:r>
+            <a:r>
+              <a:rPr lang="zh-TW" altLang="en-US" sz="2400" dirty="0" smtClean="0">
+                <a:solidFill>
+                  <a:schemeClr val="tx1"/>
+                </a:solidFill>
+                <a:latin typeface="微軟正黑體" panose="020B0604030504040204" pitchFamily="34" charset="-120"/>
+                <a:ea typeface="微軟正黑體" panose="020B0604030504040204" pitchFamily="34" charset="-120"/>
+              </a:rPr>
+              <a:t>人。</a:t>
+            </a:r>
+            <a:endParaRPr lang="en-US" altLang="zh-TW" sz="2400" dirty="0" smtClean="0">
+              <a:solidFill>
+                <a:schemeClr val="tx1"/>
+              </a:solidFill>
+              <a:latin typeface="微軟正黑體" panose="020B0604030504040204" pitchFamily="34" charset="-120"/>
+              <a:ea typeface="微軟正黑體" panose="020B0604030504040204" pitchFamily="34" charset="-120"/>
+            </a:endParaRPr>
+          </a:p>
+          <a:p>
+            <a:endParaRPr lang="en-US" altLang="zh-TW" sz="2400" dirty="0">
+              <a:solidFill>
+                <a:schemeClr val="tx1"/>
+              </a:solidFill>
+              <a:latin typeface="微軟正黑體" panose="020B0604030504040204" pitchFamily="34" charset="-120"/>
+              <a:ea typeface="微軟正黑體" panose="020B0604030504040204" pitchFamily="34" charset="-120"/>
+            </a:endParaRPr>
+          </a:p>
+          <a:p>
+            <a:r>
+              <a:rPr lang="zh-TW" altLang="en-US" sz="2400" dirty="0" smtClean="0">
+                <a:solidFill>
+                  <a:schemeClr val="tx1"/>
+                </a:solidFill>
+                <a:latin typeface="微軟正黑體" panose="020B0604030504040204" pitchFamily="34" charset="-120"/>
+                <a:ea typeface="微軟正黑體" panose="020B0604030504040204" pitchFamily="34" charset="-120"/>
+              </a:rPr>
+              <a:t>經過人們的口而相傳和更多的廠商加入提供更多的優惠，相信一定能吸引更多人加入讓海岸更加乾淨。</a:t>
+            </a:r>
+            <a:endParaRPr lang="en-US" altLang="zh-TW" sz="2400" dirty="0" smtClean="0">
               <a:solidFill>
                 <a:schemeClr val="tx1"/>
               </a:solidFill>

--- a/doc/永續發展 - 淨灘.pptx
+++ b/doc/永續發展 - 淨灘.pptx
@@ -6118,7 +6118,12 @@
             <p:ph type="title"/>
           </p:nvPr>
         </p:nvSpPr>
-        <p:spPr/>
+        <p:spPr>
+          <a:xfrm>
+            <a:off x="4614757" y="0"/>
+            <a:ext cx="2962486" cy="1372293"/>
+          </a:xfrm>
+        </p:spPr>
         <p:txBody>
           <a:bodyPr/>
           <a:lstStyle/>
@@ -6143,31 +6148,6 @@
               <a:rPr lang="zh-TW" altLang="en-US" dirty="0"/>
               <a:t>：</a:t>
             </a:r>
-          </a:p>
-        </p:txBody>
-      </p:sp>
-      <p:sp>
-        <p:nvSpPr>
-          <p:cNvPr id="3" name="內容版面配置區 2">
-            <a:extLst>
-              <a:ext uri="{FF2B5EF4-FFF2-40B4-BE49-F238E27FC236}">
-                <a16:creationId xmlns:a16="http://schemas.microsoft.com/office/drawing/2014/main" id="{0B72595E-3D5D-4A90-AD56-F00A19EED66F}"/>
-              </a:ext>
-            </a:extLst>
-          </p:cNvPr>
-          <p:cNvSpPr>
-            <a:spLocks noGrp="1"/>
-          </p:cNvSpPr>
-          <p:nvPr>
-            <p:ph idx="1"/>
-          </p:nvPr>
-        </p:nvSpPr>
-        <p:spPr/>
-        <p:txBody>
-          <a:bodyPr/>
-          <a:lstStyle/>
-          <a:p>
-            <a:endParaRPr lang="zh-TW" altLang="en-US"/>
           </a:p>
         </p:txBody>
       </p:sp>
@@ -6219,7 +6199,7 @@
         </p:nvSpPr>
         <p:spPr>
           <a:xfrm>
-            <a:off x="5407859" y="158621"/>
+            <a:off x="5407859" y="0"/>
             <a:ext cx="1376282" cy="1507067"/>
           </a:xfrm>
         </p:spPr>

--- a/doc/永續發展 - 淨灘.pptx
+++ b/doc/永續發展 - 淨灘.pptx
@@ -6,11 +6,11 @@
   </p:sldMasterIdLst>
   <p:sldIdLst>
     <p:sldId id="256" r:id="rId2"/>
-    <p:sldId id="257" r:id="rId3"/>
-    <p:sldId id="258" r:id="rId4"/>
-    <p:sldId id="259" r:id="rId5"/>
-    <p:sldId id="261" r:id="rId6"/>
-    <p:sldId id="260" r:id="rId7"/>
+    <p:sldId id="271" r:id="rId3"/>
+    <p:sldId id="270" r:id="rId4"/>
+    <p:sldId id="265" r:id="rId5"/>
+    <p:sldId id="259" r:id="rId6"/>
+    <p:sldId id="269" r:id="rId7"/>
   </p:sldIdLst>
   <p:sldSz cx="12192000" cy="6858000"/>
   <p:notesSz cx="6858000" cy="9144000"/>
@@ -5378,7 +5378,7 @@
           <p:cNvPr id="5" name="圖片 4">
             <a:extLst>
               <a:ext uri="{FF2B5EF4-FFF2-40B4-BE49-F238E27FC236}">
-                <a16:creationId xmlns:a16="http://schemas.microsoft.com/office/drawing/2014/main" id="{8003CC06-462E-434C-9758-B4CF61882509}"/>
+                <a16:creationId xmlns:a16="http://schemas.microsoft.com/office/drawing/2014/main" xmlns="" id="{8003CC06-462E-434C-9758-B4CF61882509}"/>
               </a:ext>
             </a:extLst>
           </p:cNvPr>
@@ -5415,7 +5415,7 @@
           <p:cNvPr id="2" name="標題 1">
             <a:extLst>
               <a:ext uri="{FF2B5EF4-FFF2-40B4-BE49-F238E27FC236}">
-                <a16:creationId xmlns:a16="http://schemas.microsoft.com/office/drawing/2014/main" id="{9B7F8B52-C41D-4EFC-8550-9BF33F5D7845}"/>
+                <a16:creationId xmlns:a16="http://schemas.microsoft.com/office/drawing/2014/main" xmlns="" id="{9B7F8B52-C41D-4EFC-8550-9BF33F5D7845}"/>
               </a:ext>
             </a:extLst>
           </p:cNvPr>
@@ -5446,6 +5446,8 @@
                     <a:lumOff val="15000"/>
                   </a:schemeClr>
                 </a:solidFill>
+                <a:latin typeface="微軟正黑體" panose="020B0604030504040204" pitchFamily="34" charset="-120"/>
+                <a:ea typeface="微軟正黑體" panose="020B0604030504040204" pitchFamily="34" charset="-120"/>
               </a:rPr>
               <a:t>用續發展 </a:t>
             </a:r>
@@ -5457,6 +5459,8 @@
                     <a:lumOff val="15000"/>
                   </a:schemeClr>
                 </a:solidFill>
+                <a:latin typeface="微軟正黑體" panose="020B0604030504040204" pitchFamily="34" charset="-120"/>
+                <a:ea typeface="微軟正黑體" panose="020B0604030504040204" pitchFamily="34" charset="-120"/>
               </a:rPr>
               <a:t>- </a:t>
             </a:r>
@@ -5468,6 +5472,8 @@
                     <a:lumOff val="15000"/>
                   </a:schemeClr>
                 </a:solidFill>
+                <a:latin typeface="微軟正黑體" panose="020B0604030504040204" pitchFamily="34" charset="-120"/>
+                <a:ea typeface="微軟正黑體" panose="020B0604030504040204" pitchFamily="34" charset="-120"/>
               </a:rPr>
               <a:t>淨灘</a:t>
             </a:r>
@@ -5478,6 +5484,8 @@
                   <a:lumOff val="15000"/>
                 </a:schemeClr>
               </a:solidFill>
+              <a:latin typeface="微軟正黑體" panose="020B0604030504040204" pitchFamily="34" charset="-120"/>
+              <a:ea typeface="微軟正黑體" panose="020B0604030504040204" pitchFamily="34" charset="-120"/>
             </a:endParaRPr>
           </a:p>
         </p:txBody>
@@ -5487,7 +5495,7 @@
           <p:cNvPr id="3" name="副標題 2">
             <a:extLst>
               <a:ext uri="{FF2B5EF4-FFF2-40B4-BE49-F238E27FC236}">
-                <a16:creationId xmlns:a16="http://schemas.microsoft.com/office/drawing/2014/main" id="{CEC7EADB-DD78-464E-8485-A7AE9FB77153}"/>
+                <a16:creationId xmlns:a16="http://schemas.microsoft.com/office/drawing/2014/main" xmlns="" id="{CEC7EADB-DD78-464E-8485-A7AE9FB77153}"/>
               </a:ext>
             </a:extLst>
           </p:cNvPr>
@@ -5500,126 +5508,147 @@
         </p:nvSpPr>
         <p:spPr>
           <a:xfrm>
-            <a:off x="4702630" y="2892491"/>
-            <a:ext cx="2593046" cy="2556586"/>
+            <a:off x="4574831" y="3669731"/>
+            <a:ext cx="3042338" cy="1798381"/>
           </a:xfrm>
         </p:spPr>
         <p:txBody>
           <a:bodyPr>
-            <a:normAutofit fontScale="77500" lnSpcReduction="20000"/>
+            <a:normAutofit fontScale="47500" lnSpcReduction="20000"/>
           </a:bodyPr>
           <a:lstStyle/>
           <a:p>
             <a:r>
-              <a:rPr lang="zh-CN" altLang="en-US" sz="3500" b="1" dirty="0">
+              <a:rPr lang="zh-CN" altLang="en-US" sz="3500" b="1" spc="2000" dirty="0" smtClean="0">
                 <a:solidFill>
                   <a:schemeClr val="bg2">
                     <a:lumMod val="50000"/>
                   </a:schemeClr>
                 </a:solidFill>
-                <a:latin typeface="標楷體" panose="03000509000000000000" pitchFamily="65" charset="-120"/>
-                <a:ea typeface="標楷體" panose="03000509000000000000" pitchFamily="65" charset="-120"/>
+                <a:latin typeface="微軟正黑體" panose="020B0604030504040204" pitchFamily="34" charset="-120"/>
+                <a:ea typeface="微軟正黑體" panose="020B0604030504040204" pitchFamily="34" charset="-120"/>
               </a:rPr>
-              <a:t>組長：</a:t>
-            </a:r>
-            <a:r>
-              <a:rPr lang="zh-TW" altLang="en-US" sz="3500" b="1" dirty="0">
+              <a:t>組長</a:t>
+            </a:r>
+            <a:r>
+              <a:rPr lang="zh-TW" altLang="en-US" sz="3500" b="1" spc="2000" dirty="0">
                 <a:solidFill>
                   <a:schemeClr val="bg2">
                     <a:lumMod val="50000"/>
                   </a:schemeClr>
                 </a:solidFill>
-                <a:latin typeface="標楷體" panose="03000509000000000000" pitchFamily="65" charset="-120"/>
-                <a:ea typeface="標楷體" panose="03000509000000000000" pitchFamily="65" charset="-120"/>
+                <a:latin typeface="微軟正黑體" panose="020B0604030504040204" pitchFamily="34" charset="-120"/>
+                <a:ea typeface="微軟正黑體" panose="020B0604030504040204" pitchFamily="34" charset="-120"/>
+              </a:rPr>
+              <a:t>：</a:t>
+            </a:r>
+            <a:r>
+              <a:rPr lang="zh-TW" altLang="en-US" sz="3500" b="1" spc="2000" dirty="0" smtClean="0">
+                <a:solidFill>
+                  <a:schemeClr val="bg2">
+                    <a:lumMod val="50000"/>
+                  </a:schemeClr>
+                </a:solidFill>
+                <a:latin typeface="微軟正黑體" panose="020B0604030504040204" pitchFamily="34" charset="-120"/>
+                <a:ea typeface="微軟正黑體" panose="020B0604030504040204" pitchFamily="34" charset="-120"/>
               </a:rPr>
               <a:t>郭宗翰</a:t>
             </a:r>
-            <a:endParaRPr lang="en-US" altLang="zh-TW" sz="3500" b="1" dirty="0">
+            <a:endParaRPr lang="en-US" altLang="zh-TW" sz="3500" b="1" spc="2000" dirty="0">
               <a:solidFill>
                 <a:schemeClr val="bg2">
                   <a:lumMod val="50000"/>
                 </a:schemeClr>
               </a:solidFill>
-              <a:latin typeface="標楷體" panose="03000509000000000000" pitchFamily="65" charset="-120"/>
-              <a:ea typeface="標楷體" panose="03000509000000000000" pitchFamily="65" charset="-120"/>
+              <a:latin typeface="微軟正黑體" panose="020B0604030504040204" pitchFamily="34" charset="-120"/>
+              <a:ea typeface="微軟正黑體" panose="020B0604030504040204" pitchFamily="34" charset="-120"/>
             </a:endParaRPr>
           </a:p>
           <a:p>
-            <a:endParaRPr lang="en-US" altLang="zh-TW" sz="3500" b="1" dirty="0">
+            <a:endParaRPr lang="en-US" altLang="zh-TW" sz="3500" b="1" spc="2000" dirty="0">
               <a:solidFill>
                 <a:schemeClr val="bg2">
                   <a:lumMod val="50000"/>
                 </a:schemeClr>
               </a:solidFill>
-              <a:latin typeface="標楷體" panose="03000509000000000000" pitchFamily="65" charset="-120"/>
-              <a:ea typeface="標楷體" panose="03000509000000000000" pitchFamily="65" charset="-120"/>
+              <a:latin typeface="微軟正黑體" panose="020B0604030504040204" pitchFamily="34" charset="-120"/>
+              <a:ea typeface="微軟正黑體" panose="020B0604030504040204" pitchFamily="34" charset="-120"/>
             </a:endParaRPr>
           </a:p>
           <a:p>
             <a:r>
-              <a:rPr lang="zh-TW" altLang="en-US" sz="3500" b="1" dirty="0">
+              <a:rPr lang="zh-TW" altLang="en-US" sz="3500" b="1" spc="2000" dirty="0">
                 <a:solidFill>
                   <a:schemeClr val="bg2">
                     <a:lumMod val="50000"/>
                   </a:schemeClr>
                 </a:solidFill>
-                <a:latin typeface="標楷體" panose="03000509000000000000" pitchFamily="65" charset="-120"/>
-                <a:ea typeface="標楷體" panose="03000509000000000000" pitchFamily="65" charset="-120"/>
+                <a:latin typeface="微軟正黑體" panose="020B0604030504040204" pitchFamily="34" charset="-120"/>
+                <a:ea typeface="微軟正黑體" panose="020B0604030504040204" pitchFamily="34" charset="-120"/>
               </a:rPr>
               <a:t>組員：李汶道</a:t>
             </a:r>
-            <a:endParaRPr lang="en-US" altLang="zh-TW" sz="3500" b="1" dirty="0">
+            <a:endParaRPr lang="en-US" altLang="zh-TW" sz="3500" b="1" spc="2000" dirty="0">
               <a:solidFill>
                 <a:schemeClr val="bg2">
                   <a:lumMod val="50000"/>
                 </a:schemeClr>
               </a:solidFill>
-              <a:latin typeface="標楷體" panose="03000509000000000000" pitchFamily="65" charset="-120"/>
-              <a:ea typeface="標楷體" panose="03000509000000000000" pitchFamily="65" charset="-120"/>
+              <a:latin typeface="微軟正黑體" panose="020B0604030504040204" pitchFamily="34" charset="-120"/>
+              <a:ea typeface="微軟正黑體" panose="020B0604030504040204" pitchFamily="34" charset="-120"/>
             </a:endParaRPr>
           </a:p>
           <a:p>
-            <a:endParaRPr lang="en-US" altLang="zh-TW" sz="3500" b="1" dirty="0">
+            <a:endParaRPr lang="en-US" altLang="zh-TW" sz="3500" b="1" spc="2000" dirty="0">
               <a:solidFill>
                 <a:schemeClr val="bg2">
                   <a:lumMod val="50000"/>
                 </a:schemeClr>
               </a:solidFill>
-              <a:latin typeface="標楷體" panose="03000509000000000000" pitchFamily="65" charset="-120"/>
-              <a:ea typeface="標楷體" panose="03000509000000000000" pitchFamily="65" charset="-120"/>
+              <a:latin typeface="微軟正黑體" panose="020B0604030504040204" pitchFamily="34" charset="-120"/>
+              <a:ea typeface="微軟正黑體" panose="020B0604030504040204" pitchFamily="34" charset="-120"/>
             </a:endParaRPr>
           </a:p>
           <a:p>
             <a:r>
-              <a:rPr lang="zh-CN" altLang="en-US" sz="3500" b="1" dirty="0">
+              <a:rPr lang="zh-CN" altLang="en-US" sz="3500" b="1" spc="2000" dirty="0">
                 <a:solidFill>
                   <a:schemeClr val="bg2">
                     <a:lumMod val="50000"/>
                   </a:schemeClr>
                 </a:solidFill>
-                <a:latin typeface="標楷體" panose="03000509000000000000" pitchFamily="65" charset="-120"/>
-                <a:ea typeface="標楷體" panose="03000509000000000000" pitchFamily="65" charset="-120"/>
+                <a:latin typeface="微軟正黑體" panose="020B0604030504040204" pitchFamily="34" charset="-120"/>
+                <a:ea typeface="微軟正黑體" panose="020B0604030504040204" pitchFamily="34" charset="-120"/>
               </a:rPr>
               <a:t>組員：</a:t>
             </a:r>
             <a:r>
-              <a:rPr lang="zh-TW" altLang="en-US" sz="3500" b="1" dirty="0">
+              <a:rPr lang="zh-TW" altLang="en-US" sz="3500" b="1" spc="2000" dirty="0" smtClean="0">
                 <a:solidFill>
                   <a:schemeClr val="bg2">
                     <a:lumMod val="50000"/>
                   </a:schemeClr>
                 </a:solidFill>
-                <a:latin typeface="標楷體" panose="03000509000000000000" pitchFamily="65" charset="-120"/>
-                <a:ea typeface="標楷體" panose="03000509000000000000" pitchFamily="65" charset="-120"/>
+                <a:latin typeface="微軟正黑體" panose="020B0604030504040204" pitchFamily="34" charset="-120"/>
+                <a:ea typeface="微軟正黑體" panose="020B0604030504040204" pitchFamily="34" charset="-120"/>
               </a:rPr>
-              <a:t>邱立倫</a:t>
-            </a:r>
+              <a:t>邱立綸</a:t>
+            </a:r>
+            <a:endParaRPr lang="zh-TW" altLang="en-US" sz="3500" b="1" spc="2000" dirty="0">
+              <a:solidFill>
+                <a:schemeClr val="bg2">
+                  <a:lumMod val="50000"/>
+                </a:schemeClr>
+              </a:solidFill>
+              <a:latin typeface="微軟正黑體" panose="020B0604030504040204" pitchFamily="34" charset="-120"/>
+              <a:ea typeface="微軟正黑體" panose="020B0604030504040204" pitchFamily="34" charset="-120"/>
+            </a:endParaRPr>
           </a:p>
           <a:p>
             <a:pPr algn="l"/>
-            <a:endParaRPr lang="en-US" altLang="zh-TW" dirty="0">
-              <a:latin typeface="標楷體" panose="03000509000000000000" pitchFamily="65" charset="-120"/>
-              <a:ea typeface="標楷體" panose="03000509000000000000" pitchFamily="65" charset="-120"/>
+            <a:endParaRPr lang="en-US" altLang="zh-TW" spc="2000" dirty="0">
+              <a:latin typeface="微軟正黑體" panose="020B0604030504040204" pitchFamily="34" charset="-120"/>
+              <a:ea typeface="微軟正黑體" panose="020B0604030504040204" pitchFamily="34" charset="-120"/>
             </a:endParaRPr>
           </a:p>
         </p:txBody>
@@ -5659,7 +5688,7 @@
           <p:cNvPr id="2" name="標題 1">
             <a:extLst>
               <a:ext uri="{FF2B5EF4-FFF2-40B4-BE49-F238E27FC236}">
-                <a16:creationId xmlns:a16="http://schemas.microsoft.com/office/drawing/2014/main" id="{93769179-CC27-42AA-B3FA-22C4285134EF}"/>
+                <a16:creationId xmlns:a16="http://schemas.microsoft.com/office/drawing/2014/main" xmlns="" id="{5672BF90-7484-4D1E-AFC1-B5C7864EA2E5}"/>
               </a:ext>
             </a:extLst>
           </p:cNvPr>
@@ -5672,72 +5701,164 @@
         </p:nvSpPr>
         <p:spPr>
           <a:xfrm>
-            <a:off x="5084792" y="121297"/>
-            <a:ext cx="2022415" cy="1259633"/>
+            <a:off x="5285831" y="0"/>
+            <a:ext cx="1620338" cy="1507067"/>
           </a:xfrm>
         </p:spPr>
         <p:txBody>
-          <a:bodyPr/>
+          <a:bodyPr>
+            <a:noAutofit/>
+          </a:bodyPr>
           <a:lstStyle/>
           <a:p>
-            <a:r>
-              <a:rPr lang="zh-TW" altLang="en-US" dirty="0"/>
-              <a:t>動機：</a:t>
-            </a:r>
-          </a:p>
-        </p:txBody>
-      </p:sp>
-      <p:sp>
-        <p:nvSpPr>
-          <p:cNvPr id="4" name="文字方塊 3">
+            <a:pPr algn="ctr"/>
+            <a:r>
+              <a:rPr lang="zh-TW" altLang="en-US" sz="5000" dirty="0"/>
+              <a:t>動機</a:t>
+            </a:r>
+          </a:p>
+        </p:txBody>
+      </p:sp>
+      <p:sp>
+        <p:nvSpPr>
+          <p:cNvPr id="3" name="內容版面配置區 2">
             <a:extLst>
               <a:ext uri="{FF2B5EF4-FFF2-40B4-BE49-F238E27FC236}">
-                <a16:creationId xmlns:a16="http://schemas.microsoft.com/office/drawing/2014/main" id="{4439F68A-EB4A-4729-AB5C-A3A7E090BD07}"/>
+                <a16:creationId xmlns:a16="http://schemas.microsoft.com/office/drawing/2014/main" xmlns="" id="{CA513484-4225-4F1F-AB6C-B117C94DFBD3}"/>
               </a:ext>
             </a:extLst>
           </p:cNvPr>
-          <p:cNvSpPr txBox="1"/>
-          <p:nvPr/>
+          <p:cNvSpPr>
+            <a:spLocks noGrp="1"/>
+          </p:cNvSpPr>
+          <p:nvPr>
+            <p:ph idx="1"/>
+          </p:nvPr>
         </p:nvSpPr>
         <p:spPr>
           <a:xfrm>
-            <a:off x="1293779" y="2325292"/>
-            <a:ext cx="9980135" cy="1477328"/>
+            <a:off x="1828800" y="2038738"/>
+            <a:ext cx="8534400" cy="3615267"/>
           </a:xfrm>
-          <a:prstGeom prst="rect">
-            <a:avLst/>
-          </a:prstGeom>
-          <a:noFill/>
         </p:spPr>
         <p:txBody>
-          <a:bodyPr wrap="square" rtlCol="0">
-            <a:spAutoFit/>
+          <a:bodyPr anchor="ctr">
+            <a:normAutofit/>
           </a:bodyPr>
           <a:lstStyle/>
           <a:p>
             <a:r>
-              <a:rPr lang="zh-TW" altLang="en-US" dirty="0"/>
-              <a:t>面對美麗的海灘，如果只是清理只能算是做一半，</a:t>
-            </a:r>
-            <a:endParaRPr lang="en-US" altLang="zh-TW" dirty="0"/>
-          </a:p>
-          <a:p>
-            <a:endParaRPr lang="en-US" altLang="zh-TW" dirty="0"/>
-          </a:p>
-          <a:p>
-            <a:r>
-              <a:rPr lang="zh-TW" altLang="en-US" dirty="0"/>
-              <a:t>所以我們希望能夠製作出一套機制來讓大家做環保之外也能意識到永續的重要性，</a:t>
-            </a:r>
-            <a:endParaRPr lang="en-US" altLang="zh-TW" dirty="0"/>
-          </a:p>
-          <a:p>
-            <a:endParaRPr lang="en-US" altLang="zh-TW" dirty="0"/>
-          </a:p>
-          <a:p>
-            <a:r>
-              <a:rPr lang="zh-TW" altLang="en-US" dirty="0"/>
-              <a:t>以達到不隨地丟垃圾，也能隨時做環保的機制，更加推廣經濟流動。</a:t>
+              <a:rPr lang="zh-TW" altLang="en-US" sz="2400" dirty="0">
+                <a:solidFill>
+                  <a:schemeClr val="tx1"/>
+                </a:solidFill>
+                <a:latin typeface="微軟正黑體" panose="020B0604030504040204" pitchFamily="34" charset="-120"/>
+              </a:rPr>
+              <a:t>面對美麗的海灘</a:t>
+            </a:r>
+            <a:r>
+              <a:rPr lang="zh-TW" altLang="en-US" sz="2400" dirty="0" smtClean="0">
+                <a:solidFill>
+                  <a:schemeClr val="tx1"/>
+                </a:solidFill>
+                <a:latin typeface="微軟正黑體" panose="020B0604030504040204" pitchFamily="34" charset="-120"/>
+              </a:rPr>
+              <a:t>，如果</a:t>
+            </a:r>
+            <a:r>
+              <a:rPr lang="zh-TW" altLang="en-US" sz="2400" dirty="0">
+                <a:solidFill>
+                  <a:schemeClr val="tx1"/>
+                </a:solidFill>
+                <a:latin typeface="微軟正黑體" panose="020B0604030504040204" pitchFamily="34" charset="-120"/>
+              </a:rPr>
+              <a:t>只是清理只能算是做</a:t>
+            </a:r>
+            <a:r>
+              <a:rPr lang="zh-TW" altLang="en-US" sz="2400" dirty="0" smtClean="0">
+                <a:solidFill>
+                  <a:schemeClr val="tx1"/>
+                </a:solidFill>
+                <a:latin typeface="微軟正黑體" panose="020B0604030504040204" pitchFamily="34" charset="-120"/>
+              </a:rPr>
+              <a:t>一半。</a:t>
+            </a:r>
+            <a:endParaRPr lang="en-US" altLang="zh-TW" sz="2400" dirty="0" smtClean="0">
+              <a:solidFill>
+                <a:schemeClr val="tx1"/>
+              </a:solidFill>
+              <a:latin typeface="微軟正黑體" panose="020B0604030504040204" pitchFamily="34" charset="-120"/>
+            </a:endParaRPr>
+          </a:p>
+          <a:p>
+            <a:endParaRPr lang="en-US" altLang="zh-TW" sz="2400" dirty="0" smtClean="0">
+              <a:solidFill>
+                <a:schemeClr val="tx1"/>
+              </a:solidFill>
+              <a:latin typeface="微軟正黑體" panose="020B0604030504040204" pitchFamily="34" charset="-120"/>
+            </a:endParaRPr>
+          </a:p>
+          <a:p>
+            <a:r>
+              <a:rPr lang="zh-TW" altLang="en-US" sz="2400" dirty="0" smtClean="0">
+                <a:solidFill>
+                  <a:schemeClr val="tx1"/>
+                </a:solidFill>
+                <a:latin typeface="微軟正黑體" panose="020B0604030504040204" pitchFamily="34" charset="-120"/>
+              </a:rPr>
+              <a:t>因此我們</a:t>
+            </a:r>
+            <a:r>
+              <a:rPr lang="zh-TW" altLang="en-US" sz="2400" dirty="0">
+                <a:solidFill>
+                  <a:schemeClr val="tx1"/>
+                </a:solidFill>
+                <a:latin typeface="微軟正黑體" panose="020B0604030504040204" pitchFamily="34" charset="-120"/>
+              </a:rPr>
+              <a:t>希望能夠製作出一套機制來讓大家做環保之外也能意識到永續的</a:t>
+            </a:r>
+            <a:r>
+              <a:rPr lang="zh-TW" altLang="en-US" sz="2400" dirty="0" smtClean="0">
+                <a:solidFill>
+                  <a:schemeClr val="tx1"/>
+                </a:solidFill>
+                <a:latin typeface="微軟正黑體" panose="020B0604030504040204" pitchFamily="34" charset="-120"/>
+              </a:rPr>
+              <a:t>重要性。</a:t>
+            </a:r>
+            <a:endParaRPr lang="en-US" altLang="zh-TW" sz="2400" dirty="0" smtClean="0">
+              <a:solidFill>
+                <a:schemeClr val="tx1"/>
+              </a:solidFill>
+              <a:latin typeface="微軟正黑體" panose="020B0604030504040204" pitchFamily="34" charset="-120"/>
+            </a:endParaRPr>
+          </a:p>
+          <a:p>
+            <a:endParaRPr lang="en-US" altLang="zh-TW" sz="2400" dirty="0" smtClean="0">
+              <a:solidFill>
+                <a:schemeClr val="tx1"/>
+              </a:solidFill>
+              <a:latin typeface="微軟正黑體" panose="020B0604030504040204" pitchFamily="34" charset="-120"/>
+            </a:endParaRPr>
+          </a:p>
+          <a:p>
+            <a:r>
+              <a:rPr lang="zh-TW" altLang="en-US" sz="2400" dirty="0" smtClean="0">
+                <a:solidFill>
+                  <a:schemeClr val="tx1"/>
+                </a:solidFill>
+                <a:latin typeface="微軟正黑體" panose="020B0604030504040204" pitchFamily="34" charset="-120"/>
+              </a:rPr>
+              <a:t>達到</a:t>
+            </a:r>
+            <a:r>
+              <a:rPr lang="zh-TW" altLang="en-US" sz="2400" dirty="0">
+                <a:solidFill>
+                  <a:schemeClr val="tx1"/>
+                </a:solidFill>
+                <a:latin typeface="微軟正黑體" panose="020B0604030504040204" pitchFamily="34" charset="-120"/>
+              </a:rPr>
+              <a:t>不隨地丟垃圾，也能隨時做環保的機制，更加推廣經濟流動。</a:t>
             </a:r>
           </a:p>
         </p:txBody>
@@ -5745,7 +5866,7 @@
     </p:spTree>
     <p:extLst>
       <p:ext uri="{BB962C8B-B14F-4D97-AF65-F5344CB8AC3E}">
-        <p14:creationId xmlns:p14="http://schemas.microsoft.com/office/powerpoint/2010/main" val="1866882767"/>
+        <p14:creationId xmlns:p14="http://schemas.microsoft.com/office/powerpoint/2010/main" val="2086338559"/>
       </p:ext>
     </p:extLst>
   </p:cSld>
@@ -5777,7 +5898,7 @@
           <p:cNvPr id="2" name="標題 1">
             <a:extLst>
               <a:ext uri="{FF2B5EF4-FFF2-40B4-BE49-F238E27FC236}">
-                <a16:creationId xmlns:a16="http://schemas.microsoft.com/office/drawing/2014/main" id="{5461AFF9-5C20-46CA-8B21-2B6716253C76}"/>
+                <a16:creationId xmlns:a16="http://schemas.microsoft.com/office/drawing/2014/main" xmlns="" id="{5672BF90-7484-4D1E-AFC1-B5C7864EA2E5}"/>
               </a:ext>
             </a:extLst>
           </p:cNvPr>
@@ -5790,117 +5911,260 @@
         </p:nvSpPr>
         <p:spPr>
           <a:xfrm>
-            <a:off x="5223005" y="233264"/>
-            <a:ext cx="1745990" cy="1077166"/>
+            <a:off x="5285831" y="0"/>
+            <a:ext cx="1620338" cy="1507067"/>
           </a:xfrm>
         </p:spPr>
         <p:txBody>
-          <a:bodyPr/>
+          <a:bodyPr>
+            <a:noAutofit/>
+          </a:bodyPr>
           <a:lstStyle/>
           <a:p>
-            <a:r>
-              <a:rPr lang="zh-TW" altLang="en-US" dirty="0"/>
-              <a:t>想法：</a:t>
-            </a:r>
-          </a:p>
-        </p:txBody>
-      </p:sp>
-      <p:sp>
-        <p:nvSpPr>
-          <p:cNvPr id="4" name="文字方塊 3">
+            <a:pPr algn="ctr"/>
+            <a:r>
+              <a:rPr lang="zh-TW" altLang="en-US" sz="5000" dirty="0"/>
+              <a:t>想法</a:t>
+            </a:r>
+          </a:p>
+        </p:txBody>
+      </p:sp>
+      <p:sp>
+        <p:nvSpPr>
+          <p:cNvPr id="3" name="內容版面配置區 2">
             <a:extLst>
               <a:ext uri="{FF2B5EF4-FFF2-40B4-BE49-F238E27FC236}">
-                <a16:creationId xmlns:a16="http://schemas.microsoft.com/office/drawing/2014/main" id="{BD08EDE8-0F7D-42CA-9926-02FF24A3D791}"/>
+                <a16:creationId xmlns:a16="http://schemas.microsoft.com/office/drawing/2014/main" xmlns="" id="{CA513484-4225-4F1F-AB6C-B117C94DFBD3}"/>
               </a:ext>
             </a:extLst>
           </p:cNvPr>
-          <p:cNvSpPr txBox="1"/>
-          <p:nvPr/>
+          <p:cNvSpPr>
+            <a:spLocks noGrp="1"/>
+          </p:cNvSpPr>
+          <p:nvPr>
+            <p:ph idx="1"/>
+          </p:nvPr>
         </p:nvSpPr>
         <p:spPr>
           <a:xfrm>
-            <a:off x="1857983" y="1819073"/>
-            <a:ext cx="8956298" cy="2585323"/>
+            <a:off x="1828800" y="1507066"/>
+            <a:ext cx="8534400" cy="4903893"/>
           </a:xfrm>
-          <a:prstGeom prst="rect">
-            <a:avLst/>
-          </a:prstGeom>
-          <a:noFill/>
         </p:spPr>
         <p:txBody>
-          <a:bodyPr wrap="none" rtlCol="0">
-            <a:spAutoFit/>
+          <a:bodyPr anchor="ctr">
+            <a:normAutofit/>
           </a:bodyPr>
           <a:lstStyle/>
           <a:p>
             <a:r>
-              <a:rPr lang="zh-TW" altLang="en-US" dirty="0"/>
-              <a:t>我們思考的方式是以，能夠運動又能夠賺取點數和減少垃圾為方向，</a:t>
-            </a:r>
-            <a:endParaRPr lang="en-US" altLang="zh-TW" dirty="0"/>
-          </a:p>
-          <a:p>
-            <a:endParaRPr lang="en-US" altLang="zh-TW" dirty="0"/>
-          </a:p>
-          <a:p>
-            <a:r>
-              <a:rPr lang="zh-TW" altLang="en-US" dirty="0"/>
-              <a:t>回想起如</a:t>
-            </a:r>
-            <a:r>
-              <a:rPr lang="en-US" altLang="zh-TW" dirty="0"/>
+              <a:rPr lang="zh-TW" altLang="en-US" sz="2400" dirty="0">
+                <a:solidFill>
+                  <a:schemeClr val="tx1"/>
+                </a:solidFill>
+                <a:latin typeface="微軟正黑體" panose="020B0604030504040204" pitchFamily="34" charset="-120"/>
+                <a:ea typeface="微軟正黑體" panose="020B0604030504040204" pitchFamily="34" charset="-120"/>
+              </a:rPr>
+              <a:t>我們思考的方式是以，能夠運動又能夠賺取點數和減少垃圾為方向</a:t>
+            </a:r>
+            <a:r>
+              <a:rPr lang="zh-TW" altLang="en-US" sz="2400" dirty="0" smtClean="0">
+                <a:solidFill>
+                  <a:schemeClr val="tx1"/>
+                </a:solidFill>
+                <a:latin typeface="微軟正黑體" panose="020B0604030504040204" pitchFamily="34" charset="-120"/>
+                <a:ea typeface="微軟正黑體" panose="020B0604030504040204" pitchFamily="34" charset="-120"/>
+              </a:rPr>
+              <a:t>，回想</a:t>
+            </a:r>
+            <a:r>
+              <a:rPr lang="zh-TW" altLang="en-US" sz="2400" dirty="0">
+                <a:solidFill>
+                  <a:schemeClr val="tx1"/>
+                </a:solidFill>
+                <a:latin typeface="微軟正黑體" panose="020B0604030504040204" pitchFamily="34" charset="-120"/>
+                <a:ea typeface="微軟正黑體" panose="020B0604030504040204" pitchFamily="34" charset="-120"/>
+              </a:rPr>
+              <a:t>起如</a:t>
+            </a:r>
+            <a:r>
+              <a:rPr lang="en-US" altLang="zh-TW" sz="2400" dirty="0">
+                <a:solidFill>
+                  <a:schemeClr val="tx1"/>
+                </a:solidFill>
+                <a:latin typeface="微軟正黑體" panose="020B0604030504040204" pitchFamily="34" charset="-120"/>
+                <a:ea typeface="微軟正黑體" panose="020B0604030504040204" pitchFamily="34" charset="-120"/>
+              </a:rPr>
               <a:t>“</a:t>
             </a:r>
             <a:r>
-              <a:rPr lang="zh-CN" altLang="en-US" dirty="0"/>
+              <a:rPr lang="zh-CN" altLang="en-US" sz="2400" dirty="0">
+                <a:solidFill>
+                  <a:schemeClr val="tx1"/>
+                </a:solidFill>
+                <a:latin typeface="微軟正黑體" panose="020B0604030504040204" pitchFamily="34" charset="-120"/>
+                <a:ea typeface="微軟正黑體" panose="020B0604030504040204" pitchFamily="34" charset="-120"/>
+              </a:rPr>
               <a:t>寶可夢</a:t>
             </a:r>
             <a:r>
-              <a:rPr lang="en-US" altLang="zh-CN" dirty="0"/>
+              <a:rPr lang="en-US" altLang="zh-CN" sz="2400" dirty="0">
+                <a:solidFill>
+                  <a:schemeClr val="tx1"/>
+                </a:solidFill>
+                <a:latin typeface="微軟正黑體" panose="020B0604030504040204" pitchFamily="34" charset="-120"/>
+                <a:ea typeface="微軟正黑體" panose="020B0604030504040204" pitchFamily="34" charset="-120"/>
+              </a:rPr>
               <a:t>”</a:t>
             </a:r>
             <a:r>
-              <a:rPr lang="zh-CN" altLang="en-US" dirty="0"/>
-              <a:t>這類的遊戲，</a:t>
-            </a:r>
-            <a:endParaRPr lang="en-US" altLang="zh-CN" dirty="0"/>
-          </a:p>
-          <a:p>
-            <a:endParaRPr lang="en-US" altLang="zh-TW" dirty="0"/>
-          </a:p>
-          <a:p>
-            <a:r>
-              <a:rPr lang="zh-CN" altLang="en-US" dirty="0"/>
-              <a:t>如果大眾重遊戲的樂趣中來撿垃圾做環保為目的，還能夠換取優惠已達到促進消費力。</a:t>
-            </a:r>
-            <a:endParaRPr lang="en-US" altLang="zh-CN" dirty="0"/>
-          </a:p>
-          <a:p>
-            <a:endParaRPr lang="en-US" altLang="zh-TW" dirty="0"/>
-          </a:p>
-          <a:p>
-            <a:r>
-              <a:rPr lang="zh-CN" altLang="en-US" dirty="0"/>
-              <a:t>而大眾也會不亂丟垃圾，以回收垃圾跟撿垃圾的方式賺取點數或遊戲的成就之類的。</a:t>
-            </a:r>
-            <a:endParaRPr lang="en-US" altLang="zh-CN" dirty="0"/>
-          </a:p>
-          <a:p>
-            <a:endParaRPr lang="en-US" altLang="zh-CN" dirty="0"/>
-          </a:p>
-          <a:p>
-            <a:r>
-              <a:rPr lang="zh-CN" altLang="en-US" dirty="0"/>
+              <a:rPr lang="zh-CN" altLang="en-US" sz="2400" dirty="0">
+                <a:solidFill>
+                  <a:schemeClr val="tx1"/>
+                </a:solidFill>
+                <a:latin typeface="微軟正黑體" panose="020B0604030504040204" pitchFamily="34" charset="-120"/>
+                <a:ea typeface="微軟正黑體" panose="020B0604030504040204" pitchFamily="34" charset="-120"/>
+              </a:rPr>
+              <a:t>這類的</a:t>
+            </a:r>
+            <a:r>
+              <a:rPr lang="zh-CN" altLang="en-US" sz="2400" dirty="0" smtClean="0">
+                <a:solidFill>
+                  <a:schemeClr val="tx1"/>
+                </a:solidFill>
+                <a:latin typeface="微軟正黑體" panose="020B0604030504040204" pitchFamily="34" charset="-120"/>
+                <a:ea typeface="微軟正黑體" panose="020B0604030504040204" pitchFamily="34" charset="-120"/>
+              </a:rPr>
+              <a:t>遊戲</a:t>
+            </a:r>
+            <a:r>
+              <a:rPr lang="zh-TW" altLang="en-US" sz="2400" dirty="0" smtClean="0">
+                <a:solidFill>
+                  <a:schemeClr val="tx1"/>
+                </a:solidFill>
+                <a:latin typeface="微軟正黑體" panose="020B0604030504040204" pitchFamily="34" charset="-120"/>
+                <a:ea typeface="微軟正黑體" panose="020B0604030504040204" pitchFamily="34" charset="-120"/>
+              </a:rPr>
+              <a:t>。</a:t>
+            </a:r>
+            <a:endParaRPr lang="en-US" altLang="zh-TW" sz="2400" dirty="0" smtClean="0">
+              <a:solidFill>
+                <a:schemeClr val="tx1"/>
+              </a:solidFill>
+              <a:latin typeface="微軟正黑體" panose="020B0604030504040204" pitchFamily="34" charset="-120"/>
+              <a:ea typeface="微軟正黑體" panose="020B0604030504040204" pitchFamily="34" charset="-120"/>
+            </a:endParaRPr>
+          </a:p>
+          <a:p>
+            <a:endParaRPr lang="en-US" altLang="zh-TW" sz="2400" dirty="0">
+              <a:solidFill>
+                <a:schemeClr val="tx1"/>
+              </a:solidFill>
+              <a:latin typeface="微軟正黑體" panose="020B0604030504040204" pitchFamily="34" charset="-120"/>
+              <a:ea typeface="微軟正黑體" panose="020B0604030504040204" pitchFamily="34" charset="-120"/>
+            </a:endParaRPr>
+          </a:p>
+          <a:p>
+            <a:r>
+              <a:rPr lang="zh-CN" altLang="en-US" sz="2400" dirty="0">
+                <a:solidFill>
+                  <a:schemeClr val="tx1"/>
+                </a:solidFill>
+                <a:latin typeface="微軟正黑體" panose="020B0604030504040204" pitchFamily="34" charset="-120"/>
+                <a:ea typeface="微軟正黑體" panose="020B0604030504040204" pitchFamily="34" charset="-120"/>
+              </a:rPr>
+              <a:t>如果大眾重遊戲的樂趣中來撿垃圾做環保為目的，還能夠換取優惠已達到促進消費力</a:t>
+            </a:r>
+            <a:r>
+              <a:rPr lang="zh-CN" altLang="en-US" sz="2400" dirty="0" smtClean="0">
+                <a:solidFill>
+                  <a:schemeClr val="tx1"/>
+                </a:solidFill>
+                <a:latin typeface="微軟正黑體" panose="020B0604030504040204" pitchFamily="34" charset="-120"/>
+                <a:ea typeface="微軟正黑體" panose="020B0604030504040204" pitchFamily="34" charset="-120"/>
+              </a:rPr>
+              <a:t>。</a:t>
+            </a:r>
+            <a:endParaRPr lang="en-US" altLang="zh-CN" sz="2400" dirty="0" smtClean="0">
+              <a:solidFill>
+                <a:schemeClr val="tx1"/>
+              </a:solidFill>
+              <a:latin typeface="微軟正黑體" panose="020B0604030504040204" pitchFamily="34" charset="-120"/>
+              <a:ea typeface="微軟正黑體" panose="020B0604030504040204" pitchFamily="34" charset="-120"/>
+            </a:endParaRPr>
+          </a:p>
+          <a:p>
+            <a:endParaRPr lang="en-US" altLang="zh-TW" sz="2400" dirty="0">
+              <a:solidFill>
+                <a:schemeClr val="tx1"/>
+              </a:solidFill>
+              <a:latin typeface="微軟正黑體" panose="020B0604030504040204" pitchFamily="34" charset="-120"/>
+              <a:ea typeface="微軟正黑體" panose="020B0604030504040204" pitchFamily="34" charset="-120"/>
+            </a:endParaRPr>
+          </a:p>
+          <a:p>
+            <a:r>
+              <a:rPr lang="zh-CN" altLang="en-US" sz="2400" dirty="0">
+                <a:solidFill>
+                  <a:schemeClr val="tx1"/>
+                </a:solidFill>
+                <a:latin typeface="微軟正黑體" panose="020B0604030504040204" pitchFamily="34" charset="-120"/>
+                <a:ea typeface="微軟正黑體" panose="020B0604030504040204" pitchFamily="34" charset="-120"/>
+              </a:rPr>
+              <a:t>而大眾也會不亂丟垃圾，以回收垃圾跟撿垃圾的方式賺取點數或遊戲的成就之類</a:t>
+            </a:r>
+            <a:r>
+              <a:rPr lang="zh-CN" altLang="en-US" sz="2400" dirty="0" smtClean="0">
+                <a:solidFill>
+                  <a:schemeClr val="tx1"/>
+                </a:solidFill>
+                <a:latin typeface="微軟正黑體" panose="020B0604030504040204" pitchFamily="34" charset="-120"/>
+                <a:ea typeface="微軟正黑體" panose="020B0604030504040204" pitchFamily="34" charset="-120"/>
+              </a:rPr>
+              <a:t>的。</a:t>
+            </a:r>
+            <a:endParaRPr lang="en-US" altLang="zh-CN" sz="2400" dirty="0" smtClean="0">
+              <a:solidFill>
+                <a:schemeClr val="tx1"/>
+              </a:solidFill>
+              <a:latin typeface="微軟正黑體" panose="020B0604030504040204" pitchFamily="34" charset="-120"/>
+              <a:ea typeface="微軟正黑體" panose="020B0604030504040204" pitchFamily="34" charset="-120"/>
+            </a:endParaRPr>
+          </a:p>
+          <a:p>
+            <a:endParaRPr lang="en-US" altLang="zh-CN" sz="2400" dirty="0">
+              <a:solidFill>
+                <a:schemeClr val="tx1"/>
+              </a:solidFill>
+              <a:latin typeface="微軟正黑體" panose="020B0604030504040204" pitchFamily="34" charset="-120"/>
+              <a:ea typeface="微軟正黑體" panose="020B0604030504040204" pitchFamily="34" charset="-120"/>
+            </a:endParaRPr>
+          </a:p>
+          <a:p>
+            <a:r>
+              <a:rPr lang="zh-CN" altLang="en-US" sz="2400" dirty="0">
+                <a:solidFill>
+                  <a:schemeClr val="tx1"/>
+                </a:solidFill>
+                <a:latin typeface="微軟正黑體" panose="020B0604030504040204" pitchFamily="34" charset="-120"/>
+                <a:ea typeface="微軟正黑體" panose="020B0604030504040204" pitchFamily="34" charset="-120"/>
+              </a:rPr>
               <a:t>以排名、積分、成就方式來給予成就感。</a:t>
             </a:r>
-            <a:endParaRPr lang="en-US" altLang="zh-CN" dirty="0"/>
+            <a:endParaRPr lang="en-US" altLang="zh-CN" sz="2400" dirty="0">
+              <a:solidFill>
+                <a:schemeClr val="tx1"/>
+              </a:solidFill>
+              <a:latin typeface="微軟正黑體" panose="020B0604030504040204" pitchFamily="34" charset="-120"/>
+              <a:ea typeface="微軟正黑體" panose="020B0604030504040204" pitchFamily="34" charset="-120"/>
+            </a:endParaRPr>
           </a:p>
         </p:txBody>
       </p:sp>
     </p:spTree>
     <p:extLst>
       <p:ext uri="{BB962C8B-B14F-4D97-AF65-F5344CB8AC3E}">
-        <p14:creationId xmlns:p14="http://schemas.microsoft.com/office/powerpoint/2010/main" val="2320353188"/>
+        <p14:creationId xmlns:p14="http://schemas.microsoft.com/office/powerpoint/2010/main" val="22694496"/>
       </p:ext>
     </p:extLst>
   </p:cSld>
@@ -5932,7 +6196,7 @@
           <p:cNvPr id="2" name="標題 1">
             <a:extLst>
               <a:ext uri="{FF2B5EF4-FFF2-40B4-BE49-F238E27FC236}">
-                <a16:creationId xmlns:a16="http://schemas.microsoft.com/office/drawing/2014/main" id="{5672BF90-7484-4D1E-AFC1-B5C7864EA2E5}"/>
+                <a16:creationId xmlns:a16="http://schemas.microsoft.com/office/drawing/2014/main" xmlns="" id="{93769179-CC27-42AA-B3FA-22C4285134EF}"/>
               </a:ext>
             </a:extLst>
           </p:cNvPr>
@@ -5945,137 +6209,1135 @@
         </p:nvSpPr>
         <p:spPr>
           <a:xfrm>
-            <a:off x="4772592" y="0"/>
-            <a:ext cx="2646816" cy="1507067"/>
+            <a:off x="5320725" y="121297"/>
+            <a:ext cx="1550551" cy="1259633"/>
           </a:xfrm>
         </p:spPr>
         <p:txBody>
-          <a:bodyPr/>
+          <a:bodyPr>
+            <a:noAutofit/>
+          </a:bodyPr>
           <a:lstStyle/>
           <a:p>
-            <a:r>
-              <a:rPr lang="zh-TW" altLang="en-US" dirty="0"/>
-              <a:t>實作</a:t>
-            </a:r>
-            <a:r>
-              <a:rPr lang="en-US" altLang="zh-TW" dirty="0"/>
-              <a:t>(</a:t>
-            </a:r>
-            <a:r>
-              <a:rPr lang="zh-CN" altLang="en-US" dirty="0"/>
-              <a:t>硬體</a:t>
-            </a:r>
-            <a:r>
-              <a:rPr lang="en-US" altLang="zh-TW" dirty="0"/>
-              <a:t>)</a:t>
-            </a:r>
-            <a:r>
-              <a:rPr lang="zh-TW" altLang="en-US" dirty="0"/>
-              <a:t>：</a:t>
-            </a:r>
-          </a:p>
-        </p:txBody>
-      </p:sp>
-      <p:sp>
-        <p:nvSpPr>
-          <p:cNvPr id="3" name="內容版面配置區 2">
-            <a:extLst>
-              <a:ext uri="{FF2B5EF4-FFF2-40B4-BE49-F238E27FC236}">
-                <a16:creationId xmlns:a16="http://schemas.microsoft.com/office/drawing/2014/main" id="{CA513484-4225-4F1F-AB6C-B117C94DFBD3}"/>
-              </a:ext>
-            </a:extLst>
-          </p:cNvPr>
-          <p:cNvSpPr>
-            <a:spLocks noGrp="1"/>
-          </p:cNvSpPr>
-          <p:nvPr>
-            <p:ph idx="1"/>
-          </p:nvPr>
-        </p:nvSpPr>
-        <p:spPr>
+            <a:pPr algn="ctr"/>
+            <a:r>
+              <a:rPr lang="zh-TW" altLang="en-US" sz="5000" dirty="0"/>
+              <a:t>實</a:t>
+            </a:r>
+            <a:r>
+              <a:rPr lang="zh-TW" altLang="en-US" sz="5000" dirty="0" smtClean="0"/>
+              <a:t>作</a:t>
+            </a:r>
+            <a:endParaRPr lang="zh-TW" altLang="en-US" sz="5000" dirty="0"/>
+          </a:p>
+        </p:txBody>
+      </p:sp>
+      <p:grpSp>
+        <p:nvGrpSpPr>
+          <p:cNvPr id="5" name="群組 4"/>
+          <p:cNvGrpSpPr/>
+          <p:nvPr/>
+        </p:nvGrpSpPr>
+        <p:grpSpPr>
           <a:xfrm>
-            <a:off x="1828800" y="2038738"/>
-            <a:ext cx="8534400" cy="3615267"/>
+            <a:off x="2312231" y="1446366"/>
+            <a:ext cx="7567539" cy="4704760"/>
+            <a:chOff x="2171192" y="1327494"/>
+            <a:chExt cx="7567539" cy="4704760"/>
           </a:xfrm>
-        </p:spPr>
-        <p:txBody>
-          <a:bodyPr anchor="ctr"/>
-          <a:lstStyle/>
-          <a:p>
-            <a:r>
-              <a:rPr lang="zh-TW" altLang="en-US" dirty="0">
-                <a:solidFill>
-                  <a:schemeClr val="tx1"/>
-                </a:solidFill>
-              </a:rPr>
-              <a:t>透過簡單的激光裝置與光敏電阻做出一個裝置，能夠能把訊號讀出並經過適當地計算和演算計算出投入垃圾桶的件數，之後把信號轉換成樹莓派可以讀取的信號並傳送。</a:t>
-            </a:r>
-            <a:endParaRPr lang="en-US" altLang="zh-TW" dirty="0">
+        </p:grpSpPr>
+        <p:sp>
+          <p:nvSpPr>
+            <p:cNvPr id="6" name="矩形 5"/>
+            <p:cNvSpPr/>
+            <p:nvPr/>
+          </p:nvSpPr>
+          <p:spPr>
+            <a:xfrm>
+              <a:off x="5056440" y="3314319"/>
+              <a:ext cx="1837944" cy="914400"/>
+            </a:xfrm>
+            <a:prstGeom prst="rect">
+              <a:avLst/>
+            </a:prstGeom>
+          </p:spPr>
+          <p:style>
+            <a:lnRef idx="2">
+              <a:schemeClr val="accent1">
+                <a:shade val="50000"/>
+              </a:schemeClr>
+            </a:lnRef>
+            <a:fillRef idx="1">
+              <a:schemeClr val="accent1"/>
+            </a:fillRef>
+            <a:effectRef idx="0">
+              <a:schemeClr val="accent1"/>
+            </a:effectRef>
+            <a:fontRef idx="minor">
+              <a:schemeClr val="lt1"/>
+            </a:fontRef>
+          </p:style>
+          <p:txBody>
+            <a:bodyPr rtlCol="0" anchor="ctr"/>
+            <a:lstStyle/>
+            <a:p>
+              <a:pPr algn="ctr"/>
+              <a:r>
+                <a:rPr lang="zh-TW" altLang="en-US" dirty="0" smtClean="0"/>
+                <a:t>樹莓派</a:t>
+              </a:r>
+              <a:endParaRPr lang="zh-TW" altLang="en-US" dirty="0"/>
+            </a:p>
+          </p:txBody>
+        </p:sp>
+        <p:sp>
+          <p:nvSpPr>
+            <p:cNvPr id="7" name="矩形 6"/>
+            <p:cNvSpPr/>
+            <p:nvPr/>
+          </p:nvSpPr>
+          <p:spPr>
+            <a:xfrm>
+              <a:off x="5057886" y="1450910"/>
+              <a:ext cx="1837944" cy="914400"/>
+            </a:xfrm>
+            <a:prstGeom prst="rect">
+              <a:avLst/>
+            </a:prstGeom>
+          </p:spPr>
+          <p:style>
+            <a:lnRef idx="2">
+              <a:schemeClr val="accent1">
+                <a:shade val="50000"/>
+              </a:schemeClr>
+            </a:lnRef>
+            <a:fillRef idx="1">
+              <a:schemeClr val="accent1"/>
+            </a:fillRef>
+            <a:effectRef idx="0">
+              <a:schemeClr val="accent1"/>
+            </a:effectRef>
+            <a:fontRef idx="minor">
+              <a:schemeClr val="lt1"/>
+            </a:fontRef>
+          </p:style>
+          <p:txBody>
+            <a:bodyPr rtlCol="0" anchor="ctr"/>
+            <a:lstStyle/>
+            <a:p>
+              <a:pPr algn="ctr"/>
+              <a:r>
+                <a:rPr lang="en-US" altLang="zh-TW" dirty="0" smtClean="0"/>
+                <a:t>ARDUINO</a:t>
+              </a:r>
+              <a:endParaRPr lang="zh-TW" altLang="en-US" dirty="0"/>
+            </a:p>
+          </p:txBody>
+        </p:sp>
+        <p:sp>
+          <p:nvSpPr>
+            <p:cNvPr id="8" name="矩形 7"/>
+            <p:cNvSpPr/>
+            <p:nvPr/>
+          </p:nvSpPr>
+          <p:spPr>
+            <a:xfrm>
+              <a:off x="5061802" y="5117854"/>
+              <a:ext cx="1837944" cy="914400"/>
+            </a:xfrm>
+            <a:prstGeom prst="rect">
+              <a:avLst/>
+            </a:prstGeom>
+          </p:spPr>
+          <p:style>
+            <a:lnRef idx="2">
+              <a:schemeClr val="accent1">
+                <a:shade val="50000"/>
+              </a:schemeClr>
+            </a:lnRef>
+            <a:fillRef idx="1">
+              <a:schemeClr val="accent1"/>
+            </a:fillRef>
+            <a:effectRef idx="0">
+              <a:schemeClr val="accent1"/>
+            </a:effectRef>
+            <a:fontRef idx="minor">
+              <a:schemeClr val="lt1"/>
+            </a:fontRef>
+          </p:style>
+          <p:txBody>
+            <a:bodyPr rtlCol="0" anchor="ctr"/>
+            <a:lstStyle/>
+            <a:p>
+              <a:pPr algn="ctr"/>
+              <a:r>
+                <a:rPr lang="zh-TW" altLang="en-US" dirty="0" smtClean="0"/>
+                <a:t>個人</a:t>
+              </a:r>
+              <a:r>
+                <a:rPr lang="zh-TW" altLang="en-US" dirty="0"/>
+                <a:t>電腦</a:t>
+              </a:r>
+            </a:p>
+          </p:txBody>
+        </p:sp>
+        <p:grpSp>
+          <p:nvGrpSpPr>
+            <p:cNvPr id="9" name="群組 8"/>
+            <p:cNvGrpSpPr/>
+            <p:nvPr/>
+          </p:nvGrpSpPr>
+          <p:grpSpPr>
+            <a:xfrm>
+              <a:off x="5026570" y="2566870"/>
+              <a:ext cx="1912366" cy="587049"/>
+              <a:chOff x="7262688" y="2756732"/>
+              <a:chExt cx="1912366" cy="587049"/>
+            </a:xfrm>
+          </p:grpSpPr>
+          <p:cxnSp>
+            <p:nvCxnSpPr>
+              <p:cNvPr id="36" name="直線單箭頭接點 35"/>
+              <p:cNvCxnSpPr/>
+              <p:nvPr/>
+            </p:nvCxnSpPr>
+            <p:spPr>
+              <a:xfrm flipH="1">
+                <a:off x="8293338" y="2756732"/>
+                <a:ext cx="1" cy="587049"/>
+              </a:xfrm>
+              <a:prstGeom prst="straightConnector1">
+                <a:avLst/>
+              </a:prstGeom>
+              <a:ln w="101600">
+                <a:solidFill>
+                  <a:srgbClr val="FF7F00"/>
+                </a:solidFill>
+                <a:tailEnd type="triangle"/>
+              </a:ln>
+            </p:spPr>
+            <p:style>
+              <a:lnRef idx="1">
+                <a:schemeClr val="accent1"/>
+              </a:lnRef>
+              <a:fillRef idx="0">
+                <a:schemeClr val="accent1"/>
+              </a:fillRef>
+              <a:effectRef idx="0">
+                <a:schemeClr val="accent1"/>
+              </a:effectRef>
+              <a:fontRef idx="minor">
+                <a:schemeClr val="tx1"/>
+              </a:fontRef>
+            </p:style>
+          </p:cxnSp>
+          <p:sp>
+            <p:nvSpPr>
+              <p:cNvPr id="37" name="文字方塊 36"/>
+              <p:cNvSpPr txBox="1"/>
+              <p:nvPr/>
+            </p:nvSpPr>
+            <p:spPr>
+              <a:xfrm>
+                <a:off x="7262688" y="2799361"/>
+                <a:ext cx="877163" cy="369332"/>
+              </a:xfrm>
+              <a:prstGeom prst="rect">
+                <a:avLst/>
+              </a:prstGeom>
+              <a:noFill/>
+            </p:spPr>
+            <p:txBody>
+              <a:bodyPr wrap="square" rtlCol="0">
+                <a:spAutoFit/>
+              </a:bodyPr>
+              <a:lstStyle/>
+              <a:p>
+                <a:r>
+                  <a:rPr lang="zh-TW" altLang="en-US" dirty="0" smtClean="0"/>
+                  <a:t>單芯</a:t>
+                </a:r>
+                <a:r>
+                  <a:rPr lang="zh-TW" altLang="en-US" dirty="0"/>
+                  <a:t>線</a:t>
+                </a:r>
+              </a:p>
+            </p:txBody>
+          </p:sp>
+          <p:sp>
+            <p:nvSpPr>
+              <p:cNvPr id="38" name="文字方塊 37"/>
+              <p:cNvSpPr txBox="1"/>
+              <p:nvPr/>
+            </p:nvSpPr>
+            <p:spPr>
+              <a:xfrm>
+                <a:off x="8442960" y="2799361"/>
+                <a:ext cx="732094" cy="369332"/>
+              </a:xfrm>
+              <a:prstGeom prst="rect">
+                <a:avLst/>
+              </a:prstGeom>
+              <a:noFill/>
+            </p:spPr>
+            <p:txBody>
+              <a:bodyPr wrap="square" rtlCol="0">
+                <a:spAutoFit/>
+              </a:bodyPr>
+              <a:lstStyle/>
+              <a:p>
+                <a:r>
+                  <a:rPr lang="en-US" altLang="zh-TW" dirty="0" smtClean="0"/>
+                  <a:t>data</a:t>
+                </a:r>
+                <a:endParaRPr lang="zh-TW" altLang="en-US" dirty="0"/>
+              </a:p>
+            </p:txBody>
+          </p:sp>
+        </p:grpSp>
+        <p:grpSp>
+          <p:nvGrpSpPr>
+            <p:cNvPr id="10" name="群組 9"/>
+            <p:cNvGrpSpPr/>
+            <p:nvPr/>
+          </p:nvGrpSpPr>
+          <p:grpSpPr>
+            <a:xfrm>
+              <a:off x="5105647" y="4416815"/>
+              <a:ext cx="1991430" cy="587049"/>
+              <a:chOff x="7374366" y="2756732"/>
+              <a:chExt cx="1991430" cy="587049"/>
+            </a:xfrm>
+          </p:grpSpPr>
+          <p:cxnSp>
+            <p:nvCxnSpPr>
+              <p:cNvPr id="33" name="直線單箭頭接點 32"/>
+              <p:cNvCxnSpPr/>
+              <p:nvPr/>
+            </p:nvCxnSpPr>
+            <p:spPr>
+              <a:xfrm flipH="1">
+                <a:off x="8293338" y="2756732"/>
+                <a:ext cx="1" cy="587049"/>
+              </a:xfrm>
+              <a:prstGeom prst="straightConnector1">
+                <a:avLst/>
+              </a:prstGeom>
+              <a:ln w="101600">
+                <a:solidFill>
+                  <a:srgbClr val="FF7F00"/>
+                </a:solidFill>
+                <a:tailEnd type="triangle"/>
+              </a:ln>
+            </p:spPr>
+            <p:style>
+              <a:lnRef idx="1">
+                <a:schemeClr val="accent1"/>
+              </a:lnRef>
+              <a:fillRef idx="0">
+                <a:schemeClr val="accent1"/>
+              </a:fillRef>
+              <a:effectRef idx="0">
+                <a:schemeClr val="accent1"/>
+              </a:effectRef>
+              <a:fontRef idx="minor">
+                <a:schemeClr val="tx1"/>
+              </a:fontRef>
+            </p:style>
+          </p:cxnSp>
+          <p:sp>
+            <p:nvSpPr>
+              <p:cNvPr id="34" name="文字方塊 33"/>
+              <p:cNvSpPr txBox="1"/>
+              <p:nvPr/>
+            </p:nvSpPr>
+            <p:spPr>
+              <a:xfrm>
+                <a:off x="7374366" y="2799361"/>
+                <a:ext cx="776411" cy="369332"/>
+              </a:xfrm>
+              <a:prstGeom prst="rect">
+                <a:avLst/>
+              </a:prstGeom>
+              <a:noFill/>
+            </p:spPr>
+            <p:txBody>
+              <a:bodyPr wrap="square" rtlCol="0">
+                <a:spAutoFit/>
+              </a:bodyPr>
+              <a:lstStyle/>
+              <a:p>
+                <a:r>
+                  <a:rPr lang="en-US" altLang="zh-TW" dirty="0" smtClean="0"/>
+                  <a:t>route</a:t>
+                </a:r>
+                <a:endParaRPr lang="zh-TW" altLang="en-US" dirty="0"/>
+              </a:p>
+            </p:txBody>
+          </p:sp>
+          <p:sp>
+            <p:nvSpPr>
+              <p:cNvPr id="35" name="文字方塊 34"/>
+              <p:cNvSpPr txBox="1"/>
+              <p:nvPr/>
+            </p:nvSpPr>
+            <p:spPr>
+              <a:xfrm>
+                <a:off x="8442959" y="2799361"/>
+                <a:ext cx="922837" cy="369332"/>
+              </a:xfrm>
+              <a:prstGeom prst="rect">
+                <a:avLst/>
+              </a:prstGeom>
+              <a:noFill/>
+            </p:spPr>
+            <p:txBody>
+              <a:bodyPr wrap="square" rtlCol="0">
+                <a:spAutoFit/>
+              </a:bodyPr>
+              <a:lstStyle/>
+              <a:p>
+                <a:r>
+                  <a:rPr lang="en-US" altLang="zh-TW" dirty="0" smtClean="0"/>
+                  <a:t>socket</a:t>
+                </a:r>
+                <a:endParaRPr lang="zh-TW" altLang="en-US" dirty="0"/>
+              </a:p>
+            </p:txBody>
+          </p:sp>
+        </p:grpSp>
+        <p:grpSp>
+          <p:nvGrpSpPr>
+            <p:cNvPr id="11" name="群組 10"/>
+            <p:cNvGrpSpPr/>
+            <p:nvPr/>
+          </p:nvGrpSpPr>
+          <p:grpSpPr>
+            <a:xfrm rot="16200000">
+              <a:off x="4009696" y="1408912"/>
+              <a:ext cx="1112263" cy="949427"/>
+              <a:chOff x="7717206" y="2625571"/>
+              <a:chExt cx="1112263" cy="949427"/>
+            </a:xfrm>
+          </p:grpSpPr>
+          <p:cxnSp>
+            <p:nvCxnSpPr>
+              <p:cNvPr id="30" name="直線單箭頭接點 29"/>
+              <p:cNvCxnSpPr/>
+              <p:nvPr/>
+            </p:nvCxnSpPr>
+            <p:spPr>
+              <a:xfrm flipH="1">
+                <a:off x="8293338" y="2756732"/>
+                <a:ext cx="1" cy="587049"/>
+              </a:xfrm>
+              <a:prstGeom prst="straightConnector1">
+                <a:avLst/>
+              </a:prstGeom>
+              <a:ln w="101600">
+                <a:solidFill>
+                  <a:srgbClr val="FF7F00"/>
+                </a:solidFill>
+                <a:tailEnd type="triangle"/>
+              </a:ln>
+            </p:spPr>
+            <p:style>
+              <a:lnRef idx="1">
+                <a:schemeClr val="accent1"/>
+              </a:lnRef>
+              <a:fillRef idx="0">
+                <a:schemeClr val="accent1"/>
+              </a:fillRef>
+              <a:effectRef idx="0">
+                <a:schemeClr val="accent1"/>
+              </a:effectRef>
+              <a:fontRef idx="minor">
+                <a:schemeClr val="tx1"/>
+              </a:fontRef>
+            </p:style>
+          </p:cxnSp>
+          <p:sp>
+            <p:nvSpPr>
+              <p:cNvPr id="31" name="文字方塊 30"/>
+              <p:cNvSpPr txBox="1"/>
+              <p:nvPr/>
+            </p:nvSpPr>
+            <p:spPr>
+              <a:xfrm>
+                <a:off x="7717206" y="2698293"/>
+                <a:ext cx="461665" cy="803984"/>
+              </a:xfrm>
+              <a:prstGeom prst="rect">
+                <a:avLst/>
+              </a:prstGeom>
+              <a:noFill/>
+            </p:spPr>
+            <p:txBody>
+              <a:bodyPr vert="eaVert" wrap="square" rtlCol="0">
+                <a:spAutoFit/>
+              </a:bodyPr>
+              <a:lstStyle/>
+              <a:p>
+                <a:r>
+                  <a:rPr lang="zh-TW" altLang="en-US" dirty="0" smtClean="0"/>
+                  <a:t>單芯</a:t>
+                </a:r>
+                <a:r>
+                  <a:rPr lang="zh-TW" altLang="en-US" dirty="0"/>
+                  <a:t>線</a:t>
+                </a:r>
+              </a:p>
+            </p:txBody>
+          </p:sp>
+          <p:sp>
+            <p:nvSpPr>
+              <p:cNvPr id="32" name="文字方塊 31"/>
+              <p:cNvSpPr txBox="1"/>
+              <p:nvPr/>
+            </p:nvSpPr>
+            <p:spPr>
+              <a:xfrm>
+                <a:off x="8367804" y="2625571"/>
+                <a:ext cx="461665" cy="949427"/>
+              </a:xfrm>
+              <a:prstGeom prst="rect">
+                <a:avLst/>
+              </a:prstGeom>
+              <a:noFill/>
+            </p:spPr>
+            <p:txBody>
+              <a:bodyPr vert="eaVert" wrap="square" rtlCol="0">
+                <a:spAutoFit/>
+              </a:bodyPr>
+              <a:lstStyle/>
+              <a:p>
+                <a:r>
+                  <a:rPr lang="en-US" altLang="zh-TW" dirty="0" smtClean="0"/>
+                  <a:t>analog</a:t>
+                </a:r>
+                <a:endParaRPr lang="zh-TW" altLang="en-US" dirty="0"/>
+              </a:p>
+            </p:txBody>
+          </p:sp>
+        </p:grpSp>
+        <p:sp>
+          <p:nvSpPr>
+            <p:cNvPr id="12" name="矩形 11"/>
+            <p:cNvSpPr/>
+            <p:nvPr/>
+          </p:nvSpPr>
+          <p:spPr>
+            <a:xfrm>
+              <a:off x="2176453" y="1450910"/>
+              <a:ext cx="1837944" cy="914400"/>
+            </a:xfrm>
+            <a:prstGeom prst="rect">
+              <a:avLst/>
+            </a:prstGeom>
+          </p:spPr>
+          <p:style>
+            <a:lnRef idx="2">
+              <a:schemeClr val="accent1">
+                <a:shade val="50000"/>
+              </a:schemeClr>
+            </a:lnRef>
+            <a:fillRef idx="1">
+              <a:schemeClr val="accent1"/>
+            </a:fillRef>
+            <a:effectRef idx="0">
+              <a:schemeClr val="accent1"/>
+            </a:effectRef>
+            <a:fontRef idx="minor">
+              <a:schemeClr val="lt1"/>
+            </a:fontRef>
+          </p:style>
+          <p:txBody>
+            <a:bodyPr rtlCol="0" anchor="ctr"/>
+            <a:lstStyle/>
+            <a:p>
+              <a:pPr algn="ctr"/>
+              <a:r>
+                <a:rPr lang="zh-TW" altLang="en-US" dirty="0" smtClean="0"/>
+                <a:t>激光裝置</a:t>
+              </a:r>
+              <a:endParaRPr lang="en-US" altLang="zh-TW" dirty="0" smtClean="0"/>
+            </a:p>
+            <a:p>
+              <a:pPr algn="ctr"/>
+              <a:r>
+                <a:rPr lang="zh-TW" altLang="en-US" dirty="0" smtClean="0"/>
+                <a:t>光敏</a:t>
+              </a:r>
+              <a:r>
+                <a:rPr lang="zh-TW" altLang="en-US" dirty="0"/>
+                <a:t>電阻</a:t>
+              </a:r>
+            </a:p>
+          </p:txBody>
+        </p:sp>
+        <p:grpSp>
+          <p:nvGrpSpPr>
+            <p:cNvPr id="13" name="群組 12"/>
+            <p:cNvGrpSpPr/>
+            <p:nvPr/>
+          </p:nvGrpSpPr>
+          <p:grpSpPr>
+            <a:xfrm rot="16200000">
+              <a:off x="3986708" y="3348379"/>
+              <a:ext cx="1112264" cy="803984"/>
+              <a:chOff x="7717206" y="2698293"/>
+              <a:chExt cx="1112264" cy="803984"/>
+            </a:xfrm>
+          </p:grpSpPr>
+          <p:cxnSp>
+            <p:nvCxnSpPr>
+              <p:cNvPr id="27" name="直線單箭頭接點 26"/>
+              <p:cNvCxnSpPr/>
+              <p:nvPr/>
+            </p:nvCxnSpPr>
+            <p:spPr>
+              <a:xfrm flipH="1">
+                <a:off x="8293338" y="2756732"/>
+                <a:ext cx="1" cy="587049"/>
+              </a:xfrm>
+              <a:prstGeom prst="straightConnector1">
+                <a:avLst/>
+              </a:prstGeom>
+              <a:ln w="101600">
+                <a:solidFill>
+                  <a:srgbClr val="FF7F00"/>
+                </a:solidFill>
+                <a:tailEnd type="triangle"/>
+              </a:ln>
+            </p:spPr>
+            <p:style>
+              <a:lnRef idx="1">
+                <a:schemeClr val="accent1"/>
+              </a:lnRef>
+              <a:fillRef idx="0">
+                <a:schemeClr val="accent1"/>
+              </a:fillRef>
+              <a:effectRef idx="0">
+                <a:schemeClr val="accent1"/>
+              </a:effectRef>
+              <a:fontRef idx="minor">
+                <a:schemeClr val="tx1"/>
+              </a:fontRef>
+            </p:style>
+          </p:cxnSp>
+          <p:sp>
+            <p:nvSpPr>
+              <p:cNvPr id="28" name="文字方塊 27"/>
+              <p:cNvSpPr txBox="1"/>
+              <p:nvPr/>
+            </p:nvSpPr>
+            <p:spPr>
+              <a:xfrm>
+                <a:off x="7717206" y="2698293"/>
+                <a:ext cx="461665" cy="803984"/>
+              </a:xfrm>
+              <a:prstGeom prst="rect">
+                <a:avLst/>
+              </a:prstGeom>
+              <a:noFill/>
+            </p:spPr>
+            <p:txBody>
+              <a:bodyPr vert="eaVert" wrap="square" rtlCol="0">
+                <a:spAutoFit/>
+              </a:bodyPr>
+              <a:lstStyle/>
+              <a:p>
+                <a:r>
+                  <a:rPr lang="zh-TW" altLang="en-US" dirty="0" smtClean="0"/>
+                  <a:t>單芯</a:t>
+                </a:r>
+                <a:r>
+                  <a:rPr lang="zh-TW" altLang="en-US" dirty="0"/>
+                  <a:t>線</a:t>
+                </a:r>
+              </a:p>
+            </p:txBody>
+          </p:sp>
+          <p:sp>
+            <p:nvSpPr>
+              <p:cNvPr id="29" name="文字方塊 28"/>
+              <p:cNvSpPr txBox="1"/>
+              <p:nvPr/>
+            </p:nvSpPr>
+            <p:spPr>
+              <a:xfrm>
+                <a:off x="8367805" y="2710632"/>
+                <a:ext cx="461665" cy="779302"/>
+              </a:xfrm>
+              <a:prstGeom prst="rect">
+                <a:avLst/>
+              </a:prstGeom>
+              <a:noFill/>
+            </p:spPr>
+            <p:txBody>
+              <a:bodyPr vert="eaVert" wrap="square" rtlCol="0">
+                <a:spAutoFit/>
+              </a:bodyPr>
+              <a:lstStyle/>
+              <a:p>
+                <a:r>
+                  <a:rPr lang="en-US" altLang="zh-TW" dirty="0" smtClean="0"/>
+                  <a:t>digital</a:t>
+                </a:r>
+                <a:endParaRPr lang="zh-TW" altLang="en-US" dirty="0"/>
+              </a:p>
+            </p:txBody>
+          </p:sp>
+        </p:grpSp>
+        <p:sp>
+          <p:nvSpPr>
+            <p:cNvPr id="14" name="矩形 13"/>
+            <p:cNvSpPr/>
+            <p:nvPr/>
+          </p:nvSpPr>
+          <p:spPr>
+            <a:xfrm>
+              <a:off x="2171192" y="3314319"/>
+              <a:ext cx="1837944" cy="914400"/>
+            </a:xfrm>
+            <a:prstGeom prst="rect">
+              <a:avLst/>
+            </a:prstGeom>
+          </p:spPr>
+          <p:style>
+            <a:lnRef idx="2">
+              <a:schemeClr val="accent1">
+                <a:shade val="50000"/>
+              </a:schemeClr>
+            </a:lnRef>
+            <a:fillRef idx="1">
+              <a:schemeClr val="accent1"/>
+            </a:fillRef>
+            <a:effectRef idx="0">
+              <a:schemeClr val="accent1"/>
+            </a:effectRef>
+            <a:fontRef idx="minor">
+              <a:schemeClr val="lt1"/>
+            </a:fontRef>
+          </p:style>
+          <p:txBody>
+            <a:bodyPr rtlCol="0" anchor="ctr"/>
+            <a:lstStyle/>
+            <a:p>
+              <a:pPr algn="ctr"/>
+              <a:r>
+                <a:rPr lang="zh-TW" altLang="en-US" dirty="0" smtClean="0"/>
+                <a:t>按鈕裝</a:t>
+              </a:r>
+              <a:r>
+                <a:rPr lang="zh-TW" altLang="en-US" dirty="0"/>
+                <a:t>置</a:t>
+              </a:r>
+            </a:p>
+          </p:txBody>
+        </p:sp>
+        <p:sp>
+          <p:nvSpPr>
+            <p:cNvPr id="15" name="矩形 14"/>
+            <p:cNvSpPr/>
+            <p:nvPr/>
+          </p:nvSpPr>
+          <p:spPr>
+            <a:xfrm>
+              <a:off x="7895425" y="1450910"/>
+              <a:ext cx="1837944" cy="914400"/>
+            </a:xfrm>
+            <a:prstGeom prst="rect">
+              <a:avLst/>
+            </a:prstGeom>
+          </p:spPr>
+          <p:style>
+            <a:lnRef idx="2">
+              <a:schemeClr val="accent1">
+                <a:shade val="50000"/>
+              </a:schemeClr>
+            </a:lnRef>
+            <a:fillRef idx="1">
+              <a:schemeClr val="accent1"/>
+            </a:fillRef>
+            <a:effectRef idx="0">
+              <a:schemeClr val="accent1"/>
+            </a:effectRef>
+            <a:fontRef idx="minor">
+              <a:schemeClr val="lt1"/>
+            </a:fontRef>
+          </p:style>
+          <p:txBody>
+            <a:bodyPr rtlCol="0" anchor="ctr"/>
+            <a:lstStyle/>
+            <a:p>
+              <a:pPr algn="ctr"/>
+              <a:r>
+                <a:rPr lang="zh-TW" altLang="en-US" dirty="0"/>
+                <a:t>蜂鳴器</a:t>
+              </a:r>
+            </a:p>
+          </p:txBody>
+        </p:sp>
+        <p:grpSp>
+          <p:nvGrpSpPr>
+            <p:cNvPr id="16" name="群組 15"/>
+            <p:cNvGrpSpPr/>
+            <p:nvPr/>
+          </p:nvGrpSpPr>
+          <p:grpSpPr>
+            <a:xfrm>
+              <a:off x="6984686" y="1329796"/>
+              <a:ext cx="821554" cy="1111426"/>
+              <a:chOff x="7097128" y="1192464"/>
+              <a:chExt cx="821554" cy="1111426"/>
+            </a:xfrm>
+          </p:grpSpPr>
+          <p:cxnSp>
+            <p:nvCxnSpPr>
+              <p:cNvPr id="24" name="直線單箭頭接點 23"/>
+              <p:cNvCxnSpPr/>
+              <p:nvPr/>
+            </p:nvCxnSpPr>
+            <p:spPr>
+              <a:xfrm rot="16200000" flipH="1">
+                <a:off x="7504407" y="1453239"/>
+                <a:ext cx="1" cy="587049"/>
+              </a:xfrm>
+              <a:prstGeom prst="straightConnector1">
+                <a:avLst/>
+              </a:prstGeom>
+              <a:ln w="101600">
+                <a:solidFill>
+                  <a:srgbClr val="FF7F00"/>
+                </a:solidFill>
+                <a:tailEnd type="triangle"/>
+              </a:ln>
+            </p:spPr>
+            <p:style>
+              <a:lnRef idx="1">
+                <a:schemeClr val="accent1"/>
+              </a:lnRef>
+              <a:fillRef idx="0">
+                <a:schemeClr val="accent1"/>
+              </a:fillRef>
+              <a:effectRef idx="0">
+                <a:schemeClr val="accent1"/>
+              </a:effectRef>
+              <a:fontRef idx="minor">
+                <a:schemeClr val="tx1"/>
+              </a:fontRef>
+            </p:style>
+          </p:cxnSp>
+          <p:sp>
+            <p:nvSpPr>
+              <p:cNvPr id="25" name="文字方塊 24"/>
+              <p:cNvSpPr txBox="1"/>
+              <p:nvPr/>
+            </p:nvSpPr>
+            <p:spPr>
+              <a:xfrm rot="16200000">
+                <a:off x="7268287" y="1671066"/>
+                <a:ext cx="461665" cy="803984"/>
+              </a:xfrm>
+              <a:prstGeom prst="rect">
+                <a:avLst/>
+              </a:prstGeom>
+              <a:noFill/>
+            </p:spPr>
+            <p:txBody>
+              <a:bodyPr vert="eaVert" wrap="square" rtlCol="0">
+                <a:spAutoFit/>
+              </a:bodyPr>
+              <a:lstStyle/>
+              <a:p>
+                <a:r>
+                  <a:rPr lang="zh-TW" altLang="en-US" dirty="0" smtClean="0"/>
+                  <a:t>單芯</a:t>
+                </a:r>
+                <a:r>
+                  <a:rPr lang="zh-TW" altLang="en-US" dirty="0"/>
+                  <a:t>線</a:t>
+                </a:r>
+              </a:p>
+            </p:txBody>
+          </p:sp>
+          <p:sp>
+            <p:nvSpPr>
+              <p:cNvPr id="26" name="文字方塊 25"/>
+              <p:cNvSpPr txBox="1"/>
+              <p:nvPr/>
+            </p:nvSpPr>
+            <p:spPr>
+              <a:xfrm rot="16200000">
+                <a:off x="7277155" y="1012602"/>
+                <a:ext cx="461665" cy="821389"/>
+              </a:xfrm>
+              <a:prstGeom prst="rect">
+                <a:avLst/>
+              </a:prstGeom>
+              <a:noFill/>
+            </p:spPr>
+            <p:txBody>
+              <a:bodyPr vert="eaVert" wrap="square" rtlCol="0">
+                <a:spAutoFit/>
+              </a:bodyPr>
+              <a:lstStyle/>
+              <a:p>
+                <a:r>
+                  <a:rPr lang="en-US" altLang="zh-TW" dirty="0" smtClean="0"/>
+                  <a:t>digital</a:t>
+                </a:r>
+              </a:p>
+            </p:txBody>
+          </p:sp>
+        </p:grpSp>
+        <p:sp>
+          <p:nvSpPr>
+            <p:cNvPr id="17" name="矩形 16"/>
+            <p:cNvSpPr/>
+            <p:nvPr/>
+          </p:nvSpPr>
+          <p:spPr>
+            <a:xfrm>
+              <a:off x="7893979" y="3320369"/>
+              <a:ext cx="1837944" cy="914400"/>
+            </a:xfrm>
+            <a:prstGeom prst="rect">
+              <a:avLst/>
+            </a:prstGeom>
+          </p:spPr>
+          <p:style>
+            <a:lnRef idx="2">
+              <a:schemeClr val="accent1">
+                <a:shade val="50000"/>
+              </a:schemeClr>
+            </a:lnRef>
+            <a:fillRef idx="1">
+              <a:schemeClr val="accent1"/>
+            </a:fillRef>
+            <a:effectRef idx="0">
+              <a:schemeClr val="accent1"/>
+            </a:effectRef>
+            <a:fontRef idx="minor">
+              <a:schemeClr val="lt1"/>
+            </a:fontRef>
+          </p:style>
+          <p:txBody>
+            <a:bodyPr rtlCol="0" anchor="ctr"/>
+            <a:lstStyle/>
+            <a:p>
+              <a:pPr algn="ctr"/>
+              <a:r>
+                <a:rPr lang="en-US" altLang="zh-TW" dirty="0" smtClean="0"/>
+                <a:t>RGB</a:t>
+              </a:r>
+              <a:r>
+                <a:rPr lang="zh-TW" altLang="en-US" dirty="0" smtClean="0"/>
+                <a:t>裝置</a:t>
+              </a:r>
+              <a:endParaRPr lang="zh-TW" altLang="en-US" dirty="0"/>
+            </a:p>
+          </p:txBody>
+        </p:sp>
+        <p:grpSp>
+          <p:nvGrpSpPr>
+            <p:cNvPr id="18" name="群組 17"/>
+            <p:cNvGrpSpPr/>
+            <p:nvPr/>
+          </p:nvGrpSpPr>
+          <p:grpSpPr>
+            <a:xfrm>
+              <a:off x="6983322" y="3139574"/>
+              <a:ext cx="821554" cy="1111426"/>
+              <a:chOff x="7097128" y="1192464"/>
+              <a:chExt cx="821554" cy="1111426"/>
+            </a:xfrm>
+          </p:grpSpPr>
+          <p:cxnSp>
+            <p:nvCxnSpPr>
+              <p:cNvPr id="21" name="直線單箭頭接點 20"/>
+              <p:cNvCxnSpPr/>
+              <p:nvPr/>
+            </p:nvCxnSpPr>
+            <p:spPr>
+              <a:xfrm rot="16200000" flipH="1">
+                <a:off x="7504407" y="1453239"/>
+                <a:ext cx="1" cy="587049"/>
+              </a:xfrm>
+              <a:prstGeom prst="straightConnector1">
+                <a:avLst/>
+              </a:prstGeom>
+              <a:ln w="101600">
+                <a:solidFill>
+                  <a:srgbClr val="FF7F00"/>
+                </a:solidFill>
+                <a:tailEnd type="triangle"/>
+              </a:ln>
+            </p:spPr>
+            <p:style>
+              <a:lnRef idx="1">
+                <a:schemeClr val="accent1"/>
+              </a:lnRef>
+              <a:fillRef idx="0">
+                <a:schemeClr val="accent1"/>
+              </a:fillRef>
+              <a:effectRef idx="0">
+                <a:schemeClr val="accent1"/>
+              </a:effectRef>
+              <a:fontRef idx="minor">
+                <a:schemeClr val="tx1"/>
+              </a:fontRef>
+            </p:style>
+          </p:cxnSp>
+          <p:sp>
+            <p:nvSpPr>
+              <p:cNvPr id="22" name="文字方塊 21"/>
+              <p:cNvSpPr txBox="1"/>
+              <p:nvPr/>
+            </p:nvSpPr>
+            <p:spPr>
+              <a:xfrm rot="16200000">
+                <a:off x="7268287" y="1671066"/>
+                <a:ext cx="461665" cy="803984"/>
+              </a:xfrm>
+              <a:prstGeom prst="rect">
+                <a:avLst/>
+              </a:prstGeom>
+              <a:noFill/>
+            </p:spPr>
+            <p:txBody>
+              <a:bodyPr vert="eaVert" wrap="square" rtlCol="0">
+                <a:spAutoFit/>
+              </a:bodyPr>
+              <a:lstStyle/>
+              <a:p>
+                <a:r>
+                  <a:rPr lang="zh-TW" altLang="en-US" dirty="0" smtClean="0"/>
+                  <a:t>單芯</a:t>
+                </a:r>
+                <a:r>
+                  <a:rPr lang="zh-TW" altLang="en-US" dirty="0"/>
+                  <a:t>線</a:t>
+                </a:r>
+              </a:p>
+            </p:txBody>
+          </p:sp>
+          <p:sp>
+            <p:nvSpPr>
+              <p:cNvPr id="23" name="文字方塊 22"/>
+              <p:cNvSpPr txBox="1"/>
+              <p:nvPr/>
+            </p:nvSpPr>
+            <p:spPr>
+              <a:xfrm rot="16200000">
+                <a:off x="7277155" y="1012602"/>
+                <a:ext cx="461665" cy="821389"/>
+              </a:xfrm>
+              <a:prstGeom prst="rect">
+                <a:avLst/>
+              </a:prstGeom>
+              <a:noFill/>
+            </p:spPr>
+            <p:txBody>
+              <a:bodyPr vert="eaVert" wrap="square" rtlCol="0">
+                <a:spAutoFit/>
+              </a:bodyPr>
+              <a:lstStyle/>
+              <a:p>
+                <a:r>
+                  <a:rPr lang="en-US" altLang="zh-TW" dirty="0" smtClean="0"/>
+                  <a:t>digital</a:t>
+                </a:r>
+              </a:p>
+            </p:txBody>
+          </p:sp>
+        </p:grpSp>
+        <p:sp>
+          <p:nvSpPr>
+            <p:cNvPr id="19" name="矩形 18"/>
+            <p:cNvSpPr/>
+            <p:nvPr/>
+          </p:nvSpPr>
+          <p:spPr>
+            <a:xfrm>
+              <a:off x="7900787" y="5113039"/>
+              <a:ext cx="1837944" cy="914400"/>
+            </a:xfrm>
+            <a:prstGeom prst="rect">
+              <a:avLst/>
+            </a:prstGeom>
+          </p:spPr>
+          <p:style>
+            <a:lnRef idx="2">
+              <a:schemeClr val="accent1">
+                <a:shade val="50000"/>
+              </a:schemeClr>
+            </a:lnRef>
+            <a:fillRef idx="1">
+              <a:schemeClr val="accent1"/>
+            </a:fillRef>
+            <a:effectRef idx="0">
+              <a:schemeClr val="accent1"/>
+            </a:effectRef>
+            <a:fontRef idx="minor">
+              <a:schemeClr val="lt1"/>
+            </a:fontRef>
+          </p:style>
+          <p:txBody>
+            <a:bodyPr rtlCol="0" anchor="ctr"/>
+            <a:lstStyle/>
+            <a:p>
+              <a:pPr algn="ctr"/>
+              <a:r>
+                <a:rPr lang="en-US" altLang="zh-TW" dirty="0" smtClean="0"/>
+                <a:t>database</a:t>
+              </a:r>
+              <a:endParaRPr lang="zh-TW" altLang="en-US" dirty="0"/>
+            </a:p>
+          </p:txBody>
+        </p:sp>
+        <p:cxnSp>
+          <p:nvCxnSpPr>
+            <p:cNvPr id="20" name="直線單箭頭接點 19"/>
+            <p:cNvCxnSpPr/>
+            <p:nvPr/>
+          </p:nvCxnSpPr>
+          <p:spPr>
+            <a:xfrm rot="16200000" flipH="1">
+              <a:off x="7500507" y="5260591"/>
+              <a:ext cx="1" cy="587049"/>
+            </a:xfrm>
+            <a:prstGeom prst="straightConnector1">
+              <a:avLst/>
+            </a:prstGeom>
+            <a:ln w="101600">
               <a:solidFill>
-                <a:schemeClr val="tx1"/>
+                <a:srgbClr val="FF7F00"/>
               </a:solidFill>
-            </a:endParaRPr>
-          </a:p>
-          <a:p>
-            <a:endParaRPr lang="en-US" altLang="zh-TW" dirty="0">
-              <a:solidFill>
-                <a:schemeClr val="tx1"/>
-              </a:solidFill>
-            </a:endParaRPr>
-          </a:p>
-          <a:p>
-            <a:r>
-              <a:rPr lang="zh-TW" altLang="en-US" dirty="0">
-                <a:solidFill>
-                  <a:schemeClr val="tx1"/>
-                </a:solidFill>
-              </a:rPr>
-              <a:t>樹莓派接收到訊號後，將信號處理之後用</a:t>
-            </a:r>
-            <a:r>
-              <a:rPr lang="en-US" altLang="zh-TW" dirty="0">
-                <a:solidFill>
-                  <a:schemeClr val="tx1"/>
-                </a:solidFill>
-              </a:rPr>
-              <a:t>Socket</a:t>
-            </a:r>
-            <a:r>
-              <a:rPr lang="zh-CN" altLang="en-US" dirty="0">
-                <a:solidFill>
-                  <a:schemeClr val="tx1"/>
-                </a:solidFill>
-              </a:rPr>
-              <a:t>的網路協定傳送給</a:t>
-            </a:r>
-            <a:r>
-              <a:rPr lang="en-US" altLang="zh-CN" dirty="0">
-                <a:solidFill>
-                  <a:schemeClr val="tx1"/>
-                </a:solidFill>
-              </a:rPr>
-              <a:t>Server</a:t>
-            </a:r>
-            <a:r>
-              <a:rPr lang="zh-CN" altLang="en-US" dirty="0">
-                <a:solidFill>
-                  <a:schemeClr val="tx1"/>
-                </a:solidFill>
-              </a:rPr>
-              <a:t>端並統計數量。</a:t>
-            </a:r>
-            <a:endParaRPr lang="zh-TW" altLang="en-US" dirty="0">
-              <a:solidFill>
-                <a:schemeClr val="tx1"/>
-              </a:solidFill>
-            </a:endParaRPr>
-          </a:p>
-        </p:txBody>
-      </p:sp>
+              <a:tailEnd type="triangle"/>
+            </a:ln>
+          </p:spPr>
+          <p:style>
+            <a:lnRef idx="1">
+              <a:schemeClr val="accent1"/>
+            </a:lnRef>
+            <a:fillRef idx="0">
+              <a:schemeClr val="accent1"/>
+            </a:fillRef>
+            <a:effectRef idx="0">
+              <a:schemeClr val="accent1"/>
+            </a:effectRef>
+            <a:fontRef idx="minor">
+              <a:schemeClr val="tx1"/>
+            </a:fontRef>
+          </p:style>
+        </p:cxnSp>
+      </p:grpSp>
     </p:spTree>
     <p:extLst>
       <p:ext uri="{BB962C8B-B14F-4D97-AF65-F5344CB8AC3E}">
-        <p14:creationId xmlns:p14="http://schemas.microsoft.com/office/powerpoint/2010/main" val="1698240755"/>
+        <p14:creationId xmlns:p14="http://schemas.microsoft.com/office/powerpoint/2010/main" val="2731934383"/>
       </p:ext>
     </p:extLst>
   </p:cSld>
@@ -6107,7 +7369,7 @@
           <p:cNvPr id="2" name="標題 1">
             <a:extLst>
               <a:ext uri="{FF2B5EF4-FFF2-40B4-BE49-F238E27FC236}">
-                <a16:creationId xmlns:a16="http://schemas.microsoft.com/office/drawing/2014/main" id="{BF6284AD-0379-4797-9AB8-F457A2FBD822}"/>
+                <a16:creationId xmlns:a16="http://schemas.microsoft.com/office/drawing/2014/main" xmlns="" id="{5672BF90-7484-4D1E-AFC1-B5C7864EA2E5}"/>
               </a:ext>
             </a:extLst>
           </p:cNvPr>
@@ -6120,41 +7382,370 @@
         </p:nvSpPr>
         <p:spPr>
           <a:xfrm>
-            <a:off x="4614757" y="0"/>
-            <a:ext cx="2962486" cy="1372293"/>
+            <a:off x="5285831" y="0"/>
+            <a:ext cx="1620338" cy="1507067"/>
           </a:xfrm>
         </p:spPr>
         <p:txBody>
-          <a:bodyPr/>
+          <a:bodyPr>
+            <a:noAutofit/>
+          </a:bodyPr>
           <a:lstStyle/>
           <a:p>
-            <a:r>
-              <a:rPr lang="zh-TW" altLang="en-US" dirty="0"/>
-              <a:t>實作</a:t>
-            </a:r>
-            <a:r>
-              <a:rPr lang="en-US" altLang="zh-TW" dirty="0"/>
-              <a:t>(</a:t>
-            </a:r>
-            <a:r>
-              <a:rPr lang="zh-CN" altLang="en-US" dirty="0"/>
-              <a:t>軟體</a:t>
-            </a:r>
-            <a:r>
-              <a:rPr lang="en-US" altLang="zh-TW" dirty="0"/>
-              <a:t>)</a:t>
-            </a:r>
-            <a:r>
-              <a:rPr lang="zh-TW" altLang="en-US" dirty="0"/>
-              <a:t>：</a:t>
-            </a:r>
+            <a:pPr algn="ctr"/>
+            <a:r>
+              <a:rPr lang="zh-TW" altLang="en-US" sz="5000" dirty="0"/>
+              <a:t>實</a:t>
+            </a:r>
+            <a:r>
+              <a:rPr lang="zh-TW" altLang="en-US" sz="5000" dirty="0" smtClean="0"/>
+              <a:t>作</a:t>
+            </a:r>
+            <a:endParaRPr lang="zh-TW" altLang="en-US" sz="5000" dirty="0"/>
+          </a:p>
+        </p:txBody>
+      </p:sp>
+      <p:sp>
+        <p:nvSpPr>
+          <p:cNvPr id="3" name="內容版面配置區 2">
+            <a:extLst>
+              <a:ext uri="{FF2B5EF4-FFF2-40B4-BE49-F238E27FC236}">
+                <a16:creationId xmlns:a16="http://schemas.microsoft.com/office/drawing/2014/main" xmlns="" id="{CA513484-4225-4F1F-AB6C-B117C94DFBD3}"/>
+              </a:ext>
+            </a:extLst>
+          </p:cNvPr>
+          <p:cNvSpPr>
+            <a:spLocks noGrp="1"/>
+          </p:cNvSpPr>
+          <p:nvPr>
+            <p:ph idx="1"/>
+          </p:nvPr>
+        </p:nvSpPr>
+        <p:spPr>
+          <a:xfrm>
+            <a:off x="1828800" y="2038738"/>
+            <a:ext cx="8534400" cy="3615267"/>
+          </a:xfrm>
+        </p:spPr>
+        <p:txBody>
+          <a:bodyPr anchor="ctr">
+            <a:normAutofit/>
+          </a:bodyPr>
+          <a:lstStyle/>
+          <a:p>
+            <a:pPr>
+              <a:spcAft>
+                <a:spcPts val="0"/>
+              </a:spcAft>
+            </a:pPr>
+            <a:r>
+              <a:rPr lang="zh-TW" altLang="en-US" sz="2400" dirty="0" smtClean="0">
+                <a:solidFill>
+                  <a:schemeClr val="tx1"/>
+                </a:solidFill>
+                <a:latin typeface="微軟正黑體" panose="020B0604030504040204" pitchFamily="34" charset="-120"/>
+                <a:ea typeface="微軟正黑體" panose="020B0604030504040204" pitchFamily="34" charset="-120"/>
+              </a:rPr>
+              <a:t>透過激</a:t>
+            </a:r>
+            <a:r>
+              <a:rPr lang="zh-TW" altLang="en-US" sz="2400" dirty="0">
+                <a:solidFill>
+                  <a:schemeClr val="tx1"/>
+                </a:solidFill>
+                <a:latin typeface="微軟正黑體" panose="020B0604030504040204" pitchFamily="34" charset="-120"/>
+                <a:ea typeface="微軟正黑體" panose="020B0604030504040204" pitchFamily="34" charset="-120"/>
+              </a:rPr>
+              <a:t>光</a:t>
+            </a:r>
+            <a:r>
+              <a:rPr lang="zh-TW" altLang="en-US" sz="2400" dirty="0" smtClean="0">
+                <a:solidFill>
+                  <a:schemeClr val="tx1"/>
+                </a:solidFill>
+                <a:latin typeface="微軟正黑體" panose="020B0604030504040204" pitchFamily="34" charset="-120"/>
+                <a:ea typeface="微軟正黑體" panose="020B0604030504040204" pitchFamily="34" charset="-120"/>
+              </a:rPr>
+              <a:t>裝置和光</a:t>
+            </a:r>
+            <a:r>
+              <a:rPr lang="zh-TW" altLang="en-US" sz="2400" dirty="0">
+                <a:solidFill>
+                  <a:schemeClr val="tx1"/>
+                </a:solidFill>
+                <a:latin typeface="微軟正黑體" panose="020B0604030504040204" pitchFamily="34" charset="-120"/>
+                <a:ea typeface="微軟正黑體" panose="020B0604030504040204" pitchFamily="34" charset="-120"/>
+              </a:rPr>
+              <a:t>敏電阻做出一個裝置，能夠能把</a:t>
+            </a:r>
+            <a:r>
+              <a:rPr lang="zh-TW" altLang="en-US" sz="2400" dirty="0" smtClean="0">
+                <a:solidFill>
+                  <a:schemeClr val="tx1"/>
+                </a:solidFill>
+                <a:latin typeface="微軟正黑體" panose="020B0604030504040204" pitchFamily="34" charset="-120"/>
+                <a:ea typeface="微軟正黑體" panose="020B0604030504040204" pitchFamily="34" charset="-120"/>
+              </a:rPr>
+              <a:t>訊號讀出</a:t>
+            </a:r>
+            <a:endParaRPr lang="en-US" altLang="zh-TW" sz="2400" dirty="0" smtClean="0">
+              <a:solidFill>
+                <a:schemeClr val="tx1"/>
+              </a:solidFill>
+              <a:latin typeface="微軟正黑體" panose="020B0604030504040204" pitchFamily="34" charset="-120"/>
+              <a:ea typeface="微軟正黑體" panose="020B0604030504040204" pitchFamily="34" charset="-120"/>
+            </a:endParaRPr>
+          </a:p>
+          <a:p>
+            <a:pPr marL="0" indent="0">
+              <a:spcAft>
+                <a:spcPts val="0"/>
+              </a:spcAft>
+              <a:buNone/>
+            </a:pPr>
+            <a:r>
+              <a:rPr lang="zh-TW" altLang="en-US" sz="2400" dirty="0" smtClean="0">
+                <a:solidFill>
+                  <a:schemeClr val="tx1"/>
+                </a:solidFill>
+                <a:latin typeface="微軟正黑體" panose="020B0604030504040204" pitchFamily="34" charset="-120"/>
+                <a:ea typeface="微軟正黑體" panose="020B0604030504040204" pitchFamily="34" charset="-120"/>
+              </a:rPr>
+              <a:t>    並</a:t>
+            </a:r>
+            <a:r>
+              <a:rPr lang="zh-TW" altLang="en-US" sz="2400" dirty="0">
+                <a:solidFill>
+                  <a:schemeClr val="tx1"/>
+                </a:solidFill>
+                <a:latin typeface="微軟正黑體" panose="020B0604030504040204" pitchFamily="34" charset="-120"/>
+                <a:ea typeface="微軟正黑體" panose="020B0604030504040204" pitchFamily="34" charset="-120"/>
+              </a:rPr>
+              <a:t>經過適當</a:t>
+            </a:r>
+            <a:r>
+              <a:rPr lang="zh-TW" altLang="en-US" sz="2400" dirty="0">
+                <a:solidFill>
+                  <a:schemeClr val="tx1"/>
+                </a:solidFill>
+                <a:latin typeface="微軟正黑體" panose="020B0604030504040204" pitchFamily="34" charset="-120"/>
+              </a:rPr>
+              <a:t>地演算法演算出</a:t>
+            </a:r>
+            <a:r>
+              <a:rPr lang="zh-TW" altLang="en-US" sz="2400" dirty="0">
+                <a:solidFill>
+                  <a:schemeClr val="tx1"/>
+                </a:solidFill>
+                <a:latin typeface="微軟正黑體" panose="020B0604030504040204" pitchFamily="34" charset="-120"/>
+                <a:ea typeface="微軟正黑體" panose="020B0604030504040204" pitchFamily="34" charset="-120"/>
+              </a:rPr>
+              <a:t>投入垃圾桶的件數</a:t>
+            </a:r>
+            <a:r>
+              <a:rPr lang="zh-TW" altLang="en-US" sz="2400" dirty="0" smtClean="0">
+                <a:solidFill>
+                  <a:schemeClr val="tx1"/>
+                </a:solidFill>
+                <a:latin typeface="微軟正黑體" panose="020B0604030504040204" pitchFamily="34" charset="-120"/>
+                <a:ea typeface="微軟正黑體" panose="020B0604030504040204" pitchFamily="34" charset="-120"/>
+              </a:rPr>
+              <a:t>，之後把信號</a:t>
+            </a:r>
+            <a:endParaRPr lang="en-US" altLang="zh-TW" sz="2400" dirty="0" smtClean="0">
+              <a:solidFill>
+                <a:schemeClr val="tx1"/>
+              </a:solidFill>
+              <a:latin typeface="微軟正黑體" panose="020B0604030504040204" pitchFamily="34" charset="-120"/>
+              <a:ea typeface="微軟正黑體" panose="020B0604030504040204" pitchFamily="34" charset="-120"/>
+            </a:endParaRPr>
+          </a:p>
+          <a:p>
+            <a:pPr marL="0" indent="0">
+              <a:spcAft>
+                <a:spcPts val="0"/>
+              </a:spcAft>
+              <a:buNone/>
+            </a:pPr>
+            <a:r>
+              <a:rPr lang="zh-TW" altLang="en-US" sz="2400" dirty="0">
+                <a:solidFill>
+                  <a:schemeClr val="tx1"/>
+                </a:solidFill>
+                <a:latin typeface="微軟正黑體" panose="020B0604030504040204" pitchFamily="34" charset="-120"/>
+                <a:ea typeface="微軟正黑體" panose="020B0604030504040204" pitchFamily="34" charset="-120"/>
+              </a:rPr>
+              <a:t> </a:t>
+            </a:r>
+            <a:r>
+              <a:rPr lang="zh-TW" altLang="en-US" sz="2400" dirty="0" smtClean="0">
+                <a:solidFill>
+                  <a:schemeClr val="tx1"/>
+                </a:solidFill>
+                <a:latin typeface="微軟正黑體" panose="020B0604030504040204" pitchFamily="34" charset="-120"/>
+                <a:ea typeface="微軟正黑體" panose="020B0604030504040204" pitchFamily="34" charset="-120"/>
+              </a:rPr>
+              <a:t>   轉換</a:t>
+            </a:r>
+            <a:r>
+              <a:rPr lang="zh-TW" altLang="en-US" sz="2400" dirty="0">
+                <a:solidFill>
+                  <a:schemeClr val="tx1"/>
+                </a:solidFill>
+                <a:latin typeface="微軟正黑體" panose="020B0604030504040204" pitchFamily="34" charset="-120"/>
+                <a:ea typeface="微軟正黑體" panose="020B0604030504040204" pitchFamily="34" charset="-120"/>
+              </a:rPr>
+              <a:t>成樹莓派可以讀取的信號並傳送。</a:t>
+            </a:r>
+            <a:endParaRPr lang="en-US" altLang="zh-TW" sz="2400" dirty="0">
+              <a:solidFill>
+                <a:schemeClr val="tx1"/>
+              </a:solidFill>
+              <a:latin typeface="微軟正黑體" panose="020B0604030504040204" pitchFamily="34" charset="-120"/>
+              <a:ea typeface="微軟正黑體" panose="020B0604030504040204" pitchFamily="34" charset="-120"/>
+            </a:endParaRPr>
+          </a:p>
+          <a:p>
+            <a:endParaRPr lang="en-US" altLang="zh-TW" sz="2400" dirty="0">
+              <a:solidFill>
+                <a:schemeClr val="tx1"/>
+              </a:solidFill>
+              <a:latin typeface="微軟正黑體" panose="020B0604030504040204" pitchFamily="34" charset="-120"/>
+              <a:ea typeface="微軟正黑體" panose="020B0604030504040204" pitchFamily="34" charset="-120"/>
+            </a:endParaRPr>
+          </a:p>
+          <a:p>
+            <a:pPr>
+              <a:spcAft>
+                <a:spcPts val="0"/>
+              </a:spcAft>
+            </a:pPr>
+            <a:r>
+              <a:rPr lang="zh-TW" altLang="en-US" sz="2400" dirty="0">
+                <a:solidFill>
+                  <a:schemeClr val="tx1"/>
+                </a:solidFill>
+                <a:latin typeface="微軟正黑體" panose="020B0604030504040204" pitchFamily="34" charset="-120"/>
+                <a:ea typeface="微軟正黑體" panose="020B0604030504040204" pitchFamily="34" charset="-120"/>
+              </a:rPr>
+              <a:t>樹莓派接收到訊號後，將信號處理之後用</a:t>
+            </a:r>
+            <a:r>
+              <a:rPr lang="en-US" altLang="zh-TW" sz="2400" dirty="0">
+                <a:solidFill>
+                  <a:schemeClr val="tx1"/>
+                </a:solidFill>
+                <a:latin typeface="微軟正黑體" panose="020B0604030504040204" pitchFamily="34" charset="-120"/>
+                <a:ea typeface="微軟正黑體" panose="020B0604030504040204" pitchFamily="34" charset="-120"/>
+              </a:rPr>
+              <a:t>Socket</a:t>
+            </a:r>
+            <a:r>
+              <a:rPr lang="zh-CN" altLang="en-US" sz="2400" dirty="0">
+                <a:solidFill>
+                  <a:schemeClr val="tx1"/>
+                </a:solidFill>
+                <a:latin typeface="微軟正黑體" panose="020B0604030504040204" pitchFamily="34" charset="-120"/>
+                <a:ea typeface="微軟正黑體" panose="020B0604030504040204" pitchFamily="34" charset="-120"/>
+              </a:rPr>
+              <a:t>的網路</a:t>
+            </a:r>
+            <a:r>
+              <a:rPr lang="zh-CN" altLang="en-US" sz="2400" dirty="0" smtClean="0">
+                <a:solidFill>
+                  <a:schemeClr val="tx1"/>
+                </a:solidFill>
+                <a:latin typeface="微軟正黑體" panose="020B0604030504040204" pitchFamily="34" charset="-120"/>
+                <a:ea typeface="微軟正黑體" panose="020B0604030504040204" pitchFamily="34" charset="-120"/>
+              </a:rPr>
+              <a:t>協定</a:t>
+            </a:r>
+            <a:endParaRPr lang="en-US" altLang="zh-CN" sz="2400" dirty="0" smtClean="0">
+              <a:solidFill>
+                <a:schemeClr val="tx1"/>
+              </a:solidFill>
+              <a:latin typeface="微軟正黑體" panose="020B0604030504040204" pitchFamily="34" charset="-120"/>
+              <a:ea typeface="微軟正黑體" panose="020B0604030504040204" pitchFamily="34" charset="-120"/>
+            </a:endParaRPr>
+          </a:p>
+          <a:p>
+            <a:pPr marL="0" indent="0">
+              <a:buNone/>
+            </a:pPr>
+            <a:r>
+              <a:rPr lang="zh-TW" altLang="en-US" sz="2400" dirty="0">
+                <a:solidFill>
+                  <a:schemeClr val="tx1"/>
+                </a:solidFill>
+                <a:latin typeface="微軟正黑體" panose="020B0604030504040204" pitchFamily="34" charset="-120"/>
+                <a:ea typeface="微軟正黑體" panose="020B0604030504040204" pitchFamily="34" charset="-120"/>
+              </a:rPr>
+              <a:t> </a:t>
+            </a:r>
+            <a:r>
+              <a:rPr lang="zh-TW" altLang="en-US" sz="2400" dirty="0" smtClean="0">
+                <a:solidFill>
+                  <a:schemeClr val="tx1"/>
+                </a:solidFill>
+                <a:latin typeface="微軟正黑體" panose="020B0604030504040204" pitchFamily="34" charset="-120"/>
+                <a:ea typeface="微軟正黑體" panose="020B0604030504040204" pitchFamily="34" charset="-120"/>
+              </a:rPr>
+              <a:t>   </a:t>
+            </a:r>
+            <a:r>
+              <a:rPr lang="zh-CN" altLang="en-US" sz="2400" dirty="0" smtClean="0">
+                <a:solidFill>
+                  <a:schemeClr val="tx1"/>
+                </a:solidFill>
+                <a:latin typeface="微軟正黑體" panose="020B0604030504040204" pitchFamily="34" charset="-120"/>
+                <a:ea typeface="微軟正黑體" panose="020B0604030504040204" pitchFamily="34" charset="-120"/>
+              </a:rPr>
+              <a:t>傳送</a:t>
+            </a:r>
+            <a:r>
+              <a:rPr lang="zh-CN" altLang="en-US" sz="2400" dirty="0">
+                <a:solidFill>
+                  <a:schemeClr val="tx1"/>
+                </a:solidFill>
+                <a:latin typeface="微軟正黑體" panose="020B0604030504040204" pitchFamily="34" charset="-120"/>
+                <a:ea typeface="微軟正黑體" panose="020B0604030504040204" pitchFamily="34" charset="-120"/>
+              </a:rPr>
+              <a:t>給</a:t>
+            </a:r>
+            <a:r>
+              <a:rPr lang="en-US" altLang="zh-CN" sz="2400" dirty="0">
+                <a:solidFill>
+                  <a:schemeClr val="tx1"/>
+                </a:solidFill>
+                <a:latin typeface="微軟正黑體" panose="020B0604030504040204" pitchFamily="34" charset="-120"/>
+                <a:ea typeface="微軟正黑體" panose="020B0604030504040204" pitchFamily="34" charset="-120"/>
+              </a:rPr>
+              <a:t>Server</a:t>
+            </a:r>
+            <a:r>
+              <a:rPr lang="zh-CN" altLang="en-US" sz="2400" dirty="0">
+                <a:solidFill>
+                  <a:schemeClr val="tx1"/>
+                </a:solidFill>
+                <a:latin typeface="微軟正黑體" panose="020B0604030504040204" pitchFamily="34" charset="-120"/>
+                <a:ea typeface="微軟正黑體" panose="020B0604030504040204" pitchFamily="34" charset="-120"/>
+              </a:rPr>
+              <a:t>端並統計數量。</a:t>
+            </a:r>
+            <a:endParaRPr lang="zh-TW" altLang="en-US" sz="2400" dirty="0">
+              <a:solidFill>
+                <a:schemeClr val="tx1"/>
+              </a:solidFill>
+              <a:latin typeface="微軟正黑體" panose="020B0604030504040204" pitchFamily="34" charset="-120"/>
+              <a:ea typeface="微軟正黑體" panose="020B0604030504040204" pitchFamily="34" charset="-120"/>
+            </a:endParaRPr>
           </a:p>
         </p:txBody>
       </p:sp>
     </p:spTree>
     <p:extLst>
       <p:ext uri="{BB962C8B-B14F-4D97-AF65-F5344CB8AC3E}">
-        <p14:creationId xmlns:p14="http://schemas.microsoft.com/office/powerpoint/2010/main" val="1196812538"/>
+        <p14:creationId xmlns:p14="http://schemas.microsoft.com/office/powerpoint/2010/main" val="1698240755"/>
       </p:ext>
     </p:extLst>
   </p:cSld>
@@ -6186,7 +7777,7 @@
           <p:cNvPr id="2" name="標題 1">
             <a:extLst>
               <a:ext uri="{FF2B5EF4-FFF2-40B4-BE49-F238E27FC236}">
-                <a16:creationId xmlns:a16="http://schemas.microsoft.com/office/drawing/2014/main" id="{AD758B33-8FFE-49B0-A6E7-5A36BBBC7254}"/>
+                <a16:creationId xmlns:a16="http://schemas.microsoft.com/office/drawing/2014/main" xmlns="" id="{5672BF90-7484-4D1E-AFC1-B5C7864EA2E5}"/>
               </a:ext>
             </a:extLst>
           </p:cNvPr>
@@ -6199,18 +7790,22 @@
         </p:nvSpPr>
         <p:spPr>
           <a:xfrm>
-            <a:off x="5407859" y="0"/>
-            <a:ext cx="1376282" cy="1507067"/>
+            <a:off x="5368889" y="0"/>
+            <a:ext cx="1454222" cy="1507067"/>
           </a:xfrm>
         </p:spPr>
         <p:txBody>
-          <a:bodyPr/>
+          <a:bodyPr>
+            <a:noAutofit/>
+          </a:bodyPr>
           <a:lstStyle/>
           <a:p>
-            <a:r>
-              <a:rPr lang="zh-TW" altLang="en-US" dirty="0"/>
-              <a:t>結論：</a:t>
-            </a:r>
+            <a:pPr algn="ctr"/>
+            <a:r>
+              <a:rPr lang="zh-TW" altLang="en-US" sz="5000" dirty="0" smtClean="0"/>
+              <a:t>結論</a:t>
+            </a:r>
+            <a:endParaRPr lang="zh-TW" altLang="en-US" sz="5000" dirty="0"/>
           </a:p>
         </p:txBody>
       </p:sp>
@@ -6219,7 +7814,7 @@
           <p:cNvPr id="3" name="內容版面配置區 2">
             <a:extLst>
               <a:ext uri="{FF2B5EF4-FFF2-40B4-BE49-F238E27FC236}">
-                <a16:creationId xmlns:a16="http://schemas.microsoft.com/office/drawing/2014/main" id="{E2FC3CB2-F95D-4989-BB95-E31983FA7C23}"/>
+                <a16:creationId xmlns:a16="http://schemas.microsoft.com/office/drawing/2014/main" xmlns="" id="{CA513484-4225-4F1F-AB6C-B117C94DFBD3}"/>
               </a:ext>
             </a:extLst>
           </p:cNvPr>
@@ -6232,22 +7827,78 @@
         </p:nvSpPr>
         <p:spPr>
           <a:xfrm>
-            <a:off x="1828800" y="2365310"/>
+            <a:off x="1828800" y="2038738"/>
             <a:ext cx="8534400" cy="3615267"/>
           </a:xfrm>
         </p:spPr>
         <p:txBody>
-          <a:bodyPr/>
+          <a:bodyPr anchor="ctr">
+            <a:normAutofit/>
+          </a:bodyPr>
           <a:lstStyle/>
           <a:p>
-            <a:endParaRPr lang="zh-TW" altLang="en-US" dirty="0"/>
+            <a:r>
+              <a:rPr lang="zh-TW" altLang="en-US" sz="2400" dirty="0" smtClean="0">
+                <a:solidFill>
+                  <a:schemeClr val="tx1"/>
+                </a:solidFill>
+                <a:latin typeface="微軟正黑體" panose="020B0604030504040204" pitchFamily="34" charset="-120"/>
+                <a:ea typeface="微軟正黑體" panose="020B0604030504040204" pitchFamily="34" charset="-120"/>
+              </a:rPr>
+              <a:t>透過這次機會我們嘗試去解決海灘髒亂的問題，現階段雖然不能解決所有的問題，但是我們提出一個和一般不一樣的方法透過這種機制來獎勵做好事的</a:t>
+            </a:r>
+            <a:r>
+              <a:rPr lang="zh-TW" altLang="en-US" sz="2400" dirty="0" smtClean="0">
+                <a:solidFill>
+                  <a:schemeClr val="tx1"/>
+                </a:solidFill>
+                <a:latin typeface="微軟正黑體" panose="020B0604030504040204" pitchFamily="34" charset="-120"/>
+                <a:ea typeface="微軟正黑體" panose="020B0604030504040204" pitchFamily="34" charset="-120"/>
+              </a:rPr>
+              <a:t>人。</a:t>
+            </a:r>
+            <a:endParaRPr lang="en-US" altLang="zh-TW" sz="2400" dirty="0" smtClean="0">
+              <a:solidFill>
+                <a:schemeClr val="tx1"/>
+              </a:solidFill>
+              <a:latin typeface="微軟正黑體" panose="020B0604030504040204" pitchFamily="34" charset="-120"/>
+              <a:ea typeface="微軟正黑體" panose="020B0604030504040204" pitchFamily="34" charset="-120"/>
+            </a:endParaRPr>
+          </a:p>
+          <a:p>
+            <a:endParaRPr lang="en-US" altLang="zh-TW" sz="2400" dirty="0">
+              <a:solidFill>
+                <a:schemeClr val="tx1"/>
+              </a:solidFill>
+              <a:latin typeface="微軟正黑體" panose="020B0604030504040204" pitchFamily="34" charset="-120"/>
+              <a:ea typeface="微軟正黑體" panose="020B0604030504040204" pitchFamily="34" charset="-120"/>
+            </a:endParaRPr>
+          </a:p>
+          <a:p>
+            <a:r>
+              <a:rPr lang="zh-TW" altLang="en-US" sz="2400" dirty="0" smtClean="0">
+                <a:solidFill>
+                  <a:schemeClr val="tx1"/>
+                </a:solidFill>
+                <a:latin typeface="微軟正黑體" panose="020B0604030504040204" pitchFamily="34" charset="-120"/>
+                <a:ea typeface="微軟正黑體" panose="020B0604030504040204" pitchFamily="34" charset="-120"/>
+              </a:rPr>
+              <a:t>經過人們的口而相傳和更多的廠商加入提供更多的優惠，相信一定能吸引更多人加入讓海岸更加乾淨。</a:t>
+            </a:r>
+            <a:endParaRPr lang="en-US" altLang="zh-TW" sz="2400" dirty="0" smtClean="0">
+              <a:solidFill>
+                <a:schemeClr val="tx1"/>
+              </a:solidFill>
+              <a:latin typeface="微軟正黑體" panose="020B0604030504040204" pitchFamily="34" charset="-120"/>
+              <a:ea typeface="微軟正黑體" panose="020B0604030504040204" pitchFamily="34" charset="-120"/>
+            </a:endParaRPr>
           </a:p>
         </p:txBody>
       </p:sp>
     </p:spTree>
     <p:extLst>
       <p:ext uri="{BB962C8B-B14F-4D97-AF65-F5344CB8AC3E}">
-        <p14:creationId xmlns:p14="http://schemas.microsoft.com/office/powerpoint/2010/main" val="3677177943"/>
+        <p14:creationId xmlns:p14="http://schemas.microsoft.com/office/powerpoint/2010/main" val="1553684025"/>
       </p:ext>
     </p:extLst>
   </p:cSld>

--- a/doc/永續發展 - 淨灘.pptx
+++ b/doc/永續發展 - 淨灘.pptx
@@ -8,8 +8,8 @@
     <p:sldId id="256" r:id="rId2"/>
     <p:sldId id="271" r:id="rId3"/>
     <p:sldId id="270" r:id="rId4"/>
-    <p:sldId id="265" r:id="rId5"/>
-    <p:sldId id="259" r:id="rId6"/>
+    <p:sldId id="259" r:id="rId5"/>
+    <p:sldId id="265" r:id="rId6"/>
     <p:sldId id="269" r:id="rId7"/>
   </p:sldIdLst>
   <p:sldSz cx="12192000" cy="6858000"/>
@@ -308,7 +308,7 @@
           <a:p>
             <a:fld id="{11115D3B-324A-4327-BDCC-A52CDBEDDBA3}" type="datetimeFigureOut">
               <a:rPr lang="zh-TW" altLang="en-US" smtClean="0"/>
-              <a:t>2018/5/5</a:t>
+              <a:t>2018/5/6</a:t>
             </a:fld>
             <a:endParaRPr lang="zh-TW" altLang="en-US"/>
           </a:p>
@@ -744,7 +744,7 @@
           <a:p>
             <a:fld id="{11115D3B-324A-4327-BDCC-A52CDBEDDBA3}" type="datetimeFigureOut">
               <a:rPr lang="zh-TW" altLang="en-US" smtClean="0"/>
-              <a:t>2018/5/5</a:t>
+              <a:t>2018/5/6</a:t>
             </a:fld>
             <a:endParaRPr lang="zh-TW" altLang="en-US"/>
           </a:p>
@@ -994,7 +994,7 @@
           <a:p>
             <a:fld id="{11115D3B-324A-4327-BDCC-A52CDBEDDBA3}" type="datetimeFigureOut">
               <a:rPr lang="zh-TW" altLang="en-US" smtClean="0"/>
-              <a:t>2018/5/5</a:t>
+              <a:t>2018/5/6</a:t>
             </a:fld>
             <a:endParaRPr lang="zh-TW" altLang="en-US"/>
           </a:p>
@@ -1302,7 +1302,7 @@
           <a:p>
             <a:fld id="{11115D3B-324A-4327-BDCC-A52CDBEDDBA3}" type="datetimeFigureOut">
               <a:rPr lang="zh-TW" altLang="en-US" smtClean="0"/>
-              <a:t>2018/5/5</a:t>
+              <a:t>2018/5/6</a:t>
             </a:fld>
             <a:endParaRPr lang="zh-TW" altLang="en-US"/>
           </a:p>
@@ -1620,7 +1620,7 @@
           <a:p>
             <a:fld id="{11115D3B-324A-4327-BDCC-A52CDBEDDBA3}" type="datetimeFigureOut">
               <a:rPr lang="zh-TW" altLang="en-US" smtClean="0"/>
-              <a:t>2018/5/5</a:t>
+              <a:t>2018/5/6</a:t>
             </a:fld>
             <a:endParaRPr lang="zh-TW" altLang="en-US"/>
           </a:p>
@@ -1922,7 +1922,7 @@
           <a:p>
             <a:fld id="{11115D3B-324A-4327-BDCC-A52CDBEDDBA3}" type="datetimeFigureOut">
               <a:rPr lang="zh-TW" altLang="en-US" smtClean="0"/>
-              <a:t>2018/5/5</a:t>
+              <a:t>2018/5/6</a:t>
             </a:fld>
             <a:endParaRPr lang="zh-TW" altLang="en-US"/>
           </a:p>
@@ -2289,7 +2289,7 @@
           <a:p>
             <a:fld id="{11115D3B-324A-4327-BDCC-A52CDBEDDBA3}" type="datetimeFigureOut">
               <a:rPr lang="zh-TW" altLang="en-US" smtClean="0"/>
-              <a:t>2018/5/5</a:t>
+              <a:t>2018/5/6</a:t>
             </a:fld>
             <a:endParaRPr lang="zh-TW" altLang="en-US"/>
           </a:p>
@@ -2463,7 +2463,7 @@
           <a:p>
             <a:fld id="{11115D3B-324A-4327-BDCC-A52CDBEDDBA3}" type="datetimeFigureOut">
               <a:rPr lang="zh-TW" altLang="en-US" smtClean="0"/>
-              <a:t>2018/5/5</a:t>
+              <a:t>2018/5/6</a:t>
             </a:fld>
             <a:endParaRPr lang="zh-TW" altLang="en-US"/>
           </a:p>
@@ -2643,7 +2643,7 @@
           <a:p>
             <a:fld id="{11115D3B-324A-4327-BDCC-A52CDBEDDBA3}" type="datetimeFigureOut">
               <a:rPr lang="zh-TW" altLang="en-US" smtClean="0"/>
-              <a:t>2018/5/5</a:t>
+              <a:t>2018/5/6</a:t>
             </a:fld>
             <a:endParaRPr lang="zh-TW" altLang="en-US"/>
           </a:p>
@@ -2813,7 +2813,7 @@
           <a:p>
             <a:fld id="{11115D3B-324A-4327-BDCC-A52CDBEDDBA3}" type="datetimeFigureOut">
               <a:rPr lang="zh-TW" altLang="en-US" smtClean="0"/>
-              <a:t>2018/5/5</a:t>
+              <a:t>2018/5/6</a:t>
             </a:fld>
             <a:endParaRPr lang="zh-TW" altLang="en-US"/>
           </a:p>
@@ -3063,7 +3063,7 @@
           <a:p>
             <a:fld id="{11115D3B-324A-4327-BDCC-A52CDBEDDBA3}" type="datetimeFigureOut">
               <a:rPr lang="zh-TW" altLang="en-US" smtClean="0"/>
-              <a:t>2018/5/5</a:t>
+              <a:t>2018/5/6</a:t>
             </a:fld>
             <a:endParaRPr lang="zh-TW" altLang="en-US"/>
           </a:p>
@@ -3299,7 +3299,7 @@
           <a:p>
             <a:fld id="{11115D3B-324A-4327-BDCC-A52CDBEDDBA3}" type="datetimeFigureOut">
               <a:rPr lang="zh-TW" altLang="en-US" smtClean="0"/>
-              <a:t>2018/5/5</a:t>
+              <a:t>2018/5/6</a:t>
             </a:fld>
             <a:endParaRPr lang="zh-TW" altLang="en-US"/>
           </a:p>
@@ -3681,7 +3681,7 @@
           <a:p>
             <a:fld id="{11115D3B-324A-4327-BDCC-A52CDBEDDBA3}" type="datetimeFigureOut">
               <a:rPr lang="zh-TW" altLang="en-US" smtClean="0"/>
-              <a:t>2018/5/5</a:t>
+              <a:t>2018/5/6</a:t>
             </a:fld>
             <a:endParaRPr lang="zh-TW" altLang="en-US"/>
           </a:p>
@@ -3799,7 +3799,7 @@
           <a:p>
             <a:fld id="{11115D3B-324A-4327-BDCC-A52CDBEDDBA3}" type="datetimeFigureOut">
               <a:rPr lang="zh-TW" altLang="en-US" smtClean="0"/>
-              <a:t>2018/5/5</a:t>
+              <a:t>2018/5/6</a:t>
             </a:fld>
             <a:endParaRPr lang="zh-TW" altLang="en-US"/>
           </a:p>
@@ -3894,7 +3894,7 @@
           <a:p>
             <a:fld id="{11115D3B-324A-4327-BDCC-A52CDBEDDBA3}" type="datetimeFigureOut">
               <a:rPr lang="zh-TW" altLang="en-US" smtClean="0"/>
-              <a:t>2018/5/5</a:t>
+              <a:t>2018/5/6</a:t>
             </a:fld>
             <a:endParaRPr lang="zh-TW" altLang="en-US"/>
           </a:p>
@@ -4149,7 +4149,7 @@
           <a:p>
             <a:fld id="{11115D3B-324A-4327-BDCC-A52CDBEDDBA3}" type="datetimeFigureOut">
               <a:rPr lang="zh-TW" altLang="en-US" smtClean="0"/>
-              <a:t>2018/5/5</a:t>
+              <a:t>2018/5/6</a:t>
             </a:fld>
             <a:endParaRPr lang="zh-TW" altLang="en-US"/>
           </a:p>
@@ -4432,7 +4432,7 @@
           <a:p>
             <a:fld id="{11115D3B-324A-4327-BDCC-A52CDBEDDBA3}" type="datetimeFigureOut">
               <a:rPr lang="zh-TW" altLang="en-US" smtClean="0"/>
-              <a:t>2018/5/5</a:t>
+              <a:t>2018/5/6</a:t>
             </a:fld>
             <a:endParaRPr lang="zh-TW" altLang="en-US"/>
           </a:p>
@@ -4838,7 +4838,7 @@
           <a:p>
             <a:fld id="{11115D3B-324A-4327-BDCC-A52CDBEDDBA3}" type="datetimeFigureOut">
               <a:rPr lang="zh-TW" altLang="en-US" smtClean="0"/>
-              <a:t>2018/5/5</a:t>
+              <a:t>2018/5/6</a:t>
             </a:fld>
             <a:endParaRPr lang="zh-TW" altLang="en-US"/>
           </a:p>
@@ -5378,7 +5378,7 @@
           <p:cNvPr id="5" name="圖片 4">
             <a:extLst>
               <a:ext uri="{FF2B5EF4-FFF2-40B4-BE49-F238E27FC236}">
-                <a16:creationId xmlns:a16="http://schemas.microsoft.com/office/drawing/2014/main" xmlns="" id="{8003CC06-462E-434C-9758-B4CF61882509}"/>
+                <a16:creationId xmlns:a16="http://schemas.microsoft.com/office/drawing/2014/main" id="{8003CC06-462E-434C-9758-B4CF61882509}"/>
               </a:ext>
             </a:extLst>
           </p:cNvPr>
@@ -5415,7 +5415,7 @@
           <p:cNvPr id="2" name="標題 1">
             <a:extLst>
               <a:ext uri="{FF2B5EF4-FFF2-40B4-BE49-F238E27FC236}">
-                <a16:creationId xmlns:a16="http://schemas.microsoft.com/office/drawing/2014/main" xmlns="" id="{9B7F8B52-C41D-4EFC-8550-9BF33F5D7845}"/>
+                <a16:creationId xmlns:a16="http://schemas.microsoft.com/office/drawing/2014/main" id="{9B7F8B52-C41D-4EFC-8550-9BF33F5D7845}"/>
               </a:ext>
             </a:extLst>
           </p:cNvPr>
@@ -5495,7 +5495,7 @@
           <p:cNvPr id="3" name="副標題 2">
             <a:extLst>
               <a:ext uri="{FF2B5EF4-FFF2-40B4-BE49-F238E27FC236}">
-                <a16:creationId xmlns:a16="http://schemas.microsoft.com/office/drawing/2014/main" xmlns="" id="{CEC7EADB-DD78-464E-8485-A7AE9FB77153}"/>
+                <a16:creationId xmlns:a16="http://schemas.microsoft.com/office/drawing/2014/main" id="{CEC7EADB-DD78-464E-8485-A7AE9FB77153}"/>
               </a:ext>
             </a:extLst>
           </p:cNvPr>
@@ -5519,7 +5519,7 @@
           <a:lstStyle/>
           <a:p>
             <a:r>
-              <a:rPr lang="zh-CN" altLang="en-US" sz="3500" b="1" spc="2000" dirty="0" smtClean="0">
+              <a:rPr lang="zh-CN" altLang="en-US" sz="3500" b="1" spc="2000" dirty="0">
                 <a:solidFill>
                   <a:schemeClr val="bg2">
                     <a:lumMod val="50000"/>
@@ -5540,19 +5540,7 @@
                 <a:latin typeface="微軟正黑體" panose="020B0604030504040204" pitchFamily="34" charset="-120"/>
                 <a:ea typeface="微軟正黑體" panose="020B0604030504040204" pitchFamily="34" charset="-120"/>
               </a:rPr>
-              <a:t>：</a:t>
-            </a:r>
-            <a:r>
-              <a:rPr lang="zh-TW" altLang="en-US" sz="3500" b="1" spc="2000" dirty="0" smtClean="0">
-                <a:solidFill>
-                  <a:schemeClr val="bg2">
-                    <a:lumMod val="50000"/>
-                  </a:schemeClr>
-                </a:solidFill>
-                <a:latin typeface="微軟正黑體" panose="020B0604030504040204" pitchFamily="34" charset="-120"/>
-                <a:ea typeface="微軟正黑體" panose="020B0604030504040204" pitchFamily="34" charset="-120"/>
-              </a:rPr>
-              <a:t>郭宗翰</a:t>
+              <a:t>：郭宗翰</a:t>
             </a:r>
             <a:endParaRPr lang="en-US" altLang="zh-TW" sz="3500" b="1" spc="2000" dirty="0">
               <a:solidFill>
@@ -5623,7 +5611,7 @@
               <a:t>組員：</a:t>
             </a:r>
             <a:r>
-              <a:rPr lang="zh-TW" altLang="en-US" sz="3500" b="1" spc="2000" dirty="0" smtClean="0">
+              <a:rPr lang="zh-TW" altLang="en-US" sz="3500" b="1" spc="2000" dirty="0">
                 <a:solidFill>
                   <a:schemeClr val="bg2">
                     <a:lumMod val="50000"/>
@@ -5634,15 +5622,6 @@
               </a:rPr>
               <a:t>邱立綸</a:t>
             </a:r>
-            <a:endParaRPr lang="zh-TW" altLang="en-US" sz="3500" b="1" spc="2000" dirty="0">
-              <a:solidFill>
-                <a:schemeClr val="bg2">
-                  <a:lumMod val="50000"/>
-                </a:schemeClr>
-              </a:solidFill>
-              <a:latin typeface="微軟正黑體" panose="020B0604030504040204" pitchFamily="34" charset="-120"/>
-              <a:ea typeface="微軟正黑體" panose="020B0604030504040204" pitchFamily="34" charset="-120"/>
-            </a:endParaRPr>
           </a:p>
           <a:p>
             <a:pPr algn="l"/>
@@ -5688,7 +5667,7 @@
           <p:cNvPr id="2" name="標題 1">
             <a:extLst>
               <a:ext uri="{FF2B5EF4-FFF2-40B4-BE49-F238E27FC236}">
-                <a16:creationId xmlns:a16="http://schemas.microsoft.com/office/drawing/2014/main" xmlns="" id="{5672BF90-7484-4D1E-AFC1-B5C7864EA2E5}"/>
+                <a16:creationId xmlns:a16="http://schemas.microsoft.com/office/drawing/2014/main" id="{5672BF90-7484-4D1E-AFC1-B5C7864EA2E5}"/>
               </a:ext>
             </a:extLst>
           </p:cNvPr>
@@ -5724,7 +5703,7 @@
           <p:cNvPr id="3" name="內容版面配置區 2">
             <a:extLst>
               <a:ext uri="{FF2B5EF4-FFF2-40B4-BE49-F238E27FC236}">
-                <a16:creationId xmlns:a16="http://schemas.microsoft.com/office/drawing/2014/main" xmlns="" id="{CA513484-4225-4F1F-AB6C-B117C94DFBD3}"/>
+                <a16:creationId xmlns:a16="http://schemas.microsoft.com/office/drawing/2014/main" id="{CA513484-4225-4F1F-AB6C-B117C94DFBD3}"/>
               </a:ext>
             </a:extLst>
           </p:cNvPr>
@@ -5754,36 +5733,9 @@
                 </a:solidFill>
                 <a:latin typeface="微軟正黑體" panose="020B0604030504040204" pitchFamily="34" charset="-120"/>
               </a:rPr>
-              <a:t>面對美麗的海灘</a:t>
-            </a:r>
-            <a:r>
-              <a:rPr lang="zh-TW" altLang="en-US" sz="2400" dirty="0" smtClean="0">
-                <a:solidFill>
-                  <a:schemeClr val="tx1"/>
-                </a:solidFill>
-                <a:latin typeface="微軟正黑體" panose="020B0604030504040204" pitchFamily="34" charset="-120"/>
-              </a:rPr>
-              <a:t>，如果</a:t>
-            </a:r>
-            <a:r>
-              <a:rPr lang="zh-TW" altLang="en-US" sz="2400" dirty="0">
-                <a:solidFill>
-                  <a:schemeClr val="tx1"/>
-                </a:solidFill>
-                <a:latin typeface="微軟正黑體" panose="020B0604030504040204" pitchFamily="34" charset="-120"/>
-              </a:rPr>
-              <a:t>只是清理只能算是做</a:t>
-            </a:r>
-            <a:r>
-              <a:rPr lang="zh-TW" altLang="en-US" sz="2400" dirty="0" smtClean="0">
-                <a:solidFill>
-                  <a:schemeClr val="tx1"/>
-                </a:solidFill>
-                <a:latin typeface="微軟正黑體" panose="020B0604030504040204" pitchFamily="34" charset="-120"/>
-              </a:rPr>
-              <a:t>一半。</a:t>
-            </a:r>
-            <a:endParaRPr lang="en-US" altLang="zh-TW" sz="2400" dirty="0" smtClean="0">
+              <a:t>面對美麗的海灘，如果只是清理只能算是做一半。</a:t>
+            </a:r>
+            <a:endParaRPr lang="en-US" altLang="zh-TW" sz="2400" dirty="0">
               <a:solidFill>
                 <a:schemeClr val="tx1"/>
               </a:solidFill>
@@ -5791,7 +5743,7 @@
             </a:endParaRPr>
           </a:p>
           <a:p>
-            <a:endParaRPr lang="en-US" altLang="zh-TW" sz="2400" dirty="0" smtClean="0">
+            <a:endParaRPr lang="en-US" altLang="zh-TW" sz="2400" dirty="0">
               <a:solidFill>
                 <a:schemeClr val="tx1"/>
               </a:solidFill>
@@ -5800,33 +5752,15 @@
           </a:p>
           <a:p>
             <a:r>
-              <a:rPr lang="zh-TW" altLang="en-US" sz="2400" dirty="0" smtClean="0">
+              <a:rPr lang="zh-TW" altLang="en-US" sz="2400" dirty="0">
                 <a:solidFill>
                   <a:schemeClr val="tx1"/>
                 </a:solidFill>
                 <a:latin typeface="微軟正黑體" panose="020B0604030504040204" pitchFamily="34" charset="-120"/>
               </a:rPr>
-              <a:t>因此我們</a:t>
-            </a:r>
-            <a:r>
-              <a:rPr lang="zh-TW" altLang="en-US" sz="2400" dirty="0">
-                <a:solidFill>
-                  <a:schemeClr val="tx1"/>
-                </a:solidFill>
-                <a:latin typeface="微軟正黑體" panose="020B0604030504040204" pitchFamily="34" charset="-120"/>
-              </a:rPr>
-              <a:t>希望能夠製作出一套機制來讓大家做環保之外也能意識到永續的</a:t>
-            </a:r>
-            <a:r>
-              <a:rPr lang="zh-TW" altLang="en-US" sz="2400" dirty="0" smtClean="0">
-                <a:solidFill>
-                  <a:schemeClr val="tx1"/>
-                </a:solidFill>
-                <a:latin typeface="微軟正黑體" panose="020B0604030504040204" pitchFamily="34" charset="-120"/>
-              </a:rPr>
-              <a:t>重要性。</a:t>
-            </a:r>
-            <a:endParaRPr lang="en-US" altLang="zh-TW" sz="2400" dirty="0" smtClean="0">
+              <a:t>因此我們希望能夠製作出一套機制來讓大家做環保之外也能意識到永續的重要性。</a:t>
+            </a:r>
+            <a:endParaRPr lang="en-US" altLang="zh-TW" sz="2400" dirty="0">
               <a:solidFill>
                 <a:schemeClr val="tx1"/>
               </a:solidFill>
@@ -5834,7 +5768,7 @@
             </a:endParaRPr>
           </a:p>
           <a:p>
-            <a:endParaRPr lang="en-US" altLang="zh-TW" sz="2400" dirty="0" smtClean="0">
+            <a:endParaRPr lang="en-US" altLang="zh-TW" sz="2400" dirty="0">
               <a:solidFill>
                 <a:schemeClr val="tx1"/>
               </a:solidFill>
@@ -5843,22 +5777,13 @@
           </a:p>
           <a:p>
             <a:r>
-              <a:rPr lang="zh-TW" altLang="en-US" sz="2400" dirty="0" smtClean="0">
+              <a:rPr lang="zh-TW" altLang="en-US" sz="2400" dirty="0">
                 <a:solidFill>
                   <a:schemeClr val="tx1"/>
                 </a:solidFill>
                 <a:latin typeface="微軟正黑體" panose="020B0604030504040204" pitchFamily="34" charset="-120"/>
               </a:rPr>
-              <a:t>達到</a:t>
-            </a:r>
-            <a:r>
-              <a:rPr lang="zh-TW" altLang="en-US" sz="2400" dirty="0">
-                <a:solidFill>
-                  <a:schemeClr val="tx1"/>
-                </a:solidFill>
-                <a:latin typeface="微軟正黑體" panose="020B0604030504040204" pitchFamily="34" charset="-120"/>
-              </a:rPr>
-              <a:t>不隨地丟垃圾，也能隨時做環保的機制，更加推廣經濟流動。</a:t>
+              <a:t>達到不隨地丟垃圾，也能隨時做環保的機制，更加推廣經濟流動。</a:t>
             </a:r>
           </a:p>
         </p:txBody>
@@ -5898,7 +5823,7 @@
           <p:cNvPr id="2" name="標題 1">
             <a:extLst>
               <a:ext uri="{FF2B5EF4-FFF2-40B4-BE49-F238E27FC236}">
-                <a16:creationId xmlns:a16="http://schemas.microsoft.com/office/drawing/2014/main" xmlns="" id="{5672BF90-7484-4D1E-AFC1-B5C7864EA2E5}"/>
+                <a16:creationId xmlns:a16="http://schemas.microsoft.com/office/drawing/2014/main" id="{5672BF90-7484-4D1E-AFC1-B5C7864EA2E5}"/>
               </a:ext>
             </a:extLst>
           </p:cNvPr>
@@ -5934,7 +5859,7 @@
           <p:cNvPr id="3" name="內容版面配置區 2">
             <a:extLst>
               <a:ext uri="{FF2B5EF4-FFF2-40B4-BE49-F238E27FC236}">
-                <a16:creationId xmlns:a16="http://schemas.microsoft.com/office/drawing/2014/main" xmlns="" id="{CA513484-4225-4F1F-AB6C-B117C94DFBD3}"/>
+                <a16:creationId xmlns:a16="http://schemas.microsoft.com/office/drawing/2014/main" id="{CA513484-4225-4F1F-AB6C-B117C94DFBD3}"/>
               </a:ext>
             </a:extLst>
           </p:cNvPr>
@@ -5965,27 +5890,7 @@
                 <a:latin typeface="微軟正黑體" panose="020B0604030504040204" pitchFamily="34" charset="-120"/>
                 <a:ea typeface="微軟正黑體" panose="020B0604030504040204" pitchFamily="34" charset="-120"/>
               </a:rPr>
-              <a:t>我們思考的方式是以，能夠運動又能夠賺取點數和減少垃圾為方向</a:t>
-            </a:r>
-            <a:r>
-              <a:rPr lang="zh-TW" altLang="en-US" sz="2400" dirty="0" smtClean="0">
-                <a:solidFill>
-                  <a:schemeClr val="tx1"/>
-                </a:solidFill>
-                <a:latin typeface="微軟正黑體" panose="020B0604030504040204" pitchFamily="34" charset="-120"/>
-                <a:ea typeface="微軟正黑體" panose="020B0604030504040204" pitchFamily="34" charset="-120"/>
-              </a:rPr>
-              <a:t>，回想</a:t>
-            </a:r>
-            <a:r>
-              <a:rPr lang="zh-TW" altLang="en-US" sz="2400" dirty="0">
-                <a:solidFill>
-                  <a:schemeClr val="tx1"/>
-                </a:solidFill>
-                <a:latin typeface="微軟正黑體" panose="020B0604030504040204" pitchFamily="34" charset="-120"/>
-                <a:ea typeface="微軟正黑體" panose="020B0604030504040204" pitchFamily="34" charset="-120"/>
-              </a:rPr>
-              <a:t>起如</a:t>
+              <a:t>我們思考的方式是以，能夠運動又能夠賺取點數和減少垃圾為方向，回想起如</a:t>
             </a:r>
             <a:r>
               <a:rPr lang="en-US" altLang="zh-TW" sz="2400" dirty="0">
@@ -6025,20 +5930,10 @@
                 <a:latin typeface="微軟正黑體" panose="020B0604030504040204" pitchFamily="34" charset="-120"/>
                 <a:ea typeface="微軟正黑體" panose="020B0604030504040204" pitchFamily="34" charset="-120"/>
               </a:rPr>
-              <a:t>這類的</a:t>
-            </a:r>
-            <a:r>
-              <a:rPr lang="zh-CN" altLang="en-US" sz="2400" dirty="0" smtClean="0">
-                <a:solidFill>
-                  <a:schemeClr val="tx1"/>
-                </a:solidFill>
-                <a:latin typeface="微軟正黑體" panose="020B0604030504040204" pitchFamily="34" charset="-120"/>
-                <a:ea typeface="微軟正黑體" panose="020B0604030504040204" pitchFamily="34" charset="-120"/>
-              </a:rPr>
-              <a:t>遊戲</a:t>
-            </a:r>
-            <a:r>
-              <a:rPr lang="zh-TW" altLang="en-US" sz="2400" dirty="0" smtClean="0">
+              <a:t>這類的遊戲</a:t>
+            </a:r>
+            <a:r>
+              <a:rPr lang="zh-TW" altLang="en-US" sz="2400" dirty="0">
                 <a:solidFill>
                   <a:schemeClr val="tx1"/>
                 </a:solidFill>
@@ -6047,15 +5942,6 @@
               </a:rPr>
               <a:t>。</a:t>
             </a:r>
-            <a:endParaRPr lang="en-US" altLang="zh-TW" sz="2400" dirty="0" smtClean="0">
-              <a:solidFill>
-                <a:schemeClr val="tx1"/>
-              </a:solidFill>
-              <a:latin typeface="微軟正黑體" panose="020B0604030504040204" pitchFamily="34" charset="-120"/>
-              <a:ea typeface="微軟正黑體" panose="020B0604030504040204" pitchFamily="34" charset="-120"/>
-            </a:endParaRPr>
-          </a:p>
-          <a:p>
             <a:endParaRPr lang="en-US" altLang="zh-TW" sz="2400" dirty="0">
               <a:solidFill>
                 <a:schemeClr val="tx1"/>
@@ -6065,35 +5951,6 @@
             </a:endParaRPr>
           </a:p>
           <a:p>
-            <a:r>
-              <a:rPr lang="zh-CN" altLang="en-US" sz="2400" dirty="0">
-                <a:solidFill>
-                  <a:schemeClr val="tx1"/>
-                </a:solidFill>
-                <a:latin typeface="微軟正黑體" panose="020B0604030504040204" pitchFamily="34" charset="-120"/>
-                <a:ea typeface="微軟正黑體" panose="020B0604030504040204" pitchFamily="34" charset="-120"/>
-              </a:rPr>
-              <a:t>如果大眾重遊戲的樂趣中來撿垃圾做環保為目的，還能夠換取優惠已達到促進消費力</a:t>
-            </a:r>
-            <a:r>
-              <a:rPr lang="zh-CN" altLang="en-US" sz="2400" dirty="0" smtClean="0">
-                <a:solidFill>
-                  <a:schemeClr val="tx1"/>
-                </a:solidFill>
-                <a:latin typeface="微軟正黑體" panose="020B0604030504040204" pitchFamily="34" charset="-120"/>
-                <a:ea typeface="微軟正黑體" panose="020B0604030504040204" pitchFamily="34" charset="-120"/>
-              </a:rPr>
-              <a:t>。</a:t>
-            </a:r>
-            <a:endParaRPr lang="en-US" altLang="zh-CN" sz="2400" dirty="0" smtClean="0">
-              <a:solidFill>
-                <a:schemeClr val="tx1"/>
-              </a:solidFill>
-              <a:latin typeface="微軟正黑體" panose="020B0604030504040204" pitchFamily="34" charset="-120"/>
-              <a:ea typeface="微軟正黑體" panose="020B0604030504040204" pitchFamily="34" charset="-120"/>
-            </a:endParaRPr>
-          </a:p>
-          <a:p>
             <a:endParaRPr lang="en-US" altLang="zh-TW" sz="2400" dirty="0">
               <a:solidFill>
                 <a:schemeClr val="tx1"/>
@@ -6111,19 +5968,37 @@
                 <a:latin typeface="微軟正黑體" panose="020B0604030504040204" pitchFamily="34" charset="-120"/>
                 <a:ea typeface="微軟正黑體" panose="020B0604030504040204" pitchFamily="34" charset="-120"/>
               </a:rPr>
-              <a:t>而大眾也會不亂丟垃圾，以回收垃圾跟撿垃圾的方式賺取點數或遊戲的成就之類</a:t>
-            </a:r>
-            <a:r>
-              <a:rPr lang="zh-CN" altLang="en-US" sz="2400" dirty="0" smtClean="0">
+              <a:t>如果大眾重遊戲的樂趣中來撿垃圾做環保為目的，還能夠換取優惠已達到促進消費力。</a:t>
+            </a:r>
+            <a:endParaRPr lang="en-US" altLang="zh-CN" sz="2400" dirty="0">
+              <a:solidFill>
+                <a:schemeClr val="tx1"/>
+              </a:solidFill>
+              <a:latin typeface="微軟正黑體" panose="020B0604030504040204" pitchFamily="34" charset="-120"/>
+              <a:ea typeface="微軟正黑體" panose="020B0604030504040204" pitchFamily="34" charset="-120"/>
+            </a:endParaRPr>
+          </a:p>
+          <a:p>
+            <a:endParaRPr lang="en-US" altLang="zh-TW" sz="2400" dirty="0">
+              <a:solidFill>
+                <a:schemeClr val="tx1"/>
+              </a:solidFill>
+              <a:latin typeface="微軟正黑體" panose="020B0604030504040204" pitchFamily="34" charset="-120"/>
+              <a:ea typeface="微軟正黑體" panose="020B0604030504040204" pitchFamily="34" charset="-120"/>
+            </a:endParaRPr>
+          </a:p>
+          <a:p>
+            <a:r>
+              <a:rPr lang="zh-CN" altLang="en-US" sz="2400" dirty="0">
                 <a:solidFill>
                   <a:schemeClr val="tx1"/>
                 </a:solidFill>
                 <a:latin typeface="微軟正黑體" panose="020B0604030504040204" pitchFamily="34" charset="-120"/>
                 <a:ea typeface="微軟正黑體" panose="020B0604030504040204" pitchFamily="34" charset="-120"/>
               </a:rPr>
-              <a:t>的。</a:t>
-            </a:r>
-            <a:endParaRPr lang="en-US" altLang="zh-CN" sz="2400" dirty="0" smtClean="0">
+              <a:t>而大眾也會不亂丟垃圾，以回收垃圾跟撿垃圾的方式賺取點數或遊戲的成就之類的。</a:t>
+            </a:r>
+            <a:endParaRPr lang="en-US" altLang="zh-CN" sz="2400" dirty="0">
               <a:solidFill>
                 <a:schemeClr val="tx1"/>
               </a:solidFill>
@@ -6196,7 +6071,374 @@
           <p:cNvPr id="2" name="標題 1">
             <a:extLst>
               <a:ext uri="{FF2B5EF4-FFF2-40B4-BE49-F238E27FC236}">
-                <a16:creationId xmlns:a16="http://schemas.microsoft.com/office/drawing/2014/main" xmlns="" id="{93769179-CC27-42AA-B3FA-22C4285134EF}"/>
+                <a16:creationId xmlns:a16="http://schemas.microsoft.com/office/drawing/2014/main" id="{5672BF90-7484-4D1E-AFC1-B5C7864EA2E5}"/>
+              </a:ext>
+            </a:extLst>
+          </p:cNvPr>
+          <p:cNvSpPr>
+            <a:spLocks noGrp="1"/>
+          </p:cNvSpPr>
+          <p:nvPr>
+            <p:ph type="title"/>
+          </p:nvPr>
+        </p:nvSpPr>
+        <p:spPr>
+          <a:xfrm>
+            <a:off x="5285831" y="0"/>
+            <a:ext cx="1620338" cy="1507067"/>
+          </a:xfrm>
+        </p:spPr>
+        <p:txBody>
+          <a:bodyPr>
+            <a:noAutofit/>
+          </a:bodyPr>
+          <a:lstStyle/>
+          <a:p>
+            <a:pPr algn="ctr"/>
+            <a:r>
+              <a:rPr lang="zh-TW" altLang="en-US" sz="5000" dirty="0"/>
+              <a:t>實作</a:t>
+            </a:r>
+          </a:p>
+        </p:txBody>
+      </p:sp>
+      <p:sp>
+        <p:nvSpPr>
+          <p:cNvPr id="3" name="內容版面配置區 2">
+            <a:extLst>
+              <a:ext uri="{FF2B5EF4-FFF2-40B4-BE49-F238E27FC236}">
+                <a16:creationId xmlns:a16="http://schemas.microsoft.com/office/drawing/2014/main" id="{CA513484-4225-4F1F-AB6C-B117C94DFBD3}"/>
+              </a:ext>
+            </a:extLst>
+          </p:cNvPr>
+          <p:cNvSpPr>
+            <a:spLocks noGrp="1"/>
+          </p:cNvSpPr>
+          <p:nvPr>
+            <p:ph idx="1"/>
+          </p:nvPr>
+        </p:nvSpPr>
+        <p:spPr>
+          <a:xfrm>
+            <a:off x="1828800" y="1791478"/>
+            <a:ext cx="8534400" cy="4590661"/>
+          </a:xfrm>
+        </p:spPr>
+        <p:txBody>
+          <a:bodyPr anchor="ctr">
+            <a:normAutofit/>
+          </a:bodyPr>
+          <a:lstStyle/>
+          <a:p>
+            <a:pPr>
+              <a:spcAft>
+                <a:spcPts val="0"/>
+              </a:spcAft>
+            </a:pPr>
+            <a:r>
+              <a:rPr lang="zh-TW" altLang="en-US" sz="2400" dirty="0">
+                <a:solidFill>
+                  <a:schemeClr val="tx1"/>
+                </a:solidFill>
+                <a:latin typeface="微軟正黑體" panose="020B0604030504040204" pitchFamily="34" charset="-120"/>
+                <a:ea typeface="微軟正黑體" panose="020B0604030504040204" pitchFamily="34" charset="-120"/>
+              </a:rPr>
+              <a:t>透過激光裝置和光敏電阻做出一個裝置，能夠能把訊號讀出</a:t>
+            </a:r>
+            <a:endParaRPr lang="en-US" altLang="zh-TW" sz="2400" dirty="0">
+              <a:solidFill>
+                <a:schemeClr val="tx1"/>
+              </a:solidFill>
+              <a:latin typeface="微軟正黑體" panose="020B0604030504040204" pitchFamily="34" charset="-120"/>
+              <a:ea typeface="微軟正黑體" panose="020B0604030504040204" pitchFamily="34" charset="-120"/>
+            </a:endParaRPr>
+          </a:p>
+          <a:p>
+            <a:pPr marL="0" indent="0">
+              <a:spcAft>
+                <a:spcPts val="0"/>
+              </a:spcAft>
+              <a:buNone/>
+            </a:pPr>
+            <a:r>
+              <a:rPr lang="zh-TW" altLang="en-US" sz="2400" dirty="0">
+                <a:solidFill>
+                  <a:schemeClr val="tx1"/>
+                </a:solidFill>
+                <a:latin typeface="微軟正黑體" panose="020B0604030504040204" pitchFamily="34" charset="-120"/>
+                <a:ea typeface="微軟正黑體" panose="020B0604030504040204" pitchFamily="34" charset="-120"/>
+              </a:rPr>
+              <a:t>    並經過適當</a:t>
+            </a:r>
+            <a:r>
+              <a:rPr lang="zh-TW" altLang="en-US" sz="2400" dirty="0">
+                <a:solidFill>
+                  <a:schemeClr val="tx1"/>
+                </a:solidFill>
+                <a:latin typeface="微軟正黑體" panose="020B0604030504040204" pitchFamily="34" charset="-120"/>
+              </a:rPr>
+              <a:t>地演算法演算出</a:t>
+            </a:r>
+            <a:r>
+              <a:rPr lang="zh-TW" altLang="en-US" sz="2400" dirty="0">
+                <a:solidFill>
+                  <a:schemeClr val="tx1"/>
+                </a:solidFill>
+                <a:latin typeface="微軟正黑體" panose="020B0604030504040204" pitchFamily="34" charset="-120"/>
+                <a:ea typeface="微軟正黑體" panose="020B0604030504040204" pitchFamily="34" charset="-120"/>
+              </a:rPr>
+              <a:t>投入垃圾桶的件數，之後把信號</a:t>
+            </a:r>
+            <a:endParaRPr lang="en-US" altLang="zh-TW" sz="2400" dirty="0">
+              <a:solidFill>
+                <a:schemeClr val="tx1"/>
+              </a:solidFill>
+              <a:latin typeface="微軟正黑體" panose="020B0604030504040204" pitchFamily="34" charset="-120"/>
+              <a:ea typeface="微軟正黑體" panose="020B0604030504040204" pitchFamily="34" charset="-120"/>
+            </a:endParaRPr>
+          </a:p>
+          <a:p>
+            <a:pPr marL="0" indent="0">
+              <a:spcAft>
+                <a:spcPts val="0"/>
+              </a:spcAft>
+              <a:buNone/>
+            </a:pPr>
+            <a:r>
+              <a:rPr lang="zh-TW" altLang="en-US" sz="2400" dirty="0">
+                <a:solidFill>
+                  <a:schemeClr val="tx1"/>
+                </a:solidFill>
+                <a:latin typeface="微軟正黑體" panose="020B0604030504040204" pitchFamily="34" charset="-120"/>
+                <a:ea typeface="微軟正黑體" panose="020B0604030504040204" pitchFamily="34" charset="-120"/>
+              </a:rPr>
+              <a:t>    轉換成樹莓派可以讀取的信號並傳送。</a:t>
+            </a:r>
+            <a:endParaRPr lang="en-US" altLang="zh-TW" sz="2400" dirty="0">
+              <a:solidFill>
+                <a:schemeClr val="tx1"/>
+              </a:solidFill>
+              <a:latin typeface="微軟正黑體" panose="020B0604030504040204" pitchFamily="34" charset="-120"/>
+              <a:ea typeface="微軟正黑體" panose="020B0604030504040204" pitchFamily="34" charset="-120"/>
+            </a:endParaRPr>
+          </a:p>
+          <a:p>
+            <a:endParaRPr lang="en-US" altLang="zh-TW" sz="2400" dirty="0">
+              <a:solidFill>
+                <a:schemeClr val="tx1"/>
+              </a:solidFill>
+              <a:latin typeface="微軟正黑體" panose="020B0604030504040204" pitchFamily="34" charset="-120"/>
+              <a:ea typeface="微軟正黑體" panose="020B0604030504040204" pitchFamily="34" charset="-120"/>
+            </a:endParaRPr>
+          </a:p>
+          <a:p>
+            <a:pPr>
+              <a:spcAft>
+                <a:spcPts val="0"/>
+              </a:spcAft>
+            </a:pPr>
+            <a:r>
+              <a:rPr lang="zh-TW" altLang="en-US" sz="2400" dirty="0">
+                <a:solidFill>
+                  <a:schemeClr val="tx1"/>
+                </a:solidFill>
+                <a:latin typeface="微軟正黑體" panose="020B0604030504040204" pitchFamily="34" charset="-120"/>
+                <a:ea typeface="微軟正黑體" panose="020B0604030504040204" pitchFamily="34" charset="-120"/>
+              </a:rPr>
+              <a:t>樹莓派接收到訊號後，將信號處理之後用</a:t>
+            </a:r>
+            <a:r>
+              <a:rPr lang="en-US" altLang="zh-TW" sz="2400" dirty="0">
+                <a:solidFill>
+                  <a:schemeClr val="tx1"/>
+                </a:solidFill>
+                <a:latin typeface="微軟正黑體" panose="020B0604030504040204" pitchFamily="34" charset="-120"/>
+                <a:ea typeface="微軟正黑體" panose="020B0604030504040204" pitchFamily="34" charset="-120"/>
+              </a:rPr>
+              <a:t>Socket</a:t>
+            </a:r>
+            <a:r>
+              <a:rPr lang="zh-CN" altLang="en-US" sz="2400" dirty="0">
+                <a:solidFill>
+                  <a:schemeClr val="tx1"/>
+                </a:solidFill>
+                <a:latin typeface="微軟正黑體" panose="020B0604030504040204" pitchFamily="34" charset="-120"/>
+                <a:ea typeface="微軟正黑體" panose="020B0604030504040204" pitchFamily="34" charset="-120"/>
+              </a:rPr>
+              <a:t>的網路協定</a:t>
+            </a:r>
+            <a:endParaRPr lang="en-US" altLang="zh-CN" sz="2400" dirty="0">
+              <a:solidFill>
+                <a:schemeClr val="tx1"/>
+              </a:solidFill>
+              <a:latin typeface="微軟正黑體" panose="020B0604030504040204" pitchFamily="34" charset="-120"/>
+              <a:ea typeface="微軟正黑體" panose="020B0604030504040204" pitchFamily="34" charset="-120"/>
+            </a:endParaRPr>
+          </a:p>
+          <a:p>
+            <a:pPr marL="0" indent="0">
+              <a:buNone/>
+            </a:pPr>
+            <a:r>
+              <a:rPr lang="zh-TW" altLang="en-US" sz="2400" dirty="0">
+                <a:solidFill>
+                  <a:schemeClr val="tx1"/>
+                </a:solidFill>
+                <a:latin typeface="微軟正黑體" panose="020B0604030504040204" pitchFamily="34" charset="-120"/>
+                <a:ea typeface="微軟正黑體" panose="020B0604030504040204" pitchFamily="34" charset="-120"/>
+              </a:rPr>
+              <a:t>    </a:t>
+            </a:r>
+            <a:r>
+              <a:rPr lang="zh-CN" altLang="en-US" sz="2400" dirty="0">
+                <a:solidFill>
+                  <a:schemeClr val="tx1"/>
+                </a:solidFill>
+                <a:latin typeface="微軟正黑體" panose="020B0604030504040204" pitchFamily="34" charset="-120"/>
+                <a:ea typeface="微軟正黑體" panose="020B0604030504040204" pitchFamily="34" charset="-120"/>
+              </a:rPr>
+              <a:t>傳送給</a:t>
+            </a:r>
+            <a:r>
+              <a:rPr lang="en-US" altLang="zh-CN" sz="2400" dirty="0">
+                <a:solidFill>
+                  <a:schemeClr val="tx1"/>
+                </a:solidFill>
+                <a:latin typeface="微軟正黑體" panose="020B0604030504040204" pitchFamily="34" charset="-120"/>
+                <a:ea typeface="微軟正黑體" panose="020B0604030504040204" pitchFamily="34" charset="-120"/>
+              </a:rPr>
+              <a:t>Server</a:t>
+            </a:r>
+            <a:r>
+              <a:rPr lang="zh-CN" altLang="en-US" sz="2400" dirty="0">
+                <a:solidFill>
+                  <a:schemeClr val="tx1"/>
+                </a:solidFill>
+                <a:latin typeface="微軟正黑體" panose="020B0604030504040204" pitchFamily="34" charset="-120"/>
+                <a:ea typeface="微軟正黑體" panose="020B0604030504040204" pitchFamily="34" charset="-120"/>
+              </a:rPr>
+              <a:t>端並統計數量。</a:t>
+            </a:r>
+            <a:endParaRPr lang="en-US" altLang="zh-CN" sz="2400" dirty="0">
+              <a:solidFill>
+                <a:schemeClr val="tx1"/>
+              </a:solidFill>
+              <a:latin typeface="微軟正黑體" panose="020B0604030504040204" pitchFamily="34" charset="-120"/>
+              <a:ea typeface="微軟正黑體" panose="020B0604030504040204" pitchFamily="34" charset="-120"/>
+            </a:endParaRPr>
+          </a:p>
+          <a:p>
+            <a:endParaRPr lang="en-US" altLang="zh-TW" sz="2400" dirty="0">
+              <a:solidFill>
+                <a:schemeClr val="tx1"/>
+              </a:solidFill>
+              <a:latin typeface="微軟正黑體" panose="020B0604030504040204" pitchFamily="34" charset="-120"/>
+            </a:endParaRPr>
+          </a:p>
+          <a:p>
+            <a:pPr>
+              <a:spcAft>
+                <a:spcPts val="0"/>
+              </a:spcAft>
+            </a:pPr>
+            <a:r>
+              <a:rPr lang="en-US" altLang="zh-CN" sz="2400" dirty="0">
+                <a:solidFill>
+                  <a:schemeClr val="tx1"/>
+                </a:solidFill>
+                <a:latin typeface="微軟正黑體" panose="020B0604030504040204" pitchFamily="34" charset="-120"/>
+                <a:ea typeface="微軟正黑體" panose="020B0604030504040204" pitchFamily="34" charset="-120"/>
+              </a:rPr>
+              <a:t>Server </a:t>
+            </a:r>
+            <a:r>
+              <a:rPr lang="zh-CN" altLang="en-US" sz="2400" dirty="0">
+                <a:solidFill>
+                  <a:schemeClr val="tx1"/>
+                </a:solidFill>
+                <a:latin typeface="微軟正黑體" panose="020B0604030504040204" pitchFamily="34" charset="-120"/>
+                <a:ea typeface="微軟正黑體" panose="020B0604030504040204" pitchFamily="34" charset="-120"/>
+              </a:rPr>
+              <a:t>統計資料轉換成點數，並且可以兌優惠與折扣，也可以從</a:t>
+            </a:r>
+            <a:r>
+              <a:rPr lang="en-US" altLang="zh-CN" sz="2400" dirty="0">
+                <a:solidFill>
+                  <a:schemeClr val="tx1"/>
+                </a:solidFill>
+                <a:latin typeface="微軟正黑體" panose="020B0604030504040204" pitchFamily="34" charset="-120"/>
+                <a:ea typeface="微軟正黑體" panose="020B0604030504040204" pitchFamily="34" charset="-120"/>
+              </a:rPr>
+              <a:t>Web</a:t>
+            </a:r>
+            <a:r>
+              <a:rPr lang="zh-CN" altLang="en-US" sz="2400" dirty="0">
+                <a:solidFill>
+                  <a:schemeClr val="tx1"/>
+                </a:solidFill>
+                <a:latin typeface="微軟正黑體" panose="020B0604030504040204" pitchFamily="34" charset="-120"/>
+                <a:ea typeface="微軟正黑體" panose="020B0604030504040204" pitchFamily="34" charset="-120"/>
+              </a:rPr>
+              <a:t>端查詢目前有的折扣與使用者等資訊。</a:t>
+            </a:r>
+            <a:endParaRPr lang="en-US" altLang="zh-CN" sz="2400" dirty="0">
+              <a:solidFill>
+                <a:schemeClr val="tx1"/>
+              </a:solidFill>
+              <a:latin typeface="微軟正黑體" panose="020B0604030504040204" pitchFamily="34" charset="-120"/>
+              <a:ea typeface="微軟正黑體" panose="020B0604030504040204" pitchFamily="34" charset="-120"/>
+            </a:endParaRPr>
+          </a:p>
+          <a:p>
+            <a:pPr marL="0" indent="0">
+              <a:buNone/>
+            </a:pPr>
+            <a:endParaRPr lang="en-US" altLang="zh-CN" sz="2400" dirty="0">
+              <a:solidFill>
+                <a:schemeClr val="tx1"/>
+              </a:solidFill>
+              <a:latin typeface="微軟正黑體" panose="020B0604030504040204" pitchFamily="34" charset="-120"/>
+              <a:ea typeface="微軟正黑體" panose="020B0604030504040204" pitchFamily="34" charset="-120"/>
+            </a:endParaRPr>
+          </a:p>
+        </p:txBody>
+      </p:sp>
+    </p:spTree>
+    <p:extLst>
+      <p:ext uri="{BB962C8B-B14F-4D97-AF65-F5344CB8AC3E}">
+        <p14:creationId xmlns:p14="http://schemas.microsoft.com/office/powerpoint/2010/main" val="1698240755"/>
+      </p:ext>
+    </p:extLst>
+  </p:cSld>
+  <p:clrMapOvr>
+    <a:masterClrMapping/>
+  </p:clrMapOvr>
+</p:sld>
+</file>
+
+<file path=ppt/slides/slide5.xml><?xml version="1.0" encoding="utf-8"?>
+<p:sld xmlns:a="http://schemas.openxmlformats.org/drawingml/2006/main" xmlns:r="http://schemas.openxmlformats.org/officeDocument/2006/relationships" xmlns:p="http://schemas.openxmlformats.org/presentationml/2006/main">
+  <p:cSld>
+    <p:spTree>
+      <p:nvGrpSpPr>
+        <p:cNvPr id="1" name=""/>
+        <p:cNvGrpSpPr/>
+        <p:nvPr/>
+      </p:nvGrpSpPr>
+      <p:grpSpPr>
+        <a:xfrm>
+          <a:off x="0" y="0"/>
+          <a:ext cx="0" cy="0"/>
+          <a:chOff x="0" y="0"/>
+          <a:chExt cx="0" cy="0"/>
+        </a:xfrm>
+      </p:grpSpPr>
+      <p:sp>
+        <p:nvSpPr>
+          <p:cNvPr id="2" name="標題 1">
+            <a:extLst>
+              <a:ext uri="{FF2B5EF4-FFF2-40B4-BE49-F238E27FC236}">
+                <a16:creationId xmlns:a16="http://schemas.microsoft.com/office/drawing/2014/main" id="{93769179-CC27-42AA-B3FA-22C4285134EF}"/>
               </a:ext>
             </a:extLst>
           </p:cNvPr>
@@ -6222,1090 +6464,173 @@
             <a:pPr algn="ctr"/>
             <a:r>
               <a:rPr lang="zh-TW" altLang="en-US" sz="5000" dirty="0"/>
-              <a:t>實</a:t>
-            </a:r>
-            <a:r>
-              <a:rPr lang="zh-TW" altLang="en-US" sz="5000" dirty="0" smtClean="0"/>
-              <a:t>作</a:t>
-            </a:r>
-            <a:endParaRPr lang="zh-TW" altLang="en-US" sz="5000" dirty="0"/>
+              <a:t>實作</a:t>
+            </a:r>
+          </a:p>
+        </p:txBody>
+      </p:sp>
+      <p:sp>
+        <p:nvSpPr>
+          <p:cNvPr id="6" name="矩形 5"/>
+          <p:cNvSpPr/>
+          <p:nvPr/>
+        </p:nvSpPr>
+        <p:spPr>
+          <a:xfrm>
+            <a:off x="5197479" y="3433191"/>
+            <a:ext cx="1837944" cy="914400"/>
+          </a:xfrm>
+          <a:prstGeom prst="rect">
+            <a:avLst/>
+          </a:prstGeom>
+        </p:spPr>
+        <p:style>
+          <a:lnRef idx="2">
+            <a:schemeClr val="accent1">
+              <a:shade val="50000"/>
+            </a:schemeClr>
+          </a:lnRef>
+          <a:fillRef idx="1">
+            <a:schemeClr val="accent1"/>
+          </a:fillRef>
+          <a:effectRef idx="0">
+            <a:schemeClr val="accent1"/>
+          </a:effectRef>
+          <a:fontRef idx="minor">
+            <a:schemeClr val="lt1"/>
+          </a:fontRef>
+        </p:style>
+        <p:txBody>
+          <a:bodyPr rtlCol="0" anchor="ctr"/>
+          <a:lstStyle/>
+          <a:p>
+            <a:pPr algn="ctr"/>
+            <a:r>
+              <a:rPr lang="zh-TW" altLang="en-US" dirty="0"/>
+              <a:t>樹莓派</a:t>
+            </a:r>
+          </a:p>
+        </p:txBody>
+      </p:sp>
+      <p:sp>
+        <p:nvSpPr>
+          <p:cNvPr id="7" name="矩形 6"/>
+          <p:cNvSpPr/>
+          <p:nvPr/>
+        </p:nvSpPr>
+        <p:spPr>
+          <a:xfrm>
+            <a:off x="5198925" y="1569782"/>
+            <a:ext cx="1837944" cy="914400"/>
+          </a:xfrm>
+          <a:prstGeom prst="rect">
+            <a:avLst/>
+          </a:prstGeom>
+        </p:spPr>
+        <p:style>
+          <a:lnRef idx="2">
+            <a:schemeClr val="accent1">
+              <a:shade val="50000"/>
+            </a:schemeClr>
+          </a:lnRef>
+          <a:fillRef idx="1">
+            <a:schemeClr val="accent1"/>
+          </a:fillRef>
+          <a:effectRef idx="0">
+            <a:schemeClr val="accent1"/>
+          </a:effectRef>
+          <a:fontRef idx="minor">
+            <a:schemeClr val="lt1"/>
+          </a:fontRef>
+        </p:style>
+        <p:txBody>
+          <a:bodyPr rtlCol="0" anchor="ctr"/>
+          <a:lstStyle/>
+          <a:p>
+            <a:pPr algn="ctr"/>
+            <a:r>
+              <a:rPr lang="en-US" altLang="zh-TW" dirty="0"/>
+              <a:t>ARDUINO</a:t>
+            </a:r>
+            <a:endParaRPr lang="zh-TW" altLang="en-US" dirty="0"/>
+          </a:p>
+        </p:txBody>
+      </p:sp>
+      <p:sp>
+        <p:nvSpPr>
+          <p:cNvPr id="8" name="矩形 7"/>
+          <p:cNvSpPr/>
+          <p:nvPr/>
+        </p:nvSpPr>
+        <p:spPr>
+          <a:xfrm>
+            <a:off x="5202841" y="5236726"/>
+            <a:ext cx="1837944" cy="914400"/>
+          </a:xfrm>
+          <a:prstGeom prst="rect">
+            <a:avLst/>
+          </a:prstGeom>
+        </p:spPr>
+        <p:style>
+          <a:lnRef idx="2">
+            <a:schemeClr val="accent1">
+              <a:shade val="50000"/>
+            </a:schemeClr>
+          </a:lnRef>
+          <a:fillRef idx="1">
+            <a:schemeClr val="accent1"/>
+          </a:fillRef>
+          <a:effectRef idx="0">
+            <a:schemeClr val="accent1"/>
+          </a:effectRef>
+          <a:fontRef idx="minor">
+            <a:schemeClr val="lt1"/>
+          </a:fontRef>
+        </p:style>
+        <p:txBody>
+          <a:bodyPr rtlCol="0" anchor="ctr"/>
+          <a:lstStyle/>
+          <a:p>
+            <a:pPr algn="ctr"/>
+            <a:r>
+              <a:rPr lang="zh-TW" altLang="en-US" dirty="0"/>
+              <a:t>個人電腦</a:t>
+            </a:r>
+            <a:endParaRPr lang="en-US" altLang="zh-TW" dirty="0"/>
+          </a:p>
+          <a:p>
+            <a:pPr algn="ctr"/>
+            <a:r>
+              <a:rPr lang="en-US" altLang="zh-TW" dirty="0"/>
+              <a:t>Server</a:t>
+            </a:r>
+            <a:endParaRPr lang="zh-TW" altLang="en-US" dirty="0"/>
           </a:p>
         </p:txBody>
       </p:sp>
       <p:grpSp>
         <p:nvGrpSpPr>
-          <p:cNvPr id="5" name="群組 4"/>
+          <p:cNvPr id="9" name="群組 8"/>
           <p:cNvGrpSpPr/>
           <p:nvPr/>
         </p:nvGrpSpPr>
         <p:grpSpPr>
           <a:xfrm>
-            <a:off x="2312231" y="1446366"/>
-            <a:ext cx="7567539" cy="4704760"/>
-            <a:chOff x="2171192" y="1327494"/>
-            <a:chExt cx="7567539" cy="4704760"/>
+            <a:off x="5167609" y="2685742"/>
+            <a:ext cx="1912366" cy="587049"/>
+            <a:chOff x="7262688" y="2756732"/>
+            <a:chExt cx="1912366" cy="587049"/>
           </a:xfrm>
         </p:grpSpPr>
-        <p:sp>
-          <p:nvSpPr>
-            <p:cNvPr id="6" name="矩形 5"/>
-            <p:cNvSpPr/>
-            <p:nvPr/>
-          </p:nvSpPr>
-          <p:spPr>
-            <a:xfrm>
-              <a:off x="5056440" y="3314319"/>
-              <a:ext cx="1837944" cy="914400"/>
-            </a:xfrm>
-            <a:prstGeom prst="rect">
-              <a:avLst/>
-            </a:prstGeom>
-          </p:spPr>
-          <p:style>
-            <a:lnRef idx="2">
-              <a:schemeClr val="accent1">
-                <a:shade val="50000"/>
-              </a:schemeClr>
-            </a:lnRef>
-            <a:fillRef idx="1">
-              <a:schemeClr val="accent1"/>
-            </a:fillRef>
-            <a:effectRef idx="0">
-              <a:schemeClr val="accent1"/>
-            </a:effectRef>
-            <a:fontRef idx="minor">
-              <a:schemeClr val="lt1"/>
-            </a:fontRef>
-          </p:style>
-          <p:txBody>
-            <a:bodyPr rtlCol="0" anchor="ctr"/>
-            <a:lstStyle/>
-            <a:p>
-              <a:pPr algn="ctr"/>
-              <a:r>
-                <a:rPr lang="zh-TW" altLang="en-US" dirty="0" smtClean="0"/>
-                <a:t>樹莓派</a:t>
-              </a:r>
-              <a:endParaRPr lang="zh-TW" altLang="en-US" dirty="0"/>
-            </a:p>
-          </p:txBody>
-        </p:sp>
-        <p:sp>
-          <p:nvSpPr>
-            <p:cNvPr id="7" name="矩形 6"/>
-            <p:cNvSpPr/>
-            <p:nvPr/>
-          </p:nvSpPr>
-          <p:spPr>
-            <a:xfrm>
-              <a:off x="5057886" y="1450910"/>
-              <a:ext cx="1837944" cy="914400"/>
-            </a:xfrm>
-            <a:prstGeom prst="rect">
-              <a:avLst/>
-            </a:prstGeom>
-          </p:spPr>
-          <p:style>
-            <a:lnRef idx="2">
-              <a:schemeClr val="accent1">
-                <a:shade val="50000"/>
-              </a:schemeClr>
-            </a:lnRef>
-            <a:fillRef idx="1">
-              <a:schemeClr val="accent1"/>
-            </a:fillRef>
-            <a:effectRef idx="0">
-              <a:schemeClr val="accent1"/>
-            </a:effectRef>
-            <a:fontRef idx="minor">
-              <a:schemeClr val="lt1"/>
-            </a:fontRef>
-          </p:style>
-          <p:txBody>
-            <a:bodyPr rtlCol="0" anchor="ctr"/>
-            <a:lstStyle/>
-            <a:p>
-              <a:pPr algn="ctr"/>
-              <a:r>
-                <a:rPr lang="en-US" altLang="zh-TW" dirty="0" smtClean="0"/>
-                <a:t>ARDUINO</a:t>
-              </a:r>
-              <a:endParaRPr lang="zh-TW" altLang="en-US" dirty="0"/>
-            </a:p>
-          </p:txBody>
-        </p:sp>
-        <p:sp>
-          <p:nvSpPr>
-            <p:cNvPr id="8" name="矩形 7"/>
-            <p:cNvSpPr/>
-            <p:nvPr/>
-          </p:nvSpPr>
-          <p:spPr>
-            <a:xfrm>
-              <a:off x="5061802" y="5117854"/>
-              <a:ext cx="1837944" cy="914400"/>
-            </a:xfrm>
-            <a:prstGeom prst="rect">
-              <a:avLst/>
-            </a:prstGeom>
-          </p:spPr>
-          <p:style>
-            <a:lnRef idx="2">
-              <a:schemeClr val="accent1">
-                <a:shade val="50000"/>
-              </a:schemeClr>
-            </a:lnRef>
-            <a:fillRef idx="1">
-              <a:schemeClr val="accent1"/>
-            </a:fillRef>
-            <a:effectRef idx="0">
-              <a:schemeClr val="accent1"/>
-            </a:effectRef>
-            <a:fontRef idx="minor">
-              <a:schemeClr val="lt1"/>
-            </a:fontRef>
-          </p:style>
-          <p:txBody>
-            <a:bodyPr rtlCol="0" anchor="ctr"/>
-            <a:lstStyle/>
-            <a:p>
-              <a:pPr algn="ctr"/>
-              <a:r>
-                <a:rPr lang="zh-TW" altLang="en-US" dirty="0" smtClean="0"/>
-                <a:t>個人</a:t>
-              </a:r>
-              <a:r>
-                <a:rPr lang="zh-TW" altLang="en-US" dirty="0"/>
-                <a:t>電腦</a:t>
-              </a:r>
-            </a:p>
-          </p:txBody>
-        </p:sp>
-        <p:grpSp>
-          <p:nvGrpSpPr>
-            <p:cNvPr id="9" name="群組 8"/>
-            <p:cNvGrpSpPr/>
-            <p:nvPr/>
-          </p:nvGrpSpPr>
-          <p:grpSpPr>
-            <a:xfrm>
-              <a:off x="5026570" y="2566870"/>
-              <a:ext cx="1912366" cy="587049"/>
-              <a:chOff x="7262688" y="2756732"/>
-              <a:chExt cx="1912366" cy="587049"/>
-            </a:xfrm>
-          </p:grpSpPr>
-          <p:cxnSp>
-            <p:nvCxnSpPr>
-              <p:cNvPr id="36" name="直線單箭頭接點 35"/>
-              <p:cNvCxnSpPr/>
-              <p:nvPr/>
-            </p:nvCxnSpPr>
-            <p:spPr>
-              <a:xfrm flipH="1">
-                <a:off x="8293338" y="2756732"/>
-                <a:ext cx="1" cy="587049"/>
-              </a:xfrm>
-              <a:prstGeom prst="straightConnector1">
-                <a:avLst/>
-              </a:prstGeom>
-              <a:ln w="101600">
-                <a:solidFill>
-                  <a:srgbClr val="FF7F00"/>
-                </a:solidFill>
-                <a:tailEnd type="triangle"/>
-              </a:ln>
-            </p:spPr>
-            <p:style>
-              <a:lnRef idx="1">
-                <a:schemeClr val="accent1"/>
-              </a:lnRef>
-              <a:fillRef idx="0">
-                <a:schemeClr val="accent1"/>
-              </a:fillRef>
-              <a:effectRef idx="0">
-                <a:schemeClr val="accent1"/>
-              </a:effectRef>
-              <a:fontRef idx="minor">
-                <a:schemeClr val="tx1"/>
-              </a:fontRef>
-            </p:style>
-          </p:cxnSp>
-          <p:sp>
-            <p:nvSpPr>
-              <p:cNvPr id="37" name="文字方塊 36"/>
-              <p:cNvSpPr txBox="1"/>
-              <p:nvPr/>
-            </p:nvSpPr>
-            <p:spPr>
-              <a:xfrm>
-                <a:off x="7262688" y="2799361"/>
-                <a:ext cx="877163" cy="369332"/>
-              </a:xfrm>
-              <a:prstGeom prst="rect">
-                <a:avLst/>
-              </a:prstGeom>
-              <a:noFill/>
-            </p:spPr>
-            <p:txBody>
-              <a:bodyPr wrap="square" rtlCol="0">
-                <a:spAutoFit/>
-              </a:bodyPr>
-              <a:lstStyle/>
-              <a:p>
-                <a:r>
-                  <a:rPr lang="zh-TW" altLang="en-US" dirty="0" smtClean="0"/>
-                  <a:t>單芯</a:t>
-                </a:r>
-                <a:r>
-                  <a:rPr lang="zh-TW" altLang="en-US" dirty="0"/>
-                  <a:t>線</a:t>
-                </a:r>
-              </a:p>
-            </p:txBody>
-          </p:sp>
-          <p:sp>
-            <p:nvSpPr>
-              <p:cNvPr id="38" name="文字方塊 37"/>
-              <p:cNvSpPr txBox="1"/>
-              <p:nvPr/>
-            </p:nvSpPr>
-            <p:spPr>
-              <a:xfrm>
-                <a:off x="8442960" y="2799361"/>
-                <a:ext cx="732094" cy="369332"/>
-              </a:xfrm>
-              <a:prstGeom prst="rect">
-                <a:avLst/>
-              </a:prstGeom>
-              <a:noFill/>
-            </p:spPr>
-            <p:txBody>
-              <a:bodyPr wrap="square" rtlCol="0">
-                <a:spAutoFit/>
-              </a:bodyPr>
-              <a:lstStyle/>
-              <a:p>
-                <a:r>
-                  <a:rPr lang="en-US" altLang="zh-TW" dirty="0" smtClean="0"/>
-                  <a:t>data</a:t>
-                </a:r>
-                <a:endParaRPr lang="zh-TW" altLang="en-US" dirty="0"/>
-              </a:p>
-            </p:txBody>
-          </p:sp>
-        </p:grpSp>
-        <p:grpSp>
-          <p:nvGrpSpPr>
-            <p:cNvPr id="10" name="群組 9"/>
-            <p:cNvGrpSpPr/>
-            <p:nvPr/>
-          </p:nvGrpSpPr>
-          <p:grpSpPr>
-            <a:xfrm>
-              <a:off x="5105647" y="4416815"/>
-              <a:ext cx="1991430" cy="587049"/>
-              <a:chOff x="7374366" y="2756732"/>
-              <a:chExt cx="1991430" cy="587049"/>
-            </a:xfrm>
-          </p:grpSpPr>
-          <p:cxnSp>
-            <p:nvCxnSpPr>
-              <p:cNvPr id="33" name="直線單箭頭接點 32"/>
-              <p:cNvCxnSpPr/>
-              <p:nvPr/>
-            </p:nvCxnSpPr>
-            <p:spPr>
-              <a:xfrm flipH="1">
-                <a:off x="8293338" y="2756732"/>
-                <a:ext cx="1" cy="587049"/>
-              </a:xfrm>
-              <a:prstGeom prst="straightConnector1">
-                <a:avLst/>
-              </a:prstGeom>
-              <a:ln w="101600">
-                <a:solidFill>
-                  <a:srgbClr val="FF7F00"/>
-                </a:solidFill>
-                <a:tailEnd type="triangle"/>
-              </a:ln>
-            </p:spPr>
-            <p:style>
-              <a:lnRef idx="1">
-                <a:schemeClr val="accent1"/>
-              </a:lnRef>
-              <a:fillRef idx="0">
-                <a:schemeClr val="accent1"/>
-              </a:fillRef>
-              <a:effectRef idx="0">
-                <a:schemeClr val="accent1"/>
-              </a:effectRef>
-              <a:fontRef idx="minor">
-                <a:schemeClr val="tx1"/>
-              </a:fontRef>
-            </p:style>
-          </p:cxnSp>
-          <p:sp>
-            <p:nvSpPr>
-              <p:cNvPr id="34" name="文字方塊 33"/>
-              <p:cNvSpPr txBox="1"/>
-              <p:nvPr/>
-            </p:nvSpPr>
-            <p:spPr>
-              <a:xfrm>
-                <a:off x="7374366" y="2799361"/>
-                <a:ext cx="776411" cy="369332"/>
-              </a:xfrm>
-              <a:prstGeom prst="rect">
-                <a:avLst/>
-              </a:prstGeom>
-              <a:noFill/>
-            </p:spPr>
-            <p:txBody>
-              <a:bodyPr wrap="square" rtlCol="0">
-                <a:spAutoFit/>
-              </a:bodyPr>
-              <a:lstStyle/>
-              <a:p>
-                <a:r>
-                  <a:rPr lang="en-US" altLang="zh-TW" dirty="0" smtClean="0"/>
-                  <a:t>route</a:t>
-                </a:r>
-                <a:endParaRPr lang="zh-TW" altLang="en-US" dirty="0"/>
-              </a:p>
-            </p:txBody>
-          </p:sp>
-          <p:sp>
-            <p:nvSpPr>
-              <p:cNvPr id="35" name="文字方塊 34"/>
-              <p:cNvSpPr txBox="1"/>
-              <p:nvPr/>
-            </p:nvSpPr>
-            <p:spPr>
-              <a:xfrm>
-                <a:off x="8442959" y="2799361"/>
-                <a:ext cx="922837" cy="369332"/>
-              </a:xfrm>
-              <a:prstGeom prst="rect">
-                <a:avLst/>
-              </a:prstGeom>
-              <a:noFill/>
-            </p:spPr>
-            <p:txBody>
-              <a:bodyPr wrap="square" rtlCol="0">
-                <a:spAutoFit/>
-              </a:bodyPr>
-              <a:lstStyle/>
-              <a:p>
-                <a:r>
-                  <a:rPr lang="en-US" altLang="zh-TW" dirty="0" smtClean="0"/>
-                  <a:t>socket</a:t>
-                </a:r>
-                <a:endParaRPr lang="zh-TW" altLang="en-US" dirty="0"/>
-              </a:p>
-            </p:txBody>
-          </p:sp>
-        </p:grpSp>
-        <p:grpSp>
-          <p:nvGrpSpPr>
-            <p:cNvPr id="11" name="群組 10"/>
-            <p:cNvGrpSpPr/>
-            <p:nvPr/>
-          </p:nvGrpSpPr>
-          <p:grpSpPr>
-            <a:xfrm rot="16200000">
-              <a:off x="4009696" y="1408912"/>
-              <a:ext cx="1112263" cy="949427"/>
-              <a:chOff x="7717206" y="2625571"/>
-              <a:chExt cx="1112263" cy="949427"/>
-            </a:xfrm>
-          </p:grpSpPr>
-          <p:cxnSp>
-            <p:nvCxnSpPr>
-              <p:cNvPr id="30" name="直線單箭頭接點 29"/>
-              <p:cNvCxnSpPr/>
-              <p:nvPr/>
-            </p:nvCxnSpPr>
-            <p:spPr>
-              <a:xfrm flipH="1">
-                <a:off x="8293338" y="2756732"/>
-                <a:ext cx="1" cy="587049"/>
-              </a:xfrm>
-              <a:prstGeom prst="straightConnector1">
-                <a:avLst/>
-              </a:prstGeom>
-              <a:ln w="101600">
-                <a:solidFill>
-                  <a:srgbClr val="FF7F00"/>
-                </a:solidFill>
-                <a:tailEnd type="triangle"/>
-              </a:ln>
-            </p:spPr>
-            <p:style>
-              <a:lnRef idx="1">
-                <a:schemeClr val="accent1"/>
-              </a:lnRef>
-              <a:fillRef idx="0">
-                <a:schemeClr val="accent1"/>
-              </a:fillRef>
-              <a:effectRef idx="0">
-                <a:schemeClr val="accent1"/>
-              </a:effectRef>
-              <a:fontRef idx="minor">
-                <a:schemeClr val="tx1"/>
-              </a:fontRef>
-            </p:style>
-          </p:cxnSp>
-          <p:sp>
-            <p:nvSpPr>
-              <p:cNvPr id="31" name="文字方塊 30"/>
-              <p:cNvSpPr txBox="1"/>
-              <p:nvPr/>
-            </p:nvSpPr>
-            <p:spPr>
-              <a:xfrm>
-                <a:off x="7717206" y="2698293"/>
-                <a:ext cx="461665" cy="803984"/>
-              </a:xfrm>
-              <a:prstGeom prst="rect">
-                <a:avLst/>
-              </a:prstGeom>
-              <a:noFill/>
-            </p:spPr>
-            <p:txBody>
-              <a:bodyPr vert="eaVert" wrap="square" rtlCol="0">
-                <a:spAutoFit/>
-              </a:bodyPr>
-              <a:lstStyle/>
-              <a:p>
-                <a:r>
-                  <a:rPr lang="zh-TW" altLang="en-US" dirty="0" smtClean="0"/>
-                  <a:t>單芯</a:t>
-                </a:r>
-                <a:r>
-                  <a:rPr lang="zh-TW" altLang="en-US" dirty="0"/>
-                  <a:t>線</a:t>
-                </a:r>
-              </a:p>
-            </p:txBody>
-          </p:sp>
-          <p:sp>
-            <p:nvSpPr>
-              <p:cNvPr id="32" name="文字方塊 31"/>
-              <p:cNvSpPr txBox="1"/>
-              <p:nvPr/>
-            </p:nvSpPr>
-            <p:spPr>
-              <a:xfrm>
-                <a:off x="8367804" y="2625571"/>
-                <a:ext cx="461665" cy="949427"/>
-              </a:xfrm>
-              <a:prstGeom prst="rect">
-                <a:avLst/>
-              </a:prstGeom>
-              <a:noFill/>
-            </p:spPr>
-            <p:txBody>
-              <a:bodyPr vert="eaVert" wrap="square" rtlCol="0">
-                <a:spAutoFit/>
-              </a:bodyPr>
-              <a:lstStyle/>
-              <a:p>
-                <a:r>
-                  <a:rPr lang="en-US" altLang="zh-TW" dirty="0" smtClean="0"/>
-                  <a:t>analog</a:t>
-                </a:r>
-                <a:endParaRPr lang="zh-TW" altLang="en-US" dirty="0"/>
-              </a:p>
-            </p:txBody>
-          </p:sp>
-        </p:grpSp>
-        <p:sp>
-          <p:nvSpPr>
-            <p:cNvPr id="12" name="矩形 11"/>
-            <p:cNvSpPr/>
-            <p:nvPr/>
-          </p:nvSpPr>
-          <p:spPr>
-            <a:xfrm>
-              <a:off x="2176453" y="1450910"/>
-              <a:ext cx="1837944" cy="914400"/>
-            </a:xfrm>
-            <a:prstGeom prst="rect">
-              <a:avLst/>
-            </a:prstGeom>
-          </p:spPr>
-          <p:style>
-            <a:lnRef idx="2">
-              <a:schemeClr val="accent1">
-                <a:shade val="50000"/>
-              </a:schemeClr>
-            </a:lnRef>
-            <a:fillRef idx="1">
-              <a:schemeClr val="accent1"/>
-            </a:fillRef>
-            <a:effectRef idx="0">
-              <a:schemeClr val="accent1"/>
-            </a:effectRef>
-            <a:fontRef idx="minor">
-              <a:schemeClr val="lt1"/>
-            </a:fontRef>
-          </p:style>
-          <p:txBody>
-            <a:bodyPr rtlCol="0" anchor="ctr"/>
-            <a:lstStyle/>
-            <a:p>
-              <a:pPr algn="ctr"/>
-              <a:r>
-                <a:rPr lang="zh-TW" altLang="en-US" dirty="0" smtClean="0"/>
-                <a:t>激光裝置</a:t>
-              </a:r>
-              <a:endParaRPr lang="en-US" altLang="zh-TW" dirty="0" smtClean="0"/>
-            </a:p>
-            <a:p>
-              <a:pPr algn="ctr"/>
-              <a:r>
-                <a:rPr lang="zh-TW" altLang="en-US" dirty="0" smtClean="0"/>
-                <a:t>光敏</a:t>
-              </a:r>
-              <a:r>
-                <a:rPr lang="zh-TW" altLang="en-US" dirty="0"/>
-                <a:t>電阻</a:t>
-              </a:r>
-            </a:p>
-          </p:txBody>
-        </p:sp>
-        <p:grpSp>
-          <p:nvGrpSpPr>
-            <p:cNvPr id="13" name="群組 12"/>
-            <p:cNvGrpSpPr/>
-            <p:nvPr/>
-          </p:nvGrpSpPr>
-          <p:grpSpPr>
-            <a:xfrm rot="16200000">
-              <a:off x="3986708" y="3348379"/>
-              <a:ext cx="1112264" cy="803984"/>
-              <a:chOff x="7717206" y="2698293"/>
-              <a:chExt cx="1112264" cy="803984"/>
-            </a:xfrm>
-          </p:grpSpPr>
-          <p:cxnSp>
-            <p:nvCxnSpPr>
-              <p:cNvPr id="27" name="直線單箭頭接點 26"/>
-              <p:cNvCxnSpPr/>
-              <p:nvPr/>
-            </p:nvCxnSpPr>
-            <p:spPr>
-              <a:xfrm flipH="1">
-                <a:off x="8293338" y="2756732"/>
-                <a:ext cx="1" cy="587049"/>
-              </a:xfrm>
-              <a:prstGeom prst="straightConnector1">
-                <a:avLst/>
-              </a:prstGeom>
-              <a:ln w="101600">
-                <a:solidFill>
-                  <a:srgbClr val="FF7F00"/>
-                </a:solidFill>
-                <a:tailEnd type="triangle"/>
-              </a:ln>
-            </p:spPr>
-            <p:style>
-              <a:lnRef idx="1">
-                <a:schemeClr val="accent1"/>
-              </a:lnRef>
-              <a:fillRef idx="0">
-                <a:schemeClr val="accent1"/>
-              </a:fillRef>
-              <a:effectRef idx="0">
-                <a:schemeClr val="accent1"/>
-              </a:effectRef>
-              <a:fontRef idx="minor">
-                <a:schemeClr val="tx1"/>
-              </a:fontRef>
-            </p:style>
-          </p:cxnSp>
-          <p:sp>
-            <p:nvSpPr>
-              <p:cNvPr id="28" name="文字方塊 27"/>
-              <p:cNvSpPr txBox="1"/>
-              <p:nvPr/>
-            </p:nvSpPr>
-            <p:spPr>
-              <a:xfrm>
-                <a:off x="7717206" y="2698293"/>
-                <a:ext cx="461665" cy="803984"/>
-              </a:xfrm>
-              <a:prstGeom prst="rect">
-                <a:avLst/>
-              </a:prstGeom>
-              <a:noFill/>
-            </p:spPr>
-            <p:txBody>
-              <a:bodyPr vert="eaVert" wrap="square" rtlCol="0">
-                <a:spAutoFit/>
-              </a:bodyPr>
-              <a:lstStyle/>
-              <a:p>
-                <a:r>
-                  <a:rPr lang="zh-TW" altLang="en-US" dirty="0" smtClean="0"/>
-                  <a:t>單芯</a:t>
-                </a:r>
-                <a:r>
-                  <a:rPr lang="zh-TW" altLang="en-US" dirty="0"/>
-                  <a:t>線</a:t>
-                </a:r>
-              </a:p>
-            </p:txBody>
-          </p:sp>
-          <p:sp>
-            <p:nvSpPr>
-              <p:cNvPr id="29" name="文字方塊 28"/>
-              <p:cNvSpPr txBox="1"/>
-              <p:nvPr/>
-            </p:nvSpPr>
-            <p:spPr>
-              <a:xfrm>
-                <a:off x="8367805" y="2710632"/>
-                <a:ext cx="461665" cy="779302"/>
-              </a:xfrm>
-              <a:prstGeom prst="rect">
-                <a:avLst/>
-              </a:prstGeom>
-              <a:noFill/>
-            </p:spPr>
-            <p:txBody>
-              <a:bodyPr vert="eaVert" wrap="square" rtlCol="0">
-                <a:spAutoFit/>
-              </a:bodyPr>
-              <a:lstStyle/>
-              <a:p>
-                <a:r>
-                  <a:rPr lang="en-US" altLang="zh-TW" dirty="0" smtClean="0"/>
-                  <a:t>digital</a:t>
-                </a:r>
-                <a:endParaRPr lang="zh-TW" altLang="en-US" dirty="0"/>
-              </a:p>
-            </p:txBody>
-          </p:sp>
-        </p:grpSp>
-        <p:sp>
-          <p:nvSpPr>
-            <p:cNvPr id="14" name="矩形 13"/>
-            <p:cNvSpPr/>
-            <p:nvPr/>
-          </p:nvSpPr>
-          <p:spPr>
-            <a:xfrm>
-              <a:off x="2171192" y="3314319"/>
-              <a:ext cx="1837944" cy="914400"/>
-            </a:xfrm>
-            <a:prstGeom prst="rect">
-              <a:avLst/>
-            </a:prstGeom>
-          </p:spPr>
-          <p:style>
-            <a:lnRef idx="2">
-              <a:schemeClr val="accent1">
-                <a:shade val="50000"/>
-              </a:schemeClr>
-            </a:lnRef>
-            <a:fillRef idx="1">
-              <a:schemeClr val="accent1"/>
-            </a:fillRef>
-            <a:effectRef idx="0">
-              <a:schemeClr val="accent1"/>
-            </a:effectRef>
-            <a:fontRef idx="minor">
-              <a:schemeClr val="lt1"/>
-            </a:fontRef>
-          </p:style>
-          <p:txBody>
-            <a:bodyPr rtlCol="0" anchor="ctr"/>
-            <a:lstStyle/>
-            <a:p>
-              <a:pPr algn="ctr"/>
-              <a:r>
-                <a:rPr lang="zh-TW" altLang="en-US" dirty="0" smtClean="0"/>
-                <a:t>按鈕裝</a:t>
-              </a:r>
-              <a:r>
-                <a:rPr lang="zh-TW" altLang="en-US" dirty="0"/>
-                <a:t>置</a:t>
-              </a:r>
-            </a:p>
-          </p:txBody>
-        </p:sp>
-        <p:sp>
-          <p:nvSpPr>
-            <p:cNvPr id="15" name="矩形 14"/>
-            <p:cNvSpPr/>
-            <p:nvPr/>
-          </p:nvSpPr>
-          <p:spPr>
-            <a:xfrm>
-              <a:off x="7895425" y="1450910"/>
-              <a:ext cx="1837944" cy="914400"/>
-            </a:xfrm>
-            <a:prstGeom prst="rect">
-              <a:avLst/>
-            </a:prstGeom>
-          </p:spPr>
-          <p:style>
-            <a:lnRef idx="2">
-              <a:schemeClr val="accent1">
-                <a:shade val="50000"/>
-              </a:schemeClr>
-            </a:lnRef>
-            <a:fillRef idx="1">
-              <a:schemeClr val="accent1"/>
-            </a:fillRef>
-            <a:effectRef idx="0">
-              <a:schemeClr val="accent1"/>
-            </a:effectRef>
-            <a:fontRef idx="minor">
-              <a:schemeClr val="lt1"/>
-            </a:fontRef>
-          </p:style>
-          <p:txBody>
-            <a:bodyPr rtlCol="0" anchor="ctr"/>
-            <a:lstStyle/>
-            <a:p>
-              <a:pPr algn="ctr"/>
-              <a:r>
-                <a:rPr lang="zh-TW" altLang="en-US" dirty="0"/>
-                <a:t>蜂鳴器</a:t>
-              </a:r>
-            </a:p>
-          </p:txBody>
-        </p:sp>
-        <p:grpSp>
-          <p:nvGrpSpPr>
-            <p:cNvPr id="16" name="群組 15"/>
-            <p:cNvGrpSpPr/>
-            <p:nvPr/>
-          </p:nvGrpSpPr>
-          <p:grpSpPr>
-            <a:xfrm>
-              <a:off x="6984686" y="1329796"/>
-              <a:ext cx="821554" cy="1111426"/>
-              <a:chOff x="7097128" y="1192464"/>
-              <a:chExt cx="821554" cy="1111426"/>
-            </a:xfrm>
-          </p:grpSpPr>
-          <p:cxnSp>
-            <p:nvCxnSpPr>
-              <p:cNvPr id="24" name="直線單箭頭接點 23"/>
-              <p:cNvCxnSpPr/>
-              <p:nvPr/>
-            </p:nvCxnSpPr>
-            <p:spPr>
-              <a:xfrm rot="16200000" flipH="1">
-                <a:off x="7504407" y="1453239"/>
-                <a:ext cx="1" cy="587049"/>
-              </a:xfrm>
-              <a:prstGeom prst="straightConnector1">
-                <a:avLst/>
-              </a:prstGeom>
-              <a:ln w="101600">
-                <a:solidFill>
-                  <a:srgbClr val="FF7F00"/>
-                </a:solidFill>
-                <a:tailEnd type="triangle"/>
-              </a:ln>
-            </p:spPr>
-            <p:style>
-              <a:lnRef idx="1">
-                <a:schemeClr val="accent1"/>
-              </a:lnRef>
-              <a:fillRef idx="0">
-                <a:schemeClr val="accent1"/>
-              </a:fillRef>
-              <a:effectRef idx="0">
-                <a:schemeClr val="accent1"/>
-              </a:effectRef>
-              <a:fontRef idx="minor">
-                <a:schemeClr val="tx1"/>
-              </a:fontRef>
-            </p:style>
-          </p:cxnSp>
-          <p:sp>
-            <p:nvSpPr>
-              <p:cNvPr id="25" name="文字方塊 24"/>
-              <p:cNvSpPr txBox="1"/>
-              <p:nvPr/>
-            </p:nvSpPr>
-            <p:spPr>
-              <a:xfrm rot="16200000">
-                <a:off x="7268287" y="1671066"/>
-                <a:ext cx="461665" cy="803984"/>
-              </a:xfrm>
-              <a:prstGeom prst="rect">
-                <a:avLst/>
-              </a:prstGeom>
-              <a:noFill/>
-            </p:spPr>
-            <p:txBody>
-              <a:bodyPr vert="eaVert" wrap="square" rtlCol="0">
-                <a:spAutoFit/>
-              </a:bodyPr>
-              <a:lstStyle/>
-              <a:p>
-                <a:r>
-                  <a:rPr lang="zh-TW" altLang="en-US" dirty="0" smtClean="0"/>
-                  <a:t>單芯</a:t>
-                </a:r>
-                <a:r>
-                  <a:rPr lang="zh-TW" altLang="en-US" dirty="0"/>
-                  <a:t>線</a:t>
-                </a:r>
-              </a:p>
-            </p:txBody>
-          </p:sp>
-          <p:sp>
-            <p:nvSpPr>
-              <p:cNvPr id="26" name="文字方塊 25"/>
-              <p:cNvSpPr txBox="1"/>
-              <p:nvPr/>
-            </p:nvSpPr>
-            <p:spPr>
-              <a:xfrm rot="16200000">
-                <a:off x="7277155" y="1012602"/>
-                <a:ext cx="461665" cy="821389"/>
-              </a:xfrm>
-              <a:prstGeom prst="rect">
-                <a:avLst/>
-              </a:prstGeom>
-              <a:noFill/>
-            </p:spPr>
-            <p:txBody>
-              <a:bodyPr vert="eaVert" wrap="square" rtlCol="0">
-                <a:spAutoFit/>
-              </a:bodyPr>
-              <a:lstStyle/>
-              <a:p>
-                <a:r>
-                  <a:rPr lang="en-US" altLang="zh-TW" dirty="0" smtClean="0"/>
-                  <a:t>digital</a:t>
-                </a:r>
-              </a:p>
-            </p:txBody>
-          </p:sp>
-        </p:grpSp>
-        <p:sp>
-          <p:nvSpPr>
-            <p:cNvPr id="17" name="矩形 16"/>
-            <p:cNvSpPr/>
-            <p:nvPr/>
-          </p:nvSpPr>
-          <p:spPr>
-            <a:xfrm>
-              <a:off x="7893979" y="3320369"/>
-              <a:ext cx="1837944" cy="914400"/>
-            </a:xfrm>
-            <a:prstGeom prst="rect">
-              <a:avLst/>
-            </a:prstGeom>
-          </p:spPr>
-          <p:style>
-            <a:lnRef idx="2">
-              <a:schemeClr val="accent1">
-                <a:shade val="50000"/>
-              </a:schemeClr>
-            </a:lnRef>
-            <a:fillRef idx="1">
-              <a:schemeClr val="accent1"/>
-            </a:fillRef>
-            <a:effectRef idx="0">
-              <a:schemeClr val="accent1"/>
-            </a:effectRef>
-            <a:fontRef idx="minor">
-              <a:schemeClr val="lt1"/>
-            </a:fontRef>
-          </p:style>
-          <p:txBody>
-            <a:bodyPr rtlCol="0" anchor="ctr"/>
-            <a:lstStyle/>
-            <a:p>
-              <a:pPr algn="ctr"/>
-              <a:r>
-                <a:rPr lang="en-US" altLang="zh-TW" dirty="0" smtClean="0"/>
-                <a:t>RGB</a:t>
-              </a:r>
-              <a:r>
-                <a:rPr lang="zh-TW" altLang="en-US" dirty="0" smtClean="0"/>
-                <a:t>裝置</a:t>
-              </a:r>
-              <a:endParaRPr lang="zh-TW" altLang="en-US" dirty="0"/>
-            </a:p>
-          </p:txBody>
-        </p:sp>
-        <p:grpSp>
-          <p:nvGrpSpPr>
-            <p:cNvPr id="18" name="群組 17"/>
-            <p:cNvGrpSpPr/>
-            <p:nvPr/>
-          </p:nvGrpSpPr>
-          <p:grpSpPr>
-            <a:xfrm>
-              <a:off x="6983322" y="3139574"/>
-              <a:ext cx="821554" cy="1111426"/>
-              <a:chOff x="7097128" y="1192464"/>
-              <a:chExt cx="821554" cy="1111426"/>
-            </a:xfrm>
-          </p:grpSpPr>
-          <p:cxnSp>
-            <p:nvCxnSpPr>
-              <p:cNvPr id="21" name="直線單箭頭接點 20"/>
-              <p:cNvCxnSpPr/>
-              <p:nvPr/>
-            </p:nvCxnSpPr>
-            <p:spPr>
-              <a:xfrm rot="16200000" flipH="1">
-                <a:off x="7504407" y="1453239"/>
-                <a:ext cx="1" cy="587049"/>
-              </a:xfrm>
-              <a:prstGeom prst="straightConnector1">
-                <a:avLst/>
-              </a:prstGeom>
-              <a:ln w="101600">
-                <a:solidFill>
-                  <a:srgbClr val="FF7F00"/>
-                </a:solidFill>
-                <a:tailEnd type="triangle"/>
-              </a:ln>
-            </p:spPr>
-            <p:style>
-              <a:lnRef idx="1">
-                <a:schemeClr val="accent1"/>
-              </a:lnRef>
-              <a:fillRef idx="0">
-                <a:schemeClr val="accent1"/>
-              </a:fillRef>
-              <a:effectRef idx="0">
-                <a:schemeClr val="accent1"/>
-              </a:effectRef>
-              <a:fontRef idx="minor">
-                <a:schemeClr val="tx1"/>
-              </a:fontRef>
-            </p:style>
-          </p:cxnSp>
-          <p:sp>
-            <p:nvSpPr>
-              <p:cNvPr id="22" name="文字方塊 21"/>
-              <p:cNvSpPr txBox="1"/>
-              <p:nvPr/>
-            </p:nvSpPr>
-            <p:spPr>
-              <a:xfrm rot="16200000">
-                <a:off x="7268287" y="1671066"/>
-                <a:ext cx="461665" cy="803984"/>
-              </a:xfrm>
-              <a:prstGeom prst="rect">
-                <a:avLst/>
-              </a:prstGeom>
-              <a:noFill/>
-            </p:spPr>
-            <p:txBody>
-              <a:bodyPr vert="eaVert" wrap="square" rtlCol="0">
-                <a:spAutoFit/>
-              </a:bodyPr>
-              <a:lstStyle/>
-              <a:p>
-                <a:r>
-                  <a:rPr lang="zh-TW" altLang="en-US" dirty="0" smtClean="0"/>
-                  <a:t>單芯</a:t>
-                </a:r>
-                <a:r>
-                  <a:rPr lang="zh-TW" altLang="en-US" dirty="0"/>
-                  <a:t>線</a:t>
-                </a:r>
-              </a:p>
-            </p:txBody>
-          </p:sp>
-          <p:sp>
-            <p:nvSpPr>
-              <p:cNvPr id="23" name="文字方塊 22"/>
-              <p:cNvSpPr txBox="1"/>
-              <p:nvPr/>
-            </p:nvSpPr>
-            <p:spPr>
-              <a:xfrm rot="16200000">
-                <a:off x="7277155" y="1012602"/>
-                <a:ext cx="461665" cy="821389"/>
-              </a:xfrm>
-              <a:prstGeom prst="rect">
-                <a:avLst/>
-              </a:prstGeom>
-              <a:noFill/>
-            </p:spPr>
-            <p:txBody>
-              <a:bodyPr vert="eaVert" wrap="square" rtlCol="0">
-                <a:spAutoFit/>
-              </a:bodyPr>
-              <a:lstStyle/>
-              <a:p>
-                <a:r>
-                  <a:rPr lang="en-US" altLang="zh-TW" dirty="0" smtClean="0"/>
-                  <a:t>digital</a:t>
-                </a:r>
-              </a:p>
-            </p:txBody>
-          </p:sp>
-        </p:grpSp>
-        <p:sp>
-          <p:nvSpPr>
-            <p:cNvPr id="19" name="矩形 18"/>
-            <p:cNvSpPr/>
-            <p:nvPr/>
-          </p:nvSpPr>
-          <p:spPr>
-            <a:xfrm>
-              <a:off x="7900787" y="5113039"/>
-              <a:ext cx="1837944" cy="914400"/>
-            </a:xfrm>
-            <a:prstGeom prst="rect">
-              <a:avLst/>
-            </a:prstGeom>
-          </p:spPr>
-          <p:style>
-            <a:lnRef idx="2">
-              <a:schemeClr val="accent1">
-                <a:shade val="50000"/>
-              </a:schemeClr>
-            </a:lnRef>
-            <a:fillRef idx="1">
-              <a:schemeClr val="accent1"/>
-            </a:fillRef>
-            <a:effectRef idx="0">
-              <a:schemeClr val="accent1"/>
-            </a:effectRef>
-            <a:fontRef idx="minor">
-              <a:schemeClr val="lt1"/>
-            </a:fontRef>
-          </p:style>
-          <p:txBody>
-            <a:bodyPr rtlCol="0" anchor="ctr"/>
-            <a:lstStyle/>
-            <a:p>
-              <a:pPr algn="ctr"/>
-              <a:r>
-                <a:rPr lang="en-US" altLang="zh-TW" dirty="0" smtClean="0"/>
-                <a:t>database</a:t>
-              </a:r>
-              <a:endParaRPr lang="zh-TW" altLang="en-US" dirty="0"/>
-            </a:p>
-          </p:txBody>
-        </p:sp>
         <p:cxnSp>
           <p:nvCxnSpPr>
-            <p:cNvPr id="20" name="直線單箭頭接點 19"/>
+            <p:cNvPr id="36" name="直線單箭頭接點 35"/>
             <p:cNvCxnSpPr/>
             <p:nvPr/>
           </p:nvCxnSpPr>
           <p:spPr>
-            <a:xfrm rot="16200000" flipH="1">
-              <a:off x="7500507" y="5260591"/>
+            <a:xfrm flipH="1">
+              <a:off x="8293338" y="2756732"/>
               <a:ext cx="1" cy="587049"/>
             </a:xfrm>
             <a:prstGeom prst="straightConnector1">
@@ -7333,419 +6658,1070 @@
             </a:fontRef>
           </p:style>
         </p:cxnSp>
+        <p:sp>
+          <p:nvSpPr>
+            <p:cNvPr id="37" name="文字方塊 36"/>
+            <p:cNvSpPr txBox="1"/>
+            <p:nvPr/>
+          </p:nvSpPr>
+          <p:spPr>
+            <a:xfrm>
+              <a:off x="7262688" y="2799361"/>
+              <a:ext cx="877163" cy="369332"/>
+            </a:xfrm>
+            <a:prstGeom prst="rect">
+              <a:avLst/>
+            </a:prstGeom>
+            <a:noFill/>
+          </p:spPr>
+          <p:txBody>
+            <a:bodyPr wrap="square" rtlCol="0">
+              <a:spAutoFit/>
+            </a:bodyPr>
+            <a:lstStyle/>
+            <a:p>
+              <a:r>
+                <a:rPr lang="zh-TW" altLang="en-US" dirty="0"/>
+                <a:t>單芯線</a:t>
+              </a:r>
+            </a:p>
+          </p:txBody>
+        </p:sp>
+        <p:sp>
+          <p:nvSpPr>
+            <p:cNvPr id="38" name="文字方塊 37"/>
+            <p:cNvSpPr txBox="1"/>
+            <p:nvPr/>
+          </p:nvSpPr>
+          <p:spPr>
+            <a:xfrm>
+              <a:off x="8442960" y="2799361"/>
+              <a:ext cx="732094" cy="369332"/>
+            </a:xfrm>
+            <a:prstGeom prst="rect">
+              <a:avLst/>
+            </a:prstGeom>
+            <a:noFill/>
+          </p:spPr>
+          <p:txBody>
+            <a:bodyPr wrap="square" rtlCol="0">
+              <a:spAutoFit/>
+            </a:bodyPr>
+            <a:lstStyle/>
+            <a:p>
+              <a:r>
+                <a:rPr lang="en-US" altLang="zh-TW" dirty="0"/>
+                <a:t>data</a:t>
+              </a:r>
+              <a:endParaRPr lang="zh-TW" altLang="en-US" dirty="0"/>
+            </a:p>
+          </p:txBody>
+        </p:sp>
+      </p:grpSp>
+      <p:grpSp>
+        <p:nvGrpSpPr>
+          <p:cNvPr id="10" name="群組 9"/>
+          <p:cNvGrpSpPr/>
+          <p:nvPr/>
+        </p:nvGrpSpPr>
+        <p:grpSpPr>
+          <a:xfrm>
+            <a:off x="5246686" y="4535687"/>
+            <a:ext cx="1991430" cy="587049"/>
+            <a:chOff x="7374366" y="2756732"/>
+            <a:chExt cx="1991430" cy="587049"/>
+          </a:xfrm>
+        </p:grpSpPr>
+        <p:cxnSp>
+          <p:nvCxnSpPr>
+            <p:cNvPr id="33" name="直線單箭頭接點 32"/>
+            <p:cNvCxnSpPr/>
+            <p:nvPr/>
+          </p:nvCxnSpPr>
+          <p:spPr>
+            <a:xfrm flipH="1">
+              <a:off x="8293338" y="2756732"/>
+              <a:ext cx="1" cy="587049"/>
+            </a:xfrm>
+            <a:prstGeom prst="straightConnector1">
+              <a:avLst/>
+            </a:prstGeom>
+            <a:ln w="101600">
+              <a:solidFill>
+                <a:srgbClr val="FF7F00"/>
+              </a:solidFill>
+              <a:tailEnd type="triangle"/>
+            </a:ln>
+          </p:spPr>
+          <p:style>
+            <a:lnRef idx="1">
+              <a:schemeClr val="accent1"/>
+            </a:lnRef>
+            <a:fillRef idx="0">
+              <a:schemeClr val="accent1"/>
+            </a:fillRef>
+            <a:effectRef idx="0">
+              <a:schemeClr val="accent1"/>
+            </a:effectRef>
+            <a:fontRef idx="minor">
+              <a:schemeClr val="tx1"/>
+            </a:fontRef>
+          </p:style>
+        </p:cxnSp>
+        <p:sp>
+          <p:nvSpPr>
+            <p:cNvPr id="34" name="文字方塊 33"/>
+            <p:cNvSpPr txBox="1"/>
+            <p:nvPr/>
+          </p:nvSpPr>
+          <p:spPr>
+            <a:xfrm>
+              <a:off x="7374366" y="2799361"/>
+              <a:ext cx="776411" cy="369332"/>
+            </a:xfrm>
+            <a:prstGeom prst="rect">
+              <a:avLst/>
+            </a:prstGeom>
+            <a:noFill/>
+          </p:spPr>
+          <p:txBody>
+            <a:bodyPr wrap="square" rtlCol="0">
+              <a:spAutoFit/>
+            </a:bodyPr>
+            <a:lstStyle/>
+            <a:p>
+              <a:r>
+                <a:rPr lang="en-US" altLang="zh-TW" dirty="0"/>
+                <a:t>route</a:t>
+              </a:r>
+              <a:endParaRPr lang="zh-TW" altLang="en-US" dirty="0"/>
+            </a:p>
+          </p:txBody>
+        </p:sp>
+        <p:sp>
+          <p:nvSpPr>
+            <p:cNvPr id="35" name="文字方塊 34"/>
+            <p:cNvSpPr txBox="1"/>
+            <p:nvPr/>
+          </p:nvSpPr>
+          <p:spPr>
+            <a:xfrm>
+              <a:off x="8442959" y="2799361"/>
+              <a:ext cx="922837" cy="369332"/>
+            </a:xfrm>
+            <a:prstGeom prst="rect">
+              <a:avLst/>
+            </a:prstGeom>
+            <a:noFill/>
+          </p:spPr>
+          <p:txBody>
+            <a:bodyPr wrap="square" rtlCol="0">
+              <a:spAutoFit/>
+            </a:bodyPr>
+            <a:lstStyle/>
+            <a:p>
+              <a:r>
+                <a:rPr lang="en-US" altLang="zh-TW" dirty="0"/>
+                <a:t>socket</a:t>
+              </a:r>
+              <a:endParaRPr lang="zh-TW" altLang="en-US" dirty="0"/>
+            </a:p>
+          </p:txBody>
+        </p:sp>
+      </p:grpSp>
+      <p:grpSp>
+        <p:nvGrpSpPr>
+          <p:cNvPr id="11" name="群組 10"/>
+          <p:cNvGrpSpPr/>
+          <p:nvPr/>
+        </p:nvGrpSpPr>
+        <p:grpSpPr>
+          <a:xfrm rot="16200000">
+            <a:off x="4150735" y="1527784"/>
+            <a:ext cx="1112263" cy="949427"/>
+            <a:chOff x="7717206" y="2625571"/>
+            <a:chExt cx="1112263" cy="949427"/>
+          </a:xfrm>
+        </p:grpSpPr>
+        <p:cxnSp>
+          <p:nvCxnSpPr>
+            <p:cNvPr id="30" name="直線單箭頭接點 29"/>
+            <p:cNvCxnSpPr/>
+            <p:nvPr/>
+          </p:nvCxnSpPr>
+          <p:spPr>
+            <a:xfrm flipH="1">
+              <a:off x="8293338" y="2756732"/>
+              <a:ext cx="1" cy="587049"/>
+            </a:xfrm>
+            <a:prstGeom prst="straightConnector1">
+              <a:avLst/>
+            </a:prstGeom>
+            <a:ln w="101600">
+              <a:solidFill>
+                <a:srgbClr val="FF7F00"/>
+              </a:solidFill>
+              <a:tailEnd type="triangle"/>
+            </a:ln>
+          </p:spPr>
+          <p:style>
+            <a:lnRef idx="1">
+              <a:schemeClr val="accent1"/>
+            </a:lnRef>
+            <a:fillRef idx="0">
+              <a:schemeClr val="accent1"/>
+            </a:fillRef>
+            <a:effectRef idx="0">
+              <a:schemeClr val="accent1"/>
+            </a:effectRef>
+            <a:fontRef idx="minor">
+              <a:schemeClr val="tx1"/>
+            </a:fontRef>
+          </p:style>
+        </p:cxnSp>
+        <p:sp>
+          <p:nvSpPr>
+            <p:cNvPr id="31" name="文字方塊 30"/>
+            <p:cNvSpPr txBox="1"/>
+            <p:nvPr/>
+          </p:nvSpPr>
+          <p:spPr>
+            <a:xfrm>
+              <a:off x="7717206" y="2698293"/>
+              <a:ext cx="461665" cy="803984"/>
+            </a:xfrm>
+            <a:prstGeom prst="rect">
+              <a:avLst/>
+            </a:prstGeom>
+            <a:noFill/>
+          </p:spPr>
+          <p:txBody>
+            <a:bodyPr vert="eaVert" wrap="square" rtlCol="0">
+              <a:spAutoFit/>
+            </a:bodyPr>
+            <a:lstStyle/>
+            <a:p>
+              <a:r>
+                <a:rPr lang="zh-TW" altLang="en-US" dirty="0"/>
+                <a:t>單芯線</a:t>
+              </a:r>
+            </a:p>
+          </p:txBody>
+        </p:sp>
+        <p:sp>
+          <p:nvSpPr>
+            <p:cNvPr id="32" name="文字方塊 31"/>
+            <p:cNvSpPr txBox="1"/>
+            <p:nvPr/>
+          </p:nvSpPr>
+          <p:spPr>
+            <a:xfrm>
+              <a:off x="8367804" y="2625571"/>
+              <a:ext cx="461665" cy="949427"/>
+            </a:xfrm>
+            <a:prstGeom prst="rect">
+              <a:avLst/>
+            </a:prstGeom>
+            <a:noFill/>
+          </p:spPr>
+          <p:txBody>
+            <a:bodyPr vert="eaVert" wrap="square" rtlCol="0">
+              <a:spAutoFit/>
+            </a:bodyPr>
+            <a:lstStyle/>
+            <a:p>
+              <a:r>
+                <a:rPr lang="en-US" altLang="zh-TW" dirty="0"/>
+                <a:t>analog</a:t>
+              </a:r>
+              <a:endParaRPr lang="zh-TW" altLang="en-US" dirty="0"/>
+            </a:p>
+          </p:txBody>
+        </p:sp>
+      </p:grpSp>
+      <p:sp>
+        <p:nvSpPr>
+          <p:cNvPr id="12" name="矩形 11"/>
+          <p:cNvSpPr/>
+          <p:nvPr/>
+        </p:nvSpPr>
+        <p:spPr>
+          <a:xfrm>
+            <a:off x="2317492" y="1569782"/>
+            <a:ext cx="1837944" cy="914400"/>
+          </a:xfrm>
+          <a:prstGeom prst="rect">
+            <a:avLst/>
+          </a:prstGeom>
+        </p:spPr>
+        <p:style>
+          <a:lnRef idx="2">
+            <a:schemeClr val="accent1">
+              <a:shade val="50000"/>
+            </a:schemeClr>
+          </a:lnRef>
+          <a:fillRef idx="1">
+            <a:schemeClr val="accent1"/>
+          </a:fillRef>
+          <a:effectRef idx="0">
+            <a:schemeClr val="accent1"/>
+          </a:effectRef>
+          <a:fontRef idx="minor">
+            <a:schemeClr val="lt1"/>
+          </a:fontRef>
+        </p:style>
+        <p:txBody>
+          <a:bodyPr rtlCol="0" anchor="ctr"/>
+          <a:lstStyle/>
+          <a:p>
+            <a:pPr algn="ctr"/>
+            <a:r>
+              <a:rPr lang="zh-TW" altLang="en-US" dirty="0"/>
+              <a:t>激光裝置</a:t>
+            </a:r>
+            <a:endParaRPr lang="en-US" altLang="zh-TW" dirty="0"/>
+          </a:p>
+          <a:p>
+            <a:pPr algn="ctr"/>
+            <a:r>
+              <a:rPr lang="zh-TW" altLang="en-US" dirty="0"/>
+              <a:t>光敏電阻</a:t>
+            </a:r>
+          </a:p>
+        </p:txBody>
+      </p:sp>
+      <p:grpSp>
+        <p:nvGrpSpPr>
+          <p:cNvPr id="13" name="群組 12"/>
+          <p:cNvGrpSpPr/>
+          <p:nvPr/>
+        </p:nvGrpSpPr>
+        <p:grpSpPr>
+          <a:xfrm rot="16200000">
+            <a:off x="4127747" y="3467251"/>
+            <a:ext cx="1112264" cy="803984"/>
+            <a:chOff x="7717206" y="2698293"/>
+            <a:chExt cx="1112264" cy="803984"/>
+          </a:xfrm>
+        </p:grpSpPr>
+        <p:cxnSp>
+          <p:nvCxnSpPr>
+            <p:cNvPr id="27" name="直線單箭頭接點 26"/>
+            <p:cNvCxnSpPr/>
+            <p:nvPr/>
+          </p:nvCxnSpPr>
+          <p:spPr>
+            <a:xfrm flipH="1">
+              <a:off x="8293338" y="2756732"/>
+              <a:ext cx="1" cy="587049"/>
+            </a:xfrm>
+            <a:prstGeom prst="straightConnector1">
+              <a:avLst/>
+            </a:prstGeom>
+            <a:ln w="101600">
+              <a:solidFill>
+                <a:srgbClr val="FF7F00"/>
+              </a:solidFill>
+              <a:tailEnd type="triangle"/>
+            </a:ln>
+          </p:spPr>
+          <p:style>
+            <a:lnRef idx="1">
+              <a:schemeClr val="accent1"/>
+            </a:lnRef>
+            <a:fillRef idx="0">
+              <a:schemeClr val="accent1"/>
+            </a:fillRef>
+            <a:effectRef idx="0">
+              <a:schemeClr val="accent1"/>
+            </a:effectRef>
+            <a:fontRef idx="minor">
+              <a:schemeClr val="tx1"/>
+            </a:fontRef>
+          </p:style>
+        </p:cxnSp>
+        <p:sp>
+          <p:nvSpPr>
+            <p:cNvPr id="28" name="文字方塊 27"/>
+            <p:cNvSpPr txBox="1"/>
+            <p:nvPr/>
+          </p:nvSpPr>
+          <p:spPr>
+            <a:xfrm>
+              <a:off x="7717206" y="2698293"/>
+              <a:ext cx="461665" cy="803984"/>
+            </a:xfrm>
+            <a:prstGeom prst="rect">
+              <a:avLst/>
+            </a:prstGeom>
+            <a:noFill/>
+          </p:spPr>
+          <p:txBody>
+            <a:bodyPr vert="eaVert" wrap="square" rtlCol="0">
+              <a:spAutoFit/>
+            </a:bodyPr>
+            <a:lstStyle/>
+            <a:p>
+              <a:r>
+                <a:rPr lang="zh-TW" altLang="en-US" dirty="0"/>
+                <a:t>單芯線</a:t>
+              </a:r>
+            </a:p>
+          </p:txBody>
+        </p:sp>
+        <p:sp>
+          <p:nvSpPr>
+            <p:cNvPr id="29" name="文字方塊 28"/>
+            <p:cNvSpPr txBox="1"/>
+            <p:nvPr/>
+          </p:nvSpPr>
+          <p:spPr>
+            <a:xfrm>
+              <a:off x="8367805" y="2710632"/>
+              <a:ext cx="461665" cy="779302"/>
+            </a:xfrm>
+            <a:prstGeom prst="rect">
+              <a:avLst/>
+            </a:prstGeom>
+            <a:noFill/>
+          </p:spPr>
+          <p:txBody>
+            <a:bodyPr vert="eaVert" wrap="square" rtlCol="0">
+              <a:spAutoFit/>
+            </a:bodyPr>
+            <a:lstStyle/>
+            <a:p>
+              <a:r>
+                <a:rPr lang="en-US" altLang="zh-TW" dirty="0"/>
+                <a:t>digital</a:t>
+              </a:r>
+              <a:endParaRPr lang="zh-TW" altLang="en-US" dirty="0"/>
+            </a:p>
+          </p:txBody>
+        </p:sp>
+      </p:grpSp>
+      <p:sp>
+        <p:nvSpPr>
+          <p:cNvPr id="14" name="矩形 13"/>
+          <p:cNvSpPr/>
+          <p:nvPr/>
+        </p:nvSpPr>
+        <p:spPr>
+          <a:xfrm>
+            <a:off x="2312231" y="3433191"/>
+            <a:ext cx="1837944" cy="914400"/>
+          </a:xfrm>
+          <a:prstGeom prst="rect">
+            <a:avLst/>
+          </a:prstGeom>
+        </p:spPr>
+        <p:style>
+          <a:lnRef idx="2">
+            <a:schemeClr val="accent1">
+              <a:shade val="50000"/>
+            </a:schemeClr>
+          </a:lnRef>
+          <a:fillRef idx="1">
+            <a:schemeClr val="accent1"/>
+          </a:fillRef>
+          <a:effectRef idx="0">
+            <a:schemeClr val="accent1"/>
+          </a:effectRef>
+          <a:fontRef idx="minor">
+            <a:schemeClr val="lt1"/>
+          </a:fontRef>
+        </p:style>
+        <p:txBody>
+          <a:bodyPr rtlCol="0" anchor="ctr"/>
+          <a:lstStyle/>
+          <a:p>
+            <a:pPr algn="ctr"/>
+            <a:r>
+              <a:rPr lang="zh-TW" altLang="en-US" dirty="0"/>
+              <a:t>按鈕裝置</a:t>
+            </a:r>
+          </a:p>
+        </p:txBody>
+      </p:sp>
+      <p:sp>
+        <p:nvSpPr>
+          <p:cNvPr id="15" name="矩形 14"/>
+          <p:cNvSpPr/>
+          <p:nvPr/>
+        </p:nvSpPr>
+        <p:spPr>
+          <a:xfrm>
+            <a:off x="8036464" y="1569782"/>
+            <a:ext cx="1837944" cy="914400"/>
+          </a:xfrm>
+          <a:prstGeom prst="rect">
+            <a:avLst/>
+          </a:prstGeom>
+        </p:spPr>
+        <p:style>
+          <a:lnRef idx="2">
+            <a:schemeClr val="accent1">
+              <a:shade val="50000"/>
+            </a:schemeClr>
+          </a:lnRef>
+          <a:fillRef idx="1">
+            <a:schemeClr val="accent1"/>
+          </a:fillRef>
+          <a:effectRef idx="0">
+            <a:schemeClr val="accent1"/>
+          </a:effectRef>
+          <a:fontRef idx="minor">
+            <a:schemeClr val="lt1"/>
+          </a:fontRef>
+        </p:style>
+        <p:txBody>
+          <a:bodyPr rtlCol="0" anchor="ctr"/>
+          <a:lstStyle/>
+          <a:p>
+            <a:pPr algn="ctr"/>
+            <a:r>
+              <a:rPr lang="zh-TW" altLang="en-US" dirty="0"/>
+              <a:t>蜂鳴器</a:t>
+            </a:r>
+          </a:p>
+        </p:txBody>
+      </p:sp>
+      <p:grpSp>
+        <p:nvGrpSpPr>
+          <p:cNvPr id="16" name="群組 15"/>
+          <p:cNvGrpSpPr/>
+          <p:nvPr/>
+        </p:nvGrpSpPr>
+        <p:grpSpPr>
+          <a:xfrm>
+            <a:off x="7125725" y="1448668"/>
+            <a:ext cx="821554" cy="1111426"/>
+            <a:chOff x="7097128" y="1192464"/>
+            <a:chExt cx="821554" cy="1111426"/>
+          </a:xfrm>
+        </p:grpSpPr>
+        <p:cxnSp>
+          <p:nvCxnSpPr>
+            <p:cNvPr id="24" name="直線單箭頭接點 23"/>
+            <p:cNvCxnSpPr/>
+            <p:nvPr/>
+          </p:nvCxnSpPr>
+          <p:spPr>
+            <a:xfrm rot="16200000" flipH="1">
+              <a:off x="7504407" y="1453239"/>
+              <a:ext cx="1" cy="587049"/>
+            </a:xfrm>
+            <a:prstGeom prst="straightConnector1">
+              <a:avLst/>
+            </a:prstGeom>
+            <a:ln w="101600">
+              <a:solidFill>
+                <a:srgbClr val="FF7F00"/>
+              </a:solidFill>
+              <a:tailEnd type="triangle"/>
+            </a:ln>
+          </p:spPr>
+          <p:style>
+            <a:lnRef idx="1">
+              <a:schemeClr val="accent1"/>
+            </a:lnRef>
+            <a:fillRef idx="0">
+              <a:schemeClr val="accent1"/>
+            </a:fillRef>
+            <a:effectRef idx="0">
+              <a:schemeClr val="accent1"/>
+            </a:effectRef>
+            <a:fontRef idx="minor">
+              <a:schemeClr val="tx1"/>
+            </a:fontRef>
+          </p:style>
+        </p:cxnSp>
+        <p:sp>
+          <p:nvSpPr>
+            <p:cNvPr id="25" name="文字方塊 24"/>
+            <p:cNvSpPr txBox="1"/>
+            <p:nvPr/>
+          </p:nvSpPr>
+          <p:spPr>
+            <a:xfrm rot="16200000">
+              <a:off x="7268287" y="1671066"/>
+              <a:ext cx="461665" cy="803984"/>
+            </a:xfrm>
+            <a:prstGeom prst="rect">
+              <a:avLst/>
+            </a:prstGeom>
+            <a:noFill/>
+          </p:spPr>
+          <p:txBody>
+            <a:bodyPr vert="eaVert" wrap="square" rtlCol="0">
+              <a:spAutoFit/>
+            </a:bodyPr>
+            <a:lstStyle/>
+            <a:p>
+              <a:r>
+                <a:rPr lang="zh-TW" altLang="en-US" dirty="0"/>
+                <a:t>單芯線</a:t>
+              </a:r>
+            </a:p>
+          </p:txBody>
+        </p:sp>
+        <p:sp>
+          <p:nvSpPr>
+            <p:cNvPr id="26" name="文字方塊 25"/>
+            <p:cNvSpPr txBox="1"/>
+            <p:nvPr/>
+          </p:nvSpPr>
+          <p:spPr>
+            <a:xfrm rot="16200000">
+              <a:off x="7277155" y="1012602"/>
+              <a:ext cx="461665" cy="821389"/>
+            </a:xfrm>
+            <a:prstGeom prst="rect">
+              <a:avLst/>
+            </a:prstGeom>
+            <a:noFill/>
+          </p:spPr>
+          <p:txBody>
+            <a:bodyPr vert="eaVert" wrap="square" rtlCol="0">
+              <a:spAutoFit/>
+            </a:bodyPr>
+            <a:lstStyle/>
+            <a:p>
+              <a:r>
+                <a:rPr lang="en-US" altLang="zh-TW" dirty="0"/>
+                <a:t>digital</a:t>
+              </a:r>
+            </a:p>
+          </p:txBody>
+        </p:sp>
+      </p:grpSp>
+      <p:sp>
+        <p:nvSpPr>
+          <p:cNvPr id="17" name="矩形 16"/>
+          <p:cNvSpPr/>
+          <p:nvPr/>
+        </p:nvSpPr>
+        <p:spPr>
+          <a:xfrm>
+            <a:off x="8035018" y="3439241"/>
+            <a:ext cx="1837944" cy="914400"/>
+          </a:xfrm>
+          <a:prstGeom prst="rect">
+            <a:avLst/>
+          </a:prstGeom>
+        </p:spPr>
+        <p:style>
+          <a:lnRef idx="2">
+            <a:schemeClr val="accent1">
+              <a:shade val="50000"/>
+            </a:schemeClr>
+          </a:lnRef>
+          <a:fillRef idx="1">
+            <a:schemeClr val="accent1"/>
+          </a:fillRef>
+          <a:effectRef idx="0">
+            <a:schemeClr val="accent1"/>
+          </a:effectRef>
+          <a:fontRef idx="minor">
+            <a:schemeClr val="lt1"/>
+          </a:fontRef>
+        </p:style>
+        <p:txBody>
+          <a:bodyPr rtlCol="0" anchor="ctr"/>
+          <a:lstStyle/>
+          <a:p>
+            <a:pPr algn="ctr"/>
+            <a:r>
+              <a:rPr lang="en-US" altLang="zh-TW" dirty="0"/>
+              <a:t>RGB</a:t>
+            </a:r>
+            <a:r>
+              <a:rPr lang="zh-TW" altLang="en-US" dirty="0"/>
+              <a:t>裝置</a:t>
+            </a:r>
+          </a:p>
+        </p:txBody>
+      </p:sp>
+      <p:grpSp>
+        <p:nvGrpSpPr>
+          <p:cNvPr id="18" name="群組 17"/>
+          <p:cNvGrpSpPr/>
+          <p:nvPr/>
+        </p:nvGrpSpPr>
+        <p:grpSpPr>
+          <a:xfrm>
+            <a:off x="7124361" y="3258446"/>
+            <a:ext cx="821554" cy="1111426"/>
+            <a:chOff x="7097128" y="1192464"/>
+            <a:chExt cx="821554" cy="1111426"/>
+          </a:xfrm>
+        </p:grpSpPr>
+        <p:cxnSp>
+          <p:nvCxnSpPr>
+            <p:cNvPr id="21" name="直線單箭頭接點 20"/>
+            <p:cNvCxnSpPr/>
+            <p:nvPr/>
+          </p:nvCxnSpPr>
+          <p:spPr>
+            <a:xfrm rot="16200000" flipH="1">
+              <a:off x="7504407" y="1453239"/>
+              <a:ext cx="1" cy="587049"/>
+            </a:xfrm>
+            <a:prstGeom prst="straightConnector1">
+              <a:avLst/>
+            </a:prstGeom>
+            <a:ln w="101600">
+              <a:solidFill>
+                <a:srgbClr val="FF7F00"/>
+              </a:solidFill>
+              <a:tailEnd type="triangle"/>
+            </a:ln>
+          </p:spPr>
+          <p:style>
+            <a:lnRef idx="1">
+              <a:schemeClr val="accent1"/>
+            </a:lnRef>
+            <a:fillRef idx="0">
+              <a:schemeClr val="accent1"/>
+            </a:fillRef>
+            <a:effectRef idx="0">
+              <a:schemeClr val="accent1"/>
+            </a:effectRef>
+            <a:fontRef idx="minor">
+              <a:schemeClr val="tx1"/>
+            </a:fontRef>
+          </p:style>
+        </p:cxnSp>
+        <p:sp>
+          <p:nvSpPr>
+            <p:cNvPr id="22" name="文字方塊 21"/>
+            <p:cNvSpPr txBox="1"/>
+            <p:nvPr/>
+          </p:nvSpPr>
+          <p:spPr>
+            <a:xfrm rot="16200000">
+              <a:off x="7268287" y="1671066"/>
+              <a:ext cx="461665" cy="803984"/>
+            </a:xfrm>
+            <a:prstGeom prst="rect">
+              <a:avLst/>
+            </a:prstGeom>
+            <a:noFill/>
+          </p:spPr>
+          <p:txBody>
+            <a:bodyPr vert="eaVert" wrap="square" rtlCol="0">
+              <a:spAutoFit/>
+            </a:bodyPr>
+            <a:lstStyle/>
+            <a:p>
+              <a:r>
+                <a:rPr lang="zh-TW" altLang="en-US" dirty="0"/>
+                <a:t>單芯線</a:t>
+              </a:r>
+            </a:p>
+          </p:txBody>
+        </p:sp>
+        <p:sp>
+          <p:nvSpPr>
+            <p:cNvPr id="23" name="文字方塊 22"/>
+            <p:cNvSpPr txBox="1"/>
+            <p:nvPr/>
+          </p:nvSpPr>
+          <p:spPr>
+            <a:xfrm rot="16200000">
+              <a:off x="7277155" y="1012602"/>
+              <a:ext cx="461665" cy="821389"/>
+            </a:xfrm>
+            <a:prstGeom prst="rect">
+              <a:avLst/>
+            </a:prstGeom>
+            <a:noFill/>
+          </p:spPr>
+          <p:txBody>
+            <a:bodyPr vert="eaVert" wrap="square" rtlCol="0">
+              <a:spAutoFit/>
+            </a:bodyPr>
+            <a:lstStyle/>
+            <a:p>
+              <a:r>
+                <a:rPr lang="en-US" altLang="zh-TW" dirty="0"/>
+                <a:t>digital</a:t>
+              </a:r>
+            </a:p>
+          </p:txBody>
+        </p:sp>
+      </p:grpSp>
+      <p:sp>
+        <p:nvSpPr>
+          <p:cNvPr id="19" name="矩形 18"/>
+          <p:cNvSpPr/>
+          <p:nvPr/>
+        </p:nvSpPr>
+        <p:spPr>
+          <a:xfrm>
+            <a:off x="8041826" y="5231911"/>
+            <a:ext cx="1837944" cy="914400"/>
+          </a:xfrm>
+          <a:prstGeom prst="rect">
+            <a:avLst/>
+          </a:prstGeom>
+        </p:spPr>
+        <p:style>
+          <a:lnRef idx="2">
+            <a:schemeClr val="accent1">
+              <a:shade val="50000"/>
+            </a:schemeClr>
+          </a:lnRef>
+          <a:fillRef idx="1">
+            <a:schemeClr val="accent1"/>
+          </a:fillRef>
+          <a:effectRef idx="0">
+            <a:schemeClr val="accent1"/>
+          </a:effectRef>
+          <a:fontRef idx="minor">
+            <a:schemeClr val="lt1"/>
+          </a:fontRef>
+        </p:style>
+        <p:txBody>
+          <a:bodyPr rtlCol="0" anchor="ctr"/>
+          <a:lstStyle/>
+          <a:p>
+            <a:pPr algn="ctr"/>
+            <a:r>
+              <a:rPr lang="en-US" altLang="zh-TW" dirty="0"/>
+              <a:t>database</a:t>
+            </a:r>
+            <a:endParaRPr lang="zh-TW" altLang="en-US" dirty="0"/>
+          </a:p>
+        </p:txBody>
+      </p:sp>
+      <p:cxnSp>
+        <p:nvCxnSpPr>
+          <p:cNvPr id="20" name="直線單箭頭接點 19"/>
+          <p:cNvCxnSpPr/>
+          <p:nvPr/>
+        </p:nvCxnSpPr>
+        <p:spPr>
+          <a:xfrm rot="16200000" flipH="1">
+            <a:off x="7641546" y="5379463"/>
+            <a:ext cx="1" cy="587049"/>
+          </a:xfrm>
+          <a:prstGeom prst="straightConnector1">
+            <a:avLst/>
+          </a:prstGeom>
+          <a:ln w="101600">
+            <a:solidFill>
+              <a:srgbClr val="FF7F00"/>
+            </a:solidFill>
+            <a:tailEnd type="triangle"/>
+          </a:ln>
+        </p:spPr>
+        <p:style>
+          <a:lnRef idx="1">
+            <a:schemeClr val="accent1"/>
+          </a:lnRef>
+          <a:fillRef idx="0">
+            <a:schemeClr val="accent1"/>
+          </a:fillRef>
+          <a:effectRef idx="0">
+            <a:schemeClr val="accent1"/>
+          </a:effectRef>
+          <a:fontRef idx="minor">
+            <a:schemeClr val="tx1"/>
+          </a:fontRef>
+        </p:style>
+      </p:cxnSp>
+      <p:cxnSp>
+        <p:nvCxnSpPr>
+          <p:cNvPr id="39" name="直線單箭頭接點 38">
+            <a:extLst>
+              <a:ext uri="{FF2B5EF4-FFF2-40B4-BE49-F238E27FC236}">
+                <a16:creationId xmlns:a16="http://schemas.microsoft.com/office/drawing/2014/main" id="{7BFDC443-CB51-4EB9-A555-FFF2C2EE662D}"/>
+              </a:ext>
+            </a:extLst>
+          </p:cNvPr>
+          <p:cNvCxnSpPr>
+            <a:cxnSpLocks/>
+          </p:cNvCxnSpPr>
+          <p:nvPr/>
+        </p:nvCxnSpPr>
+        <p:spPr>
+          <a:xfrm flipH="1" flipV="1">
+            <a:off x="4340325" y="5689111"/>
+            <a:ext cx="587050" cy="1"/>
+          </a:xfrm>
+          <a:prstGeom prst="straightConnector1">
+            <a:avLst/>
+          </a:prstGeom>
+          <a:ln w="101600">
+            <a:solidFill>
+              <a:srgbClr val="FF7F00"/>
+            </a:solidFill>
+            <a:tailEnd type="triangle"/>
+          </a:ln>
+        </p:spPr>
+        <p:style>
+          <a:lnRef idx="1">
+            <a:schemeClr val="accent1"/>
+          </a:lnRef>
+          <a:fillRef idx="0">
+            <a:schemeClr val="accent1"/>
+          </a:fillRef>
+          <a:effectRef idx="0">
+            <a:schemeClr val="accent1"/>
+          </a:effectRef>
+          <a:fontRef idx="minor">
+            <a:schemeClr val="tx1"/>
+          </a:fontRef>
+        </p:style>
+      </p:cxnSp>
+      <p:sp>
+        <p:nvSpPr>
+          <p:cNvPr id="40" name="矩形 39">
+            <a:extLst>
+              <a:ext uri="{FF2B5EF4-FFF2-40B4-BE49-F238E27FC236}">
+                <a16:creationId xmlns:a16="http://schemas.microsoft.com/office/drawing/2014/main" id="{B91E3838-82D8-4930-A757-C1997A4C9155}"/>
+              </a:ext>
+            </a:extLst>
+          </p:cNvPr>
+          <p:cNvSpPr/>
+          <p:nvPr/>
+        </p:nvSpPr>
+        <p:spPr>
+          <a:xfrm>
+            <a:off x="2272393" y="5231911"/>
+            <a:ext cx="1837944" cy="914400"/>
+          </a:xfrm>
+          <a:prstGeom prst="rect">
+            <a:avLst/>
+          </a:prstGeom>
+        </p:spPr>
+        <p:style>
+          <a:lnRef idx="2">
+            <a:schemeClr val="accent1">
+              <a:shade val="50000"/>
+            </a:schemeClr>
+          </a:lnRef>
+          <a:fillRef idx="1">
+            <a:schemeClr val="accent1"/>
+          </a:fillRef>
+          <a:effectRef idx="0">
+            <a:schemeClr val="accent1"/>
+          </a:effectRef>
+          <a:fontRef idx="minor">
+            <a:schemeClr val="lt1"/>
+          </a:fontRef>
+        </p:style>
+        <p:txBody>
+          <a:bodyPr rtlCol="0" anchor="ctr"/>
+          <a:lstStyle/>
+          <a:p>
+            <a:pPr algn="ctr"/>
+            <a:r>
+              <a:rPr lang="en-US" altLang="zh-TW" dirty="0"/>
+              <a:t>Web</a:t>
+            </a:r>
+            <a:endParaRPr lang="zh-TW" altLang="en-US" dirty="0"/>
+          </a:p>
+        </p:txBody>
+      </p:sp>
+      <p:grpSp>
+        <p:nvGrpSpPr>
+          <p:cNvPr id="42" name="群組 41">
+            <a:extLst>
+              <a:ext uri="{FF2B5EF4-FFF2-40B4-BE49-F238E27FC236}">
+                <a16:creationId xmlns:a16="http://schemas.microsoft.com/office/drawing/2014/main" id="{10DD8C89-5622-49F2-891D-668F9D5557E3}"/>
+              </a:ext>
+            </a:extLst>
+          </p:cNvPr>
+          <p:cNvGrpSpPr/>
+          <p:nvPr/>
+        </p:nvGrpSpPr>
+        <p:grpSpPr>
+          <a:xfrm rot="16200000">
+            <a:off x="4150367" y="5148619"/>
+            <a:ext cx="1102931" cy="1051170"/>
+            <a:chOff x="7717208" y="2541601"/>
+            <a:chExt cx="1102931" cy="1051170"/>
+          </a:xfrm>
+        </p:grpSpPr>
+        <p:sp>
+          <p:nvSpPr>
+            <p:cNvPr id="44" name="文字方塊 43">
+              <a:extLst>
+                <a:ext uri="{FF2B5EF4-FFF2-40B4-BE49-F238E27FC236}">
+                  <a16:creationId xmlns:a16="http://schemas.microsoft.com/office/drawing/2014/main" id="{1C175A2C-16D9-4741-A361-7DA925324F6A}"/>
+                </a:ext>
+              </a:extLst>
+            </p:cNvPr>
+            <p:cNvSpPr txBox="1"/>
+            <p:nvPr/>
+          </p:nvSpPr>
+          <p:spPr>
+            <a:xfrm>
+              <a:off x="7717208" y="2698300"/>
+              <a:ext cx="461665" cy="803984"/>
+            </a:xfrm>
+            <a:prstGeom prst="rect">
+              <a:avLst/>
+            </a:prstGeom>
+            <a:noFill/>
+          </p:spPr>
+          <p:txBody>
+            <a:bodyPr vert="eaVert" wrap="square" rtlCol="0">
+              <a:spAutoFit/>
+            </a:bodyPr>
+            <a:lstStyle/>
+            <a:p>
+              <a:r>
+                <a:rPr lang="en-US" altLang="zh-TW" dirty="0"/>
+                <a:t>route</a:t>
+              </a:r>
+              <a:endParaRPr lang="zh-TW" altLang="en-US" dirty="0"/>
+            </a:p>
+          </p:txBody>
+        </p:sp>
+        <p:sp>
+          <p:nvSpPr>
+            <p:cNvPr id="45" name="文字方塊 44">
+              <a:extLst>
+                <a:ext uri="{FF2B5EF4-FFF2-40B4-BE49-F238E27FC236}">
+                  <a16:creationId xmlns:a16="http://schemas.microsoft.com/office/drawing/2014/main" id="{E1D7696E-BA25-4077-8760-0355B884E2B2}"/>
+                </a:ext>
+              </a:extLst>
+            </p:cNvPr>
+            <p:cNvSpPr txBox="1"/>
+            <p:nvPr/>
+          </p:nvSpPr>
+          <p:spPr>
+            <a:xfrm>
+              <a:off x="8358474" y="2541601"/>
+              <a:ext cx="461665" cy="1051170"/>
+            </a:xfrm>
+            <a:prstGeom prst="rect">
+              <a:avLst/>
+            </a:prstGeom>
+            <a:noFill/>
+          </p:spPr>
+          <p:txBody>
+            <a:bodyPr vert="eaVert" wrap="square" rtlCol="0">
+              <a:spAutoFit/>
+            </a:bodyPr>
+            <a:lstStyle/>
+            <a:p>
+              <a:r>
+                <a:rPr lang="en-US" altLang="zh-TW" dirty="0"/>
+                <a:t>network</a:t>
+              </a:r>
+              <a:endParaRPr lang="zh-TW" altLang="en-US" dirty="0"/>
+            </a:p>
+          </p:txBody>
+        </p:sp>
       </p:grpSp>
     </p:spTree>
     <p:extLst>
       <p:ext uri="{BB962C8B-B14F-4D97-AF65-F5344CB8AC3E}">
         <p14:creationId xmlns:p14="http://schemas.microsoft.com/office/powerpoint/2010/main" val="2731934383"/>
-      </p:ext>
-    </p:extLst>
-  </p:cSld>
-  <p:clrMapOvr>
-    <a:masterClrMapping/>
-  </p:clrMapOvr>
-</p:sld>
-</file>
-
-<file path=ppt/slides/slide5.xml><?xml version="1.0" encoding="utf-8"?>
-<p:sld xmlns:a="http://schemas.openxmlformats.org/drawingml/2006/main" xmlns:r="http://schemas.openxmlformats.org/officeDocument/2006/relationships" xmlns:p="http://schemas.openxmlformats.org/presentationml/2006/main">
-  <p:cSld>
-    <p:spTree>
-      <p:nvGrpSpPr>
-        <p:cNvPr id="1" name=""/>
-        <p:cNvGrpSpPr/>
-        <p:nvPr/>
-      </p:nvGrpSpPr>
-      <p:grpSpPr>
-        <a:xfrm>
-          <a:off x="0" y="0"/>
-          <a:ext cx="0" cy="0"/>
-          <a:chOff x="0" y="0"/>
-          <a:chExt cx="0" cy="0"/>
-        </a:xfrm>
-      </p:grpSpPr>
-      <p:sp>
-        <p:nvSpPr>
-          <p:cNvPr id="2" name="標題 1">
-            <a:extLst>
-              <a:ext uri="{FF2B5EF4-FFF2-40B4-BE49-F238E27FC236}">
-                <a16:creationId xmlns:a16="http://schemas.microsoft.com/office/drawing/2014/main" xmlns="" id="{5672BF90-7484-4D1E-AFC1-B5C7864EA2E5}"/>
-              </a:ext>
-            </a:extLst>
-          </p:cNvPr>
-          <p:cNvSpPr>
-            <a:spLocks noGrp="1"/>
-          </p:cNvSpPr>
-          <p:nvPr>
-            <p:ph type="title"/>
-          </p:nvPr>
-        </p:nvSpPr>
-        <p:spPr>
-          <a:xfrm>
-            <a:off x="5285831" y="0"/>
-            <a:ext cx="1620338" cy="1507067"/>
-          </a:xfrm>
-        </p:spPr>
-        <p:txBody>
-          <a:bodyPr>
-            <a:noAutofit/>
-          </a:bodyPr>
-          <a:lstStyle/>
-          <a:p>
-            <a:pPr algn="ctr"/>
-            <a:r>
-              <a:rPr lang="zh-TW" altLang="en-US" sz="5000" dirty="0"/>
-              <a:t>實</a:t>
-            </a:r>
-            <a:r>
-              <a:rPr lang="zh-TW" altLang="en-US" sz="5000" dirty="0" smtClean="0"/>
-              <a:t>作</a:t>
-            </a:r>
-            <a:endParaRPr lang="zh-TW" altLang="en-US" sz="5000" dirty="0"/>
-          </a:p>
-        </p:txBody>
-      </p:sp>
-      <p:sp>
-        <p:nvSpPr>
-          <p:cNvPr id="3" name="內容版面配置區 2">
-            <a:extLst>
-              <a:ext uri="{FF2B5EF4-FFF2-40B4-BE49-F238E27FC236}">
-                <a16:creationId xmlns:a16="http://schemas.microsoft.com/office/drawing/2014/main" xmlns="" id="{CA513484-4225-4F1F-AB6C-B117C94DFBD3}"/>
-              </a:ext>
-            </a:extLst>
-          </p:cNvPr>
-          <p:cNvSpPr>
-            <a:spLocks noGrp="1"/>
-          </p:cNvSpPr>
-          <p:nvPr>
-            <p:ph idx="1"/>
-          </p:nvPr>
-        </p:nvSpPr>
-        <p:spPr>
-          <a:xfrm>
-            <a:off x="1828800" y="2038738"/>
-            <a:ext cx="8534400" cy="3615267"/>
-          </a:xfrm>
-        </p:spPr>
-        <p:txBody>
-          <a:bodyPr anchor="ctr">
-            <a:normAutofit/>
-          </a:bodyPr>
-          <a:lstStyle/>
-          <a:p>
-            <a:pPr>
-              <a:spcAft>
-                <a:spcPts val="0"/>
-              </a:spcAft>
-            </a:pPr>
-            <a:r>
-              <a:rPr lang="zh-TW" altLang="en-US" sz="2400" dirty="0" smtClean="0">
-                <a:solidFill>
-                  <a:schemeClr val="tx1"/>
-                </a:solidFill>
-                <a:latin typeface="微軟正黑體" panose="020B0604030504040204" pitchFamily="34" charset="-120"/>
-                <a:ea typeface="微軟正黑體" panose="020B0604030504040204" pitchFamily="34" charset="-120"/>
-              </a:rPr>
-              <a:t>透過激</a:t>
-            </a:r>
-            <a:r>
-              <a:rPr lang="zh-TW" altLang="en-US" sz="2400" dirty="0">
-                <a:solidFill>
-                  <a:schemeClr val="tx1"/>
-                </a:solidFill>
-                <a:latin typeface="微軟正黑體" panose="020B0604030504040204" pitchFamily="34" charset="-120"/>
-                <a:ea typeface="微軟正黑體" panose="020B0604030504040204" pitchFamily="34" charset="-120"/>
-              </a:rPr>
-              <a:t>光</a:t>
-            </a:r>
-            <a:r>
-              <a:rPr lang="zh-TW" altLang="en-US" sz="2400" dirty="0" smtClean="0">
-                <a:solidFill>
-                  <a:schemeClr val="tx1"/>
-                </a:solidFill>
-                <a:latin typeface="微軟正黑體" panose="020B0604030504040204" pitchFamily="34" charset="-120"/>
-                <a:ea typeface="微軟正黑體" panose="020B0604030504040204" pitchFamily="34" charset="-120"/>
-              </a:rPr>
-              <a:t>裝置和光</a:t>
-            </a:r>
-            <a:r>
-              <a:rPr lang="zh-TW" altLang="en-US" sz="2400" dirty="0">
-                <a:solidFill>
-                  <a:schemeClr val="tx1"/>
-                </a:solidFill>
-                <a:latin typeface="微軟正黑體" panose="020B0604030504040204" pitchFamily="34" charset="-120"/>
-                <a:ea typeface="微軟正黑體" panose="020B0604030504040204" pitchFamily="34" charset="-120"/>
-              </a:rPr>
-              <a:t>敏電阻做出一個裝置，能夠能把</a:t>
-            </a:r>
-            <a:r>
-              <a:rPr lang="zh-TW" altLang="en-US" sz="2400" dirty="0" smtClean="0">
-                <a:solidFill>
-                  <a:schemeClr val="tx1"/>
-                </a:solidFill>
-                <a:latin typeface="微軟正黑體" panose="020B0604030504040204" pitchFamily="34" charset="-120"/>
-                <a:ea typeface="微軟正黑體" panose="020B0604030504040204" pitchFamily="34" charset="-120"/>
-              </a:rPr>
-              <a:t>訊號讀出</a:t>
-            </a:r>
-            <a:endParaRPr lang="en-US" altLang="zh-TW" sz="2400" dirty="0" smtClean="0">
-              <a:solidFill>
-                <a:schemeClr val="tx1"/>
-              </a:solidFill>
-              <a:latin typeface="微軟正黑體" panose="020B0604030504040204" pitchFamily="34" charset="-120"/>
-              <a:ea typeface="微軟正黑體" panose="020B0604030504040204" pitchFamily="34" charset="-120"/>
-            </a:endParaRPr>
-          </a:p>
-          <a:p>
-            <a:pPr marL="0" indent="0">
-              <a:spcAft>
-                <a:spcPts val="0"/>
-              </a:spcAft>
-              <a:buNone/>
-            </a:pPr>
-            <a:r>
-              <a:rPr lang="zh-TW" altLang="en-US" sz="2400" dirty="0" smtClean="0">
-                <a:solidFill>
-                  <a:schemeClr val="tx1"/>
-                </a:solidFill>
-                <a:latin typeface="微軟正黑體" panose="020B0604030504040204" pitchFamily="34" charset="-120"/>
-                <a:ea typeface="微軟正黑體" panose="020B0604030504040204" pitchFamily="34" charset="-120"/>
-              </a:rPr>
-              <a:t>    並</a:t>
-            </a:r>
-            <a:r>
-              <a:rPr lang="zh-TW" altLang="en-US" sz="2400" dirty="0">
-                <a:solidFill>
-                  <a:schemeClr val="tx1"/>
-                </a:solidFill>
-                <a:latin typeface="微軟正黑體" panose="020B0604030504040204" pitchFamily="34" charset="-120"/>
-                <a:ea typeface="微軟正黑體" panose="020B0604030504040204" pitchFamily="34" charset="-120"/>
-              </a:rPr>
-              <a:t>經過適當</a:t>
-            </a:r>
-            <a:r>
-              <a:rPr lang="zh-TW" altLang="en-US" sz="2400" dirty="0">
-                <a:solidFill>
-                  <a:schemeClr val="tx1"/>
-                </a:solidFill>
-                <a:latin typeface="微軟正黑體" panose="020B0604030504040204" pitchFamily="34" charset="-120"/>
-              </a:rPr>
-              <a:t>地演算法演算出</a:t>
-            </a:r>
-            <a:r>
-              <a:rPr lang="zh-TW" altLang="en-US" sz="2400" dirty="0">
-                <a:solidFill>
-                  <a:schemeClr val="tx1"/>
-                </a:solidFill>
-                <a:latin typeface="微軟正黑體" panose="020B0604030504040204" pitchFamily="34" charset="-120"/>
-                <a:ea typeface="微軟正黑體" panose="020B0604030504040204" pitchFamily="34" charset="-120"/>
-              </a:rPr>
-              <a:t>投入垃圾桶的件數</a:t>
-            </a:r>
-            <a:r>
-              <a:rPr lang="zh-TW" altLang="en-US" sz="2400" dirty="0" smtClean="0">
-                <a:solidFill>
-                  <a:schemeClr val="tx1"/>
-                </a:solidFill>
-                <a:latin typeface="微軟正黑體" panose="020B0604030504040204" pitchFamily="34" charset="-120"/>
-                <a:ea typeface="微軟正黑體" panose="020B0604030504040204" pitchFamily="34" charset="-120"/>
-              </a:rPr>
-              <a:t>，之後把信號</a:t>
-            </a:r>
-            <a:endParaRPr lang="en-US" altLang="zh-TW" sz="2400" dirty="0" smtClean="0">
-              <a:solidFill>
-                <a:schemeClr val="tx1"/>
-              </a:solidFill>
-              <a:latin typeface="微軟正黑體" panose="020B0604030504040204" pitchFamily="34" charset="-120"/>
-              <a:ea typeface="微軟正黑體" panose="020B0604030504040204" pitchFamily="34" charset="-120"/>
-            </a:endParaRPr>
-          </a:p>
-          <a:p>
-            <a:pPr marL="0" indent="0">
-              <a:spcAft>
-                <a:spcPts val="0"/>
-              </a:spcAft>
-              <a:buNone/>
-            </a:pPr>
-            <a:r>
-              <a:rPr lang="zh-TW" altLang="en-US" sz="2400" dirty="0">
-                <a:solidFill>
-                  <a:schemeClr val="tx1"/>
-                </a:solidFill>
-                <a:latin typeface="微軟正黑體" panose="020B0604030504040204" pitchFamily="34" charset="-120"/>
-                <a:ea typeface="微軟正黑體" panose="020B0604030504040204" pitchFamily="34" charset="-120"/>
-              </a:rPr>
-              <a:t> </a:t>
-            </a:r>
-            <a:r>
-              <a:rPr lang="zh-TW" altLang="en-US" sz="2400" dirty="0" smtClean="0">
-                <a:solidFill>
-                  <a:schemeClr val="tx1"/>
-                </a:solidFill>
-                <a:latin typeface="微軟正黑體" panose="020B0604030504040204" pitchFamily="34" charset="-120"/>
-                <a:ea typeface="微軟正黑體" panose="020B0604030504040204" pitchFamily="34" charset="-120"/>
-              </a:rPr>
-              <a:t>   轉換</a:t>
-            </a:r>
-            <a:r>
-              <a:rPr lang="zh-TW" altLang="en-US" sz="2400" dirty="0">
-                <a:solidFill>
-                  <a:schemeClr val="tx1"/>
-                </a:solidFill>
-                <a:latin typeface="微軟正黑體" panose="020B0604030504040204" pitchFamily="34" charset="-120"/>
-                <a:ea typeface="微軟正黑體" panose="020B0604030504040204" pitchFamily="34" charset="-120"/>
-              </a:rPr>
-              <a:t>成樹莓派可以讀取的信號並傳送。</a:t>
-            </a:r>
-            <a:endParaRPr lang="en-US" altLang="zh-TW" sz="2400" dirty="0">
-              <a:solidFill>
-                <a:schemeClr val="tx1"/>
-              </a:solidFill>
-              <a:latin typeface="微軟正黑體" panose="020B0604030504040204" pitchFamily="34" charset="-120"/>
-              <a:ea typeface="微軟正黑體" panose="020B0604030504040204" pitchFamily="34" charset="-120"/>
-            </a:endParaRPr>
-          </a:p>
-          <a:p>
-            <a:endParaRPr lang="en-US" altLang="zh-TW" sz="2400" dirty="0">
-              <a:solidFill>
-                <a:schemeClr val="tx1"/>
-              </a:solidFill>
-              <a:latin typeface="微軟正黑體" panose="020B0604030504040204" pitchFamily="34" charset="-120"/>
-              <a:ea typeface="微軟正黑體" panose="020B0604030504040204" pitchFamily="34" charset="-120"/>
-            </a:endParaRPr>
-          </a:p>
-          <a:p>
-            <a:pPr>
-              <a:spcAft>
-                <a:spcPts val="0"/>
-              </a:spcAft>
-            </a:pPr>
-            <a:r>
-              <a:rPr lang="zh-TW" altLang="en-US" sz="2400" dirty="0">
-                <a:solidFill>
-                  <a:schemeClr val="tx1"/>
-                </a:solidFill>
-                <a:latin typeface="微軟正黑體" panose="020B0604030504040204" pitchFamily="34" charset="-120"/>
-                <a:ea typeface="微軟正黑體" panose="020B0604030504040204" pitchFamily="34" charset="-120"/>
-              </a:rPr>
-              <a:t>樹莓派接收到訊號後，將信號處理之後用</a:t>
-            </a:r>
-            <a:r>
-              <a:rPr lang="en-US" altLang="zh-TW" sz="2400" dirty="0">
-                <a:solidFill>
-                  <a:schemeClr val="tx1"/>
-                </a:solidFill>
-                <a:latin typeface="微軟正黑體" panose="020B0604030504040204" pitchFamily="34" charset="-120"/>
-                <a:ea typeface="微軟正黑體" panose="020B0604030504040204" pitchFamily="34" charset="-120"/>
-              </a:rPr>
-              <a:t>Socket</a:t>
-            </a:r>
-            <a:r>
-              <a:rPr lang="zh-CN" altLang="en-US" sz="2400" dirty="0">
-                <a:solidFill>
-                  <a:schemeClr val="tx1"/>
-                </a:solidFill>
-                <a:latin typeface="微軟正黑體" panose="020B0604030504040204" pitchFamily="34" charset="-120"/>
-                <a:ea typeface="微軟正黑體" panose="020B0604030504040204" pitchFamily="34" charset="-120"/>
-              </a:rPr>
-              <a:t>的網路</a:t>
-            </a:r>
-            <a:r>
-              <a:rPr lang="zh-CN" altLang="en-US" sz="2400" dirty="0" smtClean="0">
-                <a:solidFill>
-                  <a:schemeClr val="tx1"/>
-                </a:solidFill>
-                <a:latin typeface="微軟正黑體" panose="020B0604030504040204" pitchFamily="34" charset="-120"/>
-                <a:ea typeface="微軟正黑體" panose="020B0604030504040204" pitchFamily="34" charset="-120"/>
-              </a:rPr>
-              <a:t>協定</a:t>
-            </a:r>
-            <a:endParaRPr lang="en-US" altLang="zh-CN" sz="2400" dirty="0" smtClean="0">
-              <a:solidFill>
-                <a:schemeClr val="tx1"/>
-              </a:solidFill>
-              <a:latin typeface="微軟正黑體" panose="020B0604030504040204" pitchFamily="34" charset="-120"/>
-              <a:ea typeface="微軟正黑體" panose="020B0604030504040204" pitchFamily="34" charset="-120"/>
-            </a:endParaRPr>
-          </a:p>
-          <a:p>
-            <a:pPr marL="0" indent="0">
-              <a:buNone/>
-            </a:pPr>
-            <a:r>
-              <a:rPr lang="zh-TW" altLang="en-US" sz="2400" dirty="0">
-                <a:solidFill>
-                  <a:schemeClr val="tx1"/>
-                </a:solidFill>
-                <a:latin typeface="微軟正黑體" panose="020B0604030504040204" pitchFamily="34" charset="-120"/>
-                <a:ea typeface="微軟正黑體" panose="020B0604030504040204" pitchFamily="34" charset="-120"/>
-              </a:rPr>
-              <a:t> </a:t>
-            </a:r>
-            <a:r>
-              <a:rPr lang="zh-TW" altLang="en-US" sz="2400" dirty="0" smtClean="0">
-                <a:solidFill>
-                  <a:schemeClr val="tx1"/>
-                </a:solidFill>
-                <a:latin typeface="微軟正黑體" panose="020B0604030504040204" pitchFamily="34" charset="-120"/>
-                <a:ea typeface="微軟正黑體" panose="020B0604030504040204" pitchFamily="34" charset="-120"/>
-              </a:rPr>
-              <a:t>   </a:t>
-            </a:r>
-            <a:r>
-              <a:rPr lang="zh-CN" altLang="en-US" sz="2400" dirty="0" smtClean="0">
-                <a:solidFill>
-                  <a:schemeClr val="tx1"/>
-                </a:solidFill>
-                <a:latin typeface="微軟正黑體" panose="020B0604030504040204" pitchFamily="34" charset="-120"/>
-                <a:ea typeface="微軟正黑體" panose="020B0604030504040204" pitchFamily="34" charset="-120"/>
-              </a:rPr>
-              <a:t>傳送</a:t>
-            </a:r>
-            <a:r>
-              <a:rPr lang="zh-CN" altLang="en-US" sz="2400" dirty="0">
-                <a:solidFill>
-                  <a:schemeClr val="tx1"/>
-                </a:solidFill>
-                <a:latin typeface="微軟正黑體" panose="020B0604030504040204" pitchFamily="34" charset="-120"/>
-                <a:ea typeface="微軟正黑體" panose="020B0604030504040204" pitchFamily="34" charset="-120"/>
-              </a:rPr>
-              <a:t>給</a:t>
-            </a:r>
-            <a:r>
-              <a:rPr lang="en-US" altLang="zh-CN" sz="2400" dirty="0">
-                <a:solidFill>
-                  <a:schemeClr val="tx1"/>
-                </a:solidFill>
-                <a:latin typeface="微軟正黑體" panose="020B0604030504040204" pitchFamily="34" charset="-120"/>
-                <a:ea typeface="微軟正黑體" panose="020B0604030504040204" pitchFamily="34" charset="-120"/>
-              </a:rPr>
-              <a:t>Server</a:t>
-            </a:r>
-            <a:r>
-              <a:rPr lang="zh-CN" altLang="en-US" sz="2400" dirty="0">
-                <a:solidFill>
-                  <a:schemeClr val="tx1"/>
-                </a:solidFill>
-                <a:latin typeface="微軟正黑體" panose="020B0604030504040204" pitchFamily="34" charset="-120"/>
-                <a:ea typeface="微軟正黑體" panose="020B0604030504040204" pitchFamily="34" charset="-120"/>
-              </a:rPr>
-              <a:t>端並統計數量。</a:t>
-            </a:r>
-            <a:endParaRPr lang="zh-TW" altLang="en-US" sz="2400" dirty="0">
-              <a:solidFill>
-                <a:schemeClr val="tx1"/>
-              </a:solidFill>
-              <a:latin typeface="微軟正黑體" panose="020B0604030504040204" pitchFamily="34" charset="-120"/>
-              <a:ea typeface="微軟正黑體" panose="020B0604030504040204" pitchFamily="34" charset="-120"/>
-            </a:endParaRPr>
-          </a:p>
-        </p:txBody>
-      </p:sp>
-    </p:spTree>
-    <p:extLst>
-      <p:ext uri="{BB962C8B-B14F-4D97-AF65-F5344CB8AC3E}">
-        <p14:creationId xmlns:p14="http://schemas.microsoft.com/office/powerpoint/2010/main" val="1698240755"/>
       </p:ext>
     </p:extLst>
   </p:cSld>
@@ -7777,7 +7753,7 @@
           <p:cNvPr id="2" name="標題 1">
             <a:extLst>
               <a:ext uri="{FF2B5EF4-FFF2-40B4-BE49-F238E27FC236}">
-                <a16:creationId xmlns:a16="http://schemas.microsoft.com/office/drawing/2014/main" xmlns="" id="{5672BF90-7484-4D1E-AFC1-B5C7864EA2E5}"/>
+                <a16:creationId xmlns:a16="http://schemas.microsoft.com/office/drawing/2014/main" id="{5672BF90-7484-4D1E-AFC1-B5C7864EA2E5}"/>
               </a:ext>
             </a:extLst>
           </p:cNvPr>
@@ -7802,10 +7778,9 @@
           <a:p>
             <a:pPr algn="ctr"/>
             <a:r>
-              <a:rPr lang="zh-TW" altLang="en-US" sz="5000" dirty="0" smtClean="0"/>
+              <a:rPr lang="zh-TW" altLang="en-US" sz="5000" dirty="0"/>
               <a:t>結論</a:t>
             </a:r>
-            <a:endParaRPr lang="zh-TW" altLang="en-US" sz="5000" dirty="0"/>
           </a:p>
         </p:txBody>
       </p:sp>
@@ -7814,7 +7789,7 @@
           <p:cNvPr id="3" name="內容版面配置區 2">
             <a:extLst>
               <a:ext uri="{FF2B5EF4-FFF2-40B4-BE49-F238E27FC236}">
-                <a16:creationId xmlns:a16="http://schemas.microsoft.com/office/drawing/2014/main" xmlns="" id="{CA513484-4225-4F1F-AB6C-B117C94DFBD3}"/>
+                <a16:creationId xmlns:a16="http://schemas.microsoft.com/office/drawing/2014/main" id="{CA513484-4225-4F1F-AB6C-B117C94DFBD3}"/>
               </a:ext>
             </a:extLst>
           </p:cNvPr>
@@ -7838,34 +7813,15 @@
           <a:lstStyle/>
           <a:p>
             <a:r>
-              <a:rPr lang="zh-TW" altLang="en-US" sz="2400" dirty="0" smtClean="0">
+              <a:rPr lang="zh-TW" altLang="en-US" sz="2400" dirty="0">
                 <a:solidFill>
                   <a:schemeClr val="tx1"/>
                 </a:solidFill>
                 <a:latin typeface="微軟正黑體" panose="020B0604030504040204" pitchFamily="34" charset="-120"/>
                 <a:ea typeface="微軟正黑體" panose="020B0604030504040204" pitchFamily="34" charset="-120"/>
               </a:rPr>
-              <a:t>透過這次機會我們嘗試去解決海灘髒亂的問題，現階段雖然不能解決所有的問題，但是我們提出一個和一般不一樣的方法透過這種機制來獎勵做好事的</a:t>
-            </a:r>
-            <a:r>
-              <a:rPr lang="zh-TW" altLang="en-US" sz="2400" dirty="0" smtClean="0">
-                <a:solidFill>
-                  <a:schemeClr val="tx1"/>
-                </a:solidFill>
-                <a:latin typeface="微軟正黑體" panose="020B0604030504040204" pitchFamily="34" charset="-120"/>
-                <a:ea typeface="微軟正黑體" panose="020B0604030504040204" pitchFamily="34" charset="-120"/>
-              </a:rPr>
-              <a:t>人。</a:t>
-            </a:r>
-            <a:endParaRPr lang="en-US" altLang="zh-TW" sz="2400" dirty="0" smtClean="0">
-              <a:solidFill>
-                <a:schemeClr val="tx1"/>
-              </a:solidFill>
-              <a:latin typeface="微軟正黑體" panose="020B0604030504040204" pitchFamily="34" charset="-120"/>
-              <a:ea typeface="微軟正黑體" panose="020B0604030504040204" pitchFamily="34" charset="-120"/>
-            </a:endParaRPr>
-          </a:p>
-          <a:p>
+              <a:t>透過這次機會我們嘗試去解決海灘髒亂的問題，現階段雖然不能解決所有的問題，但是我們提出一個和一般不一樣的方法透過這種機制來獎勵做好事的人。</a:t>
+            </a:r>
             <a:endParaRPr lang="en-US" altLang="zh-TW" sz="2400" dirty="0">
               <a:solidFill>
                 <a:schemeClr val="tx1"/>
@@ -7875,8 +7831,17 @@
             </a:endParaRPr>
           </a:p>
           <a:p>
-            <a:r>
-              <a:rPr lang="zh-TW" altLang="en-US" sz="2400" dirty="0" smtClean="0">
+            <a:endParaRPr lang="en-US" altLang="zh-TW" sz="2400" dirty="0">
+              <a:solidFill>
+                <a:schemeClr val="tx1"/>
+              </a:solidFill>
+              <a:latin typeface="微軟正黑體" panose="020B0604030504040204" pitchFamily="34" charset="-120"/>
+              <a:ea typeface="微軟正黑體" panose="020B0604030504040204" pitchFamily="34" charset="-120"/>
+            </a:endParaRPr>
+          </a:p>
+          <a:p>
+            <a:r>
+              <a:rPr lang="zh-TW" altLang="en-US" sz="2400" dirty="0">
                 <a:solidFill>
                   <a:schemeClr val="tx1"/>
                 </a:solidFill>
@@ -7885,7 +7850,7 @@
               </a:rPr>
               <a:t>經過人們的口而相傳和更多的廠商加入提供更多的優惠，相信一定能吸引更多人加入讓海岸更加乾淨。</a:t>
             </a:r>
-            <a:endParaRPr lang="en-US" altLang="zh-TW" sz="2400" dirty="0" smtClean="0">
+            <a:endParaRPr lang="en-US" altLang="zh-TW" sz="2400" dirty="0">
               <a:solidFill>
                 <a:schemeClr val="tx1"/>
               </a:solidFill>

--- a/doc/永續發展 - 淨灘.pptx
+++ b/doc/永續發展 - 淨灘.pptx
@@ -5378,7 +5378,7 @@
           <p:cNvPr id="5" name="圖片 4">
             <a:extLst>
               <a:ext uri="{FF2B5EF4-FFF2-40B4-BE49-F238E27FC236}">
-                <a16:creationId xmlns:a16="http://schemas.microsoft.com/office/drawing/2014/main" id="{8003CC06-462E-434C-9758-B4CF61882509}"/>
+                <a16:creationId xmlns:a16="http://schemas.microsoft.com/office/drawing/2014/main" xmlns="" id="{8003CC06-462E-434C-9758-B4CF61882509}"/>
               </a:ext>
             </a:extLst>
           </p:cNvPr>
@@ -5415,7 +5415,7 @@
           <p:cNvPr id="2" name="標題 1">
             <a:extLst>
               <a:ext uri="{FF2B5EF4-FFF2-40B4-BE49-F238E27FC236}">
-                <a16:creationId xmlns:a16="http://schemas.microsoft.com/office/drawing/2014/main" id="{9B7F8B52-C41D-4EFC-8550-9BF33F5D7845}"/>
+                <a16:creationId xmlns:a16="http://schemas.microsoft.com/office/drawing/2014/main" xmlns="" id="{9B7F8B52-C41D-4EFC-8550-9BF33F5D7845}"/>
               </a:ext>
             </a:extLst>
           </p:cNvPr>
@@ -5495,7 +5495,7 @@
           <p:cNvPr id="3" name="副標題 2">
             <a:extLst>
               <a:ext uri="{FF2B5EF4-FFF2-40B4-BE49-F238E27FC236}">
-                <a16:creationId xmlns:a16="http://schemas.microsoft.com/office/drawing/2014/main" id="{CEC7EADB-DD78-464E-8485-A7AE9FB77153}"/>
+                <a16:creationId xmlns:a16="http://schemas.microsoft.com/office/drawing/2014/main" xmlns="" id="{CEC7EADB-DD78-464E-8485-A7AE9FB77153}"/>
               </a:ext>
             </a:extLst>
           </p:cNvPr>
@@ -5667,7 +5667,7 @@
           <p:cNvPr id="2" name="標題 1">
             <a:extLst>
               <a:ext uri="{FF2B5EF4-FFF2-40B4-BE49-F238E27FC236}">
-                <a16:creationId xmlns:a16="http://schemas.microsoft.com/office/drawing/2014/main" id="{5672BF90-7484-4D1E-AFC1-B5C7864EA2E5}"/>
+                <a16:creationId xmlns:a16="http://schemas.microsoft.com/office/drawing/2014/main" xmlns="" id="{5672BF90-7484-4D1E-AFC1-B5C7864EA2E5}"/>
               </a:ext>
             </a:extLst>
           </p:cNvPr>
@@ -5703,7 +5703,7 @@
           <p:cNvPr id="3" name="內容版面配置區 2">
             <a:extLst>
               <a:ext uri="{FF2B5EF4-FFF2-40B4-BE49-F238E27FC236}">
-                <a16:creationId xmlns:a16="http://schemas.microsoft.com/office/drawing/2014/main" id="{CA513484-4225-4F1F-AB6C-B117C94DFBD3}"/>
+                <a16:creationId xmlns:a16="http://schemas.microsoft.com/office/drawing/2014/main" xmlns="" id="{CA513484-4225-4F1F-AB6C-B117C94DFBD3}"/>
               </a:ext>
             </a:extLst>
           </p:cNvPr>
@@ -5823,7 +5823,7 @@
           <p:cNvPr id="2" name="標題 1">
             <a:extLst>
               <a:ext uri="{FF2B5EF4-FFF2-40B4-BE49-F238E27FC236}">
-                <a16:creationId xmlns:a16="http://schemas.microsoft.com/office/drawing/2014/main" id="{5672BF90-7484-4D1E-AFC1-B5C7864EA2E5}"/>
+                <a16:creationId xmlns:a16="http://schemas.microsoft.com/office/drawing/2014/main" xmlns="" id="{5672BF90-7484-4D1E-AFC1-B5C7864EA2E5}"/>
               </a:ext>
             </a:extLst>
           </p:cNvPr>
@@ -5859,7 +5859,7 @@
           <p:cNvPr id="3" name="內容版面配置區 2">
             <a:extLst>
               <a:ext uri="{FF2B5EF4-FFF2-40B4-BE49-F238E27FC236}">
-                <a16:creationId xmlns:a16="http://schemas.microsoft.com/office/drawing/2014/main" id="{CA513484-4225-4F1F-AB6C-B117C94DFBD3}"/>
+                <a16:creationId xmlns:a16="http://schemas.microsoft.com/office/drawing/2014/main" xmlns="" id="{CA513484-4225-4F1F-AB6C-B117C94DFBD3}"/>
               </a:ext>
             </a:extLst>
           </p:cNvPr>
@@ -6071,7 +6071,7 @@
           <p:cNvPr id="2" name="標題 1">
             <a:extLst>
               <a:ext uri="{FF2B5EF4-FFF2-40B4-BE49-F238E27FC236}">
-                <a16:creationId xmlns:a16="http://schemas.microsoft.com/office/drawing/2014/main" id="{5672BF90-7484-4D1E-AFC1-B5C7864EA2E5}"/>
+                <a16:creationId xmlns:a16="http://schemas.microsoft.com/office/drawing/2014/main" xmlns="" id="{5672BF90-7484-4D1E-AFC1-B5C7864EA2E5}"/>
               </a:ext>
             </a:extLst>
           </p:cNvPr>
@@ -6107,7 +6107,7 @@
           <p:cNvPr id="3" name="內容版面配置區 2">
             <a:extLst>
               <a:ext uri="{FF2B5EF4-FFF2-40B4-BE49-F238E27FC236}">
-                <a16:creationId xmlns:a16="http://schemas.microsoft.com/office/drawing/2014/main" id="{CA513484-4225-4F1F-AB6C-B117C94DFBD3}"/>
+                <a16:creationId xmlns:a16="http://schemas.microsoft.com/office/drawing/2014/main" xmlns="" id="{CA513484-4225-4F1F-AB6C-B117C94DFBD3}"/>
               </a:ext>
             </a:extLst>
           </p:cNvPr>
@@ -6438,7 +6438,7 @@
           <p:cNvPr id="2" name="標題 1">
             <a:extLst>
               <a:ext uri="{FF2B5EF4-FFF2-40B4-BE49-F238E27FC236}">
-                <a16:creationId xmlns:a16="http://schemas.microsoft.com/office/drawing/2014/main" id="{93769179-CC27-42AA-B3FA-22C4285134EF}"/>
+                <a16:creationId xmlns:a16="http://schemas.microsoft.com/office/drawing/2014/main" xmlns="" id="{93769179-CC27-42AA-B3FA-22C4285134EF}"/>
               </a:ext>
             </a:extLst>
           </p:cNvPr>
@@ -7536,7 +7536,7 @@
           <p:cNvPr id="39" name="直線單箭頭接點 38">
             <a:extLst>
               <a:ext uri="{FF2B5EF4-FFF2-40B4-BE49-F238E27FC236}">
-                <a16:creationId xmlns:a16="http://schemas.microsoft.com/office/drawing/2014/main" id="{7BFDC443-CB51-4EB9-A555-FFF2C2EE662D}"/>
+                <a16:creationId xmlns:a16="http://schemas.microsoft.com/office/drawing/2014/main" xmlns="" id="{7BFDC443-CB51-4EB9-A555-FFF2C2EE662D}"/>
               </a:ext>
             </a:extLst>
           </p:cNvPr>
@@ -7580,7 +7580,7 @@
           <p:cNvPr id="40" name="矩形 39">
             <a:extLst>
               <a:ext uri="{FF2B5EF4-FFF2-40B4-BE49-F238E27FC236}">
-                <a16:creationId xmlns:a16="http://schemas.microsoft.com/office/drawing/2014/main" id="{B91E3838-82D8-4930-A757-C1997A4C9155}"/>
+                <a16:creationId xmlns:a16="http://schemas.microsoft.com/office/drawing/2014/main" xmlns="" id="{B91E3838-82D8-4930-A757-C1997A4C9155}"/>
               </a:ext>
             </a:extLst>
           </p:cNvPr>
@@ -7630,7 +7630,7 @@
           <p:cNvPr id="42" name="群組 41">
             <a:extLst>
               <a:ext uri="{FF2B5EF4-FFF2-40B4-BE49-F238E27FC236}">
-                <a16:creationId xmlns:a16="http://schemas.microsoft.com/office/drawing/2014/main" id="{10DD8C89-5622-49F2-891D-668F9D5557E3}"/>
+                <a16:creationId xmlns:a16="http://schemas.microsoft.com/office/drawing/2014/main" xmlns="" id="{10DD8C89-5622-49F2-891D-668F9D5557E3}"/>
               </a:ext>
             </a:extLst>
           </p:cNvPr>
@@ -7650,7 +7650,7 @@
             <p:cNvPr id="44" name="文字方塊 43">
               <a:extLst>
                 <a:ext uri="{FF2B5EF4-FFF2-40B4-BE49-F238E27FC236}">
-                  <a16:creationId xmlns:a16="http://schemas.microsoft.com/office/drawing/2014/main" id="{1C175A2C-16D9-4741-A361-7DA925324F6A}"/>
+                  <a16:creationId xmlns:a16="http://schemas.microsoft.com/office/drawing/2014/main" xmlns="" id="{1C175A2C-16D9-4741-A361-7DA925324F6A}"/>
                 </a:ext>
               </a:extLst>
             </p:cNvPr>
@@ -7686,7 +7686,7 @@
             <p:cNvPr id="45" name="文字方塊 44">
               <a:extLst>
                 <a:ext uri="{FF2B5EF4-FFF2-40B4-BE49-F238E27FC236}">
-                  <a16:creationId xmlns:a16="http://schemas.microsoft.com/office/drawing/2014/main" id="{E1D7696E-BA25-4077-8760-0355B884E2B2}"/>
+                  <a16:creationId xmlns:a16="http://schemas.microsoft.com/office/drawing/2014/main" xmlns="" id="{E1D7696E-BA25-4077-8760-0355B884E2B2}"/>
                 </a:ext>
               </a:extLst>
             </p:cNvPr>
@@ -7753,7 +7753,7 @@
           <p:cNvPr id="2" name="標題 1">
             <a:extLst>
               <a:ext uri="{FF2B5EF4-FFF2-40B4-BE49-F238E27FC236}">
-                <a16:creationId xmlns:a16="http://schemas.microsoft.com/office/drawing/2014/main" id="{5672BF90-7484-4D1E-AFC1-B5C7864EA2E5}"/>
+                <a16:creationId xmlns:a16="http://schemas.microsoft.com/office/drawing/2014/main" xmlns="" id="{5672BF90-7484-4D1E-AFC1-B5C7864EA2E5}"/>
               </a:ext>
             </a:extLst>
           </p:cNvPr>
@@ -7789,7 +7789,7 @@
           <p:cNvPr id="3" name="內容版面配置區 2">
             <a:extLst>
               <a:ext uri="{FF2B5EF4-FFF2-40B4-BE49-F238E27FC236}">
-                <a16:creationId xmlns:a16="http://schemas.microsoft.com/office/drawing/2014/main" id="{CA513484-4225-4F1F-AB6C-B117C94DFBD3}"/>
+                <a16:creationId xmlns:a16="http://schemas.microsoft.com/office/drawing/2014/main" xmlns="" id="{CA513484-4225-4F1F-AB6C-B117C94DFBD3}"/>
               </a:ext>
             </a:extLst>
           </p:cNvPr>
@@ -7848,7 +7848,37 @@
                 <a:latin typeface="微軟正黑體" panose="020B0604030504040204" pitchFamily="34" charset="-120"/>
                 <a:ea typeface="微軟正黑體" panose="020B0604030504040204" pitchFamily="34" charset="-120"/>
               </a:rPr>
-              <a:t>經過人們的口而相傳和更多的廠商加入提供更多的優惠，相信一定能吸引更多人加入讓海岸更加乾淨。</a:t>
+              <a:t>經過人們</a:t>
+            </a:r>
+            <a:r>
+              <a:rPr lang="zh-TW" altLang="en-US" sz="2400">
+                <a:solidFill>
+                  <a:schemeClr val="tx1"/>
+                </a:solidFill>
+                <a:latin typeface="微軟正黑體" panose="020B0604030504040204" pitchFamily="34" charset="-120"/>
+                <a:ea typeface="微軟正黑體" panose="020B0604030504040204" pitchFamily="34" charset="-120"/>
+              </a:rPr>
+              <a:t>的</a:t>
+            </a:r>
+            <a:r>
+              <a:rPr lang="zh-TW" altLang="en-US" sz="2400" smtClean="0">
+                <a:solidFill>
+                  <a:schemeClr val="tx1"/>
+                </a:solidFill>
+                <a:latin typeface="微軟正黑體" panose="020B0604030504040204" pitchFamily="34" charset="-120"/>
+                <a:ea typeface="微軟正黑體" panose="020B0604030504040204" pitchFamily="34" charset="-120"/>
+              </a:rPr>
+              <a:t>口耳相傳</a:t>
+            </a:r>
+            <a:r>
+              <a:rPr lang="zh-TW" altLang="en-US" sz="2400" dirty="0">
+                <a:solidFill>
+                  <a:schemeClr val="tx1"/>
+                </a:solidFill>
+                <a:latin typeface="微軟正黑體" panose="020B0604030504040204" pitchFamily="34" charset="-120"/>
+                <a:ea typeface="微軟正黑體" panose="020B0604030504040204" pitchFamily="34" charset="-120"/>
+              </a:rPr>
+              <a:t>和更多的廠商加入提供更多的優惠，相信一定能吸引更多人加入讓海岸更加乾淨。</a:t>
             </a:r>
             <a:endParaRPr lang="en-US" altLang="zh-TW" sz="2400" dirty="0">
               <a:solidFill>

--- a/doc/永續發展 - 淨灘.pptx
+++ b/doc/永續發展 - 淨灘.pptx
@@ -5378,7 +5378,7 @@
           <p:cNvPr id="5" name="圖片 4">
             <a:extLst>
               <a:ext uri="{FF2B5EF4-FFF2-40B4-BE49-F238E27FC236}">
-                <a16:creationId xmlns:a16="http://schemas.microsoft.com/office/drawing/2014/main" xmlns="" id="{8003CC06-462E-434C-9758-B4CF61882509}"/>
+                <a16:creationId xmlns="" xmlns:a16="http://schemas.microsoft.com/office/drawing/2014/main" id="{8003CC06-462E-434C-9758-B4CF61882509}"/>
               </a:ext>
             </a:extLst>
           </p:cNvPr>
@@ -5415,7 +5415,7 @@
           <p:cNvPr id="2" name="標題 1">
             <a:extLst>
               <a:ext uri="{FF2B5EF4-FFF2-40B4-BE49-F238E27FC236}">
-                <a16:creationId xmlns:a16="http://schemas.microsoft.com/office/drawing/2014/main" xmlns="" id="{9B7F8B52-C41D-4EFC-8550-9BF33F5D7845}"/>
+                <a16:creationId xmlns="" xmlns:a16="http://schemas.microsoft.com/office/drawing/2014/main" id="{9B7F8B52-C41D-4EFC-8550-9BF33F5D7845}"/>
               </a:ext>
             </a:extLst>
           </p:cNvPr>
@@ -5495,7 +5495,7 @@
           <p:cNvPr id="3" name="副標題 2">
             <a:extLst>
               <a:ext uri="{FF2B5EF4-FFF2-40B4-BE49-F238E27FC236}">
-                <a16:creationId xmlns:a16="http://schemas.microsoft.com/office/drawing/2014/main" xmlns="" id="{CEC7EADB-DD78-464E-8485-A7AE9FB77153}"/>
+                <a16:creationId xmlns="" xmlns:a16="http://schemas.microsoft.com/office/drawing/2014/main" id="{CEC7EADB-DD78-464E-8485-A7AE9FB77153}"/>
               </a:ext>
             </a:extLst>
           </p:cNvPr>
@@ -5667,7 +5667,7 @@
           <p:cNvPr id="2" name="標題 1">
             <a:extLst>
               <a:ext uri="{FF2B5EF4-FFF2-40B4-BE49-F238E27FC236}">
-                <a16:creationId xmlns:a16="http://schemas.microsoft.com/office/drawing/2014/main" xmlns="" id="{5672BF90-7484-4D1E-AFC1-B5C7864EA2E5}"/>
+                <a16:creationId xmlns="" xmlns:a16="http://schemas.microsoft.com/office/drawing/2014/main" id="{5672BF90-7484-4D1E-AFC1-B5C7864EA2E5}"/>
               </a:ext>
             </a:extLst>
           </p:cNvPr>
@@ -5703,7 +5703,7 @@
           <p:cNvPr id="3" name="內容版面配置區 2">
             <a:extLst>
               <a:ext uri="{FF2B5EF4-FFF2-40B4-BE49-F238E27FC236}">
-                <a16:creationId xmlns:a16="http://schemas.microsoft.com/office/drawing/2014/main" xmlns="" id="{CA513484-4225-4F1F-AB6C-B117C94DFBD3}"/>
+                <a16:creationId xmlns="" xmlns:a16="http://schemas.microsoft.com/office/drawing/2014/main" id="{CA513484-4225-4F1F-AB6C-B117C94DFBD3}"/>
               </a:ext>
             </a:extLst>
           </p:cNvPr>
@@ -5823,7 +5823,7 @@
           <p:cNvPr id="2" name="標題 1">
             <a:extLst>
               <a:ext uri="{FF2B5EF4-FFF2-40B4-BE49-F238E27FC236}">
-                <a16:creationId xmlns:a16="http://schemas.microsoft.com/office/drawing/2014/main" xmlns="" id="{5672BF90-7484-4D1E-AFC1-B5C7864EA2E5}"/>
+                <a16:creationId xmlns="" xmlns:a16="http://schemas.microsoft.com/office/drawing/2014/main" id="{5672BF90-7484-4D1E-AFC1-B5C7864EA2E5}"/>
               </a:ext>
             </a:extLst>
           </p:cNvPr>
@@ -5859,7 +5859,7 @@
           <p:cNvPr id="3" name="內容版面配置區 2">
             <a:extLst>
               <a:ext uri="{FF2B5EF4-FFF2-40B4-BE49-F238E27FC236}">
-                <a16:creationId xmlns:a16="http://schemas.microsoft.com/office/drawing/2014/main" xmlns="" id="{CA513484-4225-4F1F-AB6C-B117C94DFBD3}"/>
+                <a16:creationId xmlns="" xmlns:a16="http://schemas.microsoft.com/office/drawing/2014/main" id="{CA513484-4225-4F1F-AB6C-B117C94DFBD3}"/>
               </a:ext>
             </a:extLst>
           </p:cNvPr>
@@ -6071,7 +6071,7 @@
           <p:cNvPr id="2" name="標題 1">
             <a:extLst>
               <a:ext uri="{FF2B5EF4-FFF2-40B4-BE49-F238E27FC236}">
-                <a16:creationId xmlns:a16="http://schemas.microsoft.com/office/drawing/2014/main" xmlns="" id="{5672BF90-7484-4D1E-AFC1-B5C7864EA2E5}"/>
+                <a16:creationId xmlns="" xmlns:a16="http://schemas.microsoft.com/office/drawing/2014/main" id="{5672BF90-7484-4D1E-AFC1-B5C7864EA2E5}"/>
               </a:ext>
             </a:extLst>
           </p:cNvPr>
@@ -6107,7 +6107,7 @@
           <p:cNvPr id="3" name="內容版面配置區 2">
             <a:extLst>
               <a:ext uri="{FF2B5EF4-FFF2-40B4-BE49-F238E27FC236}">
-                <a16:creationId xmlns:a16="http://schemas.microsoft.com/office/drawing/2014/main" xmlns="" id="{CA513484-4225-4F1F-AB6C-B117C94DFBD3}"/>
+                <a16:creationId xmlns="" xmlns:a16="http://schemas.microsoft.com/office/drawing/2014/main" id="{CA513484-4225-4F1F-AB6C-B117C94DFBD3}"/>
               </a:ext>
             </a:extLst>
           </p:cNvPr>
@@ -6438,7 +6438,7 @@
           <p:cNvPr id="2" name="標題 1">
             <a:extLst>
               <a:ext uri="{FF2B5EF4-FFF2-40B4-BE49-F238E27FC236}">
-                <a16:creationId xmlns:a16="http://schemas.microsoft.com/office/drawing/2014/main" xmlns="" id="{93769179-CC27-42AA-B3FA-22C4285134EF}"/>
+                <a16:creationId xmlns="" xmlns:a16="http://schemas.microsoft.com/office/drawing/2014/main" id="{93769179-CC27-42AA-B3FA-22C4285134EF}"/>
               </a:ext>
             </a:extLst>
           </p:cNvPr>
@@ -6616,9 +6616,9 @@
         </p:nvGrpSpPr>
         <p:grpSpPr>
           <a:xfrm>
-            <a:off x="5167609" y="2685742"/>
+            <a:off x="5108860" y="2671666"/>
             <a:ext cx="1912366" cy="587049"/>
-            <a:chOff x="7262688" y="2756732"/>
+            <a:chOff x="7262688" y="2756120"/>
             <a:chExt cx="1912366" cy="587049"/>
           </a:xfrm>
         </p:grpSpPr>
@@ -6630,7 +6630,7 @@
           </p:nvCxnSpPr>
           <p:spPr>
             <a:xfrm flipH="1">
-              <a:off x="8293338" y="2756732"/>
+              <a:off x="8270278" y="2756120"/>
               <a:ext cx="1" cy="587049"/>
             </a:xfrm>
             <a:prstGeom prst="straightConnector1">
@@ -6726,10 +6726,10 @@
         </p:nvGrpSpPr>
         <p:grpSpPr>
           <a:xfrm>
-            <a:off x="5246686" y="4535687"/>
-            <a:ext cx="1991430" cy="587049"/>
-            <a:chOff x="7374366" y="2756732"/>
-            <a:chExt cx="1991430" cy="587049"/>
+            <a:off x="5209612" y="4498634"/>
+            <a:ext cx="1985882" cy="587049"/>
+            <a:chOff x="7263253" y="2719679"/>
+            <a:chExt cx="1985882" cy="587049"/>
           </a:xfrm>
         </p:grpSpPr>
         <p:cxnSp>
@@ -6740,7 +6740,7 @@
           </p:nvCxnSpPr>
           <p:spPr>
             <a:xfrm flipH="1">
-              <a:off x="8293338" y="2756732"/>
+              <a:off x="8170091" y="2719679"/>
               <a:ext cx="1" cy="587049"/>
             </a:xfrm>
             <a:prstGeom prst="straightConnector1">
@@ -6776,7 +6776,7 @@
           </p:nvSpPr>
           <p:spPr>
             <a:xfrm>
-              <a:off x="7374366" y="2799361"/>
+              <a:off x="7263253" y="2799361"/>
               <a:ext cx="776411" cy="369332"/>
             </a:xfrm>
             <a:prstGeom prst="rect">
@@ -6806,7 +6806,7 @@
           </p:nvSpPr>
           <p:spPr>
             <a:xfrm>
-              <a:off x="8442959" y="2799361"/>
+              <a:off x="8326298" y="2799361"/>
               <a:ext cx="922837" cy="369332"/>
             </a:xfrm>
             <a:prstGeom prst="rect">
@@ -7495,15 +7495,65 @@
           </a:p>
         </p:txBody>
       </p:sp>
+      <p:sp>
+        <p:nvSpPr>
+          <p:cNvPr id="40" name="矩形 39">
+            <a:extLst>
+              <a:ext uri="{FF2B5EF4-FFF2-40B4-BE49-F238E27FC236}">
+                <a16:creationId xmlns="" xmlns:a16="http://schemas.microsoft.com/office/drawing/2014/main" id="{B91E3838-82D8-4930-A757-C1997A4C9155}"/>
+              </a:ext>
+            </a:extLst>
+          </p:cNvPr>
+          <p:cNvSpPr/>
+          <p:nvPr/>
+        </p:nvSpPr>
+        <p:spPr>
+          <a:xfrm>
+            <a:off x="2272393" y="5231911"/>
+            <a:ext cx="1837944" cy="914400"/>
+          </a:xfrm>
+          <a:prstGeom prst="rect">
+            <a:avLst/>
+          </a:prstGeom>
+        </p:spPr>
+        <p:style>
+          <a:lnRef idx="2">
+            <a:schemeClr val="accent1">
+              <a:shade val="50000"/>
+            </a:schemeClr>
+          </a:lnRef>
+          <a:fillRef idx="1">
+            <a:schemeClr val="accent1"/>
+          </a:fillRef>
+          <a:effectRef idx="0">
+            <a:schemeClr val="accent1"/>
+          </a:effectRef>
+          <a:fontRef idx="minor">
+            <a:schemeClr val="lt1"/>
+          </a:fontRef>
+        </p:style>
+        <p:txBody>
+          <a:bodyPr rtlCol="0" anchor="ctr"/>
+          <a:lstStyle/>
+          <a:p>
+            <a:pPr algn="ctr"/>
+            <a:r>
+              <a:rPr lang="en-US" altLang="zh-TW" dirty="0"/>
+              <a:t>Web</a:t>
+            </a:r>
+            <a:endParaRPr lang="zh-TW" altLang="en-US" dirty="0"/>
+          </a:p>
+        </p:txBody>
+      </p:sp>
       <p:cxnSp>
         <p:nvCxnSpPr>
-          <p:cNvPr id="20" name="直線單箭頭接點 19"/>
+          <p:cNvPr id="43" name="直線單箭頭接點 42"/>
           <p:cNvCxnSpPr/>
           <p:nvPr/>
         </p:nvCxnSpPr>
         <p:spPr>
           <a:xfrm rot="16200000" flipH="1">
-            <a:off x="7641546" y="5379463"/>
+            <a:off x="7533003" y="5391486"/>
             <a:ext cx="1" cy="587049"/>
           </a:xfrm>
           <a:prstGeom prst="straightConnector1">
@@ -7531,192 +7581,149 @@
           </a:fontRef>
         </p:style>
       </p:cxnSp>
-      <p:cxnSp>
-        <p:nvCxnSpPr>
-          <p:cNvPr id="39" name="直線單箭頭接點 38">
-            <a:extLst>
-              <a:ext uri="{FF2B5EF4-FFF2-40B4-BE49-F238E27FC236}">
-                <a16:creationId xmlns:a16="http://schemas.microsoft.com/office/drawing/2014/main" xmlns="" id="{7BFDC443-CB51-4EB9-A555-FFF2C2EE662D}"/>
-              </a:ext>
-            </a:extLst>
-          </p:cNvPr>
-          <p:cNvCxnSpPr>
-            <a:cxnSpLocks/>
-          </p:cNvCxnSpPr>
-          <p:nvPr/>
-        </p:nvCxnSpPr>
-        <p:spPr>
-          <a:xfrm flipH="1" flipV="1">
-            <a:off x="4340325" y="5689111"/>
-            <a:ext cx="587050" cy="1"/>
-          </a:xfrm>
-          <a:prstGeom prst="straightConnector1">
-            <a:avLst/>
-          </a:prstGeom>
-          <a:ln w="101600">
-            <a:solidFill>
-              <a:srgbClr val="FF7F00"/>
-            </a:solidFill>
-            <a:tailEnd type="triangle"/>
-          </a:ln>
-        </p:spPr>
-        <p:style>
-          <a:lnRef idx="1">
-            <a:schemeClr val="accent1"/>
-          </a:lnRef>
-          <a:fillRef idx="0">
-            <a:schemeClr val="accent1"/>
-          </a:fillRef>
-          <a:effectRef idx="0">
-            <a:schemeClr val="accent1"/>
-          </a:effectRef>
-          <a:fontRef idx="minor">
-            <a:schemeClr val="tx1"/>
-          </a:fontRef>
-        </p:style>
-      </p:cxnSp>
-      <p:sp>
-        <p:nvSpPr>
-          <p:cNvPr id="40" name="矩形 39">
-            <a:extLst>
-              <a:ext uri="{FF2B5EF4-FFF2-40B4-BE49-F238E27FC236}">
-                <a16:creationId xmlns:a16="http://schemas.microsoft.com/office/drawing/2014/main" xmlns="" id="{B91E3838-82D8-4930-A757-C1997A4C9155}"/>
-              </a:ext>
-            </a:extLst>
-          </p:cNvPr>
-          <p:cNvSpPr/>
-          <p:nvPr/>
-        </p:nvSpPr>
-        <p:spPr>
-          <a:xfrm>
-            <a:off x="2272393" y="5231911"/>
-            <a:ext cx="1837944" cy="914400"/>
-          </a:xfrm>
-          <a:prstGeom prst="rect">
-            <a:avLst/>
-          </a:prstGeom>
-        </p:spPr>
-        <p:style>
-          <a:lnRef idx="2">
-            <a:schemeClr val="accent1">
-              <a:shade val="50000"/>
-            </a:schemeClr>
-          </a:lnRef>
-          <a:fillRef idx="1">
-            <a:schemeClr val="accent1"/>
-          </a:fillRef>
-          <a:effectRef idx="0">
-            <a:schemeClr val="accent1"/>
-          </a:effectRef>
-          <a:fontRef idx="minor">
-            <a:schemeClr val="lt1"/>
-          </a:fontRef>
-        </p:style>
-        <p:txBody>
-          <a:bodyPr rtlCol="0" anchor="ctr"/>
-          <a:lstStyle/>
-          <a:p>
-            <a:pPr algn="ctr"/>
-            <a:r>
-              <a:rPr lang="en-US" altLang="zh-TW" dirty="0"/>
-              <a:t>Web</a:t>
-            </a:r>
-            <a:endParaRPr lang="zh-TW" altLang="en-US" dirty="0"/>
-          </a:p>
-        </p:txBody>
-      </p:sp>
       <p:grpSp>
         <p:nvGrpSpPr>
-          <p:cNvPr id="42" name="群組 41">
-            <a:extLst>
-              <a:ext uri="{FF2B5EF4-FFF2-40B4-BE49-F238E27FC236}">
-                <a16:creationId xmlns:a16="http://schemas.microsoft.com/office/drawing/2014/main" xmlns="" id="{10DD8C89-5622-49F2-891D-668F9D5557E3}"/>
-              </a:ext>
-            </a:extLst>
-          </p:cNvPr>
+          <p:cNvPr id="4" name="群組 3"/>
           <p:cNvGrpSpPr/>
           <p:nvPr/>
         </p:nvGrpSpPr>
         <p:grpSpPr>
-          <a:xfrm rot="16200000">
-            <a:off x="4150367" y="5148619"/>
-            <a:ext cx="1102931" cy="1051170"/>
-            <a:chOff x="7717208" y="2541601"/>
-            <a:chExt cx="1102931" cy="1051170"/>
+          <a:xfrm>
+            <a:off x="4130411" y="5121519"/>
+            <a:ext cx="1051170" cy="1102931"/>
+            <a:chOff x="4130411" y="5121519"/>
+            <a:chExt cx="1051170" cy="1102931"/>
           </a:xfrm>
         </p:grpSpPr>
-        <p:sp>
-          <p:nvSpPr>
-            <p:cNvPr id="44" name="文字方塊 43">
+        <p:grpSp>
+          <p:nvGrpSpPr>
+            <p:cNvPr id="42" name="群組 41">
               <a:extLst>
                 <a:ext uri="{FF2B5EF4-FFF2-40B4-BE49-F238E27FC236}">
-                  <a16:creationId xmlns:a16="http://schemas.microsoft.com/office/drawing/2014/main" xmlns="" id="{1C175A2C-16D9-4741-A361-7DA925324F6A}"/>
+                  <a16:creationId xmlns="" xmlns:a16="http://schemas.microsoft.com/office/drawing/2014/main" id="{10DD8C89-5622-49F2-891D-668F9D5557E3}"/>
                 </a:ext>
               </a:extLst>
             </p:cNvPr>
-            <p:cNvSpPr txBox="1"/>
+            <p:cNvGrpSpPr/>
             <p:nvPr/>
-          </p:nvSpPr>
+          </p:nvGrpSpPr>
+          <p:grpSpPr>
+            <a:xfrm rot="16200000">
+              <a:off x="4104530" y="5147400"/>
+              <a:ext cx="1102931" cy="1051170"/>
+              <a:chOff x="7717208" y="2541601"/>
+              <a:chExt cx="1102931" cy="1051170"/>
+            </a:xfrm>
+          </p:grpSpPr>
+          <p:sp>
+            <p:nvSpPr>
+              <p:cNvPr id="44" name="文字方塊 43">
+                <a:extLst>
+                  <a:ext uri="{FF2B5EF4-FFF2-40B4-BE49-F238E27FC236}">
+                    <a16:creationId xmlns="" xmlns:a16="http://schemas.microsoft.com/office/drawing/2014/main" id="{1C175A2C-16D9-4741-A361-7DA925324F6A}"/>
+                  </a:ext>
+                </a:extLst>
+              </p:cNvPr>
+              <p:cNvSpPr txBox="1"/>
+              <p:nvPr/>
+            </p:nvSpPr>
+            <p:spPr>
+              <a:xfrm>
+                <a:off x="7717208" y="2698300"/>
+                <a:ext cx="461665" cy="803984"/>
+              </a:xfrm>
+              <a:prstGeom prst="rect">
+                <a:avLst/>
+              </a:prstGeom>
+              <a:noFill/>
+            </p:spPr>
+            <p:txBody>
+              <a:bodyPr vert="eaVert" wrap="square" rtlCol="0">
+                <a:spAutoFit/>
+              </a:bodyPr>
+              <a:lstStyle/>
+              <a:p>
+                <a:r>
+                  <a:rPr lang="en-US" altLang="zh-TW" dirty="0"/>
+                  <a:t>route</a:t>
+                </a:r>
+                <a:endParaRPr lang="zh-TW" altLang="en-US" dirty="0"/>
+              </a:p>
+            </p:txBody>
+          </p:sp>
+          <p:sp>
+            <p:nvSpPr>
+              <p:cNvPr id="45" name="文字方塊 44">
+                <a:extLst>
+                  <a:ext uri="{FF2B5EF4-FFF2-40B4-BE49-F238E27FC236}">
+                    <a16:creationId xmlns="" xmlns:a16="http://schemas.microsoft.com/office/drawing/2014/main" id="{E1D7696E-BA25-4077-8760-0355B884E2B2}"/>
+                  </a:ext>
+                </a:extLst>
+              </p:cNvPr>
+              <p:cNvSpPr txBox="1"/>
+              <p:nvPr/>
+            </p:nvSpPr>
+            <p:spPr>
+              <a:xfrm>
+                <a:off x="8358474" y="2541601"/>
+                <a:ext cx="461665" cy="1051170"/>
+              </a:xfrm>
+              <a:prstGeom prst="rect">
+                <a:avLst/>
+              </a:prstGeom>
+              <a:noFill/>
+            </p:spPr>
+            <p:txBody>
+              <a:bodyPr vert="eaVert" wrap="square" rtlCol="0">
+                <a:spAutoFit/>
+              </a:bodyPr>
+              <a:lstStyle/>
+              <a:p>
+                <a:r>
+                  <a:rPr lang="en-US" altLang="zh-TW" dirty="0"/>
+                  <a:t>network</a:t>
+                </a:r>
+                <a:endParaRPr lang="zh-TW" altLang="en-US" dirty="0"/>
+              </a:p>
+            </p:txBody>
+          </p:sp>
+        </p:grpSp>
+        <p:cxnSp>
+          <p:nvCxnSpPr>
+            <p:cNvPr id="46" name="直線單箭頭接點 45"/>
+            <p:cNvCxnSpPr/>
+            <p:nvPr/>
+          </p:nvCxnSpPr>
           <p:spPr>
-            <a:xfrm>
-              <a:off x="7717208" y="2698300"/>
-              <a:ext cx="461665" cy="803984"/>
+            <a:xfrm rot="5400000" flipH="1">
+              <a:off x="4593670" y="5373774"/>
+              <a:ext cx="1" cy="587049"/>
             </a:xfrm>
-            <a:prstGeom prst="rect">
+            <a:prstGeom prst="straightConnector1">
               <a:avLst/>
             </a:prstGeom>
-            <a:noFill/>
+            <a:ln w="101600">
+              <a:solidFill>
+                <a:srgbClr val="FF7F00"/>
+              </a:solidFill>
+              <a:tailEnd type="triangle"/>
+            </a:ln>
           </p:spPr>
-          <p:txBody>
-            <a:bodyPr vert="eaVert" wrap="square" rtlCol="0">
-              <a:spAutoFit/>
-            </a:bodyPr>
-            <a:lstStyle/>
-            <a:p>
-              <a:r>
-                <a:rPr lang="en-US" altLang="zh-TW" dirty="0"/>
-                <a:t>route</a:t>
-              </a:r>
-              <a:endParaRPr lang="zh-TW" altLang="en-US" dirty="0"/>
-            </a:p>
-          </p:txBody>
-        </p:sp>
-        <p:sp>
-          <p:nvSpPr>
-            <p:cNvPr id="45" name="文字方塊 44">
-              <a:extLst>
-                <a:ext uri="{FF2B5EF4-FFF2-40B4-BE49-F238E27FC236}">
-                  <a16:creationId xmlns:a16="http://schemas.microsoft.com/office/drawing/2014/main" xmlns="" id="{E1D7696E-BA25-4077-8760-0355B884E2B2}"/>
-                </a:ext>
-              </a:extLst>
-            </p:cNvPr>
-            <p:cNvSpPr txBox="1"/>
-            <p:nvPr/>
-          </p:nvSpPr>
-          <p:spPr>
-            <a:xfrm>
-              <a:off x="8358474" y="2541601"/>
-              <a:ext cx="461665" cy="1051170"/>
-            </a:xfrm>
-            <a:prstGeom prst="rect">
-              <a:avLst/>
-            </a:prstGeom>
-            <a:noFill/>
-          </p:spPr>
-          <p:txBody>
-            <a:bodyPr vert="eaVert" wrap="square" rtlCol="0">
-              <a:spAutoFit/>
-            </a:bodyPr>
-            <a:lstStyle/>
-            <a:p>
-              <a:r>
-                <a:rPr lang="en-US" altLang="zh-TW" dirty="0"/>
-                <a:t>network</a:t>
-              </a:r>
-              <a:endParaRPr lang="zh-TW" altLang="en-US" dirty="0"/>
-            </a:p>
-          </p:txBody>
-        </p:sp>
+          <p:style>
+            <a:lnRef idx="1">
+              <a:schemeClr val="accent1"/>
+            </a:lnRef>
+            <a:fillRef idx="0">
+              <a:schemeClr val="accent1"/>
+            </a:fillRef>
+            <a:effectRef idx="0">
+              <a:schemeClr val="accent1"/>
+            </a:effectRef>
+            <a:fontRef idx="minor">
+              <a:schemeClr val="tx1"/>
+            </a:fontRef>
+          </p:style>
+        </p:cxnSp>
       </p:grpSp>
     </p:spTree>
     <p:extLst>
@@ -7753,7 +7760,7 @@
           <p:cNvPr id="2" name="標題 1">
             <a:extLst>
               <a:ext uri="{FF2B5EF4-FFF2-40B4-BE49-F238E27FC236}">
-                <a16:creationId xmlns:a16="http://schemas.microsoft.com/office/drawing/2014/main" xmlns="" id="{5672BF90-7484-4D1E-AFC1-B5C7864EA2E5}"/>
+                <a16:creationId xmlns="" xmlns:a16="http://schemas.microsoft.com/office/drawing/2014/main" id="{5672BF90-7484-4D1E-AFC1-B5C7864EA2E5}"/>
               </a:ext>
             </a:extLst>
           </p:cNvPr>
@@ -7789,7 +7796,7 @@
           <p:cNvPr id="3" name="內容版面配置區 2">
             <a:extLst>
               <a:ext uri="{FF2B5EF4-FFF2-40B4-BE49-F238E27FC236}">
-                <a16:creationId xmlns:a16="http://schemas.microsoft.com/office/drawing/2014/main" xmlns="" id="{CA513484-4225-4F1F-AB6C-B117C94DFBD3}"/>
+                <a16:creationId xmlns="" xmlns:a16="http://schemas.microsoft.com/office/drawing/2014/main" id="{CA513484-4225-4F1F-AB6C-B117C94DFBD3}"/>
               </a:ext>
             </a:extLst>
           </p:cNvPr>

--- a/doc/永續發展 - 淨灘.pptx
+++ b/doc/永續發展 - 淨灘.pptx
@@ -5378,7 +5378,7 @@
           <p:cNvPr id="5" name="圖片 4">
             <a:extLst>
               <a:ext uri="{FF2B5EF4-FFF2-40B4-BE49-F238E27FC236}">
-                <a16:creationId xmlns="" xmlns:a16="http://schemas.microsoft.com/office/drawing/2014/main" id="{8003CC06-462E-434C-9758-B4CF61882509}"/>
+                <a16:creationId xmlns:a16="http://schemas.microsoft.com/office/drawing/2014/main" xmlns="" id="{8003CC06-462E-434C-9758-B4CF61882509}"/>
               </a:ext>
             </a:extLst>
           </p:cNvPr>
@@ -5415,7 +5415,7 @@
           <p:cNvPr id="2" name="標題 1">
             <a:extLst>
               <a:ext uri="{FF2B5EF4-FFF2-40B4-BE49-F238E27FC236}">
-                <a16:creationId xmlns="" xmlns:a16="http://schemas.microsoft.com/office/drawing/2014/main" id="{9B7F8B52-C41D-4EFC-8550-9BF33F5D7845}"/>
+                <a16:creationId xmlns:a16="http://schemas.microsoft.com/office/drawing/2014/main" xmlns="" id="{9B7F8B52-C41D-4EFC-8550-9BF33F5D7845}"/>
               </a:ext>
             </a:extLst>
           </p:cNvPr>
@@ -5495,7 +5495,7 @@
           <p:cNvPr id="3" name="副標題 2">
             <a:extLst>
               <a:ext uri="{FF2B5EF4-FFF2-40B4-BE49-F238E27FC236}">
-                <a16:creationId xmlns="" xmlns:a16="http://schemas.microsoft.com/office/drawing/2014/main" id="{CEC7EADB-DD78-464E-8485-A7AE9FB77153}"/>
+                <a16:creationId xmlns:a16="http://schemas.microsoft.com/office/drawing/2014/main" xmlns="" id="{CEC7EADB-DD78-464E-8485-A7AE9FB77153}"/>
               </a:ext>
             </a:extLst>
           </p:cNvPr>
@@ -5508,18 +5508,18 @@
         </p:nvSpPr>
         <p:spPr>
           <a:xfrm>
-            <a:off x="4574831" y="3669731"/>
-            <a:ext cx="3042338" cy="1798381"/>
+            <a:off x="4172604" y="3332716"/>
+            <a:ext cx="3846793" cy="1798381"/>
           </a:xfrm>
         </p:spPr>
         <p:txBody>
           <a:bodyPr>
-            <a:normAutofit fontScale="47500" lnSpcReduction="20000"/>
+            <a:noAutofit/>
           </a:bodyPr>
           <a:lstStyle/>
           <a:p>
             <a:r>
-              <a:rPr lang="zh-CN" altLang="en-US" sz="3500" b="1" spc="2000" dirty="0">
+              <a:rPr lang="zh-CN" altLang="en-US" sz="2800" b="1" spc="2000" dirty="0">
                 <a:solidFill>
                   <a:schemeClr val="bg2">
                     <a:lumMod val="50000"/>
@@ -5531,7 +5531,7 @@
               <a:t>組長</a:t>
             </a:r>
             <a:r>
-              <a:rPr lang="zh-TW" altLang="en-US" sz="3500" b="1" spc="2000" dirty="0">
+              <a:rPr lang="zh-TW" altLang="en-US" sz="2800" b="1" spc="2000" dirty="0">
                 <a:solidFill>
                   <a:schemeClr val="bg2">
                     <a:lumMod val="50000"/>
@@ -5542,7 +5542,7 @@
               </a:rPr>
               <a:t>：郭宗翰</a:t>
             </a:r>
-            <a:endParaRPr lang="en-US" altLang="zh-TW" sz="3500" b="1" spc="2000" dirty="0">
+            <a:endParaRPr lang="en-US" altLang="zh-TW" sz="2800" b="1" spc="2000" dirty="0">
               <a:solidFill>
                 <a:schemeClr val="bg2">
                   <a:lumMod val="50000"/>
@@ -5553,7 +5553,7 @@
             </a:endParaRPr>
           </a:p>
           <a:p>
-            <a:endParaRPr lang="en-US" altLang="zh-TW" sz="3500" b="1" spc="2000" dirty="0">
+            <a:endParaRPr lang="en-US" altLang="zh-TW" sz="2800" b="1" spc="2000" dirty="0">
               <a:solidFill>
                 <a:schemeClr val="bg2">
                   <a:lumMod val="50000"/>
@@ -5565,7 +5565,7 @@
           </a:p>
           <a:p>
             <a:r>
-              <a:rPr lang="zh-TW" altLang="en-US" sz="3500" b="1" spc="2000" dirty="0">
+              <a:rPr lang="zh-TW" altLang="en-US" sz="2800" b="1" spc="2000" dirty="0">
                 <a:solidFill>
                   <a:schemeClr val="bg2">
                     <a:lumMod val="50000"/>
@@ -5576,7 +5576,7 @@
               </a:rPr>
               <a:t>組員：李汶道</a:t>
             </a:r>
-            <a:endParaRPr lang="en-US" altLang="zh-TW" sz="3500" b="1" spc="2000" dirty="0">
+            <a:endParaRPr lang="en-US" altLang="zh-TW" sz="2800" b="1" spc="2000" dirty="0">
               <a:solidFill>
                 <a:schemeClr val="bg2">
                   <a:lumMod val="50000"/>
@@ -5587,7 +5587,7 @@
             </a:endParaRPr>
           </a:p>
           <a:p>
-            <a:endParaRPr lang="en-US" altLang="zh-TW" sz="3500" b="1" spc="2000" dirty="0">
+            <a:endParaRPr lang="en-US" altLang="zh-TW" sz="2800" b="1" spc="2000" dirty="0">
               <a:solidFill>
                 <a:schemeClr val="bg2">
                   <a:lumMod val="50000"/>
@@ -5599,7 +5599,7 @@
           </a:p>
           <a:p>
             <a:r>
-              <a:rPr lang="zh-CN" altLang="en-US" sz="3500" b="1" spc="2000" dirty="0">
+              <a:rPr lang="zh-CN" altLang="en-US" sz="2800" b="1" spc="2000" dirty="0">
                 <a:solidFill>
                   <a:schemeClr val="bg2">
                     <a:lumMod val="50000"/>
@@ -5611,7 +5611,7 @@
               <a:t>組員：</a:t>
             </a:r>
             <a:r>
-              <a:rPr lang="zh-TW" altLang="en-US" sz="3500" b="1" spc="2000" dirty="0">
+              <a:rPr lang="zh-TW" altLang="en-US" sz="2800" b="1" spc="2000" dirty="0">
                 <a:solidFill>
                   <a:schemeClr val="bg2">
                     <a:lumMod val="50000"/>
@@ -5625,7 +5625,7 @@
           </a:p>
           <a:p>
             <a:pPr algn="l"/>
-            <a:endParaRPr lang="en-US" altLang="zh-TW" spc="2000" dirty="0">
+            <a:endParaRPr lang="en-US" altLang="zh-TW" sz="1600" spc="2000" dirty="0">
               <a:latin typeface="微軟正黑體" panose="020B0604030504040204" pitchFamily="34" charset="-120"/>
               <a:ea typeface="微軟正黑體" panose="020B0604030504040204" pitchFamily="34" charset="-120"/>
             </a:endParaRPr>
@@ -5667,7 +5667,7 @@
           <p:cNvPr id="2" name="標題 1">
             <a:extLst>
               <a:ext uri="{FF2B5EF4-FFF2-40B4-BE49-F238E27FC236}">
-                <a16:creationId xmlns="" xmlns:a16="http://schemas.microsoft.com/office/drawing/2014/main" id="{5672BF90-7484-4D1E-AFC1-B5C7864EA2E5}"/>
+                <a16:creationId xmlns:a16="http://schemas.microsoft.com/office/drawing/2014/main" xmlns="" id="{5672BF90-7484-4D1E-AFC1-B5C7864EA2E5}"/>
               </a:ext>
             </a:extLst>
           </p:cNvPr>
@@ -5703,7 +5703,7 @@
           <p:cNvPr id="3" name="內容版面配置區 2">
             <a:extLst>
               <a:ext uri="{FF2B5EF4-FFF2-40B4-BE49-F238E27FC236}">
-                <a16:creationId xmlns="" xmlns:a16="http://schemas.microsoft.com/office/drawing/2014/main" id="{CA513484-4225-4F1F-AB6C-B117C94DFBD3}"/>
+                <a16:creationId xmlns:a16="http://schemas.microsoft.com/office/drawing/2014/main" xmlns="" id="{CA513484-4225-4F1F-AB6C-B117C94DFBD3}"/>
               </a:ext>
             </a:extLst>
           </p:cNvPr>
@@ -5823,7 +5823,7 @@
           <p:cNvPr id="2" name="標題 1">
             <a:extLst>
               <a:ext uri="{FF2B5EF4-FFF2-40B4-BE49-F238E27FC236}">
-                <a16:creationId xmlns="" xmlns:a16="http://schemas.microsoft.com/office/drawing/2014/main" id="{5672BF90-7484-4D1E-AFC1-B5C7864EA2E5}"/>
+                <a16:creationId xmlns:a16="http://schemas.microsoft.com/office/drawing/2014/main" xmlns="" id="{5672BF90-7484-4D1E-AFC1-B5C7864EA2E5}"/>
               </a:ext>
             </a:extLst>
           </p:cNvPr>
@@ -5859,7 +5859,7 @@
           <p:cNvPr id="3" name="內容版面配置區 2">
             <a:extLst>
               <a:ext uri="{FF2B5EF4-FFF2-40B4-BE49-F238E27FC236}">
-                <a16:creationId xmlns="" xmlns:a16="http://schemas.microsoft.com/office/drawing/2014/main" id="{CA513484-4225-4F1F-AB6C-B117C94DFBD3}"/>
+                <a16:creationId xmlns:a16="http://schemas.microsoft.com/office/drawing/2014/main" xmlns="" id="{CA513484-4225-4F1F-AB6C-B117C94DFBD3}"/>
               </a:ext>
             </a:extLst>
           </p:cNvPr>
@@ -6071,7 +6071,7 @@
           <p:cNvPr id="2" name="標題 1">
             <a:extLst>
               <a:ext uri="{FF2B5EF4-FFF2-40B4-BE49-F238E27FC236}">
-                <a16:creationId xmlns="" xmlns:a16="http://schemas.microsoft.com/office/drawing/2014/main" id="{5672BF90-7484-4D1E-AFC1-B5C7864EA2E5}"/>
+                <a16:creationId xmlns:a16="http://schemas.microsoft.com/office/drawing/2014/main" xmlns="" id="{5672BF90-7484-4D1E-AFC1-B5C7864EA2E5}"/>
               </a:ext>
             </a:extLst>
           </p:cNvPr>
@@ -6107,7 +6107,7 @@
           <p:cNvPr id="3" name="內容版面配置區 2">
             <a:extLst>
               <a:ext uri="{FF2B5EF4-FFF2-40B4-BE49-F238E27FC236}">
-                <a16:creationId xmlns="" xmlns:a16="http://schemas.microsoft.com/office/drawing/2014/main" id="{CA513484-4225-4F1F-AB6C-B117C94DFBD3}"/>
+                <a16:creationId xmlns:a16="http://schemas.microsoft.com/office/drawing/2014/main" xmlns="" id="{CA513484-4225-4F1F-AB6C-B117C94DFBD3}"/>
               </a:ext>
             </a:extLst>
           </p:cNvPr>
@@ -6438,7 +6438,7 @@
           <p:cNvPr id="2" name="標題 1">
             <a:extLst>
               <a:ext uri="{FF2B5EF4-FFF2-40B4-BE49-F238E27FC236}">
-                <a16:creationId xmlns="" xmlns:a16="http://schemas.microsoft.com/office/drawing/2014/main" id="{93769179-CC27-42AA-B3FA-22C4285134EF}"/>
+                <a16:creationId xmlns:a16="http://schemas.microsoft.com/office/drawing/2014/main" xmlns="" id="{93769179-CC27-42AA-B3FA-22C4285134EF}"/>
               </a:ext>
             </a:extLst>
           </p:cNvPr>
@@ -7500,7 +7500,7 @@
           <p:cNvPr id="40" name="矩形 39">
             <a:extLst>
               <a:ext uri="{FF2B5EF4-FFF2-40B4-BE49-F238E27FC236}">
-                <a16:creationId xmlns="" xmlns:a16="http://schemas.microsoft.com/office/drawing/2014/main" id="{B91E3838-82D8-4930-A757-C1997A4C9155}"/>
+                <a16:creationId xmlns:a16="http://schemas.microsoft.com/office/drawing/2014/main" xmlns="" id="{B91E3838-82D8-4930-A757-C1997A4C9155}"/>
               </a:ext>
             </a:extLst>
           </p:cNvPr>
@@ -7600,7 +7600,7 @@
             <p:cNvPr id="42" name="群組 41">
               <a:extLst>
                 <a:ext uri="{FF2B5EF4-FFF2-40B4-BE49-F238E27FC236}">
-                  <a16:creationId xmlns="" xmlns:a16="http://schemas.microsoft.com/office/drawing/2014/main" id="{10DD8C89-5622-49F2-891D-668F9D5557E3}"/>
+                  <a16:creationId xmlns:a16="http://schemas.microsoft.com/office/drawing/2014/main" xmlns="" id="{10DD8C89-5622-49F2-891D-668F9D5557E3}"/>
                 </a:ext>
               </a:extLst>
             </p:cNvPr>
@@ -7620,7 +7620,7 @@
               <p:cNvPr id="44" name="文字方塊 43">
                 <a:extLst>
                   <a:ext uri="{FF2B5EF4-FFF2-40B4-BE49-F238E27FC236}">
-                    <a16:creationId xmlns="" xmlns:a16="http://schemas.microsoft.com/office/drawing/2014/main" id="{1C175A2C-16D9-4741-A361-7DA925324F6A}"/>
+                    <a16:creationId xmlns:a16="http://schemas.microsoft.com/office/drawing/2014/main" xmlns="" id="{1C175A2C-16D9-4741-A361-7DA925324F6A}"/>
                   </a:ext>
                 </a:extLst>
               </p:cNvPr>
@@ -7656,7 +7656,7 @@
               <p:cNvPr id="45" name="文字方塊 44">
                 <a:extLst>
                   <a:ext uri="{FF2B5EF4-FFF2-40B4-BE49-F238E27FC236}">
-                    <a16:creationId xmlns="" xmlns:a16="http://schemas.microsoft.com/office/drawing/2014/main" id="{E1D7696E-BA25-4077-8760-0355B884E2B2}"/>
+                    <a16:creationId xmlns:a16="http://schemas.microsoft.com/office/drawing/2014/main" xmlns="" id="{E1D7696E-BA25-4077-8760-0355B884E2B2}"/>
                   </a:ext>
                 </a:extLst>
               </p:cNvPr>
@@ -7760,7 +7760,7 @@
           <p:cNvPr id="2" name="標題 1">
             <a:extLst>
               <a:ext uri="{FF2B5EF4-FFF2-40B4-BE49-F238E27FC236}">
-                <a16:creationId xmlns="" xmlns:a16="http://schemas.microsoft.com/office/drawing/2014/main" id="{5672BF90-7484-4D1E-AFC1-B5C7864EA2E5}"/>
+                <a16:creationId xmlns:a16="http://schemas.microsoft.com/office/drawing/2014/main" xmlns="" id="{5672BF90-7484-4D1E-AFC1-B5C7864EA2E5}"/>
               </a:ext>
             </a:extLst>
           </p:cNvPr>
@@ -7796,7 +7796,7 @@
           <p:cNvPr id="3" name="內容版面配置區 2">
             <a:extLst>
               <a:ext uri="{FF2B5EF4-FFF2-40B4-BE49-F238E27FC236}">
-                <a16:creationId xmlns="" xmlns:a16="http://schemas.microsoft.com/office/drawing/2014/main" id="{CA513484-4225-4F1F-AB6C-B117C94DFBD3}"/>
+                <a16:creationId xmlns:a16="http://schemas.microsoft.com/office/drawing/2014/main" xmlns="" id="{CA513484-4225-4F1F-AB6C-B117C94DFBD3}"/>
               </a:ext>
             </a:extLst>
           </p:cNvPr>

--- a/doc/永續發展 - 淨灘.pptx
+++ b/doc/永續發展 - 淨灘.pptx
@@ -4,6 +4,9 @@
   <p:sldMasterIdLst>
     <p:sldMasterId id="2147483677" r:id="rId1"/>
   </p:sldMasterIdLst>
+  <p:notesMasterIdLst>
+    <p:notesMasterId r:id="rId8"/>
+  </p:notesMasterIdLst>
   <p:sldIdLst>
     <p:sldId id="256" r:id="rId2"/>
     <p:sldId id="271" r:id="rId3"/>
@@ -115,6 +118,440 @@
     </p:ext>
   </p:extLst>
 </p:presentation>
+</file>
+
+<file path=ppt/notesMasters/notesMaster1.xml><?xml version="1.0" encoding="utf-8"?>
+<p:notesMaster xmlns:a="http://schemas.openxmlformats.org/drawingml/2006/main" xmlns:r="http://schemas.openxmlformats.org/officeDocument/2006/relationships" xmlns:p="http://schemas.openxmlformats.org/presentationml/2006/main">
+  <p:cSld>
+    <p:bg>
+      <p:bgRef idx="1001">
+        <a:schemeClr val="bg1"/>
+      </p:bgRef>
+    </p:bg>
+    <p:spTree>
+      <p:nvGrpSpPr>
+        <p:cNvPr id="1" name=""/>
+        <p:cNvGrpSpPr/>
+        <p:nvPr/>
+      </p:nvGrpSpPr>
+      <p:grpSpPr>
+        <a:xfrm>
+          <a:off x="0" y="0"/>
+          <a:ext cx="0" cy="0"/>
+          <a:chOff x="0" y="0"/>
+          <a:chExt cx="0" cy="0"/>
+        </a:xfrm>
+      </p:grpSpPr>
+      <p:sp>
+        <p:nvSpPr>
+          <p:cNvPr id="2" name="頁首版面配置區 1"/>
+          <p:cNvSpPr>
+            <a:spLocks noGrp="1"/>
+          </p:cNvSpPr>
+          <p:nvPr>
+            <p:ph type="hdr" sz="quarter"/>
+          </p:nvPr>
+        </p:nvSpPr>
+        <p:spPr>
+          <a:xfrm>
+            <a:off x="0" y="0"/>
+            <a:ext cx="2971800" cy="458788"/>
+          </a:xfrm>
+          <a:prstGeom prst="rect">
+            <a:avLst/>
+          </a:prstGeom>
+        </p:spPr>
+        <p:txBody>
+          <a:bodyPr vert="horz" lIns="91440" tIns="45720" rIns="91440" bIns="45720" rtlCol="0"/>
+          <a:lstStyle>
+            <a:lvl1pPr algn="l">
+              <a:defRPr sz="1200"/>
+            </a:lvl1pPr>
+          </a:lstStyle>
+          <a:p>
+            <a:endParaRPr lang="zh-TW" altLang="en-US"/>
+          </a:p>
+        </p:txBody>
+      </p:sp>
+      <p:sp>
+        <p:nvSpPr>
+          <p:cNvPr id="3" name="日期版面配置區 2"/>
+          <p:cNvSpPr>
+            <a:spLocks noGrp="1"/>
+          </p:cNvSpPr>
+          <p:nvPr>
+            <p:ph type="dt" idx="1"/>
+          </p:nvPr>
+        </p:nvSpPr>
+        <p:spPr>
+          <a:xfrm>
+            <a:off x="3884613" y="0"/>
+            <a:ext cx="2971800" cy="458788"/>
+          </a:xfrm>
+          <a:prstGeom prst="rect">
+            <a:avLst/>
+          </a:prstGeom>
+        </p:spPr>
+        <p:txBody>
+          <a:bodyPr vert="horz" lIns="91440" tIns="45720" rIns="91440" bIns="45720" rtlCol="0"/>
+          <a:lstStyle>
+            <a:lvl1pPr algn="r">
+              <a:defRPr sz="1200"/>
+            </a:lvl1pPr>
+          </a:lstStyle>
+          <a:p>
+            <a:fld id="{DBBD6AF1-5194-492A-B21E-5A19EFEF1BE6}" type="datetimeFigureOut">
+              <a:rPr lang="zh-TW" altLang="en-US" smtClean="0"/>
+              <a:t>2018/5/6</a:t>
+            </a:fld>
+            <a:endParaRPr lang="zh-TW" altLang="en-US"/>
+          </a:p>
+        </p:txBody>
+      </p:sp>
+      <p:sp>
+        <p:nvSpPr>
+          <p:cNvPr id="4" name="投影片圖像版面配置區 3"/>
+          <p:cNvSpPr>
+            <a:spLocks noGrp="1" noRot="1" noChangeAspect="1"/>
+          </p:cNvSpPr>
+          <p:nvPr>
+            <p:ph type="sldImg" idx="2"/>
+          </p:nvPr>
+        </p:nvSpPr>
+        <p:spPr>
+          <a:xfrm>
+            <a:off x="685800" y="1143000"/>
+            <a:ext cx="5486400" cy="3086100"/>
+          </a:xfrm>
+          <a:prstGeom prst="rect">
+            <a:avLst/>
+          </a:prstGeom>
+          <a:noFill/>
+          <a:ln w="12700">
+            <a:solidFill>
+              <a:prstClr val="black"/>
+            </a:solidFill>
+          </a:ln>
+        </p:spPr>
+        <p:txBody>
+          <a:bodyPr vert="horz" lIns="91440" tIns="45720" rIns="91440" bIns="45720" rtlCol="0" anchor="ctr"/>
+          <a:lstStyle/>
+          <a:p>
+            <a:endParaRPr lang="zh-TW" altLang="en-US"/>
+          </a:p>
+        </p:txBody>
+      </p:sp>
+      <p:sp>
+        <p:nvSpPr>
+          <p:cNvPr id="5" name="備忘稿版面配置區 4"/>
+          <p:cNvSpPr>
+            <a:spLocks noGrp="1"/>
+          </p:cNvSpPr>
+          <p:nvPr>
+            <p:ph type="body" sz="quarter" idx="3"/>
+          </p:nvPr>
+        </p:nvSpPr>
+        <p:spPr>
+          <a:xfrm>
+            <a:off x="685800" y="4400550"/>
+            <a:ext cx="5486400" cy="3600450"/>
+          </a:xfrm>
+          <a:prstGeom prst="rect">
+            <a:avLst/>
+          </a:prstGeom>
+        </p:spPr>
+        <p:txBody>
+          <a:bodyPr vert="horz" lIns="91440" tIns="45720" rIns="91440" bIns="45720" rtlCol="0"/>
+          <a:lstStyle/>
+          <a:p>
+            <a:pPr lvl="0"/>
+            <a:r>
+              <a:rPr lang="zh-TW" altLang="en-US" smtClean="0"/>
+              <a:t>按一下以編輯母片文字樣式</a:t>
+            </a:r>
+          </a:p>
+          <a:p>
+            <a:pPr lvl="1"/>
+            <a:r>
+              <a:rPr lang="zh-TW" altLang="en-US" smtClean="0"/>
+              <a:t>第二層</a:t>
+            </a:r>
+          </a:p>
+          <a:p>
+            <a:pPr lvl="2"/>
+            <a:r>
+              <a:rPr lang="zh-TW" altLang="en-US" smtClean="0"/>
+              <a:t>第三層</a:t>
+            </a:r>
+          </a:p>
+          <a:p>
+            <a:pPr lvl="3"/>
+            <a:r>
+              <a:rPr lang="zh-TW" altLang="en-US" smtClean="0"/>
+              <a:t>第四層</a:t>
+            </a:r>
+          </a:p>
+          <a:p>
+            <a:pPr lvl="4"/>
+            <a:r>
+              <a:rPr lang="zh-TW" altLang="en-US" smtClean="0"/>
+              <a:t>第五層</a:t>
+            </a:r>
+            <a:endParaRPr lang="zh-TW" altLang="en-US"/>
+          </a:p>
+        </p:txBody>
+      </p:sp>
+      <p:sp>
+        <p:nvSpPr>
+          <p:cNvPr id="6" name="頁尾版面配置區 5"/>
+          <p:cNvSpPr>
+            <a:spLocks noGrp="1"/>
+          </p:cNvSpPr>
+          <p:nvPr>
+            <p:ph type="ftr" sz="quarter" idx="4"/>
+          </p:nvPr>
+        </p:nvSpPr>
+        <p:spPr>
+          <a:xfrm>
+            <a:off x="0" y="8685213"/>
+            <a:ext cx="2971800" cy="458787"/>
+          </a:xfrm>
+          <a:prstGeom prst="rect">
+            <a:avLst/>
+          </a:prstGeom>
+        </p:spPr>
+        <p:txBody>
+          <a:bodyPr vert="horz" lIns="91440" tIns="45720" rIns="91440" bIns="45720" rtlCol="0" anchor="b"/>
+          <a:lstStyle>
+            <a:lvl1pPr algn="l">
+              <a:defRPr sz="1200"/>
+            </a:lvl1pPr>
+          </a:lstStyle>
+          <a:p>
+            <a:endParaRPr lang="zh-TW" altLang="en-US"/>
+          </a:p>
+        </p:txBody>
+      </p:sp>
+      <p:sp>
+        <p:nvSpPr>
+          <p:cNvPr id="7" name="投影片編號版面配置區 6"/>
+          <p:cNvSpPr>
+            <a:spLocks noGrp="1"/>
+          </p:cNvSpPr>
+          <p:nvPr>
+            <p:ph type="sldNum" sz="quarter" idx="5"/>
+          </p:nvPr>
+        </p:nvSpPr>
+        <p:spPr>
+          <a:xfrm>
+            <a:off x="3884613" y="8685213"/>
+            <a:ext cx="2971800" cy="458787"/>
+          </a:xfrm>
+          <a:prstGeom prst="rect">
+            <a:avLst/>
+          </a:prstGeom>
+        </p:spPr>
+        <p:txBody>
+          <a:bodyPr vert="horz" lIns="91440" tIns="45720" rIns="91440" bIns="45720" rtlCol="0" anchor="b"/>
+          <a:lstStyle>
+            <a:lvl1pPr algn="r">
+              <a:defRPr sz="1200"/>
+            </a:lvl1pPr>
+          </a:lstStyle>
+          <a:p>
+            <a:fld id="{1FD4D080-0971-47E8-B3AB-617120943802}" type="slidenum">
+              <a:rPr lang="zh-TW" altLang="en-US" smtClean="0"/>
+              <a:t>‹#›</a:t>
+            </a:fld>
+            <a:endParaRPr lang="zh-TW" altLang="en-US"/>
+          </a:p>
+        </p:txBody>
+      </p:sp>
+    </p:spTree>
+    <p:extLst>
+      <p:ext uri="{BB962C8B-B14F-4D97-AF65-F5344CB8AC3E}">
+        <p14:creationId xmlns:p14="http://schemas.microsoft.com/office/powerpoint/2010/main" val="1739565767"/>
+      </p:ext>
+    </p:extLst>
+  </p:cSld>
+  <p:clrMap bg1="lt1" tx1="dk1" bg2="lt2" tx2="dk2" accent1="accent1" accent2="accent2" accent3="accent3" accent4="accent4" accent5="accent5" accent6="accent6" hlink="hlink" folHlink="folHlink"/>
+  <p:notesStyle>
+    <a:lvl1pPr marL="0" algn="l" defTabSz="914400" rtl="0" eaLnBrk="1" latinLnBrk="0" hangingPunct="1">
+      <a:defRPr sz="1200" kern="1200">
+        <a:solidFill>
+          <a:schemeClr val="tx1"/>
+        </a:solidFill>
+        <a:latin typeface="+mn-lt"/>
+        <a:ea typeface="+mn-ea"/>
+        <a:cs typeface="+mn-cs"/>
+      </a:defRPr>
+    </a:lvl1pPr>
+    <a:lvl2pPr marL="457200" algn="l" defTabSz="914400" rtl="0" eaLnBrk="1" latinLnBrk="0" hangingPunct="1">
+      <a:defRPr sz="1200" kern="1200">
+        <a:solidFill>
+          <a:schemeClr val="tx1"/>
+        </a:solidFill>
+        <a:latin typeface="+mn-lt"/>
+        <a:ea typeface="+mn-ea"/>
+        <a:cs typeface="+mn-cs"/>
+      </a:defRPr>
+    </a:lvl2pPr>
+    <a:lvl3pPr marL="914400" algn="l" defTabSz="914400" rtl="0" eaLnBrk="1" latinLnBrk="0" hangingPunct="1">
+      <a:defRPr sz="1200" kern="1200">
+        <a:solidFill>
+          <a:schemeClr val="tx1"/>
+        </a:solidFill>
+        <a:latin typeface="+mn-lt"/>
+        <a:ea typeface="+mn-ea"/>
+        <a:cs typeface="+mn-cs"/>
+      </a:defRPr>
+    </a:lvl3pPr>
+    <a:lvl4pPr marL="1371600" algn="l" defTabSz="914400" rtl="0" eaLnBrk="1" latinLnBrk="0" hangingPunct="1">
+      <a:defRPr sz="1200" kern="1200">
+        <a:solidFill>
+          <a:schemeClr val="tx1"/>
+        </a:solidFill>
+        <a:latin typeface="+mn-lt"/>
+        <a:ea typeface="+mn-ea"/>
+        <a:cs typeface="+mn-cs"/>
+      </a:defRPr>
+    </a:lvl4pPr>
+    <a:lvl5pPr marL="1828800" algn="l" defTabSz="914400" rtl="0" eaLnBrk="1" latinLnBrk="0" hangingPunct="1">
+      <a:defRPr sz="1200" kern="1200">
+        <a:solidFill>
+          <a:schemeClr val="tx1"/>
+        </a:solidFill>
+        <a:latin typeface="+mn-lt"/>
+        <a:ea typeface="+mn-ea"/>
+        <a:cs typeface="+mn-cs"/>
+      </a:defRPr>
+    </a:lvl5pPr>
+    <a:lvl6pPr marL="2286000" algn="l" defTabSz="914400" rtl="0" eaLnBrk="1" latinLnBrk="0" hangingPunct="1">
+      <a:defRPr sz="1200" kern="1200">
+        <a:solidFill>
+          <a:schemeClr val="tx1"/>
+        </a:solidFill>
+        <a:latin typeface="+mn-lt"/>
+        <a:ea typeface="+mn-ea"/>
+        <a:cs typeface="+mn-cs"/>
+      </a:defRPr>
+    </a:lvl6pPr>
+    <a:lvl7pPr marL="2743200" algn="l" defTabSz="914400" rtl="0" eaLnBrk="1" latinLnBrk="0" hangingPunct="1">
+      <a:defRPr sz="1200" kern="1200">
+        <a:solidFill>
+          <a:schemeClr val="tx1"/>
+        </a:solidFill>
+        <a:latin typeface="+mn-lt"/>
+        <a:ea typeface="+mn-ea"/>
+        <a:cs typeface="+mn-cs"/>
+      </a:defRPr>
+    </a:lvl7pPr>
+    <a:lvl8pPr marL="3200400" algn="l" defTabSz="914400" rtl="0" eaLnBrk="1" latinLnBrk="0" hangingPunct="1">
+      <a:defRPr sz="1200" kern="1200">
+        <a:solidFill>
+          <a:schemeClr val="tx1"/>
+        </a:solidFill>
+        <a:latin typeface="+mn-lt"/>
+        <a:ea typeface="+mn-ea"/>
+        <a:cs typeface="+mn-cs"/>
+      </a:defRPr>
+    </a:lvl8pPr>
+    <a:lvl9pPr marL="3657600" algn="l" defTabSz="914400" rtl="0" eaLnBrk="1" latinLnBrk="0" hangingPunct="1">
+      <a:defRPr sz="1200" kern="1200">
+        <a:solidFill>
+          <a:schemeClr val="tx1"/>
+        </a:solidFill>
+        <a:latin typeface="+mn-lt"/>
+        <a:ea typeface="+mn-ea"/>
+        <a:cs typeface="+mn-cs"/>
+      </a:defRPr>
+    </a:lvl9pPr>
+  </p:notesStyle>
+</p:notesMaster>
+</file>
+
+<file path=ppt/notesSlides/notesSlide1.xml><?xml version="1.0" encoding="utf-8"?>
+<p:notes xmlns:a="http://schemas.openxmlformats.org/drawingml/2006/main" xmlns:r="http://schemas.openxmlformats.org/officeDocument/2006/relationships" xmlns:p="http://schemas.openxmlformats.org/presentationml/2006/main">
+  <p:cSld>
+    <p:spTree>
+      <p:nvGrpSpPr>
+        <p:cNvPr id="1" name=""/>
+        <p:cNvGrpSpPr/>
+        <p:nvPr/>
+      </p:nvGrpSpPr>
+      <p:grpSpPr>
+        <a:xfrm>
+          <a:off x="0" y="0"/>
+          <a:ext cx="0" cy="0"/>
+          <a:chOff x="0" y="0"/>
+          <a:chExt cx="0" cy="0"/>
+        </a:xfrm>
+      </p:grpSpPr>
+      <p:sp>
+        <p:nvSpPr>
+          <p:cNvPr id="2" name="投影片圖像版面配置區 1"/>
+          <p:cNvSpPr>
+            <a:spLocks noGrp="1" noRot="1" noChangeAspect="1"/>
+          </p:cNvSpPr>
+          <p:nvPr>
+            <p:ph type="sldImg"/>
+          </p:nvPr>
+        </p:nvSpPr>
+        <p:spPr/>
+      </p:sp>
+      <p:sp>
+        <p:nvSpPr>
+          <p:cNvPr id="3" name="備忘稿版面配置區 2"/>
+          <p:cNvSpPr>
+            <a:spLocks noGrp="1"/>
+          </p:cNvSpPr>
+          <p:nvPr>
+            <p:ph type="body" idx="1"/>
+          </p:nvPr>
+        </p:nvSpPr>
+        <p:spPr/>
+        <p:txBody>
+          <a:bodyPr/>
+          <a:lstStyle/>
+          <a:p>
+            <a:endParaRPr lang="zh-TW" altLang="en-US"/>
+          </a:p>
+        </p:txBody>
+      </p:sp>
+      <p:sp>
+        <p:nvSpPr>
+          <p:cNvPr id="4" name="投影片編號版面配置區 3"/>
+          <p:cNvSpPr>
+            <a:spLocks noGrp="1"/>
+          </p:cNvSpPr>
+          <p:nvPr>
+            <p:ph type="sldNum" sz="quarter" idx="10"/>
+          </p:nvPr>
+        </p:nvSpPr>
+        <p:spPr/>
+        <p:txBody>
+          <a:bodyPr/>
+          <a:lstStyle/>
+          <a:p>
+            <a:fld id="{1FD4D080-0971-47E8-B3AB-617120943802}" type="slidenum">
+              <a:rPr lang="zh-TW" altLang="en-US" smtClean="0"/>
+              <a:t>2</a:t>
+            </a:fld>
+            <a:endParaRPr lang="zh-TW" altLang="en-US"/>
+          </a:p>
+        </p:txBody>
+      </p:sp>
+    </p:spTree>
+    <p:extLst>
+      <p:ext uri="{BB962C8B-B14F-4D97-AF65-F5344CB8AC3E}">
+        <p14:creationId xmlns:p14="http://schemas.microsoft.com/office/powerpoint/2010/main" val="120168490"/>
+      </p:ext>
+    </p:extLst>
+  </p:cSld>
+  <p:clrMapOvr>
+    <a:masterClrMapping/>
+  </p:clrMapOvr>
+</p:notes>
 </file>
 
 <file path=ppt/slideLayouts/slideLayout1.xml><?xml version="1.0" encoding="utf-8"?>
@@ -5378,7 +5815,7 @@
           <p:cNvPr id="5" name="圖片 4">
             <a:extLst>
               <a:ext uri="{FF2B5EF4-FFF2-40B4-BE49-F238E27FC236}">
-                <a16:creationId xmlns:a16="http://schemas.microsoft.com/office/drawing/2014/main" xmlns="" id="{8003CC06-462E-434C-9758-B4CF61882509}"/>
+                <a16:creationId xmlns="" xmlns:a16="http://schemas.microsoft.com/office/drawing/2014/main" id="{8003CC06-462E-434C-9758-B4CF61882509}"/>
               </a:ext>
             </a:extLst>
           </p:cNvPr>
@@ -5415,7 +5852,7 @@
           <p:cNvPr id="2" name="標題 1">
             <a:extLst>
               <a:ext uri="{FF2B5EF4-FFF2-40B4-BE49-F238E27FC236}">
-                <a16:creationId xmlns:a16="http://schemas.microsoft.com/office/drawing/2014/main" xmlns="" id="{9B7F8B52-C41D-4EFC-8550-9BF33F5D7845}"/>
+                <a16:creationId xmlns="" xmlns:a16="http://schemas.microsoft.com/office/drawing/2014/main" id="{9B7F8B52-C41D-4EFC-8550-9BF33F5D7845}"/>
               </a:ext>
             </a:extLst>
           </p:cNvPr>
@@ -5495,7 +5932,7 @@
           <p:cNvPr id="3" name="副標題 2">
             <a:extLst>
               <a:ext uri="{FF2B5EF4-FFF2-40B4-BE49-F238E27FC236}">
-                <a16:creationId xmlns:a16="http://schemas.microsoft.com/office/drawing/2014/main" xmlns="" id="{CEC7EADB-DD78-464E-8485-A7AE9FB77153}"/>
+                <a16:creationId xmlns="" xmlns:a16="http://schemas.microsoft.com/office/drawing/2014/main" id="{CEC7EADB-DD78-464E-8485-A7AE9FB77153}"/>
               </a:ext>
             </a:extLst>
           </p:cNvPr>
@@ -5642,6 +6079,13 @@
   <p:clrMapOvr>
     <a:masterClrMapping/>
   </p:clrMapOvr>
+  <p:timing>
+    <p:tnLst>
+      <p:par>
+        <p:cTn id="1" dur="indefinite" restart="never" nodeType="tmRoot"/>
+      </p:par>
+    </p:tnLst>
+  </p:timing>
 </p:sld>
 </file>
 
@@ -5667,7 +6111,7 @@
           <p:cNvPr id="2" name="標題 1">
             <a:extLst>
               <a:ext uri="{FF2B5EF4-FFF2-40B4-BE49-F238E27FC236}">
-                <a16:creationId xmlns:a16="http://schemas.microsoft.com/office/drawing/2014/main" xmlns="" id="{5672BF90-7484-4D1E-AFC1-B5C7864EA2E5}"/>
+                <a16:creationId xmlns="" xmlns:a16="http://schemas.microsoft.com/office/drawing/2014/main" id="{5672BF90-7484-4D1E-AFC1-B5C7864EA2E5}"/>
               </a:ext>
             </a:extLst>
           </p:cNvPr>
@@ -5703,7 +6147,7 @@
           <p:cNvPr id="3" name="內容版面配置區 2">
             <a:extLst>
               <a:ext uri="{FF2B5EF4-FFF2-40B4-BE49-F238E27FC236}">
-                <a16:creationId xmlns:a16="http://schemas.microsoft.com/office/drawing/2014/main" xmlns="" id="{CA513484-4225-4F1F-AB6C-B117C94DFBD3}"/>
+                <a16:creationId xmlns="" xmlns:a16="http://schemas.microsoft.com/office/drawing/2014/main" id="{CA513484-4225-4F1F-AB6C-B117C94DFBD3}"/>
               </a:ext>
             </a:extLst>
           </p:cNvPr>
@@ -5798,6 +6242,13 @@
   <p:clrMapOvr>
     <a:masterClrMapping/>
   </p:clrMapOvr>
+  <p:timing>
+    <p:tnLst>
+      <p:par>
+        <p:cTn id="1" dur="indefinite" restart="never" nodeType="tmRoot"/>
+      </p:par>
+    </p:tnLst>
+  </p:timing>
 </p:sld>
 </file>
 
@@ -5823,7 +6274,7 @@
           <p:cNvPr id="2" name="標題 1">
             <a:extLst>
               <a:ext uri="{FF2B5EF4-FFF2-40B4-BE49-F238E27FC236}">
-                <a16:creationId xmlns:a16="http://schemas.microsoft.com/office/drawing/2014/main" xmlns="" id="{5672BF90-7484-4D1E-AFC1-B5C7864EA2E5}"/>
+                <a16:creationId xmlns="" xmlns:a16="http://schemas.microsoft.com/office/drawing/2014/main" id="{5672BF90-7484-4D1E-AFC1-B5C7864EA2E5}"/>
               </a:ext>
             </a:extLst>
           </p:cNvPr>
@@ -5859,7 +6310,7 @@
           <p:cNvPr id="3" name="內容版面配置區 2">
             <a:extLst>
               <a:ext uri="{FF2B5EF4-FFF2-40B4-BE49-F238E27FC236}">
-                <a16:creationId xmlns:a16="http://schemas.microsoft.com/office/drawing/2014/main" xmlns="" id="{CA513484-4225-4F1F-AB6C-B117C94DFBD3}"/>
+                <a16:creationId xmlns="" xmlns:a16="http://schemas.microsoft.com/office/drawing/2014/main" id="{CA513484-4225-4F1F-AB6C-B117C94DFBD3}"/>
               </a:ext>
             </a:extLst>
           </p:cNvPr>
@@ -6046,6 +6497,13 @@
   <p:clrMapOvr>
     <a:masterClrMapping/>
   </p:clrMapOvr>
+  <p:timing>
+    <p:tnLst>
+      <p:par>
+        <p:cTn id="1" dur="indefinite" restart="never" nodeType="tmRoot"/>
+      </p:par>
+    </p:tnLst>
+  </p:timing>
 </p:sld>
 </file>
 
@@ -6066,12 +6524,41 @@
           <a:chExt cx="0" cy="0"/>
         </a:xfrm>
       </p:grpSpPr>
+      <p:pic>
+        <p:nvPicPr>
+          <p:cNvPr id="4" name="圖片 3"/>
+          <p:cNvPicPr>
+            <a:picLocks noChangeAspect="1"/>
+          </p:cNvPicPr>
+          <p:nvPr/>
+        </p:nvPicPr>
+        <p:blipFill rotWithShape="1">
+          <a:blip r:embed="rId2">
+            <a:extLst>
+              <a:ext uri="{28A0092B-C50C-407E-A947-70E740481C1C}">
+                <a14:useLocalDpi xmlns:a14="http://schemas.microsoft.com/office/drawing/2010/main" val="0"/>
+              </a:ext>
+            </a:extLst>
+          </a:blip>
+          <a:srcRect l="7017" t="24400" b="32667"/>
+          <a:stretch/>
+        </p:blipFill>
+        <p:spPr>
+          <a:xfrm rot="16200000">
+            <a:off x="9152729" y="293441"/>
+            <a:ext cx="3332712" cy="2745830"/>
+          </a:xfrm>
+          <a:prstGeom prst="rect">
+            <a:avLst/>
+          </a:prstGeom>
+        </p:spPr>
+      </p:pic>
       <p:sp>
         <p:nvSpPr>
           <p:cNvPr id="2" name="標題 1">
             <a:extLst>
               <a:ext uri="{FF2B5EF4-FFF2-40B4-BE49-F238E27FC236}">
-                <a16:creationId xmlns:a16="http://schemas.microsoft.com/office/drawing/2014/main" xmlns="" id="{5672BF90-7484-4D1E-AFC1-B5C7864EA2E5}"/>
+                <a16:creationId xmlns="" xmlns:a16="http://schemas.microsoft.com/office/drawing/2014/main" id="{5672BF90-7484-4D1E-AFC1-B5C7864EA2E5}"/>
               </a:ext>
             </a:extLst>
           </p:cNvPr>
@@ -6107,7 +6594,7 @@
           <p:cNvPr id="3" name="內容版面配置區 2">
             <a:extLst>
               <a:ext uri="{FF2B5EF4-FFF2-40B4-BE49-F238E27FC236}">
-                <a16:creationId xmlns:a16="http://schemas.microsoft.com/office/drawing/2014/main" xmlns="" id="{CA513484-4225-4F1F-AB6C-B117C94DFBD3}"/>
+                <a16:creationId xmlns="" xmlns:a16="http://schemas.microsoft.com/office/drawing/2014/main" id="{CA513484-4225-4F1F-AB6C-B117C94DFBD3}"/>
               </a:ext>
             </a:extLst>
           </p:cNvPr>
@@ -6120,7 +6607,7 @@
         </p:nvSpPr>
         <p:spPr>
           <a:xfrm>
-            <a:off x="1828800" y="1791478"/>
+            <a:off x="0" y="2267339"/>
             <a:ext cx="8534400" cy="4590661"/>
           </a:xfrm>
         </p:spPr>
@@ -6258,14 +6745,14 @@
               <a:t>Socket</a:t>
             </a:r>
             <a:r>
-              <a:rPr lang="zh-CN" altLang="en-US" sz="2400" dirty="0">
+              <a:rPr lang="zh-CN" altLang="en-US" sz="2400" dirty="0" smtClean="0">
                 <a:solidFill>
                   <a:schemeClr val="tx1"/>
                 </a:solidFill>
                 <a:latin typeface="微軟正黑體" panose="020B0604030504040204" pitchFamily="34" charset="-120"/>
                 <a:ea typeface="微軟正黑體" panose="020B0604030504040204" pitchFamily="34" charset="-120"/>
               </a:rPr>
-              <a:t>的網路協定</a:t>
+              <a:t>的</a:t>
             </a:r>
             <a:endParaRPr lang="en-US" altLang="zh-CN" sz="2400" dirty="0">
               <a:solidFill>
@@ -6277,17 +6764,20 @@
           </a:p>
           <a:p>
             <a:pPr marL="0" indent="0">
+              <a:spcAft>
+                <a:spcPts val="0"/>
+              </a:spcAft>
               <a:buNone/>
             </a:pPr>
             <a:r>
-              <a:rPr lang="zh-TW" altLang="en-US" sz="2400" dirty="0">
+              <a:rPr lang="zh-CN" altLang="en-US" sz="2400" dirty="0" smtClean="0">
                 <a:solidFill>
                   <a:schemeClr val="tx1"/>
                 </a:solidFill>
                 <a:latin typeface="微軟正黑體" panose="020B0604030504040204" pitchFamily="34" charset="-120"/>
                 <a:ea typeface="微軟正黑體" panose="020B0604030504040204" pitchFamily="34" charset="-120"/>
               </a:rPr>
-              <a:t>    </a:t>
+              <a:t>   網路協定傳送</a:t>
             </a:r>
             <a:r>
               <a:rPr lang="zh-CN" altLang="en-US" sz="2400" dirty="0">
@@ -6297,7 +6787,7 @@
                 <a:latin typeface="微軟正黑體" panose="020B0604030504040204" pitchFamily="34" charset="-120"/>
                 <a:ea typeface="微軟正黑體" panose="020B0604030504040204" pitchFamily="34" charset="-120"/>
               </a:rPr>
-              <a:t>傳送給</a:t>
+              <a:t>給</a:t>
             </a:r>
             <a:r>
               <a:rPr lang="en-US" altLang="zh-CN" sz="2400" dirty="0">
@@ -6359,7 +6849,52 @@
                 <a:latin typeface="微軟正黑體" panose="020B0604030504040204" pitchFamily="34" charset="-120"/>
                 <a:ea typeface="微軟正黑體" panose="020B0604030504040204" pitchFamily="34" charset="-120"/>
               </a:rPr>
-              <a:t>統計資料轉換成點數，並且可以兌優惠與折扣，也可以從</a:t>
+              <a:t>統計資料轉換成點數，並且可以兌優惠與</a:t>
+            </a:r>
+            <a:r>
+              <a:rPr lang="zh-CN" altLang="en-US" sz="2400" dirty="0" smtClean="0">
+                <a:solidFill>
+                  <a:schemeClr val="tx1"/>
+                </a:solidFill>
+                <a:latin typeface="微軟正黑體" panose="020B0604030504040204" pitchFamily="34" charset="-120"/>
+                <a:ea typeface="微軟正黑體" panose="020B0604030504040204" pitchFamily="34" charset="-120"/>
+              </a:rPr>
+              <a:t>折</a:t>
+            </a:r>
+            <a:endParaRPr lang="en-US" altLang="zh-CN" sz="2400" dirty="0" smtClean="0">
+              <a:solidFill>
+                <a:schemeClr val="tx1"/>
+              </a:solidFill>
+              <a:latin typeface="微軟正黑體" panose="020B0604030504040204" pitchFamily="34" charset="-120"/>
+              <a:ea typeface="微軟正黑體" panose="020B0604030504040204" pitchFamily="34" charset="-120"/>
+            </a:endParaRPr>
+          </a:p>
+          <a:p>
+            <a:pPr marL="0" indent="0">
+              <a:spcAft>
+                <a:spcPts val="0"/>
+              </a:spcAft>
+              <a:buNone/>
+            </a:pPr>
+            <a:r>
+              <a:rPr lang="zh-CN" altLang="en-US" sz="2400" dirty="0" smtClean="0">
+                <a:solidFill>
+                  <a:schemeClr val="tx1"/>
+                </a:solidFill>
+                <a:latin typeface="微軟正黑體" panose="020B0604030504040204" pitchFamily="34" charset="-120"/>
+                <a:ea typeface="微軟正黑體" panose="020B0604030504040204" pitchFamily="34" charset="-120"/>
+              </a:rPr>
+              <a:t>   扣，可以</a:t>
+            </a:r>
+            <a:r>
+              <a:rPr lang="zh-CN" altLang="en-US" sz="2400" dirty="0">
+                <a:solidFill>
+                  <a:schemeClr val="tx1"/>
+                </a:solidFill>
+                <a:latin typeface="微軟正黑體" panose="020B0604030504040204" pitchFamily="34" charset="-120"/>
+                <a:ea typeface="微軟正黑體" panose="020B0604030504040204" pitchFamily="34" charset="-120"/>
+              </a:rPr>
+              <a:t>從</a:t>
             </a:r>
             <a:r>
               <a:rPr lang="en-US" altLang="zh-CN" sz="2400" dirty="0">
@@ -6379,7 +6914,72 @@
                 <a:latin typeface="微軟正黑體" panose="020B0604030504040204" pitchFamily="34" charset="-120"/>
                 <a:ea typeface="微軟正黑體" panose="020B0604030504040204" pitchFamily="34" charset="-120"/>
               </a:rPr>
-              <a:t>端查詢目前有的折扣與使用者等資訊。</a:t>
+              <a:t>端查詢目前有的折扣與使用者等</a:t>
+            </a:r>
+            <a:r>
+              <a:rPr lang="zh-CN" altLang="en-US" sz="2400" dirty="0" smtClean="0">
+                <a:solidFill>
+                  <a:schemeClr val="tx1"/>
+                </a:solidFill>
+                <a:latin typeface="微軟正黑體" panose="020B0604030504040204" pitchFamily="34" charset="-120"/>
+                <a:ea typeface="微軟正黑體" panose="020B0604030504040204" pitchFamily="34" charset="-120"/>
+              </a:rPr>
+              <a:t>資</a:t>
+            </a:r>
+            <a:endParaRPr lang="en-US" altLang="zh-CN" sz="2400" dirty="0" smtClean="0">
+              <a:solidFill>
+                <a:schemeClr val="tx1"/>
+              </a:solidFill>
+              <a:latin typeface="微軟正黑體" panose="020B0604030504040204" pitchFamily="34" charset="-120"/>
+              <a:ea typeface="微軟正黑體" panose="020B0604030504040204" pitchFamily="34" charset="-120"/>
+            </a:endParaRPr>
+          </a:p>
+          <a:p>
+            <a:pPr marL="0" indent="0">
+              <a:spcAft>
+                <a:spcPts val="0"/>
+              </a:spcAft>
+              <a:buNone/>
+            </a:pPr>
+            <a:r>
+              <a:rPr lang="en-US" altLang="zh-CN" sz="2400" dirty="0">
+                <a:solidFill>
+                  <a:schemeClr val="tx1"/>
+                </a:solidFill>
+                <a:latin typeface="微軟正黑體" panose="020B0604030504040204" pitchFamily="34" charset="-120"/>
+                <a:ea typeface="微軟正黑體" panose="020B0604030504040204" pitchFamily="34" charset="-120"/>
+              </a:rPr>
+              <a:t> </a:t>
+            </a:r>
+            <a:r>
+              <a:rPr lang="en-US" altLang="zh-CN" sz="2400" dirty="0" smtClean="0">
+                <a:solidFill>
+                  <a:schemeClr val="tx1"/>
+                </a:solidFill>
+                <a:latin typeface="微軟正黑體" panose="020B0604030504040204" pitchFamily="34" charset="-120"/>
+                <a:ea typeface="微軟正黑體" panose="020B0604030504040204" pitchFamily="34" charset="-120"/>
+              </a:rPr>
+              <a:t>  </a:t>
+            </a:r>
+            <a:r>
+              <a:rPr lang="zh-CN" altLang="en-US" sz="2400" dirty="0" smtClean="0">
+                <a:solidFill>
+                  <a:schemeClr val="tx1"/>
+                </a:solidFill>
+                <a:latin typeface="微軟正黑體" panose="020B0604030504040204" pitchFamily="34" charset="-120"/>
+                <a:ea typeface="微軟正黑體" panose="020B0604030504040204" pitchFamily="34" charset="-120"/>
+              </a:rPr>
+              <a:t>訊</a:t>
+            </a:r>
+            <a:r>
+              <a:rPr lang="zh-CN" altLang="en-US" sz="2400" dirty="0">
+                <a:solidFill>
+                  <a:schemeClr val="tx1"/>
+                </a:solidFill>
+                <a:latin typeface="微軟正黑體" panose="020B0604030504040204" pitchFamily="34" charset="-120"/>
+                <a:ea typeface="微軟正黑體" panose="020B0604030504040204" pitchFamily="34" charset="-120"/>
+              </a:rPr>
+              <a:t>。</a:t>
             </a:r>
             <a:endParaRPr lang="en-US" altLang="zh-CN" sz="2400" dirty="0">
               <a:solidFill>
@@ -6403,6 +7003,64 @@
           </a:p>
         </p:txBody>
       </p:sp>
+      <p:pic>
+        <p:nvPicPr>
+          <p:cNvPr id="5" name="圖片 4"/>
+          <p:cNvPicPr>
+            <a:picLocks noChangeAspect="1"/>
+          </p:cNvPicPr>
+          <p:nvPr/>
+        </p:nvPicPr>
+        <p:blipFill rotWithShape="1">
+          <a:blip r:embed="rId3" cstate="print">
+            <a:extLst>
+              <a:ext uri="{28A0092B-C50C-407E-A947-70E740481C1C}">
+                <a14:useLocalDpi xmlns:a14="http://schemas.microsoft.com/office/drawing/2010/main" val="0"/>
+              </a:ext>
+            </a:extLst>
+          </a:blip>
+          <a:srcRect t="17389"/>
+          <a:stretch/>
+        </p:blipFill>
+        <p:spPr>
+          <a:xfrm>
+            <a:off x="6457343" y="1692787"/>
+            <a:ext cx="4850402" cy="3069771"/>
+          </a:xfrm>
+          <a:prstGeom prst="rect">
+            <a:avLst/>
+          </a:prstGeom>
+        </p:spPr>
+      </p:pic>
+      <p:pic>
+        <p:nvPicPr>
+          <p:cNvPr id="6" name="圖片 5"/>
+          <p:cNvPicPr>
+            <a:picLocks noChangeAspect="1"/>
+          </p:cNvPicPr>
+          <p:nvPr/>
+        </p:nvPicPr>
+        <p:blipFill rotWithShape="1">
+          <a:blip r:embed="rId4">
+            <a:extLst>
+              <a:ext uri="{28A0092B-C50C-407E-A947-70E740481C1C}">
+                <a14:useLocalDpi xmlns:a14="http://schemas.microsoft.com/office/drawing/2010/main" val="0"/>
+              </a:ext>
+            </a:extLst>
+          </a:blip>
+          <a:srcRect l="1141" t="4330" r="890" b="3006"/>
+          <a:stretch/>
+        </p:blipFill>
+        <p:spPr>
+          <a:xfrm>
+            <a:off x="7432033" y="3544863"/>
+            <a:ext cx="4759967" cy="3326859"/>
+          </a:xfrm>
+          <a:prstGeom prst="rect">
+            <a:avLst/>
+          </a:prstGeom>
+        </p:spPr>
+      </p:pic>
     </p:spTree>
     <p:extLst>
       <p:ext uri="{BB962C8B-B14F-4D97-AF65-F5344CB8AC3E}">
@@ -6413,6 +7071,171 @@
   <p:clrMapOvr>
     <a:masterClrMapping/>
   </p:clrMapOvr>
+  <p:timing>
+    <p:tnLst>
+      <p:par>
+        <p:cTn id="1" dur="indefinite" restart="never" nodeType="tmRoot">
+          <p:childTnLst>
+            <p:seq concurrent="1" nextAc="seek">
+              <p:cTn id="2" dur="indefinite" nodeType="mainSeq">
+                <p:childTnLst>
+                  <p:par>
+                    <p:cTn id="3" fill="hold">
+                      <p:stCondLst>
+                        <p:cond delay="indefinite"/>
+                      </p:stCondLst>
+                      <p:childTnLst>
+                        <p:par>
+                          <p:cTn id="4" fill="hold">
+                            <p:stCondLst>
+                              <p:cond delay="0"/>
+                            </p:stCondLst>
+                            <p:childTnLst>
+                              <p:par>
+                                <p:cTn id="5" presetID="1" presetClass="entr" presetSubtype="0" fill="hold" nodeType="clickEffect">
+                                  <p:stCondLst>
+                                    <p:cond delay="0"/>
+                                  </p:stCondLst>
+                                  <p:childTnLst>
+                                    <p:set>
+                                      <p:cBhvr>
+                                        <p:cTn id="6" dur="1" fill="hold">
+                                          <p:stCondLst>
+                                            <p:cond delay="0"/>
+                                          </p:stCondLst>
+                                        </p:cTn>
+                                        <p:tgtEl>
+                                          <p:spTgt spid="4"/>
+                                        </p:tgtEl>
+                                        <p:attrNameLst>
+                                          <p:attrName>style.visibility</p:attrName>
+                                        </p:attrNameLst>
+                                      </p:cBhvr>
+                                      <p:to>
+                                        <p:strVal val="visible"/>
+                                      </p:to>
+                                    </p:set>
+                                  </p:childTnLst>
+                                </p:cTn>
+                              </p:par>
+                            </p:childTnLst>
+                          </p:cTn>
+                        </p:par>
+                      </p:childTnLst>
+                    </p:cTn>
+                  </p:par>
+                  <p:par>
+                    <p:cTn id="7" fill="hold">
+                      <p:stCondLst>
+                        <p:cond delay="indefinite"/>
+                      </p:stCondLst>
+                      <p:childTnLst>
+                        <p:par>
+                          <p:cTn id="8" fill="hold">
+                            <p:stCondLst>
+                              <p:cond delay="0"/>
+                            </p:stCondLst>
+                            <p:childTnLst>
+                              <p:par>
+                                <p:cTn id="9" presetID="1" presetClass="entr" presetSubtype="0" fill="hold" nodeType="clickEffect">
+                                  <p:stCondLst>
+                                    <p:cond delay="0"/>
+                                  </p:stCondLst>
+                                  <p:childTnLst>
+                                    <p:set>
+                                      <p:cBhvr>
+                                        <p:cTn id="10" dur="1" fill="hold">
+                                          <p:stCondLst>
+                                            <p:cond delay="0"/>
+                                          </p:stCondLst>
+                                        </p:cTn>
+                                        <p:tgtEl>
+                                          <p:spTgt spid="5"/>
+                                        </p:tgtEl>
+                                        <p:attrNameLst>
+                                          <p:attrName>style.visibility</p:attrName>
+                                        </p:attrNameLst>
+                                      </p:cBhvr>
+                                      <p:to>
+                                        <p:strVal val="visible"/>
+                                      </p:to>
+                                    </p:set>
+                                  </p:childTnLst>
+                                </p:cTn>
+                              </p:par>
+                            </p:childTnLst>
+                          </p:cTn>
+                        </p:par>
+                      </p:childTnLst>
+                    </p:cTn>
+                  </p:par>
+                  <p:par>
+                    <p:cTn id="11" fill="hold">
+                      <p:stCondLst>
+                        <p:cond delay="indefinite"/>
+                      </p:stCondLst>
+                      <p:childTnLst>
+                        <p:par>
+                          <p:cTn id="12" fill="hold">
+                            <p:stCondLst>
+                              <p:cond delay="0"/>
+                            </p:stCondLst>
+                            <p:childTnLst>
+                              <p:par>
+                                <p:cTn id="13" presetID="1" presetClass="entr" presetSubtype="0" fill="hold" nodeType="clickEffect">
+                                  <p:stCondLst>
+                                    <p:cond delay="0"/>
+                                  </p:stCondLst>
+                                  <p:childTnLst>
+                                    <p:set>
+                                      <p:cBhvr>
+                                        <p:cTn id="14" dur="1" fill="hold">
+                                          <p:stCondLst>
+                                            <p:cond delay="0"/>
+                                          </p:stCondLst>
+                                        </p:cTn>
+                                        <p:tgtEl>
+                                          <p:spTgt spid="6"/>
+                                        </p:tgtEl>
+                                        <p:attrNameLst>
+                                          <p:attrName>style.visibility</p:attrName>
+                                        </p:attrNameLst>
+                                      </p:cBhvr>
+                                      <p:to>
+                                        <p:strVal val="visible"/>
+                                      </p:to>
+                                    </p:set>
+                                  </p:childTnLst>
+                                </p:cTn>
+                              </p:par>
+                            </p:childTnLst>
+                          </p:cTn>
+                        </p:par>
+                      </p:childTnLst>
+                    </p:cTn>
+                  </p:par>
+                </p:childTnLst>
+              </p:cTn>
+              <p:prevCondLst>
+                <p:cond evt="onPrev" delay="0">
+                  <p:tgtEl>
+                    <p:sldTgt/>
+                  </p:tgtEl>
+                </p:cond>
+              </p:prevCondLst>
+              <p:nextCondLst>
+                <p:cond evt="onNext" delay="0">
+                  <p:tgtEl>
+                    <p:sldTgt/>
+                  </p:tgtEl>
+                </p:cond>
+              </p:nextCondLst>
+            </p:seq>
+          </p:childTnLst>
+        </p:cTn>
+      </p:par>
+    </p:tnLst>
+  </p:timing>
 </p:sld>
 </file>
 
@@ -6438,7 +7261,7 @@
           <p:cNvPr id="2" name="標題 1">
             <a:extLst>
               <a:ext uri="{FF2B5EF4-FFF2-40B4-BE49-F238E27FC236}">
-                <a16:creationId xmlns:a16="http://schemas.microsoft.com/office/drawing/2014/main" xmlns="" id="{93769179-CC27-42AA-B3FA-22C4285134EF}"/>
+                <a16:creationId xmlns="" xmlns:a16="http://schemas.microsoft.com/office/drawing/2014/main" id="{93769179-CC27-42AA-B3FA-22C4285134EF}"/>
               </a:ext>
             </a:extLst>
           </p:cNvPr>
@@ -6469,168 +7292,1105 @@
           </a:p>
         </p:txBody>
       </p:sp>
-      <p:sp>
-        <p:nvSpPr>
-          <p:cNvPr id="6" name="矩形 5"/>
-          <p:cNvSpPr/>
-          <p:nvPr/>
-        </p:nvSpPr>
-        <p:spPr>
-          <a:xfrm>
-            <a:off x="5197479" y="3433191"/>
-            <a:ext cx="1837944" cy="914400"/>
-          </a:xfrm>
-          <a:prstGeom prst="rect">
-            <a:avLst/>
-          </a:prstGeom>
-        </p:spPr>
-        <p:style>
-          <a:lnRef idx="2">
-            <a:schemeClr val="accent1">
-              <a:shade val="50000"/>
-            </a:schemeClr>
-          </a:lnRef>
-          <a:fillRef idx="1">
-            <a:schemeClr val="accent1"/>
-          </a:fillRef>
-          <a:effectRef idx="0">
-            <a:schemeClr val="accent1"/>
-          </a:effectRef>
-          <a:fontRef idx="minor">
-            <a:schemeClr val="lt1"/>
-          </a:fontRef>
-        </p:style>
-        <p:txBody>
-          <a:bodyPr rtlCol="0" anchor="ctr"/>
-          <a:lstStyle/>
-          <a:p>
-            <a:pPr algn="ctr"/>
-            <a:r>
-              <a:rPr lang="zh-TW" altLang="en-US" dirty="0"/>
-              <a:t>樹莓派</a:t>
-            </a:r>
-          </a:p>
-        </p:txBody>
-      </p:sp>
-      <p:sp>
-        <p:nvSpPr>
-          <p:cNvPr id="7" name="矩形 6"/>
-          <p:cNvSpPr/>
-          <p:nvPr/>
-        </p:nvSpPr>
-        <p:spPr>
-          <a:xfrm>
-            <a:off x="5198925" y="1569782"/>
-            <a:ext cx="1837944" cy="914400"/>
-          </a:xfrm>
-          <a:prstGeom prst="rect">
-            <a:avLst/>
-          </a:prstGeom>
-        </p:spPr>
-        <p:style>
-          <a:lnRef idx="2">
-            <a:schemeClr val="accent1">
-              <a:shade val="50000"/>
-            </a:schemeClr>
-          </a:lnRef>
-          <a:fillRef idx="1">
-            <a:schemeClr val="accent1"/>
-          </a:fillRef>
-          <a:effectRef idx="0">
-            <a:schemeClr val="accent1"/>
-          </a:effectRef>
-          <a:fontRef idx="minor">
-            <a:schemeClr val="lt1"/>
-          </a:fontRef>
-        </p:style>
-        <p:txBody>
-          <a:bodyPr rtlCol="0" anchor="ctr"/>
-          <a:lstStyle/>
-          <a:p>
-            <a:pPr algn="ctr"/>
-            <a:r>
-              <a:rPr lang="en-US" altLang="zh-TW" dirty="0"/>
-              <a:t>ARDUINO</a:t>
-            </a:r>
-            <a:endParaRPr lang="zh-TW" altLang="en-US" dirty="0"/>
-          </a:p>
-        </p:txBody>
-      </p:sp>
-      <p:sp>
-        <p:nvSpPr>
-          <p:cNvPr id="8" name="矩形 7"/>
-          <p:cNvSpPr/>
-          <p:nvPr/>
-        </p:nvSpPr>
-        <p:spPr>
-          <a:xfrm>
-            <a:off x="5202841" y="5236726"/>
-            <a:ext cx="1837944" cy="914400"/>
-          </a:xfrm>
-          <a:prstGeom prst="rect">
-            <a:avLst/>
-          </a:prstGeom>
-        </p:spPr>
-        <p:style>
-          <a:lnRef idx="2">
-            <a:schemeClr val="accent1">
-              <a:shade val="50000"/>
-            </a:schemeClr>
-          </a:lnRef>
-          <a:fillRef idx="1">
-            <a:schemeClr val="accent1"/>
-          </a:fillRef>
-          <a:effectRef idx="0">
-            <a:schemeClr val="accent1"/>
-          </a:effectRef>
-          <a:fontRef idx="minor">
-            <a:schemeClr val="lt1"/>
-          </a:fontRef>
-        </p:style>
-        <p:txBody>
-          <a:bodyPr rtlCol="0" anchor="ctr"/>
-          <a:lstStyle/>
-          <a:p>
-            <a:pPr algn="ctr"/>
-            <a:r>
-              <a:rPr lang="zh-TW" altLang="en-US" dirty="0"/>
-              <a:t>個人電腦</a:t>
-            </a:r>
-            <a:endParaRPr lang="en-US" altLang="zh-TW" dirty="0"/>
-          </a:p>
-          <a:p>
-            <a:pPr algn="ctr"/>
-            <a:r>
-              <a:rPr lang="en-US" altLang="zh-TW" dirty="0"/>
-              <a:t>Server</a:t>
-            </a:r>
-            <a:endParaRPr lang="zh-TW" altLang="en-US" dirty="0"/>
-          </a:p>
-        </p:txBody>
-      </p:sp>
       <p:grpSp>
         <p:nvGrpSpPr>
-          <p:cNvPr id="9" name="群組 8"/>
+          <p:cNvPr id="3" name="群組 2"/>
           <p:cNvGrpSpPr/>
           <p:nvPr/>
         </p:nvGrpSpPr>
         <p:grpSpPr>
           <a:xfrm>
-            <a:off x="5108860" y="2671666"/>
-            <a:ext cx="1912366" cy="587049"/>
-            <a:chOff x="7262688" y="2756120"/>
-            <a:chExt cx="1912366" cy="587049"/>
+            <a:off x="166101" y="1380930"/>
+            <a:ext cx="7559646" cy="5378488"/>
+            <a:chOff x="2272393" y="1446366"/>
+            <a:chExt cx="7607377" cy="4778084"/>
           </a:xfrm>
         </p:grpSpPr>
+        <p:sp>
+          <p:nvSpPr>
+            <p:cNvPr id="6" name="矩形 5"/>
+            <p:cNvSpPr/>
+            <p:nvPr/>
+          </p:nvSpPr>
+          <p:spPr>
+            <a:xfrm>
+              <a:off x="5197479" y="3433191"/>
+              <a:ext cx="1837944" cy="914400"/>
+            </a:xfrm>
+            <a:prstGeom prst="rect">
+              <a:avLst/>
+            </a:prstGeom>
+          </p:spPr>
+          <p:style>
+            <a:lnRef idx="2">
+              <a:schemeClr val="accent1">
+                <a:shade val="50000"/>
+              </a:schemeClr>
+            </a:lnRef>
+            <a:fillRef idx="1">
+              <a:schemeClr val="accent1"/>
+            </a:fillRef>
+            <a:effectRef idx="0">
+              <a:schemeClr val="accent1"/>
+            </a:effectRef>
+            <a:fontRef idx="minor">
+              <a:schemeClr val="lt1"/>
+            </a:fontRef>
+          </p:style>
+          <p:txBody>
+            <a:bodyPr rtlCol="0" anchor="ctr"/>
+            <a:lstStyle/>
+            <a:p>
+              <a:pPr algn="ctr"/>
+              <a:r>
+                <a:rPr lang="zh-TW" altLang="en-US" dirty="0"/>
+                <a:t>樹莓派</a:t>
+              </a:r>
+            </a:p>
+          </p:txBody>
+        </p:sp>
+        <p:sp>
+          <p:nvSpPr>
+            <p:cNvPr id="7" name="矩形 6"/>
+            <p:cNvSpPr/>
+            <p:nvPr/>
+          </p:nvSpPr>
+          <p:spPr>
+            <a:xfrm>
+              <a:off x="5198925" y="1569782"/>
+              <a:ext cx="1837944" cy="914400"/>
+            </a:xfrm>
+            <a:prstGeom prst="rect">
+              <a:avLst/>
+            </a:prstGeom>
+          </p:spPr>
+          <p:style>
+            <a:lnRef idx="2">
+              <a:schemeClr val="accent1">
+                <a:shade val="50000"/>
+              </a:schemeClr>
+            </a:lnRef>
+            <a:fillRef idx="1">
+              <a:schemeClr val="accent1"/>
+            </a:fillRef>
+            <a:effectRef idx="0">
+              <a:schemeClr val="accent1"/>
+            </a:effectRef>
+            <a:fontRef idx="minor">
+              <a:schemeClr val="lt1"/>
+            </a:fontRef>
+          </p:style>
+          <p:txBody>
+            <a:bodyPr rtlCol="0" anchor="ctr"/>
+            <a:lstStyle/>
+            <a:p>
+              <a:pPr algn="ctr"/>
+              <a:r>
+                <a:rPr lang="en-US" altLang="zh-TW" dirty="0"/>
+                <a:t>ARDUINO</a:t>
+              </a:r>
+              <a:endParaRPr lang="zh-TW" altLang="en-US" dirty="0"/>
+            </a:p>
+          </p:txBody>
+        </p:sp>
+        <p:sp>
+          <p:nvSpPr>
+            <p:cNvPr id="8" name="矩形 7"/>
+            <p:cNvSpPr/>
+            <p:nvPr/>
+          </p:nvSpPr>
+          <p:spPr>
+            <a:xfrm>
+              <a:off x="5202841" y="5236726"/>
+              <a:ext cx="1837944" cy="914400"/>
+            </a:xfrm>
+            <a:prstGeom prst="rect">
+              <a:avLst/>
+            </a:prstGeom>
+          </p:spPr>
+          <p:style>
+            <a:lnRef idx="2">
+              <a:schemeClr val="accent1">
+                <a:shade val="50000"/>
+              </a:schemeClr>
+            </a:lnRef>
+            <a:fillRef idx="1">
+              <a:schemeClr val="accent1"/>
+            </a:fillRef>
+            <a:effectRef idx="0">
+              <a:schemeClr val="accent1"/>
+            </a:effectRef>
+            <a:fontRef idx="minor">
+              <a:schemeClr val="lt1"/>
+            </a:fontRef>
+          </p:style>
+          <p:txBody>
+            <a:bodyPr rtlCol="0" anchor="ctr"/>
+            <a:lstStyle/>
+            <a:p>
+              <a:pPr algn="ctr"/>
+              <a:r>
+                <a:rPr lang="zh-TW" altLang="en-US" dirty="0"/>
+                <a:t>個人電腦</a:t>
+              </a:r>
+              <a:endParaRPr lang="en-US" altLang="zh-TW" dirty="0"/>
+            </a:p>
+            <a:p>
+              <a:pPr algn="ctr"/>
+              <a:r>
+                <a:rPr lang="en-US" altLang="zh-TW" dirty="0"/>
+                <a:t>Server</a:t>
+              </a:r>
+              <a:endParaRPr lang="zh-TW" altLang="en-US" dirty="0"/>
+            </a:p>
+          </p:txBody>
+        </p:sp>
+        <p:grpSp>
+          <p:nvGrpSpPr>
+            <p:cNvPr id="9" name="群組 8"/>
+            <p:cNvGrpSpPr/>
+            <p:nvPr/>
+          </p:nvGrpSpPr>
+          <p:grpSpPr>
+            <a:xfrm>
+              <a:off x="5108860" y="2671666"/>
+              <a:ext cx="1912366" cy="587049"/>
+              <a:chOff x="7262688" y="2756120"/>
+              <a:chExt cx="1912366" cy="587049"/>
+            </a:xfrm>
+          </p:grpSpPr>
+          <p:cxnSp>
+            <p:nvCxnSpPr>
+              <p:cNvPr id="36" name="直線單箭頭接點 35"/>
+              <p:cNvCxnSpPr/>
+              <p:nvPr/>
+            </p:nvCxnSpPr>
+            <p:spPr>
+              <a:xfrm flipH="1">
+                <a:off x="8270278" y="2756120"/>
+                <a:ext cx="1" cy="587049"/>
+              </a:xfrm>
+              <a:prstGeom prst="straightConnector1">
+                <a:avLst/>
+              </a:prstGeom>
+              <a:ln w="101600">
+                <a:solidFill>
+                  <a:srgbClr val="FF7F00"/>
+                </a:solidFill>
+                <a:tailEnd type="triangle"/>
+              </a:ln>
+            </p:spPr>
+            <p:style>
+              <a:lnRef idx="1">
+                <a:schemeClr val="accent1"/>
+              </a:lnRef>
+              <a:fillRef idx="0">
+                <a:schemeClr val="accent1"/>
+              </a:fillRef>
+              <a:effectRef idx="0">
+                <a:schemeClr val="accent1"/>
+              </a:effectRef>
+              <a:fontRef idx="minor">
+                <a:schemeClr val="tx1"/>
+              </a:fontRef>
+            </p:style>
+          </p:cxnSp>
+          <p:sp>
+            <p:nvSpPr>
+              <p:cNvPr id="37" name="文字方塊 36"/>
+              <p:cNvSpPr txBox="1"/>
+              <p:nvPr/>
+            </p:nvSpPr>
+            <p:spPr>
+              <a:xfrm>
+                <a:off x="7262688" y="2799361"/>
+                <a:ext cx="877163" cy="369332"/>
+              </a:xfrm>
+              <a:prstGeom prst="rect">
+                <a:avLst/>
+              </a:prstGeom>
+              <a:noFill/>
+            </p:spPr>
+            <p:txBody>
+              <a:bodyPr wrap="square" rtlCol="0">
+                <a:spAutoFit/>
+              </a:bodyPr>
+              <a:lstStyle/>
+              <a:p>
+                <a:r>
+                  <a:rPr lang="zh-TW" altLang="en-US" dirty="0"/>
+                  <a:t>單芯線</a:t>
+                </a:r>
+              </a:p>
+            </p:txBody>
+          </p:sp>
+          <p:sp>
+            <p:nvSpPr>
+              <p:cNvPr id="38" name="文字方塊 37"/>
+              <p:cNvSpPr txBox="1"/>
+              <p:nvPr/>
+            </p:nvSpPr>
+            <p:spPr>
+              <a:xfrm>
+                <a:off x="8442960" y="2799361"/>
+                <a:ext cx="732094" cy="369332"/>
+              </a:xfrm>
+              <a:prstGeom prst="rect">
+                <a:avLst/>
+              </a:prstGeom>
+              <a:noFill/>
+            </p:spPr>
+            <p:txBody>
+              <a:bodyPr wrap="square" rtlCol="0">
+                <a:spAutoFit/>
+              </a:bodyPr>
+              <a:lstStyle/>
+              <a:p>
+                <a:r>
+                  <a:rPr lang="en-US" altLang="zh-TW" dirty="0"/>
+                  <a:t>data</a:t>
+                </a:r>
+                <a:endParaRPr lang="zh-TW" altLang="en-US" dirty="0"/>
+              </a:p>
+            </p:txBody>
+          </p:sp>
+        </p:grpSp>
+        <p:grpSp>
+          <p:nvGrpSpPr>
+            <p:cNvPr id="10" name="群組 9"/>
+            <p:cNvGrpSpPr/>
+            <p:nvPr/>
+          </p:nvGrpSpPr>
+          <p:grpSpPr>
+            <a:xfrm>
+              <a:off x="5209612" y="4498634"/>
+              <a:ext cx="1985882" cy="587049"/>
+              <a:chOff x="7263253" y="2719679"/>
+              <a:chExt cx="1985882" cy="587049"/>
+            </a:xfrm>
+          </p:grpSpPr>
+          <p:cxnSp>
+            <p:nvCxnSpPr>
+              <p:cNvPr id="33" name="直線單箭頭接點 32"/>
+              <p:cNvCxnSpPr/>
+              <p:nvPr/>
+            </p:nvCxnSpPr>
+            <p:spPr>
+              <a:xfrm flipH="1">
+                <a:off x="8170091" y="2719679"/>
+                <a:ext cx="1" cy="587049"/>
+              </a:xfrm>
+              <a:prstGeom prst="straightConnector1">
+                <a:avLst/>
+              </a:prstGeom>
+              <a:ln w="101600">
+                <a:solidFill>
+                  <a:srgbClr val="FF7F00"/>
+                </a:solidFill>
+                <a:tailEnd type="triangle"/>
+              </a:ln>
+            </p:spPr>
+            <p:style>
+              <a:lnRef idx="1">
+                <a:schemeClr val="accent1"/>
+              </a:lnRef>
+              <a:fillRef idx="0">
+                <a:schemeClr val="accent1"/>
+              </a:fillRef>
+              <a:effectRef idx="0">
+                <a:schemeClr val="accent1"/>
+              </a:effectRef>
+              <a:fontRef idx="minor">
+                <a:schemeClr val="tx1"/>
+              </a:fontRef>
+            </p:style>
+          </p:cxnSp>
+          <p:sp>
+            <p:nvSpPr>
+              <p:cNvPr id="34" name="文字方塊 33"/>
+              <p:cNvSpPr txBox="1"/>
+              <p:nvPr/>
+            </p:nvSpPr>
+            <p:spPr>
+              <a:xfrm>
+                <a:off x="7263253" y="2799361"/>
+                <a:ext cx="776411" cy="369332"/>
+              </a:xfrm>
+              <a:prstGeom prst="rect">
+                <a:avLst/>
+              </a:prstGeom>
+              <a:noFill/>
+            </p:spPr>
+            <p:txBody>
+              <a:bodyPr wrap="square" rtlCol="0">
+                <a:spAutoFit/>
+              </a:bodyPr>
+              <a:lstStyle/>
+              <a:p>
+                <a:r>
+                  <a:rPr lang="en-US" altLang="zh-TW" dirty="0"/>
+                  <a:t>route</a:t>
+                </a:r>
+                <a:endParaRPr lang="zh-TW" altLang="en-US" dirty="0"/>
+              </a:p>
+            </p:txBody>
+          </p:sp>
+          <p:sp>
+            <p:nvSpPr>
+              <p:cNvPr id="35" name="文字方塊 34"/>
+              <p:cNvSpPr txBox="1"/>
+              <p:nvPr/>
+            </p:nvSpPr>
+            <p:spPr>
+              <a:xfrm>
+                <a:off x="8326298" y="2799361"/>
+                <a:ext cx="922837" cy="369332"/>
+              </a:xfrm>
+              <a:prstGeom prst="rect">
+                <a:avLst/>
+              </a:prstGeom>
+              <a:noFill/>
+            </p:spPr>
+            <p:txBody>
+              <a:bodyPr wrap="square" rtlCol="0">
+                <a:spAutoFit/>
+              </a:bodyPr>
+              <a:lstStyle/>
+              <a:p>
+                <a:r>
+                  <a:rPr lang="en-US" altLang="zh-TW" dirty="0"/>
+                  <a:t>socket</a:t>
+                </a:r>
+                <a:endParaRPr lang="zh-TW" altLang="en-US" dirty="0"/>
+              </a:p>
+            </p:txBody>
+          </p:sp>
+        </p:grpSp>
+        <p:grpSp>
+          <p:nvGrpSpPr>
+            <p:cNvPr id="11" name="群組 10"/>
+            <p:cNvGrpSpPr/>
+            <p:nvPr/>
+          </p:nvGrpSpPr>
+          <p:grpSpPr>
+            <a:xfrm rot="16200000">
+              <a:off x="4150735" y="1527784"/>
+              <a:ext cx="1112263" cy="949427"/>
+              <a:chOff x="7717206" y="2625571"/>
+              <a:chExt cx="1112263" cy="949427"/>
+            </a:xfrm>
+          </p:grpSpPr>
+          <p:cxnSp>
+            <p:nvCxnSpPr>
+              <p:cNvPr id="30" name="直線單箭頭接點 29"/>
+              <p:cNvCxnSpPr/>
+              <p:nvPr/>
+            </p:nvCxnSpPr>
+            <p:spPr>
+              <a:xfrm flipH="1">
+                <a:off x="8293338" y="2756732"/>
+                <a:ext cx="1" cy="587049"/>
+              </a:xfrm>
+              <a:prstGeom prst="straightConnector1">
+                <a:avLst/>
+              </a:prstGeom>
+              <a:ln w="101600">
+                <a:solidFill>
+                  <a:srgbClr val="FF7F00"/>
+                </a:solidFill>
+                <a:tailEnd type="triangle"/>
+              </a:ln>
+            </p:spPr>
+            <p:style>
+              <a:lnRef idx="1">
+                <a:schemeClr val="accent1"/>
+              </a:lnRef>
+              <a:fillRef idx="0">
+                <a:schemeClr val="accent1"/>
+              </a:fillRef>
+              <a:effectRef idx="0">
+                <a:schemeClr val="accent1"/>
+              </a:effectRef>
+              <a:fontRef idx="minor">
+                <a:schemeClr val="tx1"/>
+              </a:fontRef>
+            </p:style>
+          </p:cxnSp>
+          <p:sp>
+            <p:nvSpPr>
+              <p:cNvPr id="31" name="文字方塊 30"/>
+              <p:cNvSpPr txBox="1"/>
+              <p:nvPr/>
+            </p:nvSpPr>
+            <p:spPr>
+              <a:xfrm>
+                <a:off x="7717206" y="2698293"/>
+                <a:ext cx="461665" cy="803984"/>
+              </a:xfrm>
+              <a:prstGeom prst="rect">
+                <a:avLst/>
+              </a:prstGeom>
+              <a:noFill/>
+            </p:spPr>
+            <p:txBody>
+              <a:bodyPr vert="eaVert" wrap="square" rtlCol="0">
+                <a:spAutoFit/>
+              </a:bodyPr>
+              <a:lstStyle/>
+              <a:p>
+                <a:r>
+                  <a:rPr lang="zh-TW" altLang="en-US" dirty="0"/>
+                  <a:t>單芯線</a:t>
+                </a:r>
+              </a:p>
+            </p:txBody>
+          </p:sp>
+          <p:sp>
+            <p:nvSpPr>
+              <p:cNvPr id="32" name="文字方塊 31"/>
+              <p:cNvSpPr txBox="1"/>
+              <p:nvPr/>
+            </p:nvSpPr>
+            <p:spPr>
+              <a:xfrm>
+                <a:off x="8367804" y="2625571"/>
+                <a:ext cx="461665" cy="949427"/>
+              </a:xfrm>
+              <a:prstGeom prst="rect">
+                <a:avLst/>
+              </a:prstGeom>
+              <a:noFill/>
+            </p:spPr>
+            <p:txBody>
+              <a:bodyPr vert="eaVert" wrap="square" rtlCol="0">
+                <a:spAutoFit/>
+              </a:bodyPr>
+              <a:lstStyle/>
+              <a:p>
+                <a:r>
+                  <a:rPr lang="en-US" altLang="zh-TW" dirty="0"/>
+                  <a:t>analog</a:t>
+                </a:r>
+                <a:endParaRPr lang="zh-TW" altLang="en-US" dirty="0"/>
+              </a:p>
+            </p:txBody>
+          </p:sp>
+        </p:grpSp>
+        <p:sp>
+          <p:nvSpPr>
+            <p:cNvPr id="12" name="矩形 11"/>
+            <p:cNvSpPr/>
+            <p:nvPr/>
+          </p:nvSpPr>
+          <p:spPr>
+            <a:xfrm>
+              <a:off x="2317492" y="1569782"/>
+              <a:ext cx="1837944" cy="914400"/>
+            </a:xfrm>
+            <a:prstGeom prst="rect">
+              <a:avLst/>
+            </a:prstGeom>
+          </p:spPr>
+          <p:style>
+            <a:lnRef idx="2">
+              <a:schemeClr val="accent1">
+                <a:shade val="50000"/>
+              </a:schemeClr>
+            </a:lnRef>
+            <a:fillRef idx="1">
+              <a:schemeClr val="accent1"/>
+            </a:fillRef>
+            <a:effectRef idx="0">
+              <a:schemeClr val="accent1"/>
+            </a:effectRef>
+            <a:fontRef idx="minor">
+              <a:schemeClr val="lt1"/>
+            </a:fontRef>
+          </p:style>
+          <p:txBody>
+            <a:bodyPr rtlCol="0" anchor="ctr"/>
+            <a:lstStyle/>
+            <a:p>
+              <a:pPr algn="ctr"/>
+              <a:r>
+                <a:rPr lang="zh-TW" altLang="en-US" dirty="0"/>
+                <a:t>激光裝置</a:t>
+              </a:r>
+              <a:endParaRPr lang="en-US" altLang="zh-TW" dirty="0"/>
+            </a:p>
+            <a:p>
+              <a:pPr algn="ctr"/>
+              <a:r>
+                <a:rPr lang="zh-TW" altLang="en-US" dirty="0"/>
+                <a:t>光敏電阻</a:t>
+              </a:r>
+            </a:p>
+          </p:txBody>
+        </p:sp>
+        <p:grpSp>
+          <p:nvGrpSpPr>
+            <p:cNvPr id="13" name="群組 12"/>
+            <p:cNvGrpSpPr/>
+            <p:nvPr/>
+          </p:nvGrpSpPr>
+          <p:grpSpPr>
+            <a:xfrm rot="16200000">
+              <a:off x="4127747" y="3467251"/>
+              <a:ext cx="1112264" cy="803984"/>
+              <a:chOff x="7717206" y="2698293"/>
+              <a:chExt cx="1112264" cy="803984"/>
+            </a:xfrm>
+          </p:grpSpPr>
+          <p:cxnSp>
+            <p:nvCxnSpPr>
+              <p:cNvPr id="27" name="直線單箭頭接點 26"/>
+              <p:cNvCxnSpPr/>
+              <p:nvPr/>
+            </p:nvCxnSpPr>
+            <p:spPr>
+              <a:xfrm flipH="1">
+                <a:off x="8293338" y="2756732"/>
+                <a:ext cx="1" cy="587049"/>
+              </a:xfrm>
+              <a:prstGeom prst="straightConnector1">
+                <a:avLst/>
+              </a:prstGeom>
+              <a:ln w="101600">
+                <a:solidFill>
+                  <a:srgbClr val="FF7F00"/>
+                </a:solidFill>
+                <a:tailEnd type="triangle"/>
+              </a:ln>
+            </p:spPr>
+            <p:style>
+              <a:lnRef idx="1">
+                <a:schemeClr val="accent1"/>
+              </a:lnRef>
+              <a:fillRef idx="0">
+                <a:schemeClr val="accent1"/>
+              </a:fillRef>
+              <a:effectRef idx="0">
+                <a:schemeClr val="accent1"/>
+              </a:effectRef>
+              <a:fontRef idx="minor">
+                <a:schemeClr val="tx1"/>
+              </a:fontRef>
+            </p:style>
+          </p:cxnSp>
+          <p:sp>
+            <p:nvSpPr>
+              <p:cNvPr id="28" name="文字方塊 27"/>
+              <p:cNvSpPr txBox="1"/>
+              <p:nvPr/>
+            </p:nvSpPr>
+            <p:spPr>
+              <a:xfrm>
+                <a:off x="7717206" y="2698293"/>
+                <a:ext cx="461665" cy="803984"/>
+              </a:xfrm>
+              <a:prstGeom prst="rect">
+                <a:avLst/>
+              </a:prstGeom>
+              <a:noFill/>
+            </p:spPr>
+            <p:txBody>
+              <a:bodyPr vert="eaVert" wrap="square" rtlCol="0">
+                <a:spAutoFit/>
+              </a:bodyPr>
+              <a:lstStyle/>
+              <a:p>
+                <a:r>
+                  <a:rPr lang="zh-TW" altLang="en-US" dirty="0"/>
+                  <a:t>單芯線</a:t>
+                </a:r>
+              </a:p>
+            </p:txBody>
+          </p:sp>
+          <p:sp>
+            <p:nvSpPr>
+              <p:cNvPr id="29" name="文字方塊 28"/>
+              <p:cNvSpPr txBox="1"/>
+              <p:nvPr/>
+            </p:nvSpPr>
+            <p:spPr>
+              <a:xfrm>
+                <a:off x="8367805" y="2710632"/>
+                <a:ext cx="461665" cy="779302"/>
+              </a:xfrm>
+              <a:prstGeom prst="rect">
+                <a:avLst/>
+              </a:prstGeom>
+              <a:noFill/>
+            </p:spPr>
+            <p:txBody>
+              <a:bodyPr vert="eaVert" wrap="square" rtlCol="0">
+                <a:spAutoFit/>
+              </a:bodyPr>
+              <a:lstStyle/>
+              <a:p>
+                <a:r>
+                  <a:rPr lang="en-US" altLang="zh-TW" dirty="0"/>
+                  <a:t>digital</a:t>
+                </a:r>
+                <a:endParaRPr lang="zh-TW" altLang="en-US" dirty="0"/>
+              </a:p>
+            </p:txBody>
+          </p:sp>
+        </p:grpSp>
+        <p:sp>
+          <p:nvSpPr>
+            <p:cNvPr id="14" name="矩形 13"/>
+            <p:cNvSpPr/>
+            <p:nvPr/>
+          </p:nvSpPr>
+          <p:spPr>
+            <a:xfrm>
+              <a:off x="2312231" y="3433191"/>
+              <a:ext cx="1837944" cy="914400"/>
+            </a:xfrm>
+            <a:prstGeom prst="rect">
+              <a:avLst/>
+            </a:prstGeom>
+          </p:spPr>
+          <p:style>
+            <a:lnRef idx="2">
+              <a:schemeClr val="accent1">
+                <a:shade val="50000"/>
+              </a:schemeClr>
+            </a:lnRef>
+            <a:fillRef idx="1">
+              <a:schemeClr val="accent1"/>
+            </a:fillRef>
+            <a:effectRef idx="0">
+              <a:schemeClr val="accent1"/>
+            </a:effectRef>
+            <a:fontRef idx="minor">
+              <a:schemeClr val="lt1"/>
+            </a:fontRef>
+          </p:style>
+          <p:txBody>
+            <a:bodyPr rtlCol="0" anchor="ctr"/>
+            <a:lstStyle/>
+            <a:p>
+              <a:pPr algn="ctr"/>
+              <a:r>
+                <a:rPr lang="zh-TW" altLang="en-US" dirty="0"/>
+                <a:t>按鈕裝置</a:t>
+              </a:r>
+            </a:p>
+          </p:txBody>
+        </p:sp>
+        <p:sp>
+          <p:nvSpPr>
+            <p:cNvPr id="15" name="矩形 14"/>
+            <p:cNvSpPr/>
+            <p:nvPr/>
+          </p:nvSpPr>
+          <p:spPr>
+            <a:xfrm>
+              <a:off x="8036464" y="1569782"/>
+              <a:ext cx="1837944" cy="914400"/>
+            </a:xfrm>
+            <a:prstGeom prst="rect">
+              <a:avLst/>
+            </a:prstGeom>
+          </p:spPr>
+          <p:style>
+            <a:lnRef idx="2">
+              <a:schemeClr val="accent1">
+                <a:shade val="50000"/>
+              </a:schemeClr>
+            </a:lnRef>
+            <a:fillRef idx="1">
+              <a:schemeClr val="accent1"/>
+            </a:fillRef>
+            <a:effectRef idx="0">
+              <a:schemeClr val="accent1"/>
+            </a:effectRef>
+            <a:fontRef idx="minor">
+              <a:schemeClr val="lt1"/>
+            </a:fontRef>
+          </p:style>
+          <p:txBody>
+            <a:bodyPr rtlCol="0" anchor="ctr"/>
+            <a:lstStyle/>
+            <a:p>
+              <a:pPr algn="ctr"/>
+              <a:r>
+                <a:rPr lang="zh-TW" altLang="en-US" dirty="0"/>
+                <a:t>蜂鳴器</a:t>
+              </a:r>
+            </a:p>
+          </p:txBody>
+        </p:sp>
+        <p:grpSp>
+          <p:nvGrpSpPr>
+            <p:cNvPr id="16" name="群組 15"/>
+            <p:cNvGrpSpPr/>
+            <p:nvPr/>
+          </p:nvGrpSpPr>
+          <p:grpSpPr>
+            <a:xfrm>
+              <a:off x="7125725" y="1448668"/>
+              <a:ext cx="821554" cy="1111426"/>
+              <a:chOff x="7097128" y="1192464"/>
+              <a:chExt cx="821554" cy="1111426"/>
+            </a:xfrm>
+          </p:grpSpPr>
+          <p:cxnSp>
+            <p:nvCxnSpPr>
+              <p:cNvPr id="24" name="直線單箭頭接點 23"/>
+              <p:cNvCxnSpPr/>
+              <p:nvPr/>
+            </p:nvCxnSpPr>
+            <p:spPr>
+              <a:xfrm rot="16200000" flipH="1">
+                <a:off x="7504407" y="1453239"/>
+                <a:ext cx="1" cy="587049"/>
+              </a:xfrm>
+              <a:prstGeom prst="straightConnector1">
+                <a:avLst/>
+              </a:prstGeom>
+              <a:ln w="101600">
+                <a:solidFill>
+                  <a:srgbClr val="FF7F00"/>
+                </a:solidFill>
+                <a:tailEnd type="triangle"/>
+              </a:ln>
+            </p:spPr>
+            <p:style>
+              <a:lnRef idx="1">
+                <a:schemeClr val="accent1"/>
+              </a:lnRef>
+              <a:fillRef idx="0">
+                <a:schemeClr val="accent1"/>
+              </a:fillRef>
+              <a:effectRef idx="0">
+                <a:schemeClr val="accent1"/>
+              </a:effectRef>
+              <a:fontRef idx="minor">
+                <a:schemeClr val="tx1"/>
+              </a:fontRef>
+            </p:style>
+          </p:cxnSp>
+          <p:sp>
+            <p:nvSpPr>
+              <p:cNvPr id="25" name="文字方塊 24"/>
+              <p:cNvSpPr txBox="1"/>
+              <p:nvPr/>
+            </p:nvSpPr>
+            <p:spPr>
+              <a:xfrm rot="16200000">
+                <a:off x="7268287" y="1671066"/>
+                <a:ext cx="461665" cy="803984"/>
+              </a:xfrm>
+              <a:prstGeom prst="rect">
+                <a:avLst/>
+              </a:prstGeom>
+              <a:noFill/>
+            </p:spPr>
+            <p:txBody>
+              <a:bodyPr vert="eaVert" wrap="square" rtlCol="0">
+                <a:spAutoFit/>
+              </a:bodyPr>
+              <a:lstStyle/>
+              <a:p>
+                <a:r>
+                  <a:rPr lang="zh-TW" altLang="en-US" dirty="0"/>
+                  <a:t>單芯線</a:t>
+                </a:r>
+              </a:p>
+            </p:txBody>
+          </p:sp>
+          <p:sp>
+            <p:nvSpPr>
+              <p:cNvPr id="26" name="文字方塊 25"/>
+              <p:cNvSpPr txBox="1"/>
+              <p:nvPr/>
+            </p:nvSpPr>
+            <p:spPr>
+              <a:xfrm rot="16200000">
+                <a:off x="7277155" y="1012602"/>
+                <a:ext cx="461665" cy="821389"/>
+              </a:xfrm>
+              <a:prstGeom prst="rect">
+                <a:avLst/>
+              </a:prstGeom>
+              <a:noFill/>
+            </p:spPr>
+            <p:txBody>
+              <a:bodyPr vert="eaVert" wrap="square" rtlCol="0">
+                <a:spAutoFit/>
+              </a:bodyPr>
+              <a:lstStyle/>
+              <a:p>
+                <a:r>
+                  <a:rPr lang="en-US" altLang="zh-TW" dirty="0"/>
+                  <a:t>digital</a:t>
+                </a:r>
+              </a:p>
+            </p:txBody>
+          </p:sp>
+        </p:grpSp>
+        <p:sp>
+          <p:nvSpPr>
+            <p:cNvPr id="17" name="矩形 16"/>
+            <p:cNvSpPr/>
+            <p:nvPr/>
+          </p:nvSpPr>
+          <p:spPr>
+            <a:xfrm>
+              <a:off x="8035018" y="3439241"/>
+              <a:ext cx="1837944" cy="914400"/>
+            </a:xfrm>
+            <a:prstGeom prst="rect">
+              <a:avLst/>
+            </a:prstGeom>
+          </p:spPr>
+          <p:style>
+            <a:lnRef idx="2">
+              <a:schemeClr val="accent1">
+                <a:shade val="50000"/>
+              </a:schemeClr>
+            </a:lnRef>
+            <a:fillRef idx="1">
+              <a:schemeClr val="accent1"/>
+            </a:fillRef>
+            <a:effectRef idx="0">
+              <a:schemeClr val="accent1"/>
+            </a:effectRef>
+            <a:fontRef idx="minor">
+              <a:schemeClr val="lt1"/>
+            </a:fontRef>
+          </p:style>
+          <p:txBody>
+            <a:bodyPr rtlCol="0" anchor="ctr"/>
+            <a:lstStyle/>
+            <a:p>
+              <a:pPr algn="ctr"/>
+              <a:r>
+                <a:rPr lang="en-US" altLang="zh-TW" dirty="0"/>
+                <a:t>RGB</a:t>
+              </a:r>
+              <a:r>
+                <a:rPr lang="zh-TW" altLang="en-US" dirty="0"/>
+                <a:t>裝置</a:t>
+              </a:r>
+            </a:p>
+          </p:txBody>
+        </p:sp>
+        <p:grpSp>
+          <p:nvGrpSpPr>
+            <p:cNvPr id="18" name="群組 17"/>
+            <p:cNvGrpSpPr/>
+            <p:nvPr/>
+          </p:nvGrpSpPr>
+          <p:grpSpPr>
+            <a:xfrm>
+              <a:off x="7124361" y="3258446"/>
+              <a:ext cx="821554" cy="1111426"/>
+              <a:chOff x="7097128" y="1192464"/>
+              <a:chExt cx="821554" cy="1111426"/>
+            </a:xfrm>
+          </p:grpSpPr>
+          <p:cxnSp>
+            <p:nvCxnSpPr>
+              <p:cNvPr id="21" name="直線單箭頭接點 20"/>
+              <p:cNvCxnSpPr/>
+              <p:nvPr/>
+            </p:nvCxnSpPr>
+            <p:spPr>
+              <a:xfrm rot="16200000" flipH="1">
+                <a:off x="7504407" y="1453239"/>
+                <a:ext cx="1" cy="587049"/>
+              </a:xfrm>
+              <a:prstGeom prst="straightConnector1">
+                <a:avLst/>
+              </a:prstGeom>
+              <a:ln w="101600">
+                <a:solidFill>
+                  <a:srgbClr val="FF7F00"/>
+                </a:solidFill>
+                <a:tailEnd type="triangle"/>
+              </a:ln>
+            </p:spPr>
+            <p:style>
+              <a:lnRef idx="1">
+                <a:schemeClr val="accent1"/>
+              </a:lnRef>
+              <a:fillRef idx="0">
+                <a:schemeClr val="accent1"/>
+              </a:fillRef>
+              <a:effectRef idx="0">
+                <a:schemeClr val="accent1"/>
+              </a:effectRef>
+              <a:fontRef idx="minor">
+                <a:schemeClr val="tx1"/>
+              </a:fontRef>
+            </p:style>
+          </p:cxnSp>
+          <p:sp>
+            <p:nvSpPr>
+              <p:cNvPr id="22" name="文字方塊 21"/>
+              <p:cNvSpPr txBox="1"/>
+              <p:nvPr/>
+            </p:nvSpPr>
+            <p:spPr>
+              <a:xfrm rot="16200000">
+                <a:off x="7268287" y="1671066"/>
+                <a:ext cx="461665" cy="803984"/>
+              </a:xfrm>
+              <a:prstGeom prst="rect">
+                <a:avLst/>
+              </a:prstGeom>
+              <a:noFill/>
+            </p:spPr>
+            <p:txBody>
+              <a:bodyPr vert="eaVert" wrap="square" rtlCol="0">
+                <a:spAutoFit/>
+              </a:bodyPr>
+              <a:lstStyle/>
+              <a:p>
+                <a:r>
+                  <a:rPr lang="zh-TW" altLang="en-US" dirty="0"/>
+                  <a:t>單芯線</a:t>
+                </a:r>
+              </a:p>
+            </p:txBody>
+          </p:sp>
+          <p:sp>
+            <p:nvSpPr>
+              <p:cNvPr id="23" name="文字方塊 22"/>
+              <p:cNvSpPr txBox="1"/>
+              <p:nvPr/>
+            </p:nvSpPr>
+            <p:spPr>
+              <a:xfrm rot="16200000">
+                <a:off x="7277155" y="1012602"/>
+                <a:ext cx="461665" cy="821389"/>
+              </a:xfrm>
+              <a:prstGeom prst="rect">
+                <a:avLst/>
+              </a:prstGeom>
+              <a:noFill/>
+            </p:spPr>
+            <p:txBody>
+              <a:bodyPr vert="eaVert" wrap="square" rtlCol="0">
+                <a:spAutoFit/>
+              </a:bodyPr>
+              <a:lstStyle/>
+              <a:p>
+                <a:r>
+                  <a:rPr lang="en-US" altLang="zh-TW" dirty="0"/>
+                  <a:t>digital</a:t>
+                </a:r>
+              </a:p>
+            </p:txBody>
+          </p:sp>
+        </p:grpSp>
+        <p:sp>
+          <p:nvSpPr>
+            <p:cNvPr id="19" name="矩形 18"/>
+            <p:cNvSpPr/>
+            <p:nvPr/>
+          </p:nvSpPr>
+          <p:spPr>
+            <a:xfrm>
+              <a:off x="8041826" y="5231911"/>
+              <a:ext cx="1837944" cy="914400"/>
+            </a:xfrm>
+            <a:prstGeom prst="rect">
+              <a:avLst/>
+            </a:prstGeom>
+          </p:spPr>
+          <p:style>
+            <a:lnRef idx="2">
+              <a:schemeClr val="accent1">
+                <a:shade val="50000"/>
+              </a:schemeClr>
+            </a:lnRef>
+            <a:fillRef idx="1">
+              <a:schemeClr val="accent1"/>
+            </a:fillRef>
+            <a:effectRef idx="0">
+              <a:schemeClr val="accent1"/>
+            </a:effectRef>
+            <a:fontRef idx="minor">
+              <a:schemeClr val="lt1"/>
+            </a:fontRef>
+          </p:style>
+          <p:txBody>
+            <a:bodyPr rtlCol="0" anchor="ctr"/>
+            <a:lstStyle/>
+            <a:p>
+              <a:pPr algn="ctr"/>
+              <a:r>
+                <a:rPr lang="en-US" altLang="zh-TW" dirty="0"/>
+                <a:t>database</a:t>
+              </a:r>
+              <a:endParaRPr lang="zh-TW" altLang="en-US" dirty="0"/>
+            </a:p>
+          </p:txBody>
+        </p:sp>
+        <p:sp>
+          <p:nvSpPr>
+            <p:cNvPr id="40" name="矩形 39">
+              <a:extLst>
+                <a:ext uri="{FF2B5EF4-FFF2-40B4-BE49-F238E27FC236}">
+                  <a16:creationId xmlns="" xmlns:a16="http://schemas.microsoft.com/office/drawing/2014/main" id="{B91E3838-82D8-4930-A757-C1997A4C9155}"/>
+                </a:ext>
+              </a:extLst>
+            </p:cNvPr>
+            <p:cNvSpPr/>
+            <p:nvPr/>
+          </p:nvSpPr>
+          <p:spPr>
+            <a:xfrm>
+              <a:off x="2272393" y="5231911"/>
+              <a:ext cx="1837944" cy="914400"/>
+            </a:xfrm>
+            <a:prstGeom prst="rect">
+              <a:avLst/>
+            </a:prstGeom>
+          </p:spPr>
+          <p:style>
+            <a:lnRef idx="2">
+              <a:schemeClr val="accent1">
+                <a:shade val="50000"/>
+              </a:schemeClr>
+            </a:lnRef>
+            <a:fillRef idx="1">
+              <a:schemeClr val="accent1"/>
+            </a:fillRef>
+            <a:effectRef idx="0">
+              <a:schemeClr val="accent1"/>
+            </a:effectRef>
+            <a:fontRef idx="minor">
+              <a:schemeClr val="lt1"/>
+            </a:fontRef>
+          </p:style>
+          <p:txBody>
+            <a:bodyPr rtlCol="0" anchor="ctr"/>
+            <a:lstStyle/>
+            <a:p>
+              <a:pPr algn="ctr"/>
+              <a:r>
+                <a:rPr lang="en-US" altLang="zh-TW" dirty="0"/>
+                <a:t>Web</a:t>
+              </a:r>
+              <a:endParaRPr lang="zh-TW" altLang="en-US" dirty="0"/>
+            </a:p>
+          </p:txBody>
+        </p:sp>
         <p:cxnSp>
           <p:nvCxnSpPr>
-            <p:cNvPr id="36" name="直線單箭頭接點 35"/>
+            <p:cNvPr id="43" name="直線單箭頭接點 42"/>
             <p:cNvCxnSpPr/>
             <p:nvPr/>
           </p:nvCxnSpPr>
           <p:spPr>
-            <a:xfrm flipH="1">
-              <a:off x="8270278" y="2756120"/>
+            <a:xfrm rot="16200000" flipH="1">
+              <a:off x="7533003" y="5391486"/>
               <a:ext cx="1" cy="587049"/>
             </a:xfrm>
             <a:prstGeom prst="straightConnector1">
@@ -6658,1073 +8418,239 @@
             </a:fontRef>
           </p:style>
         </p:cxnSp>
-        <p:sp>
-          <p:nvSpPr>
-            <p:cNvPr id="37" name="文字方塊 36"/>
-            <p:cNvSpPr txBox="1"/>
+        <p:grpSp>
+          <p:nvGrpSpPr>
+            <p:cNvPr id="4" name="群組 3"/>
+            <p:cNvGrpSpPr/>
             <p:nvPr/>
-          </p:nvSpPr>
-          <p:spPr>
+          </p:nvGrpSpPr>
+          <p:grpSpPr>
             <a:xfrm>
-              <a:off x="7262688" y="2799361"/>
-              <a:ext cx="877163" cy="369332"/>
+              <a:off x="4130411" y="5121519"/>
+              <a:ext cx="1051170" cy="1102931"/>
+              <a:chOff x="4130411" y="5121519"/>
+              <a:chExt cx="1051170" cy="1102931"/>
             </a:xfrm>
-            <a:prstGeom prst="rect">
-              <a:avLst/>
-            </a:prstGeom>
-            <a:noFill/>
-          </p:spPr>
-          <p:txBody>
-            <a:bodyPr wrap="square" rtlCol="0">
-              <a:spAutoFit/>
-            </a:bodyPr>
-            <a:lstStyle/>
-            <a:p>
-              <a:r>
-                <a:rPr lang="zh-TW" altLang="en-US" dirty="0"/>
-                <a:t>單芯線</a:t>
-              </a:r>
-            </a:p>
-          </p:txBody>
-        </p:sp>
-        <p:sp>
-          <p:nvSpPr>
-            <p:cNvPr id="38" name="文字方塊 37"/>
-            <p:cNvSpPr txBox="1"/>
-            <p:nvPr/>
-          </p:nvSpPr>
-          <p:spPr>
-            <a:xfrm>
-              <a:off x="8442960" y="2799361"/>
-              <a:ext cx="732094" cy="369332"/>
-            </a:xfrm>
-            <a:prstGeom prst="rect">
-              <a:avLst/>
-            </a:prstGeom>
-            <a:noFill/>
-          </p:spPr>
-          <p:txBody>
-            <a:bodyPr wrap="square" rtlCol="0">
-              <a:spAutoFit/>
-            </a:bodyPr>
-            <a:lstStyle/>
-            <a:p>
-              <a:r>
-                <a:rPr lang="en-US" altLang="zh-TW" dirty="0"/>
-                <a:t>data</a:t>
-              </a:r>
-              <a:endParaRPr lang="zh-TW" altLang="en-US" dirty="0"/>
-            </a:p>
-          </p:txBody>
-        </p:sp>
+          </p:grpSpPr>
+          <p:grpSp>
+            <p:nvGrpSpPr>
+              <p:cNvPr id="42" name="群組 41">
+                <a:extLst>
+                  <a:ext uri="{FF2B5EF4-FFF2-40B4-BE49-F238E27FC236}">
+                    <a16:creationId xmlns="" xmlns:a16="http://schemas.microsoft.com/office/drawing/2014/main" id="{10DD8C89-5622-49F2-891D-668F9D5557E3}"/>
+                  </a:ext>
+                </a:extLst>
+              </p:cNvPr>
+              <p:cNvGrpSpPr/>
+              <p:nvPr/>
+            </p:nvGrpSpPr>
+            <p:grpSpPr>
+              <a:xfrm rot="16200000">
+                <a:off x="4104530" y="5147400"/>
+                <a:ext cx="1102931" cy="1051170"/>
+                <a:chOff x="7717208" y="2541601"/>
+                <a:chExt cx="1102931" cy="1051170"/>
+              </a:xfrm>
+            </p:grpSpPr>
+            <p:sp>
+              <p:nvSpPr>
+                <p:cNvPr id="44" name="文字方塊 43">
+                  <a:extLst>
+                    <a:ext uri="{FF2B5EF4-FFF2-40B4-BE49-F238E27FC236}">
+                      <a16:creationId xmlns="" xmlns:a16="http://schemas.microsoft.com/office/drawing/2014/main" id="{1C175A2C-16D9-4741-A361-7DA925324F6A}"/>
+                    </a:ext>
+                  </a:extLst>
+                </p:cNvPr>
+                <p:cNvSpPr txBox="1"/>
+                <p:nvPr/>
+              </p:nvSpPr>
+              <p:spPr>
+                <a:xfrm>
+                  <a:off x="7717208" y="2698300"/>
+                  <a:ext cx="461665" cy="803984"/>
+                </a:xfrm>
+                <a:prstGeom prst="rect">
+                  <a:avLst/>
+                </a:prstGeom>
+                <a:noFill/>
+              </p:spPr>
+              <p:txBody>
+                <a:bodyPr vert="eaVert" wrap="square" rtlCol="0">
+                  <a:spAutoFit/>
+                </a:bodyPr>
+                <a:lstStyle/>
+                <a:p>
+                  <a:r>
+                    <a:rPr lang="en-US" altLang="zh-TW" dirty="0"/>
+                    <a:t>route</a:t>
+                  </a:r>
+                  <a:endParaRPr lang="zh-TW" altLang="en-US" dirty="0"/>
+                </a:p>
+              </p:txBody>
+            </p:sp>
+            <p:sp>
+              <p:nvSpPr>
+                <p:cNvPr id="45" name="文字方塊 44">
+                  <a:extLst>
+                    <a:ext uri="{FF2B5EF4-FFF2-40B4-BE49-F238E27FC236}">
+                      <a16:creationId xmlns="" xmlns:a16="http://schemas.microsoft.com/office/drawing/2014/main" id="{E1D7696E-BA25-4077-8760-0355B884E2B2}"/>
+                    </a:ext>
+                  </a:extLst>
+                </p:cNvPr>
+                <p:cNvSpPr txBox="1"/>
+                <p:nvPr/>
+              </p:nvSpPr>
+              <p:spPr>
+                <a:xfrm>
+                  <a:off x="8358474" y="2541601"/>
+                  <a:ext cx="461665" cy="1051170"/>
+                </a:xfrm>
+                <a:prstGeom prst="rect">
+                  <a:avLst/>
+                </a:prstGeom>
+                <a:noFill/>
+              </p:spPr>
+              <p:txBody>
+                <a:bodyPr vert="eaVert" wrap="square" rtlCol="0">
+                  <a:spAutoFit/>
+                </a:bodyPr>
+                <a:lstStyle/>
+                <a:p>
+                  <a:r>
+                    <a:rPr lang="en-US" altLang="zh-TW" dirty="0"/>
+                    <a:t>network</a:t>
+                  </a:r>
+                  <a:endParaRPr lang="zh-TW" altLang="en-US" dirty="0"/>
+                </a:p>
+              </p:txBody>
+            </p:sp>
+          </p:grpSp>
+          <p:cxnSp>
+            <p:nvCxnSpPr>
+              <p:cNvPr id="46" name="直線單箭頭接點 45"/>
+              <p:cNvCxnSpPr/>
+              <p:nvPr/>
+            </p:nvCxnSpPr>
+            <p:spPr>
+              <a:xfrm rot="5400000" flipH="1">
+                <a:off x="4593670" y="5373774"/>
+                <a:ext cx="1" cy="587049"/>
+              </a:xfrm>
+              <a:prstGeom prst="straightConnector1">
+                <a:avLst/>
+              </a:prstGeom>
+              <a:ln w="101600">
+                <a:solidFill>
+                  <a:srgbClr val="FF7F00"/>
+                </a:solidFill>
+                <a:tailEnd type="triangle"/>
+              </a:ln>
+            </p:spPr>
+            <p:style>
+              <a:lnRef idx="1">
+                <a:schemeClr val="accent1"/>
+              </a:lnRef>
+              <a:fillRef idx="0">
+                <a:schemeClr val="accent1"/>
+              </a:fillRef>
+              <a:effectRef idx="0">
+                <a:schemeClr val="accent1"/>
+              </a:effectRef>
+              <a:fontRef idx="minor">
+                <a:schemeClr val="tx1"/>
+              </a:fontRef>
+            </p:style>
+          </p:cxnSp>
+        </p:grpSp>
       </p:grpSp>
-      <p:grpSp>
-        <p:nvGrpSpPr>
-          <p:cNvPr id="10" name="群組 9"/>
-          <p:cNvGrpSpPr/>
+      <p:pic>
+        <p:nvPicPr>
+          <p:cNvPr id="5" name="圖片 4"/>
+          <p:cNvPicPr>
+            <a:picLocks noChangeAspect="1"/>
+          </p:cNvPicPr>
           <p:nvPr/>
-        </p:nvGrpSpPr>
-        <p:grpSpPr>
-          <a:xfrm>
-            <a:off x="5209612" y="4498634"/>
-            <a:ext cx="1985882" cy="587049"/>
-            <a:chOff x="7263253" y="2719679"/>
-            <a:chExt cx="1985882" cy="587049"/>
-          </a:xfrm>
-        </p:grpSpPr>
-        <p:cxnSp>
-          <p:nvCxnSpPr>
-            <p:cNvPr id="33" name="直線單箭頭接點 32"/>
-            <p:cNvCxnSpPr/>
-            <p:nvPr/>
-          </p:nvCxnSpPr>
-          <p:spPr>
-            <a:xfrm flipH="1">
-              <a:off x="8170091" y="2719679"/>
-              <a:ext cx="1" cy="587049"/>
-            </a:xfrm>
-            <a:prstGeom prst="straightConnector1">
-              <a:avLst/>
-            </a:prstGeom>
-            <a:ln w="101600">
-              <a:solidFill>
-                <a:srgbClr val="FF7F00"/>
-              </a:solidFill>
-              <a:tailEnd type="triangle"/>
-            </a:ln>
-          </p:spPr>
-          <p:style>
-            <a:lnRef idx="1">
-              <a:schemeClr val="accent1"/>
-            </a:lnRef>
-            <a:fillRef idx="0">
-              <a:schemeClr val="accent1"/>
-            </a:fillRef>
-            <a:effectRef idx="0">
-              <a:schemeClr val="accent1"/>
-            </a:effectRef>
-            <a:fontRef idx="minor">
-              <a:schemeClr val="tx1"/>
-            </a:fontRef>
-          </p:style>
-        </p:cxnSp>
-        <p:sp>
-          <p:nvSpPr>
-            <p:cNvPr id="34" name="文字方塊 33"/>
-            <p:cNvSpPr txBox="1"/>
-            <p:nvPr/>
-          </p:nvSpPr>
-          <p:spPr>
-            <a:xfrm>
-              <a:off x="7263253" y="2799361"/>
-              <a:ext cx="776411" cy="369332"/>
-            </a:xfrm>
-            <a:prstGeom prst="rect">
-              <a:avLst/>
-            </a:prstGeom>
-            <a:noFill/>
-          </p:spPr>
-          <p:txBody>
-            <a:bodyPr wrap="square" rtlCol="0">
-              <a:spAutoFit/>
-            </a:bodyPr>
-            <a:lstStyle/>
-            <a:p>
-              <a:r>
-                <a:rPr lang="en-US" altLang="zh-TW" dirty="0"/>
-                <a:t>route</a:t>
-              </a:r>
-              <a:endParaRPr lang="zh-TW" altLang="en-US" dirty="0"/>
-            </a:p>
-          </p:txBody>
-        </p:sp>
-        <p:sp>
-          <p:nvSpPr>
-            <p:cNvPr id="35" name="文字方塊 34"/>
-            <p:cNvSpPr txBox="1"/>
-            <p:nvPr/>
-          </p:nvSpPr>
-          <p:spPr>
-            <a:xfrm>
-              <a:off x="8326298" y="2799361"/>
-              <a:ext cx="922837" cy="369332"/>
-            </a:xfrm>
-            <a:prstGeom prst="rect">
-              <a:avLst/>
-            </a:prstGeom>
-            <a:noFill/>
-          </p:spPr>
-          <p:txBody>
-            <a:bodyPr wrap="square" rtlCol="0">
-              <a:spAutoFit/>
-            </a:bodyPr>
-            <a:lstStyle/>
-            <a:p>
-              <a:r>
-                <a:rPr lang="en-US" altLang="zh-TW" dirty="0"/>
-                <a:t>socket</a:t>
-              </a:r>
-              <a:endParaRPr lang="zh-TW" altLang="en-US" dirty="0"/>
-            </a:p>
-          </p:txBody>
-        </p:sp>
-      </p:grpSp>
-      <p:grpSp>
-        <p:nvGrpSpPr>
-          <p:cNvPr id="11" name="群組 10"/>
-          <p:cNvGrpSpPr/>
-          <p:nvPr/>
-        </p:nvGrpSpPr>
-        <p:grpSpPr>
-          <a:xfrm rot="16200000">
-            <a:off x="4150735" y="1527784"/>
-            <a:ext cx="1112263" cy="949427"/>
-            <a:chOff x="7717206" y="2625571"/>
-            <a:chExt cx="1112263" cy="949427"/>
-          </a:xfrm>
-        </p:grpSpPr>
-        <p:cxnSp>
-          <p:nvCxnSpPr>
-            <p:cNvPr id="30" name="直線單箭頭接點 29"/>
-            <p:cNvCxnSpPr/>
-            <p:nvPr/>
-          </p:nvCxnSpPr>
-          <p:spPr>
-            <a:xfrm flipH="1">
-              <a:off x="8293338" y="2756732"/>
-              <a:ext cx="1" cy="587049"/>
-            </a:xfrm>
-            <a:prstGeom prst="straightConnector1">
-              <a:avLst/>
-            </a:prstGeom>
-            <a:ln w="101600">
-              <a:solidFill>
-                <a:srgbClr val="FF7F00"/>
-              </a:solidFill>
-              <a:tailEnd type="triangle"/>
-            </a:ln>
-          </p:spPr>
-          <p:style>
-            <a:lnRef idx="1">
-              <a:schemeClr val="accent1"/>
-            </a:lnRef>
-            <a:fillRef idx="0">
-              <a:schemeClr val="accent1"/>
-            </a:fillRef>
-            <a:effectRef idx="0">
-              <a:schemeClr val="accent1"/>
-            </a:effectRef>
-            <a:fontRef idx="minor">
-              <a:schemeClr val="tx1"/>
-            </a:fontRef>
-          </p:style>
-        </p:cxnSp>
-        <p:sp>
-          <p:nvSpPr>
-            <p:cNvPr id="31" name="文字方塊 30"/>
-            <p:cNvSpPr txBox="1"/>
-            <p:nvPr/>
-          </p:nvSpPr>
-          <p:spPr>
-            <a:xfrm>
-              <a:off x="7717206" y="2698293"/>
-              <a:ext cx="461665" cy="803984"/>
-            </a:xfrm>
-            <a:prstGeom prst="rect">
-              <a:avLst/>
-            </a:prstGeom>
-            <a:noFill/>
-          </p:spPr>
-          <p:txBody>
-            <a:bodyPr vert="eaVert" wrap="square" rtlCol="0">
-              <a:spAutoFit/>
-            </a:bodyPr>
-            <a:lstStyle/>
-            <a:p>
-              <a:r>
-                <a:rPr lang="zh-TW" altLang="en-US" dirty="0"/>
-                <a:t>單芯線</a:t>
-              </a:r>
-            </a:p>
-          </p:txBody>
-        </p:sp>
-        <p:sp>
-          <p:nvSpPr>
-            <p:cNvPr id="32" name="文字方塊 31"/>
-            <p:cNvSpPr txBox="1"/>
-            <p:nvPr/>
-          </p:nvSpPr>
-          <p:spPr>
-            <a:xfrm>
-              <a:off x="8367804" y="2625571"/>
-              <a:ext cx="461665" cy="949427"/>
-            </a:xfrm>
-            <a:prstGeom prst="rect">
-              <a:avLst/>
-            </a:prstGeom>
-            <a:noFill/>
-          </p:spPr>
-          <p:txBody>
-            <a:bodyPr vert="eaVert" wrap="square" rtlCol="0">
-              <a:spAutoFit/>
-            </a:bodyPr>
-            <a:lstStyle/>
-            <a:p>
-              <a:r>
-                <a:rPr lang="en-US" altLang="zh-TW" dirty="0"/>
-                <a:t>analog</a:t>
-              </a:r>
-              <a:endParaRPr lang="zh-TW" altLang="en-US" dirty="0"/>
-            </a:p>
-          </p:txBody>
-        </p:sp>
-      </p:grpSp>
-      <p:sp>
-        <p:nvSpPr>
-          <p:cNvPr id="12" name="矩形 11"/>
-          <p:cNvSpPr/>
-          <p:nvPr/>
-        </p:nvSpPr>
+        </p:nvPicPr>
+        <p:blipFill rotWithShape="1">
+          <a:blip r:embed="rId2">
+            <a:extLst>
+              <a:ext uri="{28A0092B-C50C-407E-A947-70E740481C1C}">
+                <a14:useLocalDpi xmlns:a14="http://schemas.microsoft.com/office/drawing/2010/main" val="0"/>
+              </a:ext>
+            </a:extLst>
+          </a:blip>
+          <a:srcRect l="3571" t="6455" r="2245" b="4007"/>
+          <a:stretch/>
+        </p:blipFill>
         <p:spPr>
           <a:xfrm>
-            <a:off x="2317492" y="1569782"/>
-            <a:ext cx="1837944" cy="914400"/>
+            <a:off x="7612148" y="-41886"/>
+            <a:ext cx="4579852" cy="3186545"/>
           </a:xfrm>
           <a:prstGeom prst="rect">
             <a:avLst/>
           </a:prstGeom>
         </p:spPr>
-        <p:style>
-          <a:lnRef idx="2">
-            <a:schemeClr val="accent1">
-              <a:shade val="50000"/>
-            </a:schemeClr>
-          </a:lnRef>
-          <a:fillRef idx="1">
-            <a:schemeClr val="accent1"/>
-          </a:fillRef>
-          <a:effectRef idx="0">
-            <a:schemeClr val="accent1"/>
-          </a:effectRef>
-          <a:fontRef idx="minor">
-            <a:schemeClr val="lt1"/>
-          </a:fontRef>
-        </p:style>
-        <p:txBody>
-          <a:bodyPr rtlCol="0" anchor="ctr"/>
-          <a:lstStyle/>
-          <a:p>
-            <a:pPr algn="ctr"/>
-            <a:r>
-              <a:rPr lang="zh-TW" altLang="en-US" dirty="0"/>
-              <a:t>激光裝置</a:t>
-            </a:r>
-            <a:endParaRPr lang="en-US" altLang="zh-TW" dirty="0"/>
-          </a:p>
-          <a:p>
-            <a:pPr algn="ctr"/>
-            <a:r>
-              <a:rPr lang="zh-TW" altLang="en-US" dirty="0"/>
-              <a:t>光敏電阻</a:t>
-            </a:r>
-          </a:p>
-        </p:txBody>
-      </p:sp>
-      <p:grpSp>
-        <p:nvGrpSpPr>
-          <p:cNvPr id="13" name="群組 12"/>
-          <p:cNvGrpSpPr/>
+      </p:pic>
+      <p:pic>
+        <p:nvPicPr>
+          <p:cNvPr id="39" name="圖片 38"/>
+          <p:cNvPicPr>
+            <a:picLocks noChangeAspect="1"/>
+          </p:cNvPicPr>
           <p:nvPr/>
-        </p:nvGrpSpPr>
-        <p:grpSpPr>
-          <a:xfrm rot="16200000">
-            <a:off x="4127747" y="3467251"/>
-            <a:ext cx="1112264" cy="803984"/>
-            <a:chOff x="7717206" y="2698293"/>
-            <a:chExt cx="1112264" cy="803984"/>
-          </a:xfrm>
-        </p:grpSpPr>
-        <p:cxnSp>
-          <p:nvCxnSpPr>
-            <p:cNvPr id="27" name="直線單箭頭接點 26"/>
-            <p:cNvCxnSpPr/>
-            <p:nvPr/>
-          </p:nvCxnSpPr>
-          <p:spPr>
-            <a:xfrm flipH="1">
-              <a:off x="8293338" y="2756732"/>
-              <a:ext cx="1" cy="587049"/>
-            </a:xfrm>
-            <a:prstGeom prst="straightConnector1">
-              <a:avLst/>
-            </a:prstGeom>
-            <a:ln w="101600">
-              <a:solidFill>
-                <a:srgbClr val="FF7F00"/>
-              </a:solidFill>
-              <a:tailEnd type="triangle"/>
-            </a:ln>
-          </p:spPr>
-          <p:style>
-            <a:lnRef idx="1">
-              <a:schemeClr val="accent1"/>
-            </a:lnRef>
-            <a:fillRef idx="0">
-              <a:schemeClr val="accent1"/>
-            </a:fillRef>
-            <a:effectRef idx="0">
-              <a:schemeClr val="accent1"/>
-            </a:effectRef>
-            <a:fontRef idx="minor">
-              <a:schemeClr val="tx1"/>
-            </a:fontRef>
-          </p:style>
-        </p:cxnSp>
-        <p:sp>
-          <p:nvSpPr>
-            <p:cNvPr id="28" name="文字方塊 27"/>
-            <p:cNvSpPr txBox="1"/>
-            <p:nvPr/>
-          </p:nvSpPr>
-          <p:spPr>
-            <a:xfrm>
-              <a:off x="7717206" y="2698293"/>
-              <a:ext cx="461665" cy="803984"/>
-            </a:xfrm>
-            <a:prstGeom prst="rect">
-              <a:avLst/>
-            </a:prstGeom>
-            <a:noFill/>
-          </p:spPr>
-          <p:txBody>
-            <a:bodyPr vert="eaVert" wrap="square" rtlCol="0">
-              <a:spAutoFit/>
-            </a:bodyPr>
-            <a:lstStyle/>
-            <a:p>
-              <a:r>
-                <a:rPr lang="zh-TW" altLang="en-US" dirty="0"/>
-                <a:t>單芯線</a:t>
-              </a:r>
-            </a:p>
-          </p:txBody>
-        </p:sp>
-        <p:sp>
-          <p:nvSpPr>
-            <p:cNvPr id="29" name="文字方塊 28"/>
-            <p:cNvSpPr txBox="1"/>
-            <p:nvPr/>
-          </p:nvSpPr>
-          <p:spPr>
-            <a:xfrm>
-              <a:off x="8367805" y="2710632"/>
-              <a:ext cx="461665" cy="779302"/>
-            </a:xfrm>
-            <a:prstGeom prst="rect">
-              <a:avLst/>
-            </a:prstGeom>
-            <a:noFill/>
-          </p:spPr>
-          <p:txBody>
-            <a:bodyPr vert="eaVert" wrap="square" rtlCol="0">
-              <a:spAutoFit/>
-            </a:bodyPr>
-            <a:lstStyle/>
-            <a:p>
-              <a:r>
-                <a:rPr lang="en-US" altLang="zh-TW" dirty="0"/>
-                <a:t>digital</a:t>
-              </a:r>
-              <a:endParaRPr lang="zh-TW" altLang="en-US" dirty="0"/>
-            </a:p>
-          </p:txBody>
-        </p:sp>
-      </p:grpSp>
-      <p:sp>
-        <p:nvSpPr>
-          <p:cNvPr id="14" name="矩形 13"/>
-          <p:cNvSpPr/>
-          <p:nvPr/>
-        </p:nvSpPr>
+        </p:nvPicPr>
+        <p:blipFill rotWithShape="1">
+          <a:blip r:embed="rId3">
+            <a:extLst>
+              <a:ext uri="{28A0092B-C50C-407E-A947-70E740481C1C}">
+                <a14:useLocalDpi xmlns:a14="http://schemas.microsoft.com/office/drawing/2010/main" val="0"/>
+              </a:ext>
+            </a:extLst>
+          </a:blip>
+          <a:srcRect l="894" t="2049" r="1722" b="1951"/>
+          <a:stretch/>
+        </p:blipFill>
         <p:spPr>
           <a:xfrm>
-            <a:off x="2312231" y="3433191"/>
-            <a:ext cx="1837944" cy="914400"/>
+            <a:off x="3760072" y="1331414"/>
+            <a:ext cx="6520872" cy="4572001"/>
           </a:xfrm>
           <a:prstGeom prst="rect">
             <a:avLst/>
           </a:prstGeom>
         </p:spPr>
-        <p:style>
-          <a:lnRef idx="2">
-            <a:schemeClr val="accent1">
-              <a:shade val="50000"/>
-            </a:schemeClr>
-          </a:lnRef>
-          <a:fillRef idx="1">
-            <a:schemeClr val="accent1"/>
-          </a:fillRef>
-          <a:effectRef idx="0">
-            <a:schemeClr val="accent1"/>
-          </a:effectRef>
-          <a:fontRef idx="minor">
-            <a:schemeClr val="lt1"/>
-          </a:fontRef>
-        </p:style>
-        <p:txBody>
-          <a:bodyPr rtlCol="0" anchor="ctr"/>
-          <a:lstStyle/>
-          <a:p>
-            <a:pPr algn="ctr"/>
-            <a:r>
-              <a:rPr lang="zh-TW" altLang="en-US" dirty="0"/>
-              <a:t>按鈕裝置</a:t>
-            </a:r>
-          </a:p>
-        </p:txBody>
-      </p:sp>
-      <p:sp>
-        <p:nvSpPr>
-          <p:cNvPr id="15" name="矩形 14"/>
-          <p:cNvSpPr/>
+      </p:pic>
+      <p:pic>
+        <p:nvPicPr>
+          <p:cNvPr id="20" name="圖片 19"/>
+          <p:cNvPicPr>
+            <a:picLocks noChangeAspect="1"/>
+          </p:cNvPicPr>
           <p:nvPr/>
-        </p:nvSpPr>
+        </p:nvPicPr>
+        <p:blipFill>
+          <a:blip r:embed="rId4" cstate="print">
+            <a:extLst>
+              <a:ext uri="{28A0092B-C50C-407E-A947-70E740481C1C}">
+                <a14:useLocalDpi xmlns:a14="http://schemas.microsoft.com/office/drawing/2010/main" val="0"/>
+              </a:ext>
+            </a:extLst>
+          </a:blip>
+          <a:stretch>
+            <a:fillRect/>
+          </a:stretch>
+        </p:blipFill>
         <p:spPr>
           <a:xfrm>
-            <a:off x="8036464" y="1569782"/>
-            <a:ext cx="1837944" cy="914400"/>
+            <a:off x="5477164" y="3229381"/>
+            <a:ext cx="6714836" cy="3584743"/>
           </a:xfrm>
           <a:prstGeom prst="rect">
             <a:avLst/>
           </a:prstGeom>
         </p:spPr>
-        <p:style>
-          <a:lnRef idx="2">
-            <a:schemeClr val="accent1">
-              <a:shade val="50000"/>
-            </a:schemeClr>
-          </a:lnRef>
-          <a:fillRef idx="1">
-            <a:schemeClr val="accent1"/>
-          </a:fillRef>
-          <a:effectRef idx="0">
-            <a:schemeClr val="accent1"/>
-          </a:effectRef>
-          <a:fontRef idx="minor">
-            <a:schemeClr val="lt1"/>
-          </a:fontRef>
-        </p:style>
-        <p:txBody>
-          <a:bodyPr rtlCol="0" anchor="ctr"/>
-          <a:lstStyle/>
-          <a:p>
-            <a:pPr algn="ctr"/>
-            <a:r>
-              <a:rPr lang="zh-TW" altLang="en-US" dirty="0"/>
-              <a:t>蜂鳴器</a:t>
-            </a:r>
-          </a:p>
-        </p:txBody>
-      </p:sp>
-      <p:grpSp>
-        <p:nvGrpSpPr>
-          <p:cNvPr id="16" name="群組 15"/>
-          <p:cNvGrpSpPr/>
-          <p:nvPr/>
-        </p:nvGrpSpPr>
-        <p:grpSpPr>
-          <a:xfrm>
-            <a:off x="7125725" y="1448668"/>
-            <a:ext cx="821554" cy="1111426"/>
-            <a:chOff x="7097128" y="1192464"/>
-            <a:chExt cx="821554" cy="1111426"/>
-          </a:xfrm>
-        </p:grpSpPr>
-        <p:cxnSp>
-          <p:nvCxnSpPr>
-            <p:cNvPr id="24" name="直線單箭頭接點 23"/>
-            <p:cNvCxnSpPr/>
-            <p:nvPr/>
-          </p:nvCxnSpPr>
-          <p:spPr>
-            <a:xfrm rot="16200000" flipH="1">
-              <a:off x="7504407" y="1453239"/>
-              <a:ext cx="1" cy="587049"/>
-            </a:xfrm>
-            <a:prstGeom prst="straightConnector1">
-              <a:avLst/>
-            </a:prstGeom>
-            <a:ln w="101600">
-              <a:solidFill>
-                <a:srgbClr val="FF7F00"/>
-              </a:solidFill>
-              <a:tailEnd type="triangle"/>
-            </a:ln>
-          </p:spPr>
-          <p:style>
-            <a:lnRef idx="1">
-              <a:schemeClr val="accent1"/>
-            </a:lnRef>
-            <a:fillRef idx="0">
-              <a:schemeClr val="accent1"/>
-            </a:fillRef>
-            <a:effectRef idx="0">
-              <a:schemeClr val="accent1"/>
-            </a:effectRef>
-            <a:fontRef idx="minor">
-              <a:schemeClr val="tx1"/>
-            </a:fontRef>
-          </p:style>
-        </p:cxnSp>
-        <p:sp>
-          <p:nvSpPr>
-            <p:cNvPr id="25" name="文字方塊 24"/>
-            <p:cNvSpPr txBox="1"/>
-            <p:nvPr/>
-          </p:nvSpPr>
-          <p:spPr>
-            <a:xfrm rot="16200000">
-              <a:off x="7268287" y="1671066"/>
-              <a:ext cx="461665" cy="803984"/>
-            </a:xfrm>
-            <a:prstGeom prst="rect">
-              <a:avLst/>
-            </a:prstGeom>
-            <a:noFill/>
-          </p:spPr>
-          <p:txBody>
-            <a:bodyPr vert="eaVert" wrap="square" rtlCol="0">
-              <a:spAutoFit/>
-            </a:bodyPr>
-            <a:lstStyle/>
-            <a:p>
-              <a:r>
-                <a:rPr lang="zh-TW" altLang="en-US" dirty="0"/>
-                <a:t>單芯線</a:t>
-              </a:r>
-            </a:p>
-          </p:txBody>
-        </p:sp>
-        <p:sp>
-          <p:nvSpPr>
-            <p:cNvPr id="26" name="文字方塊 25"/>
-            <p:cNvSpPr txBox="1"/>
-            <p:nvPr/>
-          </p:nvSpPr>
-          <p:spPr>
-            <a:xfrm rot="16200000">
-              <a:off x="7277155" y="1012602"/>
-              <a:ext cx="461665" cy="821389"/>
-            </a:xfrm>
-            <a:prstGeom prst="rect">
-              <a:avLst/>
-            </a:prstGeom>
-            <a:noFill/>
-          </p:spPr>
-          <p:txBody>
-            <a:bodyPr vert="eaVert" wrap="square" rtlCol="0">
-              <a:spAutoFit/>
-            </a:bodyPr>
-            <a:lstStyle/>
-            <a:p>
-              <a:r>
-                <a:rPr lang="en-US" altLang="zh-TW" dirty="0"/>
-                <a:t>digital</a:t>
-              </a:r>
-            </a:p>
-          </p:txBody>
-        </p:sp>
-      </p:grpSp>
-      <p:sp>
-        <p:nvSpPr>
-          <p:cNvPr id="17" name="矩形 16"/>
-          <p:cNvSpPr/>
-          <p:nvPr/>
-        </p:nvSpPr>
-        <p:spPr>
-          <a:xfrm>
-            <a:off x="8035018" y="3439241"/>
-            <a:ext cx="1837944" cy="914400"/>
-          </a:xfrm>
-          <a:prstGeom prst="rect">
-            <a:avLst/>
-          </a:prstGeom>
-        </p:spPr>
-        <p:style>
-          <a:lnRef idx="2">
-            <a:schemeClr val="accent1">
-              <a:shade val="50000"/>
-            </a:schemeClr>
-          </a:lnRef>
-          <a:fillRef idx="1">
-            <a:schemeClr val="accent1"/>
-          </a:fillRef>
-          <a:effectRef idx="0">
-            <a:schemeClr val="accent1"/>
-          </a:effectRef>
-          <a:fontRef idx="minor">
-            <a:schemeClr val="lt1"/>
-          </a:fontRef>
-        </p:style>
-        <p:txBody>
-          <a:bodyPr rtlCol="0" anchor="ctr"/>
-          <a:lstStyle/>
-          <a:p>
-            <a:pPr algn="ctr"/>
-            <a:r>
-              <a:rPr lang="en-US" altLang="zh-TW" dirty="0"/>
-              <a:t>RGB</a:t>
-            </a:r>
-            <a:r>
-              <a:rPr lang="zh-TW" altLang="en-US" dirty="0"/>
-              <a:t>裝置</a:t>
-            </a:r>
-          </a:p>
-        </p:txBody>
-      </p:sp>
-      <p:grpSp>
-        <p:nvGrpSpPr>
-          <p:cNvPr id="18" name="群組 17"/>
-          <p:cNvGrpSpPr/>
-          <p:nvPr/>
-        </p:nvGrpSpPr>
-        <p:grpSpPr>
-          <a:xfrm>
-            <a:off x="7124361" y="3258446"/>
-            <a:ext cx="821554" cy="1111426"/>
-            <a:chOff x="7097128" y="1192464"/>
-            <a:chExt cx="821554" cy="1111426"/>
-          </a:xfrm>
-        </p:grpSpPr>
-        <p:cxnSp>
-          <p:nvCxnSpPr>
-            <p:cNvPr id="21" name="直線單箭頭接點 20"/>
-            <p:cNvCxnSpPr/>
-            <p:nvPr/>
-          </p:nvCxnSpPr>
-          <p:spPr>
-            <a:xfrm rot="16200000" flipH="1">
-              <a:off x="7504407" y="1453239"/>
-              <a:ext cx="1" cy="587049"/>
-            </a:xfrm>
-            <a:prstGeom prst="straightConnector1">
-              <a:avLst/>
-            </a:prstGeom>
-            <a:ln w="101600">
-              <a:solidFill>
-                <a:srgbClr val="FF7F00"/>
-              </a:solidFill>
-              <a:tailEnd type="triangle"/>
-            </a:ln>
-          </p:spPr>
-          <p:style>
-            <a:lnRef idx="1">
-              <a:schemeClr val="accent1"/>
-            </a:lnRef>
-            <a:fillRef idx="0">
-              <a:schemeClr val="accent1"/>
-            </a:fillRef>
-            <a:effectRef idx="0">
-              <a:schemeClr val="accent1"/>
-            </a:effectRef>
-            <a:fontRef idx="minor">
-              <a:schemeClr val="tx1"/>
-            </a:fontRef>
-          </p:style>
-        </p:cxnSp>
-        <p:sp>
-          <p:nvSpPr>
-            <p:cNvPr id="22" name="文字方塊 21"/>
-            <p:cNvSpPr txBox="1"/>
-            <p:nvPr/>
-          </p:nvSpPr>
-          <p:spPr>
-            <a:xfrm rot="16200000">
-              <a:off x="7268287" y="1671066"/>
-              <a:ext cx="461665" cy="803984"/>
-            </a:xfrm>
-            <a:prstGeom prst="rect">
-              <a:avLst/>
-            </a:prstGeom>
-            <a:noFill/>
-          </p:spPr>
-          <p:txBody>
-            <a:bodyPr vert="eaVert" wrap="square" rtlCol="0">
-              <a:spAutoFit/>
-            </a:bodyPr>
-            <a:lstStyle/>
-            <a:p>
-              <a:r>
-                <a:rPr lang="zh-TW" altLang="en-US" dirty="0"/>
-                <a:t>單芯線</a:t>
-              </a:r>
-            </a:p>
-          </p:txBody>
-        </p:sp>
-        <p:sp>
-          <p:nvSpPr>
-            <p:cNvPr id="23" name="文字方塊 22"/>
-            <p:cNvSpPr txBox="1"/>
-            <p:nvPr/>
-          </p:nvSpPr>
-          <p:spPr>
-            <a:xfrm rot="16200000">
-              <a:off x="7277155" y="1012602"/>
-              <a:ext cx="461665" cy="821389"/>
-            </a:xfrm>
-            <a:prstGeom prst="rect">
-              <a:avLst/>
-            </a:prstGeom>
-            <a:noFill/>
-          </p:spPr>
-          <p:txBody>
-            <a:bodyPr vert="eaVert" wrap="square" rtlCol="0">
-              <a:spAutoFit/>
-            </a:bodyPr>
-            <a:lstStyle/>
-            <a:p>
-              <a:r>
-                <a:rPr lang="en-US" altLang="zh-TW" dirty="0"/>
-                <a:t>digital</a:t>
-              </a:r>
-            </a:p>
-          </p:txBody>
-        </p:sp>
-      </p:grpSp>
-      <p:sp>
-        <p:nvSpPr>
-          <p:cNvPr id="19" name="矩形 18"/>
-          <p:cNvSpPr/>
-          <p:nvPr/>
-        </p:nvSpPr>
-        <p:spPr>
-          <a:xfrm>
-            <a:off x="8041826" y="5231911"/>
-            <a:ext cx="1837944" cy="914400"/>
-          </a:xfrm>
-          <a:prstGeom prst="rect">
-            <a:avLst/>
-          </a:prstGeom>
-        </p:spPr>
-        <p:style>
-          <a:lnRef idx="2">
-            <a:schemeClr val="accent1">
-              <a:shade val="50000"/>
-            </a:schemeClr>
-          </a:lnRef>
-          <a:fillRef idx="1">
-            <a:schemeClr val="accent1"/>
-          </a:fillRef>
-          <a:effectRef idx="0">
-            <a:schemeClr val="accent1"/>
-          </a:effectRef>
-          <a:fontRef idx="minor">
-            <a:schemeClr val="lt1"/>
-          </a:fontRef>
-        </p:style>
-        <p:txBody>
-          <a:bodyPr rtlCol="0" anchor="ctr"/>
-          <a:lstStyle/>
-          <a:p>
-            <a:pPr algn="ctr"/>
-            <a:r>
-              <a:rPr lang="en-US" altLang="zh-TW" dirty="0"/>
-              <a:t>database</a:t>
-            </a:r>
-            <a:endParaRPr lang="zh-TW" altLang="en-US" dirty="0"/>
-          </a:p>
-        </p:txBody>
-      </p:sp>
-      <p:sp>
-        <p:nvSpPr>
-          <p:cNvPr id="40" name="矩形 39">
-            <a:extLst>
-              <a:ext uri="{FF2B5EF4-FFF2-40B4-BE49-F238E27FC236}">
-                <a16:creationId xmlns:a16="http://schemas.microsoft.com/office/drawing/2014/main" xmlns="" id="{B91E3838-82D8-4930-A757-C1997A4C9155}"/>
-              </a:ext>
-            </a:extLst>
-          </p:cNvPr>
-          <p:cNvSpPr/>
-          <p:nvPr/>
-        </p:nvSpPr>
-        <p:spPr>
-          <a:xfrm>
-            <a:off x="2272393" y="5231911"/>
-            <a:ext cx="1837944" cy="914400"/>
-          </a:xfrm>
-          <a:prstGeom prst="rect">
-            <a:avLst/>
-          </a:prstGeom>
-        </p:spPr>
-        <p:style>
-          <a:lnRef idx="2">
-            <a:schemeClr val="accent1">
-              <a:shade val="50000"/>
-            </a:schemeClr>
-          </a:lnRef>
-          <a:fillRef idx="1">
-            <a:schemeClr val="accent1"/>
-          </a:fillRef>
-          <a:effectRef idx="0">
-            <a:schemeClr val="accent1"/>
-          </a:effectRef>
-          <a:fontRef idx="minor">
-            <a:schemeClr val="lt1"/>
-          </a:fontRef>
-        </p:style>
-        <p:txBody>
-          <a:bodyPr rtlCol="0" anchor="ctr"/>
-          <a:lstStyle/>
-          <a:p>
-            <a:pPr algn="ctr"/>
-            <a:r>
-              <a:rPr lang="en-US" altLang="zh-TW" dirty="0"/>
-              <a:t>Web</a:t>
-            </a:r>
-            <a:endParaRPr lang="zh-TW" altLang="en-US" dirty="0"/>
-          </a:p>
-        </p:txBody>
-      </p:sp>
-      <p:cxnSp>
-        <p:nvCxnSpPr>
-          <p:cNvPr id="43" name="直線單箭頭接點 42"/>
-          <p:cNvCxnSpPr/>
-          <p:nvPr/>
-        </p:nvCxnSpPr>
-        <p:spPr>
-          <a:xfrm rot="16200000" flipH="1">
-            <a:off x="7533003" y="5391486"/>
-            <a:ext cx="1" cy="587049"/>
-          </a:xfrm>
-          <a:prstGeom prst="straightConnector1">
-            <a:avLst/>
-          </a:prstGeom>
-          <a:ln w="101600">
-            <a:solidFill>
-              <a:srgbClr val="FF7F00"/>
-            </a:solidFill>
-            <a:tailEnd type="triangle"/>
-          </a:ln>
-        </p:spPr>
-        <p:style>
-          <a:lnRef idx="1">
-            <a:schemeClr val="accent1"/>
-          </a:lnRef>
-          <a:fillRef idx="0">
-            <a:schemeClr val="accent1"/>
-          </a:fillRef>
-          <a:effectRef idx="0">
-            <a:schemeClr val="accent1"/>
-          </a:effectRef>
-          <a:fontRef idx="minor">
-            <a:schemeClr val="tx1"/>
-          </a:fontRef>
-        </p:style>
-      </p:cxnSp>
-      <p:grpSp>
-        <p:nvGrpSpPr>
-          <p:cNvPr id="4" name="群組 3"/>
-          <p:cNvGrpSpPr/>
-          <p:nvPr/>
-        </p:nvGrpSpPr>
-        <p:grpSpPr>
-          <a:xfrm>
-            <a:off x="4130411" y="5121519"/>
-            <a:ext cx="1051170" cy="1102931"/>
-            <a:chOff x="4130411" y="5121519"/>
-            <a:chExt cx="1051170" cy="1102931"/>
-          </a:xfrm>
-        </p:grpSpPr>
-        <p:grpSp>
-          <p:nvGrpSpPr>
-            <p:cNvPr id="42" name="群組 41">
-              <a:extLst>
-                <a:ext uri="{FF2B5EF4-FFF2-40B4-BE49-F238E27FC236}">
-                  <a16:creationId xmlns:a16="http://schemas.microsoft.com/office/drawing/2014/main" xmlns="" id="{10DD8C89-5622-49F2-891D-668F9D5557E3}"/>
-                </a:ext>
-              </a:extLst>
-            </p:cNvPr>
-            <p:cNvGrpSpPr/>
-            <p:nvPr/>
-          </p:nvGrpSpPr>
-          <p:grpSpPr>
-            <a:xfrm rot="16200000">
-              <a:off x="4104530" y="5147400"/>
-              <a:ext cx="1102931" cy="1051170"/>
-              <a:chOff x="7717208" y="2541601"/>
-              <a:chExt cx="1102931" cy="1051170"/>
-            </a:xfrm>
-          </p:grpSpPr>
-          <p:sp>
-            <p:nvSpPr>
-              <p:cNvPr id="44" name="文字方塊 43">
-                <a:extLst>
-                  <a:ext uri="{FF2B5EF4-FFF2-40B4-BE49-F238E27FC236}">
-                    <a16:creationId xmlns:a16="http://schemas.microsoft.com/office/drawing/2014/main" xmlns="" id="{1C175A2C-16D9-4741-A361-7DA925324F6A}"/>
-                  </a:ext>
-                </a:extLst>
-              </p:cNvPr>
-              <p:cNvSpPr txBox="1"/>
-              <p:nvPr/>
-            </p:nvSpPr>
-            <p:spPr>
-              <a:xfrm>
-                <a:off x="7717208" y="2698300"/>
-                <a:ext cx="461665" cy="803984"/>
-              </a:xfrm>
-              <a:prstGeom prst="rect">
-                <a:avLst/>
-              </a:prstGeom>
-              <a:noFill/>
-            </p:spPr>
-            <p:txBody>
-              <a:bodyPr vert="eaVert" wrap="square" rtlCol="0">
-                <a:spAutoFit/>
-              </a:bodyPr>
-              <a:lstStyle/>
-              <a:p>
-                <a:r>
-                  <a:rPr lang="en-US" altLang="zh-TW" dirty="0"/>
-                  <a:t>route</a:t>
-                </a:r>
-                <a:endParaRPr lang="zh-TW" altLang="en-US" dirty="0"/>
-              </a:p>
-            </p:txBody>
-          </p:sp>
-          <p:sp>
-            <p:nvSpPr>
-              <p:cNvPr id="45" name="文字方塊 44">
-                <a:extLst>
-                  <a:ext uri="{FF2B5EF4-FFF2-40B4-BE49-F238E27FC236}">
-                    <a16:creationId xmlns:a16="http://schemas.microsoft.com/office/drawing/2014/main" xmlns="" id="{E1D7696E-BA25-4077-8760-0355B884E2B2}"/>
-                  </a:ext>
-                </a:extLst>
-              </p:cNvPr>
-              <p:cNvSpPr txBox="1"/>
-              <p:nvPr/>
-            </p:nvSpPr>
-            <p:spPr>
-              <a:xfrm>
-                <a:off x="8358474" y="2541601"/>
-                <a:ext cx="461665" cy="1051170"/>
-              </a:xfrm>
-              <a:prstGeom prst="rect">
-                <a:avLst/>
-              </a:prstGeom>
-              <a:noFill/>
-            </p:spPr>
-            <p:txBody>
-              <a:bodyPr vert="eaVert" wrap="square" rtlCol="0">
-                <a:spAutoFit/>
-              </a:bodyPr>
-              <a:lstStyle/>
-              <a:p>
-                <a:r>
-                  <a:rPr lang="en-US" altLang="zh-TW" dirty="0"/>
-                  <a:t>network</a:t>
-                </a:r>
-                <a:endParaRPr lang="zh-TW" altLang="en-US" dirty="0"/>
-              </a:p>
-            </p:txBody>
-          </p:sp>
-        </p:grpSp>
-        <p:cxnSp>
-          <p:nvCxnSpPr>
-            <p:cNvPr id="46" name="直線單箭頭接點 45"/>
-            <p:cNvCxnSpPr/>
-            <p:nvPr/>
-          </p:nvCxnSpPr>
-          <p:spPr>
-            <a:xfrm rot="5400000" flipH="1">
-              <a:off x="4593670" y="5373774"/>
-              <a:ext cx="1" cy="587049"/>
-            </a:xfrm>
-            <a:prstGeom prst="straightConnector1">
-              <a:avLst/>
-            </a:prstGeom>
-            <a:ln w="101600">
-              <a:solidFill>
-                <a:srgbClr val="FF7F00"/>
-              </a:solidFill>
-              <a:tailEnd type="triangle"/>
-            </a:ln>
-          </p:spPr>
-          <p:style>
-            <a:lnRef idx="1">
-              <a:schemeClr val="accent1"/>
-            </a:lnRef>
-            <a:fillRef idx="0">
-              <a:schemeClr val="accent1"/>
-            </a:fillRef>
-            <a:effectRef idx="0">
-              <a:schemeClr val="accent1"/>
-            </a:effectRef>
-            <a:fontRef idx="minor">
-              <a:schemeClr val="tx1"/>
-            </a:fontRef>
-          </p:style>
-        </p:cxnSp>
-      </p:grpSp>
+      </p:pic>
     </p:spTree>
     <p:extLst>
       <p:ext uri="{BB962C8B-B14F-4D97-AF65-F5344CB8AC3E}">
@@ -7735,6 +8661,171 @@
   <p:clrMapOvr>
     <a:masterClrMapping/>
   </p:clrMapOvr>
+  <p:timing>
+    <p:tnLst>
+      <p:par>
+        <p:cTn id="1" dur="indefinite" restart="never" nodeType="tmRoot">
+          <p:childTnLst>
+            <p:seq concurrent="1" nextAc="seek">
+              <p:cTn id="2" dur="indefinite" nodeType="mainSeq">
+                <p:childTnLst>
+                  <p:par>
+                    <p:cTn id="3" fill="hold">
+                      <p:stCondLst>
+                        <p:cond delay="indefinite"/>
+                      </p:stCondLst>
+                      <p:childTnLst>
+                        <p:par>
+                          <p:cTn id="4" fill="hold">
+                            <p:stCondLst>
+                              <p:cond delay="0"/>
+                            </p:stCondLst>
+                            <p:childTnLst>
+                              <p:par>
+                                <p:cTn id="5" presetID="1" presetClass="entr" presetSubtype="0" fill="hold" nodeType="clickEffect">
+                                  <p:stCondLst>
+                                    <p:cond delay="0"/>
+                                  </p:stCondLst>
+                                  <p:childTnLst>
+                                    <p:set>
+                                      <p:cBhvr>
+                                        <p:cTn id="6" dur="1" fill="hold">
+                                          <p:stCondLst>
+                                            <p:cond delay="0"/>
+                                          </p:stCondLst>
+                                        </p:cTn>
+                                        <p:tgtEl>
+                                          <p:spTgt spid="5"/>
+                                        </p:tgtEl>
+                                        <p:attrNameLst>
+                                          <p:attrName>style.visibility</p:attrName>
+                                        </p:attrNameLst>
+                                      </p:cBhvr>
+                                      <p:to>
+                                        <p:strVal val="visible"/>
+                                      </p:to>
+                                    </p:set>
+                                  </p:childTnLst>
+                                </p:cTn>
+                              </p:par>
+                            </p:childTnLst>
+                          </p:cTn>
+                        </p:par>
+                      </p:childTnLst>
+                    </p:cTn>
+                  </p:par>
+                  <p:par>
+                    <p:cTn id="7" fill="hold">
+                      <p:stCondLst>
+                        <p:cond delay="indefinite"/>
+                      </p:stCondLst>
+                      <p:childTnLst>
+                        <p:par>
+                          <p:cTn id="8" fill="hold">
+                            <p:stCondLst>
+                              <p:cond delay="0"/>
+                            </p:stCondLst>
+                            <p:childTnLst>
+                              <p:par>
+                                <p:cTn id="9" presetID="1" presetClass="entr" presetSubtype="0" fill="hold" nodeType="clickEffect">
+                                  <p:stCondLst>
+                                    <p:cond delay="0"/>
+                                  </p:stCondLst>
+                                  <p:childTnLst>
+                                    <p:set>
+                                      <p:cBhvr>
+                                        <p:cTn id="10" dur="1" fill="hold">
+                                          <p:stCondLst>
+                                            <p:cond delay="0"/>
+                                          </p:stCondLst>
+                                        </p:cTn>
+                                        <p:tgtEl>
+                                          <p:spTgt spid="39"/>
+                                        </p:tgtEl>
+                                        <p:attrNameLst>
+                                          <p:attrName>style.visibility</p:attrName>
+                                        </p:attrNameLst>
+                                      </p:cBhvr>
+                                      <p:to>
+                                        <p:strVal val="visible"/>
+                                      </p:to>
+                                    </p:set>
+                                  </p:childTnLst>
+                                </p:cTn>
+                              </p:par>
+                            </p:childTnLst>
+                          </p:cTn>
+                        </p:par>
+                      </p:childTnLst>
+                    </p:cTn>
+                  </p:par>
+                  <p:par>
+                    <p:cTn id="11" fill="hold">
+                      <p:stCondLst>
+                        <p:cond delay="indefinite"/>
+                      </p:stCondLst>
+                      <p:childTnLst>
+                        <p:par>
+                          <p:cTn id="12" fill="hold">
+                            <p:stCondLst>
+                              <p:cond delay="0"/>
+                            </p:stCondLst>
+                            <p:childTnLst>
+                              <p:par>
+                                <p:cTn id="13" presetID="1" presetClass="entr" presetSubtype="0" fill="hold" nodeType="clickEffect">
+                                  <p:stCondLst>
+                                    <p:cond delay="0"/>
+                                  </p:stCondLst>
+                                  <p:childTnLst>
+                                    <p:set>
+                                      <p:cBhvr>
+                                        <p:cTn id="14" dur="1" fill="hold">
+                                          <p:stCondLst>
+                                            <p:cond delay="0"/>
+                                          </p:stCondLst>
+                                        </p:cTn>
+                                        <p:tgtEl>
+                                          <p:spTgt spid="20"/>
+                                        </p:tgtEl>
+                                        <p:attrNameLst>
+                                          <p:attrName>style.visibility</p:attrName>
+                                        </p:attrNameLst>
+                                      </p:cBhvr>
+                                      <p:to>
+                                        <p:strVal val="visible"/>
+                                      </p:to>
+                                    </p:set>
+                                  </p:childTnLst>
+                                </p:cTn>
+                              </p:par>
+                            </p:childTnLst>
+                          </p:cTn>
+                        </p:par>
+                      </p:childTnLst>
+                    </p:cTn>
+                  </p:par>
+                </p:childTnLst>
+              </p:cTn>
+              <p:prevCondLst>
+                <p:cond evt="onPrev" delay="0">
+                  <p:tgtEl>
+                    <p:sldTgt/>
+                  </p:tgtEl>
+                </p:cond>
+              </p:prevCondLst>
+              <p:nextCondLst>
+                <p:cond evt="onNext" delay="0">
+                  <p:tgtEl>
+                    <p:sldTgt/>
+                  </p:tgtEl>
+                </p:cond>
+              </p:nextCondLst>
+            </p:seq>
+          </p:childTnLst>
+        </p:cTn>
+      </p:par>
+    </p:tnLst>
+  </p:timing>
 </p:sld>
 </file>
 
@@ -7760,7 +8851,7 @@
           <p:cNvPr id="2" name="標題 1">
             <a:extLst>
               <a:ext uri="{FF2B5EF4-FFF2-40B4-BE49-F238E27FC236}">
-                <a16:creationId xmlns:a16="http://schemas.microsoft.com/office/drawing/2014/main" xmlns="" id="{5672BF90-7484-4D1E-AFC1-B5C7864EA2E5}"/>
+                <a16:creationId xmlns="" xmlns:a16="http://schemas.microsoft.com/office/drawing/2014/main" id="{5672BF90-7484-4D1E-AFC1-B5C7864EA2E5}"/>
               </a:ext>
             </a:extLst>
           </p:cNvPr>
@@ -7796,7 +8887,7 @@
           <p:cNvPr id="3" name="內容版面配置區 2">
             <a:extLst>
               <a:ext uri="{FF2B5EF4-FFF2-40B4-BE49-F238E27FC236}">
-                <a16:creationId xmlns:a16="http://schemas.microsoft.com/office/drawing/2014/main" xmlns="" id="{CA513484-4225-4F1F-AB6C-B117C94DFBD3}"/>
+                <a16:creationId xmlns="" xmlns:a16="http://schemas.microsoft.com/office/drawing/2014/main" id="{CA513484-4225-4F1F-AB6C-B117C94DFBD3}"/>
               </a:ext>
             </a:extLst>
           </p:cNvPr>
@@ -7809,16 +8900,21 @@
         </p:nvSpPr>
         <p:spPr>
           <a:xfrm>
-            <a:off x="1828800" y="2038738"/>
-            <a:ext cx="8534400" cy="3615267"/>
+            <a:off x="337127" y="1394691"/>
+            <a:ext cx="11517745" cy="5163127"/>
           </a:xfrm>
         </p:spPr>
         <p:txBody>
-          <a:bodyPr anchor="ctr">
+          <a:bodyPr anchor="t">
             <a:normAutofit/>
           </a:bodyPr>
           <a:lstStyle/>
           <a:p>
+            <a:pPr>
+              <a:spcAft>
+                <a:spcPts val="1200"/>
+              </a:spcAft>
+            </a:pPr>
             <a:r>
               <a:rPr lang="zh-TW" altLang="en-US" sz="2400" dirty="0">
                 <a:solidFill>
@@ -7827,7 +8923,17 @@
                 <a:latin typeface="微軟正黑體" panose="020B0604030504040204" pitchFamily="34" charset="-120"/>
                 <a:ea typeface="微軟正黑體" panose="020B0604030504040204" pitchFamily="34" charset="-120"/>
               </a:rPr>
-              <a:t>透過這次機會我們嘗試去解決海灘髒亂的問題，現階段雖然不能解決所有的問題，但是我們提出一個和一般不一樣的方法透過這種機制來獎勵做好事的人。</a:t>
+              <a:t>透過這次機會我們嘗試去解決海灘髒亂的問題，現階段雖然不能解決所有的問題，但是我們提出一個和一般不一樣的方法透過這種機制來獎勵做好事的人</a:t>
+            </a:r>
+            <a:r>
+              <a:rPr lang="zh-TW" altLang="en-US" sz="2400" dirty="0" smtClean="0">
+                <a:solidFill>
+                  <a:schemeClr val="tx1"/>
+                </a:solidFill>
+                <a:latin typeface="微軟正黑體" panose="020B0604030504040204" pitchFamily="34" charset="-120"/>
+                <a:ea typeface="微軟正黑體" panose="020B0604030504040204" pitchFamily="34" charset="-120"/>
+              </a:rPr>
+              <a:t>。</a:t>
             </a:r>
             <a:endParaRPr lang="en-US" altLang="zh-TW" sz="2400" dirty="0">
               <a:solidFill>
@@ -7838,7 +8944,72 @@
             </a:endParaRPr>
           </a:p>
           <a:p>
-            <a:endParaRPr lang="en-US" altLang="zh-TW" sz="2400" dirty="0">
+            <a:pPr>
+              <a:spcAft>
+                <a:spcPts val="1200"/>
+              </a:spcAft>
+            </a:pPr>
+            <a:r>
+              <a:rPr lang="zh-TW" altLang="en-US" sz="2400" dirty="0">
+                <a:solidFill>
+                  <a:schemeClr val="tx1"/>
+                </a:solidFill>
+                <a:latin typeface="微軟正黑體" panose="020B0604030504040204" pitchFamily="34" charset="-120"/>
+                <a:ea typeface="微軟正黑體" panose="020B0604030504040204" pitchFamily="34" charset="-120"/>
+              </a:rPr>
+              <a:t>經過人們的</a:t>
+            </a:r>
+            <a:r>
+              <a:rPr lang="zh-TW" altLang="en-US" sz="2400" dirty="0" smtClean="0">
+                <a:solidFill>
+                  <a:schemeClr val="tx1"/>
+                </a:solidFill>
+                <a:latin typeface="微軟正黑體" panose="020B0604030504040204" pitchFamily="34" charset="-120"/>
+                <a:ea typeface="微軟正黑體" panose="020B0604030504040204" pitchFamily="34" charset="-120"/>
+              </a:rPr>
+              <a:t>口耳相傳</a:t>
+            </a:r>
+            <a:r>
+              <a:rPr lang="zh-TW" altLang="en-US" sz="2400" dirty="0">
+                <a:solidFill>
+                  <a:schemeClr val="tx1"/>
+                </a:solidFill>
+                <a:latin typeface="微軟正黑體" panose="020B0604030504040204" pitchFamily="34" charset="-120"/>
+                <a:ea typeface="微軟正黑體" panose="020B0604030504040204" pitchFamily="34" charset="-120"/>
+              </a:rPr>
+              <a:t>和更多的廠商加入提供更多的優惠，相信一定能吸引更多</a:t>
+            </a:r>
+            <a:r>
+              <a:rPr lang="zh-TW" altLang="en-US" sz="2400" dirty="0" smtClean="0">
+                <a:solidFill>
+                  <a:schemeClr val="tx1"/>
+                </a:solidFill>
+                <a:latin typeface="微軟正黑體" panose="020B0604030504040204" pitchFamily="34" charset="-120"/>
+                <a:ea typeface="微軟正黑體" panose="020B0604030504040204" pitchFamily="34" charset="-120"/>
+              </a:rPr>
+              <a:t>人加入</a:t>
+            </a:r>
+            <a:r>
+              <a:rPr lang="zh-TW" altLang="en-US" sz="2400" dirty="0">
+                <a:solidFill>
+                  <a:schemeClr val="tx1"/>
+                </a:solidFill>
+                <a:latin typeface="微軟正黑體" panose="020B0604030504040204" pitchFamily="34" charset="-120"/>
+                <a:ea typeface="微軟正黑體" panose="020B0604030504040204" pitchFamily="34" charset="-120"/>
+              </a:rPr>
+              <a:t>讓海岸更加乾淨</a:t>
+            </a:r>
+            <a:r>
+              <a:rPr lang="zh-TW" altLang="en-US" sz="2400" dirty="0" smtClean="0">
+                <a:solidFill>
+                  <a:schemeClr val="tx1"/>
+                </a:solidFill>
+                <a:latin typeface="微軟正黑體" panose="020B0604030504040204" pitchFamily="34" charset="-120"/>
+                <a:ea typeface="微軟正黑體" panose="020B0604030504040204" pitchFamily="34" charset="-120"/>
+              </a:rPr>
+              <a:t>。</a:t>
+            </a:r>
+            <a:endParaRPr lang="en-US" altLang="zh-TW" sz="2400" dirty="0" smtClean="0">
               <a:solidFill>
                 <a:schemeClr val="tx1"/>
               </a:solidFill>
@@ -7847,35 +9018,40 @@
             </a:endParaRPr>
           </a:p>
           <a:p>
-            <a:r>
-              <a:rPr lang="zh-TW" altLang="en-US" sz="2400" dirty="0">
+            <a:pPr>
+              <a:spcAft>
+                <a:spcPts val="1200"/>
+              </a:spcAft>
+            </a:pPr>
+            <a:r>
+              <a:rPr lang="zh-TW" altLang="en-US" sz="2400" dirty="0" smtClean="0">
                 <a:solidFill>
                   <a:schemeClr val="tx1"/>
                 </a:solidFill>
                 <a:latin typeface="微軟正黑體" panose="020B0604030504040204" pitchFamily="34" charset="-120"/>
                 <a:ea typeface="微軟正黑體" panose="020B0604030504040204" pitchFamily="34" charset="-120"/>
               </a:rPr>
-              <a:t>經過人們</a:t>
-            </a:r>
-            <a:r>
-              <a:rPr lang="zh-TW" altLang="en-US" sz="2400">
+              <a:t>未來會</a:t>
+            </a:r>
+            <a:r>
+              <a:rPr lang="zh-TW" altLang="en-US" sz="2400" dirty="0">
                 <a:solidFill>
                   <a:schemeClr val="tx1"/>
                 </a:solidFill>
                 <a:latin typeface="微軟正黑體" panose="020B0604030504040204" pitchFamily="34" charset="-120"/>
                 <a:ea typeface="微軟正黑體" panose="020B0604030504040204" pitchFamily="34" charset="-120"/>
               </a:rPr>
-              <a:t>的</a:t>
-            </a:r>
-            <a:r>
-              <a:rPr lang="zh-TW" altLang="en-US" sz="2400" smtClean="0">
+              <a:t>擴充 </a:t>
+            </a:r>
+            <a:r>
+              <a:rPr lang="en-US" altLang="zh-TW" sz="2400" dirty="0">
                 <a:solidFill>
                   <a:schemeClr val="tx1"/>
                 </a:solidFill>
                 <a:latin typeface="微軟正黑體" panose="020B0604030504040204" pitchFamily="34" charset="-120"/>
                 <a:ea typeface="微軟正黑體" panose="020B0604030504040204" pitchFamily="34" charset="-120"/>
               </a:rPr>
-              <a:t>口耳相傳</a:t>
+              <a:t>RFID </a:t>
             </a:r>
             <a:r>
               <a:rPr lang="zh-TW" altLang="en-US" sz="2400" dirty="0">
@@ -7885,8 +9061,209 @@
                 <a:latin typeface="微軟正黑體" panose="020B0604030504040204" pitchFamily="34" charset="-120"/>
                 <a:ea typeface="微軟正黑體" panose="020B0604030504040204" pitchFamily="34" charset="-120"/>
               </a:rPr>
-              <a:t>和更多的廠商加入提供更多的優惠，相信一定能吸引更多人加入讓海岸更加乾淨。</a:t>
-            </a:r>
+              <a:t>身分</a:t>
+            </a:r>
+            <a:r>
+              <a:rPr lang="zh-TW" altLang="en-US" sz="2400" dirty="0" smtClean="0">
+                <a:solidFill>
+                  <a:schemeClr val="tx1"/>
+                </a:solidFill>
+                <a:latin typeface="微軟正黑體" panose="020B0604030504040204" pitchFamily="34" charset="-120"/>
+                <a:ea typeface="微軟正黑體" panose="020B0604030504040204" pitchFamily="34" charset="-120"/>
+              </a:rPr>
+              <a:t>辨識以及</a:t>
+            </a:r>
+            <a:r>
+              <a:rPr lang="zh-TW" altLang="en-US" sz="2400" dirty="0">
+                <a:solidFill>
+                  <a:schemeClr val="tx1"/>
+                </a:solidFill>
+                <a:latin typeface="微軟正黑體" panose="020B0604030504040204" pitchFamily="34" charset="-120"/>
+                <a:ea typeface="微軟正黑體" panose="020B0604030504040204" pitchFamily="34" charset="-120"/>
+              </a:rPr>
+              <a:t>重量感測等等的，以達到分類的目的。</a:t>
+            </a:r>
+          </a:p>
+          <a:p>
+            <a:pPr>
+              <a:spcAft>
+                <a:spcPts val="1200"/>
+              </a:spcAft>
+            </a:pPr>
+            <a:r>
+              <a:rPr lang="zh-TW" altLang="en-US" sz="2400" dirty="0">
+                <a:solidFill>
+                  <a:schemeClr val="tx1"/>
+                </a:solidFill>
+                <a:latin typeface="微軟正黑體" panose="020B0604030504040204" pitchFamily="34" charset="-120"/>
+                <a:ea typeface="微軟正黑體" panose="020B0604030504040204" pitchFamily="34" charset="-120"/>
+              </a:rPr>
+              <a:t>建立推平台的方式，如開放式課程，只要身分審核過，可以提供一些優惠，換取過告與推廣以達到吸引顧客的目的，會因地來調整</a:t>
+            </a:r>
+            <a:r>
+              <a:rPr lang="en-US" altLang="zh-TW" sz="2400" dirty="0">
+                <a:solidFill>
+                  <a:schemeClr val="tx1"/>
+                </a:solidFill>
+                <a:latin typeface="微軟正黑體" panose="020B0604030504040204" pitchFamily="34" charset="-120"/>
+                <a:ea typeface="微軟正黑體" panose="020B0604030504040204" pitchFamily="34" charset="-120"/>
+              </a:rPr>
+              <a:t>(</a:t>
+            </a:r>
+            <a:r>
+              <a:rPr lang="zh-TW" altLang="en-US" sz="2400" dirty="0">
+                <a:solidFill>
+                  <a:schemeClr val="tx1"/>
+                </a:solidFill>
+                <a:latin typeface="微軟正黑體" panose="020B0604030504040204" pitchFamily="34" charset="-120"/>
+                <a:ea typeface="微軟正黑體" panose="020B0604030504040204" pitchFamily="34" charset="-120"/>
+              </a:rPr>
+              <a:t>在地化</a:t>
+            </a:r>
+            <a:r>
+              <a:rPr lang="en-US" altLang="zh-TW" sz="2400" dirty="0">
+                <a:solidFill>
+                  <a:schemeClr val="tx1"/>
+                </a:solidFill>
+                <a:latin typeface="微軟正黑體" panose="020B0604030504040204" pitchFamily="34" charset="-120"/>
+                <a:ea typeface="微軟正黑體" panose="020B0604030504040204" pitchFamily="34" charset="-120"/>
+              </a:rPr>
+              <a:t>)</a:t>
+            </a:r>
+            <a:r>
+              <a:rPr lang="zh-TW" altLang="en-US" sz="2400" dirty="0">
+                <a:solidFill>
+                  <a:schemeClr val="tx1"/>
+                </a:solidFill>
+                <a:latin typeface="微軟正黑體" panose="020B0604030504040204" pitchFamily="34" charset="-120"/>
+                <a:ea typeface="微軟正黑體" panose="020B0604030504040204" pitchFamily="34" charset="-120"/>
+              </a:rPr>
+              <a:t>。</a:t>
+            </a:r>
+          </a:p>
+          <a:p>
+            <a:r>
+              <a:rPr lang="zh-TW" altLang="en-US" sz="2400" dirty="0">
+                <a:solidFill>
+                  <a:schemeClr val="tx1"/>
+                </a:solidFill>
+                <a:latin typeface="微軟正黑體" panose="020B0604030504040204" pitchFamily="34" charset="-120"/>
+                <a:ea typeface="微軟正黑體" panose="020B0604030504040204" pitchFamily="34" charset="-120"/>
+              </a:rPr>
+              <a:t>並且能串流各大平台，如</a:t>
+            </a:r>
+            <a:r>
+              <a:rPr lang="en-US" altLang="zh-TW" sz="2400" dirty="0">
+                <a:solidFill>
+                  <a:schemeClr val="tx1"/>
+                </a:solidFill>
+                <a:latin typeface="微軟正黑體" panose="020B0604030504040204" pitchFamily="34" charset="-120"/>
+                <a:ea typeface="微軟正黑體" panose="020B0604030504040204" pitchFamily="34" charset="-120"/>
+              </a:rPr>
+              <a:t>IOS </a:t>
+            </a:r>
+            <a:r>
+              <a:rPr lang="zh-TW" altLang="en-US" sz="2400" dirty="0">
+                <a:solidFill>
+                  <a:schemeClr val="tx1"/>
+                </a:solidFill>
+                <a:latin typeface="微軟正黑體" panose="020B0604030504040204" pitchFamily="34" charset="-120"/>
+                <a:ea typeface="微軟正黑體" panose="020B0604030504040204" pitchFamily="34" charset="-120"/>
+              </a:rPr>
+              <a:t>、 </a:t>
+            </a:r>
+            <a:r>
+              <a:rPr lang="en-US" altLang="zh-TW" sz="2400" dirty="0">
+                <a:solidFill>
+                  <a:schemeClr val="tx1"/>
+                </a:solidFill>
+                <a:latin typeface="微軟正黑體" panose="020B0604030504040204" pitchFamily="34" charset="-120"/>
+                <a:ea typeface="微軟正黑體" panose="020B0604030504040204" pitchFamily="34" charset="-120"/>
+              </a:rPr>
+              <a:t>APP </a:t>
+            </a:r>
+            <a:r>
+              <a:rPr lang="zh-TW" altLang="en-US" sz="2400" dirty="0">
+                <a:solidFill>
+                  <a:schemeClr val="tx1"/>
+                </a:solidFill>
+                <a:latin typeface="微軟正黑體" panose="020B0604030504040204" pitchFamily="34" charset="-120"/>
+                <a:ea typeface="微軟正黑體" panose="020B0604030504040204" pitchFamily="34" charset="-120"/>
+              </a:rPr>
+              <a:t>、</a:t>
+            </a:r>
+            <a:r>
+              <a:rPr lang="en-US" altLang="zh-TW" sz="2400" dirty="0">
+                <a:solidFill>
+                  <a:schemeClr val="tx1"/>
+                </a:solidFill>
+                <a:latin typeface="微軟正黑體" panose="020B0604030504040204" pitchFamily="34" charset="-120"/>
+                <a:ea typeface="微軟正黑體" panose="020B0604030504040204" pitchFamily="34" charset="-120"/>
+              </a:rPr>
+              <a:t>WEB </a:t>
+            </a:r>
+            <a:r>
+              <a:rPr lang="zh-TW" altLang="en-US" sz="2400" dirty="0">
+                <a:solidFill>
+                  <a:schemeClr val="tx1"/>
+                </a:solidFill>
+                <a:latin typeface="微軟正黑體" panose="020B0604030504040204" pitchFamily="34" charset="-120"/>
+                <a:ea typeface="微軟正黑體" panose="020B0604030504040204" pitchFamily="34" charset="-120"/>
+              </a:rPr>
+              <a:t>、 </a:t>
+            </a:r>
+            <a:r>
+              <a:rPr lang="en-US" altLang="zh-TW" sz="2400" dirty="0">
+                <a:solidFill>
+                  <a:schemeClr val="tx1"/>
+                </a:solidFill>
+                <a:latin typeface="微軟正黑體" panose="020B0604030504040204" pitchFamily="34" charset="-120"/>
+                <a:ea typeface="微軟正黑體" panose="020B0604030504040204" pitchFamily="34" charset="-120"/>
+              </a:rPr>
+              <a:t>GAME </a:t>
+            </a:r>
+            <a:r>
+              <a:rPr lang="zh-TW" altLang="en-US" sz="2400" dirty="0">
+                <a:solidFill>
+                  <a:schemeClr val="tx1"/>
+                </a:solidFill>
+                <a:latin typeface="微軟正黑體" panose="020B0604030504040204" pitchFamily="34" charset="-120"/>
+                <a:ea typeface="微軟正黑體" panose="020B0604030504040204" pitchFamily="34" charset="-120"/>
+              </a:rPr>
+              <a:t>、 區塊鏈等等的。 此優惠也不限制只有實體物品，如：服務、遊戲點數、遊戲獎勵、網路購物等都可合作，並幫助</a:t>
+            </a:r>
+            <a:r>
+              <a:rPr lang="zh-TW" altLang="en-US" sz="2400" dirty="0" smtClean="0">
+                <a:solidFill>
+                  <a:schemeClr val="tx1"/>
+                </a:solidFill>
+                <a:latin typeface="微軟正黑體" panose="020B0604030504040204" pitchFamily="34" charset="-120"/>
+                <a:ea typeface="微軟正黑體" panose="020B0604030504040204" pitchFamily="34" charset="-120"/>
+              </a:rPr>
+              <a:t>推廣</a:t>
+            </a:r>
+            <a:r>
+              <a:rPr lang="zh-TW" altLang="en-US" sz="2400" dirty="0">
+                <a:solidFill>
+                  <a:schemeClr val="tx1"/>
+                </a:solidFill>
+                <a:latin typeface="微軟正黑體" panose="020B0604030504040204" pitchFamily="34" charset="-120"/>
+                <a:ea typeface="微軟正黑體" panose="020B0604030504040204" pitchFamily="34" charset="-120"/>
+              </a:rPr>
+              <a:t>商</a:t>
+            </a:r>
+            <a:r>
+              <a:rPr lang="zh-TW" altLang="en-US" sz="2400" dirty="0">
+                <a:solidFill>
+                  <a:schemeClr val="tx1"/>
+                </a:solidFill>
+                <a:latin typeface="微軟正黑體" panose="020B0604030504040204" pitchFamily="34" charset="-120"/>
+                <a:ea typeface="微軟正黑體" panose="020B0604030504040204" pitchFamily="34" charset="-120"/>
+              </a:rPr>
+              <a:t>。</a:t>
+            </a:r>
+          </a:p>
+          <a:p>
             <a:endParaRPr lang="en-US" altLang="zh-TW" sz="2400" dirty="0">
               <a:solidFill>
                 <a:schemeClr val="tx1"/>
@@ -7907,6 +9284,13 @@
   <p:clrMapOvr>
     <a:masterClrMapping/>
   </p:clrMapOvr>
+  <p:timing>
+    <p:tnLst>
+      <p:par>
+        <p:cTn id="1" dur="indefinite" restart="never" nodeType="tmRoot"/>
+      </p:par>
+    </p:tnLst>
+  </p:timing>
 </p:sld>
 </file>
 
@@ -8182,4 +9566,265 @@
     </a:ext>
   </a:extLst>
 </a:theme>
+</file>
+
+<file path=ppt/theme/theme2.xml><?xml version="1.0" encoding="utf-8"?>
+<a:theme xmlns:a="http://schemas.openxmlformats.org/drawingml/2006/main" name="Office 佈景主題">
+  <a:themeElements>
+    <a:clrScheme name="Office">
+      <a:dk1>
+        <a:sysClr val="windowText" lastClr="000000"/>
+      </a:dk1>
+      <a:lt1>
+        <a:sysClr val="window" lastClr="FFFFFF"/>
+      </a:lt1>
+      <a:dk2>
+        <a:srgbClr val="44546A"/>
+      </a:dk2>
+      <a:lt2>
+        <a:srgbClr val="E7E6E6"/>
+      </a:lt2>
+      <a:accent1>
+        <a:srgbClr val="5B9BD5"/>
+      </a:accent1>
+      <a:accent2>
+        <a:srgbClr val="ED7D31"/>
+      </a:accent2>
+      <a:accent3>
+        <a:srgbClr val="A5A5A5"/>
+      </a:accent3>
+      <a:accent4>
+        <a:srgbClr val="FFC000"/>
+      </a:accent4>
+      <a:accent5>
+        <a:srgbClr val="4472C4"/>
+      </a:accent5>
+      <a:accent6>
+        <a:srgbClr val="70AD47"/>
+      </a:accent6>
+      <a:hlink>
+        <a:srgbClr val="0563C1"/>
+      </a:hlink>
+      <a:folHlink>
+        <a:srgbClr val="954F72"/>
+      </a:folHlink>
+    </a:clrScheme>
+    <a:fontScheme name="Office">
+      <a:majorFont>
+        <a:latin typeface="Calibri Light" panose="020F0302020204030204"/>
+        <a:ea typeface=""/>
+        <a:cs typeface=""/>
+        <a:font script="Jpan" typeface="ＭＳ Ｐゴシック"/>
+        <a:font script="Hang" typeface="맑은 고딕"/>
+        <a:font script="Hans" typeface="宋体"/>
+        <a:font script="Hant" typeface="新細明體"/>
+        <a:font script="Arab" typeface="Times New Roman"/>
+        <a:font script="Hebr" typeface="Times New Roman"/>
+        <a:font script="Thai" typeface="Angsana New"/>
+        <a:font script="Ethi" typeface="Nyala"/>
+        <a:font script="Beng" typeface="Vrinda"/>
+        <a:font script="Gujr" typeface="Shruti"/>
+        <a:font script="Khmr" typeface="MoolBoran"/>
+        <a:font script="Knda" typeface="Tunga"/>
+        <a:font script="Guru" typeface="Raavi"/>
+        <a:font script="Cans" typeface="Euphemia"/>
+        <a:font script="Cher" typeface="Plantagenet Cherokee"/>
+        <a:font script="Yiii" typeface="Microsoft Yi Baiti"/>
+        <a:font script="Tibt" typeface="Microsoft Himalaya"/>
+        <a:font script="Thaa" typeface="MV Boli"/>
+        <a:font script="Deva" typeface="Mangal"/>
+        <a:font script="Telu" typeface="Gautami"/>
+        <a:font script="Taml" typeface="Latha"/>
+        <a:font script="Syrc" typeface="Estrangelo Edessa"/>
+        <a:font script="Orya" typeface="Kalinga"/>
+        <a:font script="Mlym" typeface="Kartika"/>
+        <a:font script="Laoo" typeface="DokChampa"/>
+        <a:font script="Sinh" typeface="Iskoola Pota"/>
+        <a:font script="Mong" typeface="Mongolian Baiti"/>
+        <a:font script="Viet" typeface="Times New Roman"/>
+        <a:font script="Uigh" typeface="Microsoft Uighur"/>
+        <a:font script="Geor" typeface="Sylfaen"/>
+      </a:majorFont>
+      <a:minorFont>
+        <a:latin typeface="Calibri" panose="020F0502020204030204"/>
+        <a:ea typeface=""/>
+        <a:cs typeface=""/>
+        <a:font script="Jpan" typeface="ＭＳ Ｐゴシック"/>
+        <a:font script="Hang" typeface="맑은 고딕"/>
+        <a:font script="Hans" typeface="宋体"/>
+        <a:font script="Hant" typeface="新細明體"/>
+        <a:font script="Arab" typeface="Arial"/>
+        <a:font script="Hebr" typeface="Arial"/>
+        <a:font script="Thai" typeface="Cordia New"/>
+        <a:font script="Ethi" typeface="Nyala"/>
+        <a:font script="Beng" typeface="Vrinda"/>
+        <a:font script="Gujr" typeface="Shruti"/>
+        <a:font script="Khmr" typeface="DaunPenh"/>
+        <a:font script="Knda" typeface="Tunga"/>
+        <a:font script="Guru" typeface="Raavi"/>
+        <a:font script="Cans" typeface="Euphemia"/>
+        <a:font script="Cher" typeface="Plantagenet Cherokee"/>
+        <a:font script="Yiii" typeface="Microsoft Yi Baiti"/>
+        <a:font script="Tibt" typeface="Microsoft Himalaya"/>
+        <a:font script="Thaa" typeface="MV Boli"/>
+        <a:font script="Deva" typeface="Mangal"/>
+        <a:font script="Telu" typeface="Gautami"/>
+        <a:font script="Taml" typeface="Latha"/>
+        <a:font script="Syrc" typeface="Estrangelo Edessa"/>
+        <a:font script="Orya" typeface="Kalinga"/>
+        <a:font script="Mlym" typeface="Kartika"/>
+        <a:font script="Laoo" typeface="DokChampa"/>
+        <a:font script="Sinh" typeface="Iskoola Pota"/>
+        <a:font script="Mong" typeface="Mongolian Baiti"/>
+        <a:font script="Viet" typeface="Arial"/>
+        <a:font script="Uigh" typeface="Microsoft Uighur"/>
+        <a:font script="Geor" typeface="Sylfaen"/>
+      </a:minorFont>
+    </a:fontScheme>
+    <a:fmtScheme name="Office">
+      <a:fillStyleLst>
+        <a:solidFill>
+          <a:schemeClr val="phClr"/>
+        </a:solidFill>
+        <a:gradFill rotWithShape="1">
+          <a:gsLst>
+            <a:gs pos="0">
+              <a:schemeClr val="phClr">
+                <a:lumMod val="110000"/>
+                <a:satMod val="105000"/>
+                <a:tint val="67000"/>
+              </a:schemeClr>
+            </a:gs>
+            <a:gs pos="50000">
+              <a:schemeClr val="phClr">
+                <a:lumMod val="105000"/>
+                <a:satMod val="103000"/>
+                <a:tint val="73000"/>
+              </a:schemeClr>
+            </a:gs>
+            <a:gs pos="100000">
+              <a:schemeClr val="phClr">
+                <a:lumMod val="105000"/>
+                <a:satMod val="109000"/>
+                <a:tint val="81000"/>
+              </a:schemeClr>
+            </a:gs>
+          </a:gsLst>
+          <a:lin ang="5400000" scaled="0"/>
+        </a:gradFill>
+        <a:gradFill rotWithShape="1">
+          <a:gsLst>
+            <a:gs pos="0">
+              <a:schemeClr val="phClr">
+                <a:satMod val="103000"/>
+                <a:lumMod val="102000"/>
+                <a:tint val="94000"/>
+              </a:schemeClr>
+            </a:gs>
+            <a:gs pos="50000">
+              <a:schemeClr val="phClr">
+                <a:satMod val="110000"/>
+                <a:lumMod val="100000"/>
+                <a:shade val="100000"/>
+              </a:schemeClr>
+            </a:gs>
+            <a:gs pos="100000">
+              <a:schemeClr val="phClr">
+                <a:lumMod val="99000"/>
+                <a:satMod val="120000"/>
+                <a:shade val="78000"/>
+              </a:schemeClr>
+            </a:gs>
+          </a:gsLst>
+          <a:lin ang="5400000" scaled="0"/>
+        </a:gradFill>
+      </a:fillStyleLst>
+      <a:lnStyleLst>
+        <a:ln w="6350" cap="flat" cmpd="sng" algn="ctr">
+          <a:solidFill>
+            <a:schemeClr val="phClr"/>
+          </a:solidFill>
+          <a:prstDash val="solid"/>
+          <a:miter lim="800000"/>
+        </a:ln>
+        <a:ln w="12700" cap="flat" cmpd="sng" algn="ctr">
+          <a:solidFill>
+            <a:schemeClr val="phClr"/>
+          </a:solidFill>
+          <a:prstDash val="solid"/>
+          <a:miter lim="800000"/>
+        </a:ln>
+        <a:ln w="19050" cap="flat" cmpd="sng" algn="ctr">
+          <a:solidFill>
+            <a:schemeClr val="phClr"/>
+          </a:solidFill>
+          <a:prstDash val="solid"/>
+          <a:miter lim="800000"/>
+        </a:ln>
+      </a:lnStyleLst>
+      <a:effectStyleLst>
+        <a:effectStyle>
+          <a:effectLst/>
+        </a:effectStyle>
+        <a:effectStyle>
+          <a:effectLst/>
+        </a:effectStyle>
+        <a:effectStyle>
+          <a:effectLst>
+            <a:outerShdw blurRad="57150" dist="19050" dir="5400000" algn="ctr" rotWithShape="0">
+              <a:srgbClr val="000000">
+                <a:alpha val="63000"/>
+              </a:srgbClr>
+            </a:outerShdw>
+          </a:effectLst>
+        </a:effectStyle>
+      </a:effectStyleLst>
+      <a:bgFillStyleLst>
+        <a:solidFill>
+          <a:schemeClr val="phClr"/>
+        </a:solidFill>
+        <a:solidFill>
+          <a:schemeClr val="phClr">
+            <a:tint val="95000"/>
+            <a:satMod val="170000"/>
+          </a:schemeClr>
+        </a:solidFill>
+        <a:gradFill rotWithShape="1">
+          <a:gsLst>
+            <a:gs pos="0">
+              <a:schemeClr val="phClr">
+                <a:tint val="93000"/>
+                <a:satMod val="150000"/>
+                <a:shade val="98000"/>
+                <a:lumMod val="102000"/>
+              </a:schemeClr>
+            </a:gs>
+            <a:gs pos="50000">
+              <a:schemeClr val="phClr">
+                <a:tint val="98000"/>
+                <a:satMod val="130000"/>
+                <a:shade val="90000"/>
+                <a:lumMod val="103000"/>
+              </a:schemeClr>
+            </a:gs>
+            <a:gs pos="100000">
+              <a:schemeClr val="phClr">
+                <a:shade val="63000"/>
+                <a:satMod val="120000"/>
+              </a:schemeClr>
+            </a:gs>
+          </a:gsLst>
+          <a:lin ang="5400000" scaled="0"/>
+        </a:gradFill>
+      </a:bgFillStyleLst>
+    </a:fmtScheme>
+  </a:themeElements>
+  <a:objectDefaults/>
+  <a:extraClrSchemeLst/>
+  <a:extLst>
+    <a:ext uri="{05A4C25C-085E-4340-85A3-A5531E510DB2}">
+      <thm15:themeFamily xmlns:thm15="http://schemas.microsoft.com/office/thememl/2012/main" name="Office Theme" id="{62F939B6-93AF-4DB8-9C6B-D6C7DFDC589F}" vid="{4A3C46E8-61CC-4603-A589-7422A47A8E4A}"/>
+    </a:ext>
+  </a:extLst>
+</a:theme>
 </file>